--- a/teaching/CS472/Timetable/LLM.pptx
+++ b/teaching/CS472/Timetable/LLM.pptx
@@ -5,13 +5,15 @@
     <p:sldMasterId id="2147483648" r:id="rId1"/>
   </p:sldMasterIdLst>
   <p:notesMasterIdLst>
-    <p:notesMasterId r:id="rId6"/>
+    <p:notesMasterId r:id="rId8"/>
   </p:notesMasterIdLst>
   <p:sldIdLst>
     <p:sldId id="256" r:id="rId2"/>
     <p:sldId id="257" r:id="rId3"/>
     <p:sldId id="258" r:id="rId4"/>
     <p:sldId id="259" r:id="rId5"/>
+    <p:sldId id="261" r:id="rId6"/>
+    <p:sldId id="260" r:id="rId7"/>
   </p:sldIdLst>
   <p:sldSz cx="12192000" cy="6858000"/>
   <p:notesSz cx="6858000" cy="9144000"/>
@@ -4860,370 +4862,125 @@
             <p:ph type="title"/>
           </p:nvPr>
         </p:nvSpPr>
-        <p:spPr/>
-        <p:txBody>
-          <a:bodyPr/>
-          <a:lstStyle/>
-          <a:p>
-            <a:r>
-              <a:rPr lang="en-US" dirty="0"/>
-              <a:t>Utilization of LLM for in SE Tasks</a:t>
-            </a:r>
-          </a:p>
-        </p:txBody>
-      </p:sp>
-      <p:sp>
-        <p:nvSpPr>
-          <p:cNvPr id="3" name="Content Placeholder 2">
-            <a:extLst>
-              <a:ext uri="{FF2B5EF4-FFF2-40B4-BE49-F238E27FC236}">
-                <a16:creationId xmlns:a16="http://schemas.microsoft.com/office/drawing/2014/main" id="{05E725CE-C9F1-CF0B-8849-EA90B481E99A}"/>
-              </a:ext>
-            </a:extLst>
-          </p:cNvPr>
-          <p:cNvSpPr>
-            <a:spLocks noGrp="1"/>
-          </p:cNvSpPr>
-          <p:nvPr>
-            <p:ph idx="1"/>
-          </p:nvPr>
-        </p:nvSpPr>
         <p:spPr>
           <a:xfrm>
-            <a:off x="665921" y="1838877"/>
-            <a:ext cx="5208105" cy="4351338"/>
+            <a:off x="291548" y="208144"/>
+            <a:ext cx="11353800" cy="874643"/>
           </a:xfrm>
         </p:spPr>
         <p:txBody>
           <a:bodyPr>
-            <a:normAutofit/>
+            <a:noAutofit/>
           </a:bodyPr>
           <a:lstStyle/>
           <a:p>
             <a:r>
-              <a:rPr lang="en-US" dirty="0"/>
-              <a:t>Requirements Engineering</a:t>
-            </a:r>
-          </a:p>
-          <a:p>
-            <a:pPr lvl="1"/>
-            <a:r>
-              <a:rPr lang="en-US" dirty="0"/>
-              <a:t>Requirements classification</a:t>
-            </a:r>
-          </a:p>
-          <a:p>
-            <a:pPr lvl="1"/>
-            <a:r>
-              <a:rPr lang="en-US" dirty="0"/>
-              <a:t>Traceability automation</a:t>
-            </a:r>
-          </a:p>
-          <a:p>
-            <a:r>
-              <a:rPr lang="en-US" dirty="0"/>
-              <a:t>Software Design</a:t>
-            </a:r>
-          </a:p>
-          <a:p>
-            <a:pPr lvl="1"/>
-            <a:r>
-              <a:rPr lang="en-US" dirty="0"/>
-              <a:t>GUI retrieval</a:t>
-            </a:r>
-          </a:p>
-          <a:p>
-            <a:pPr lvl="1"/>
-            <a:r>
-              <a:rPr lang="en-US" dirty="0"/>
-              <a:t>Rapid prototyping</a:t>
-            </a:r>
-          </a:p>
-          <a:p>
-            <a:r>
-              <a:rPr lang="en-US" dirty="0"/>
-              <a:t>Software Development</a:t>
-            </a:r>
-          </a:p>
-          <a:p>
-            <a:pPr lvl="1"/>
-            <a:r>
-              <a:rPr lang="en-US" dirty="0"/>
-              <a:t>Code generation</a:t>
-            </a:r>
-          </a:p>
-          <a:p>
-            <a:pPr lvl="1"/>
-            <a:r>
-              <a:rPr lang="en-US" dirty="0"/>
-              <a:t>Code understanding</a:t>
-            </a:r>
-          </a:p>
-          <a:p>
-            <a:pPr lvl="1"/>
-            <a:r>
-              <a:rPr lang="en-US" dirty="0"/>
-              <a:t>Code search</a:t>
-            </a:r>
-          </a:p>
-        </p:txBody>
-      </p:sp>
-      <p:sp>
-        <p:nvSpPr>
-          <p:cNvPr id="4" name="Content Placeholder 2">
-            <a:extLst>
-              <a:ext uri="{FF2B5EF4-FFF2-40B4-BE49-F238E27FC236}">
-                <a16:creationId xmlns:a16="http://schemas.microsoft.com/office/drawing/2014/main" id="{D26CE0B9-8F5E-4C58-5DAA-5A712CFDD74A}"/>
-              </a:ext>
-            </a:extLst>
-          </p:cNvPr>
-          <p:cNvSpPr txBox="1">
-            <a:spLocks/>
-          </p:cNvSpPr>
-          <p:nvPr/>
-        </p:nvSpPr>
+              <a:rPr lang="en-US" sz="3600" dirty="0"/>
+              <a:t>What SE Tasks have been addressed to date using LLM4SE</a:t>
+            </a:r>
+          </a:p>
+        </p:txBody>
+      </p:sp>
+      <p:pic>
+        <p:nvPicPr>
+          <p:cNvPr id="7" name="Content Placeholder 4" descr="A table with text on it&#10;&#10;Description automatically generated">
+            <a:extLst>
+              <a:ext uri="{FF2B5EF4-FFF2-40B4-BE49-F238E27FC236}">
+                <a16:creationId xmlns:a16="http://schemas.microsoft.com/office/drawing/2014/main" id="{38C4491F-10C6-F0D8-6727-9E5384A8339A}"/>
+              </a:ext>
+            </a:extLst>
+          </p:cNvPr>
+          <p:cNvPicPr>
+            <a:picLocks noGrp="1" noChangeAspect="1"/>
+          </p:cNvPicPr>
+          <p:nvPr>
+            <p:ph idx="1"/>
+          </p:nvPr>
+        </p:nvPicPr>
+        <p:blipFill rotWithShape="1">
+          <a:blip r:embed="rId3"/>
+          <a:srcRect t="7504"/>
+          <a:stretch/>
+        </p:blipFill>
         <p:spPr>
           <a:xfrm>
-            <a:off x="6317974" y="1838877"/>
-            <a:ext cx="5582478" cy="4351338"/>
+            <a:off x="0" y="1152938"/>
+            <a:ext cx="7622286" cy="5671931"/>
+          </a:xfrm>
+        </p:spPr>
+      </p:pic>
+      <p:sp>
+        <p:nvSpPr>
+          <p:cNvPr id="8" name="TextBox 7">
+            <a:extLst>
+              <a:ext uri="{FF2B5EF4-FFF2-40B4-BE49-F238E27FC236}">
+                <a16:creationId xmlns:a16="http://schemas.microsoft.com/office/drawing/2014/main" id="{36F3D8FA-3512-8EE5-4908-9E1AD898FD28}"/>
+              </a:ext>
+            </a:extLst>
+          </p:cNvPr>
+          <p:cNvSpPr txBox="1"/>
+          <p:nvPr/>
+        </p:nvSpPr>
+        <p:spPr>
+          <a:xfrm>
+            <a:off x="7182678" y="2718208"/>
+            <a:ext cx="4757532" cy="1323439"/>
           </a:xfrm>
           <a:prstGeom prst="rect">
             <a:avLst/>
           </a:prstGeom>
+          <a:noFill/>
+          <a:ln w="19050">
+            <a:solidFill>
+              <a:srgbClr val="C00000"/>
+            </a:solidFill>
+          </a:ln>
         </p:spPr>
         <p:txBody>
-          <a:bodyPr vert="horz" lIns="91440" tIns="45720" rIns="91440" bIns="45720" rtlCol="0">
-            <a:normAutofit/>
+          <a:bodyPr wrap="square" rtlCol="0">
+            <a:spAutoFit/>
           </a:bodyPr>
-          <a:lstStyle>
-            <a:lvl1pPr marL="228600" indent="-228600" algn="l" defTabSz="914400" rtl="0" eaLnBrk="1" latinLnBrk="0" hangingPunct="1">
-              <a:lnSpc>
-                <a:spcPct val="90000"/>
-              </a:lnSpc>
-              <a:spcBef>
-                <a:spcPts val="1000"/>
-              </a:spcBef>
+          <a:lstStyle/>
+          <a:p>
+            <a:r>
+              <a:rPr lang="en-US" sz="1600" dirty="0"/>
+              <a:t>Hou et al. LLMs for SE: A Systematic Literature Review</a:t>
+            </a:r>
+          </a:p>
+          <a:p>
+            <a:pPr marL="285750" indent="-285750">
               <a:buFont typeface="Arial" panose="020B0604020202020204" pitchFamily="34" charset="0"/>
               <a:buChar char="•"/>
-              <a:defRPr sz="2800" kern="1200">
-                <a:solidFill>
-                  <a:schemeClr val="tx1"/>
-                </a:solidFill>
-                <a:latin typeface="+mn-lt"/>
-                <a:ea typeface="+mn-ea"/>
-                <a:cs typeface="+mn-cs"/>
-              </a:defRPr>
-            </a:lvl1pPr>
-            <a:lvl2pPr marL="685800" indent="-228600" algn="l" defTabSz="914400" rtl="0" eaLnBrk="1" latinLnBrk="0" hangingPunct="1">
-              <a:lnSpc>
-                <a:spcPct val="90000"/>
-              </a:lnSpc>
-              <a:spcBef>
-                <a:spcPts val="500"/>
-              </a:spcBef>
+            </a:pPr>
+            <a:r>
+              <a:rPr lang="en-US" sz="1600" dirty="0">
+                <a:hlinkClick r:id="rId4"/>
+              </a:rPr>
+              <a:t>https://arxiv.org/pdf/2308.10620.pdf</a:t>
+            </a:r>
+            <a:r>
+              <a:rPr lang="en-US" sz="1600" dirty="0"/>
+              <a:t> </a:t>
+            </a:r>
+          </a:p>
+          <a:p>
+            <a:pPr marL="285750" indent="-285750">
               <a:buFont typeface="Arial" panose="020B0604020202020204" pitchFamily="34" charset="0"/>
               <a:buChar char="•"/>
-              <a:defRPr sz="2400" kern="1200">
-                <a:solidFill>
-                  <a:schemeClr val="tx1"/>
-                </a:solidFill>
-                <a:latin typeface="+mn-lt"/>
-                <a:ea typeface="+mn-ea"/>
-                <a:cs typeface="+mn-cs"/>
-              </a:defRPr>
-            </a:lvl2pPr>
-            <a:lvl3pPr marL="1143000" indent="-228600" algn="l" defTabSz="914400" rtl="0" eaLnBrk="1" latinLnBrk="0" hangingPunct="1">
-              <a:lnSpc>
-                <a:spcPct val="90000"/>
-              </a:lnSpc>
-              <a:spcBef>
-                <a:spcPts val="500"/>
-              </a:spcBef>
+            </a:pPr>
+            <a:r>
+              <a:rPr lang="en-US" sz="1600" dirty="0"/>
+              <a:t>Analyzed 229 research papers on the subject</a:t>
+            </a:r>
+          </a:p>
+          <a:p>
+            <a:pPr marL="285750" indent="-285750">
               <a:buFont typeface="Arial" panose="020B0604020202020204" pitchFamily="34" charset="0"/>
               <a:buChar char="•"/>
-              <a:defRPr sz="2000" kern="1200">
-                <a:solidFill>
-                  <a:schemeClr val="tx1"/>
-                </a:solidFill>
-                <a:latin typeface="+mn-lt"/>
-                <a:ea typeface="+mn-ea"/>
-                <a:cs typeface="+mn-cs"/>
-              </a:defRPr>
-            </a:lvl3pPr>
-            <a:lvl4pPr marL="1600200" indent="-228600" algn="l" defTabSz="914400" rtl="0" eaLnBrk="1" latinLnBrk="0" hangingPunct="1">
-              <a:lnSpc>
-                <a:spcPct val="90000"/>
-              </a:lnSpc>
-              <a:spcBef>
-                <a:spcPts val="500"/>
-              </a:spcBef>
-              <a:buFont typeface="Arial" panose="020B0604020202020204" pitchFamily="34" charset="0"/>
-              <a:buChar char="•"/>
-              <a:defRPr sz="1800" kern="1200">
-                <a:solidFill>
-                  <a:schemeClr val="tx1"/>
-                </a:solidFill>
-                <a:latin typeface="+mn-lt"/>
-                <a:ea typeface="+mn-ea"/>
-                <a:cs typeface="+mn-cs"/>
-              </a:defRPr>
-            </a:lvl4pPr>
-            <a:lvl5pPr marL="2057400" indent="-228600" algn="l" defTabSz="914400" rtl="0" eaLnBrk="1" latinLnBrk="0" hangingPunct="1">
-              <a:lnSpc>
-                <a:spcPct val="90000"/>
-              </a:lnSpc>
-              <a:spcBef>
-                <a:spcPts val="500"/>
-              </a:spcBef>
-              <a:buFont typeface="Arial" panose="020B0604020202020204" pitchFamily="34" charset="0"/>
-              <a:buChar char="•"/>
-              <a:defRPr sz="1800" kern="1200">
-                <a:solidFill>
-                  <a:schemeClr val="tx1"/>
-                </a:solidFill>
-                <a:latin typeface="+mn-lt"/>
-                <a:ea typeface="+mn-ea"/>
-                <a:cs typeface="+mn-cs"/>
-              </a:defRPr>
-            </a:lvl5pPr>
-            <a:lvl6pPr marL="2514600" indent="-228600" algn="l" defTabSz="914400" rtl="0" eaLnBrk="1" latinLnBrk="0" hangingPunct="1">
-              <a:lnSpc>
-                <a:spcPct val="90000"/>
-              </a:lnSpc>
-              <a:spcBef>
-                <a:spcPts val="500"/>
-              </a:spcBef>
-              <a:buFont typeface="Arial" panose="020B0604020202020204" pitchFamily="34" charset="0"/>
-              <a:buChar char="•"/>
-              <a:defRPr sz="1800" kern="1200">
-                <a:solidFill>
-                  <a:schemeClr val="tx1"/>
-                </a:solidFill>
-                <a:latin typeface="+mn-lt"/>
-                <a:ea typeface="+mn-ea"/>
-                <a:cs typeface="+mn-cs"/>
-              </a:defRPr>
-            </a:lvl6pPr>
-            <a:lvl7pPr marL="2971800" indent="-228600" algn="l" defTabSz="914400" rtl="0" eaLnBrk="1" latinLnBrk="0" hangingPunct="1">
-              <a:lnSpc>
-                <a:spcPct val="90000"/>
-              </a:lnSpc>
-              <a:spcBef>
-                <a:spcPts val="500"/>
-              </a:spcBef>
-              <a:buFont typeface="Arial" panose="020B0604020202020204" pitchFamily="34" charset="0"/>
-              <a:buChar char="•"/>
-              <a:defRPr sz="1800" kern="1200">
-                <a:solidFill>
-                  <a:schemeClr val="tx1"/>
-                </a:solidFill>
-                <a:latin typeface="+mn-lt"/>
-                <a:ea typeface="+mn-ea"/>
-                <a:cs typeface="+mn-cs"/>
-              </a:defRPr>
-            </a:lvl7pPr>
-            <a:lvl8pPr marL="3429000" indent="-228600" algn="l" defTabSz="914400" rtl="0" eaLnBrk="1" latinLnBrk="0" hangingPunct="1">
-              <a:lnSpc>
-                <a:spcPct val="90000"/>
-              </a:lnSpc>
-              <a:spcBef>
-                <a:spcPts val="500"/>
-              </a:spcBef>
-              <a:buFont typeface="Arial" panose="020B0604020202020204" pitchFamily="34" charset="0"/>
-              <a:buChar char="•"/>
-              <a:defRPr sz="1800" kern="1200">
-                <a:solidFill>
-                  <a:schemeClr val="tx1"/>
-                </a:solidFill>
-                <a:latin typeface="+mn-lt"/>
-                <a:ea typeface="+mn-ea"/>
-                <a:cs typeface="+mn-cs"/>
-              </a:defRPr>
-            </a:lvl8pPr>
-            <a:lvl9pPr marL="3886200" indent="-228600" algn="l" defTabSz="914400" rtl="0" eaLnBrk="1" latinLnBrk="0" hangingPunct="1">
-              <a:lnSpc>
-                <a:spcPct val="90000"/>
-              </a:lnSpc>
-              <a:spcBef>
-                <a:spcPts val="500"/>
-              </a:spcBef>
-              <a:buFont typeface="Arial" panose="020B0604020202020204" pitchFamily="34" charset="0"/>
-              <a:buChar char="•"/>
-              <a:defRPr sz="1800" kern="1200">
-                <a:solidFill>
-                  <a:schemeClr val="tx1"/>
-                </a:solidFill>
-                <a:latin typeface="+mn-lt"/>
-                <a:ea typeface="+mn-ea"/>
-                <a:cs typeface="+mn-cs"/>
-              </a:defRPr>
-            </a:lvl9pPr>
-          </a:lstStyle>
-          <a:p>
-            <a:r>
-              <a:rPr lang="en-US" dirty="0"/>
-              <a:t>Software Quality Assurance</a:t>
-            </a:r>
-          </a:p>
-          <a:p>
-            <a:pPr lvl="1"/>
-            <a:r>
-              <a:rPr lang="en-US" dirty="0"/>
-              <a:t>Test generation</a:t>
-            </a:r>
-          </a:p>
-          <a:p>
-            <a:pPr lvl="1"/>
-            <a:r>
-              <a:rPr lang="en-US" dirty="0"/>
-              <a:t>Test automation</a:t>
-            </a:r>
-          </a:p>
-          <a:p>
-            <a:pPr lvl="1"/>
-            <a:r>
-              <a:rPr lang="en-US" dirty="0"/>
-              <a:t>Failure-inducing test identification</a:t>
-            </a:r>
-          </a:p>
-          <a:p>
-            <a:r>
-              <a:rPr lang="en-US" dirty="0"/>
-              <a:t>Software Maintenance</a:t>
-            </a:r>
-          </a:p>
-          <a:p>
-            <a:pPr lvl="1"/>
-            <a:r>
-              <a:rPr lang="en-US" dirty="0"/>
-              <a:t>Code review</a:t>
-            </a:r>
-          </a:p>
-          <a:p>
-            <a:pPr lvl="1"/>
-            <a:r>
-              <a:rPr lang="en-US" dirty="0"/>
-              <a:t>Debugging</a:t>
-            </a:r>
-          </a:p>
-          <a:p>
-            <a:pPr lvl="1"/>
-            <a:r>
-              <a:rPr lang="en-US" dirty="0"/>
-              <a:t>Program repair</a:t>
-            </a:r>
-          </a:p>
-          <a:p>
-            <a:r>
-              <a:rPr lang="en-US" dirty="0"/>
-              <a:t>Software management</a:t>
-            </a:r>
-          </a:p>
-          <a:p>
-            <a:pPr lvl="1"/>
-            <a:r>
-              <a:rPr lang="en-US" dirty="0"/>
-              <a:t>Effort estimation</a:t>
+            </a:pPr>
+            <a:r>
+              <a:rPr lang="en-US" sz="1600" dirty="0"/>
+              <a:t>Read Chapter 6 of the paper to find which papers have addressed the SE tasks.</a:t>
             </a:r>
           </a:p>
         </p:txBody>
@@ -5281,8 +5038,8 @@
         </p:blipFill>
         <p:spPr>
           <a:xfrm>
-            <a:off x="2637183" y="2080591"/>
-            <a:ext cx="5032074" cy="3451846"/>
+            <a:off x="1323497" y="1179443"/>
+            <a:ext cx="6345760" cy="4352994"/>
           </a:xfrm>
         </p:spPr>
       </p:pic>
@@ -5304,17 +5061,19 @@
         </p:nvSpPr>
         <p:spPr>
           <a:xfrm>
-            <a:off x="639418" y="0"/>
-            <a:ext cx="10515600" cy="1325563"/>
+            <a:off x="639417" y="0"/>
+            <a:ext cx="11169317" cy="1325563"/>
           </a:xfrm>
         </p:spPr>
         <p:txBody>
-          <a:bodyPr/>
-          <a:lstStyle/>
-          <a:p>
-            <a:r>
-              <a:rPr lang="en-US" dirty="0"/>
-              <a:t>Utilization of LLM for in SE Tasks</a:t>
+          <a:bodyPr>
+            <a:normAutofit/>
+          </a:bodyPr>
+          <a:lstStyle/>
+          <a:p>
+            <a:r>
+              <a:rPr lang="en-US" sz="3600" dirty="0"/>
+              <a:t>What SE Tasks have been addressed to date using LLM4SE</a:t>
             </a:r>
           </a:p>
         </p:txBody>
@@ -5334,7 +5093,7 @@
         <p:spPr>
           <a:xfrm>
             <a:off x="383264" y="5656375"/>
-            <a:ext cx="11425471" cy="707886"/>
+            <a:ext cx="11425471" cy="400110"/>
           </a:xfrm>
           <a:prstGeom prst="rect">
             <a:avLst/>
@@ -5355,68 +5114,6 @@
             <a:r>
               <a:rPr lang="en-US" sz="2000" dirty="0"/>
               <a:t>58.37% in software development showcases the significance of LLMs in producing code or text</a:t>
-            </a:r>
-          </a:p>
-          <a:p>
-            <a:pPr marL="342900" indent="-342900">
-              <a:buFont typeface="Arial" panose="020B0604020202020204" pitchFamily="34" charset="0"/>
-              <a:buChar char="•"/>
-            </a:pPr>
-            <a:r>
-              <a:rPr lang="en-US" sz="2000" dirty="0"/>
-              <a:t>Read Chapter 6 of paper by Hou et al. to find papers that have used LLMs to solve the SE tasks.</a:t>
-            </a:r>
-          </a:p>
-        </p:txBody>
-      </p:sp>
-      <p:sp>
-        <p:nvSpPr>
-          <p:cNvPr id="9" name="TextBox 8">
-            <a:extLst>
-              <a:ext uri="{FF2B5EF4-FFF2-40B4-BE49-F238E27FC236}">
-                <a16:creationId xmlns:a16="http://schemas.microsoft.com/office/drawing/2014/main" id="{5F34C26E-C615-A509-11D8-B2DCA8242572}"/>
-              </a:ext>
-            </a:extLst>
-          </p:cNvPr>
-          <p:cNvSpPr txBox="1"/>
-          <p:nvPr/>
-        </p:nvSpPr>
-        <p:spPr>
-          <a:xfrm>
-            <a:off x="639418" y="1325563"/>
-            <a:ext cx="9856304" cy="646331"/>
-          </a:xfrm>
-          <a:prstGeom prst="rect">
-            <a:avLst/>
-          </a:prstGeom>
-          <a:noFill/>
-        </p:spPr>
-        <p:txBody>
-          <a:bodyPr wrap="square" rtlCol="0">
-            <a:spAutoFit/>
-          </a:bodyPr>
-          <a:lstStyle/>
-          <a:p>
-            <a:r>
-              <a:rPr lang="en-US" dirty="0"/>
-              <a:t>Hou et al. LLMs for SE: A Systematic Literature Review - </a:t>
-            </a:r>
-            <a:r>
-              <a:rPr lang="en-US" dirty="0">
-                <a:hlinkClick r:id="rId3"/>
-              </a:rPr>
-              <a:t>https://arxiv.org/pdf/2308.10620.pdf</a:t>
-            </a:r>
-            <a:r>
-              <a:rPr lang="en-US" dirty="0"/>
-              <a:t> </a:t>
-            </a:r>
-          </a:p>
-          <a:p>
-            <a:pPr lvl="1"/>
-            <a:r>
-              <a:rPr lang="en-US" dirty="0"/>
-              <a:t>-  Analyzed 229 research papers on the subject</a:t>
             </a:r>
           </a:p>
         </p:txBody>
@@ -5509,6 +5206,220 @@
       <p:bldP spid="8" grpId="0"/>
     </p:bldLst>
   </p:timing>
+</p:sld>
+</file>
+
+<file path=ppt/slides/slide5.xml><?xml version="1.0" encoding="utf-8"?>
+<p:sld xmlns:a="http://schemas.openxmlformats.org/drawingml/2006/main" xmlns:r="http://schemas.openxmlformats.org/officeDocument/2006/relationships" xmlns:p="http://schemas.openxmlformats.org/presentationml/2006/main">
+  <p:cSld>
+    <p:spTree>
+      <p:nvGrpSpPr>
+        <p:cNvPr id="1" name=""/>
+        <p:cNvGrpSpPr/>
+        <p:nvPr/>
+      </p:nvGrpSpPr>
+      <p:grpSpPr>
+        <a:xfrm>
+          <a:off x="0" y="0"/>
+          <a:ext cx="0" cy="0"/>
+          <a:chOff x="0" y="0"/>
+          <a:chExt cx="0" cy="0"/>
+        </a:xfrm>
+      </p:grpSpPr>
+      <p:sp>
+        <p:nvSpPr>
+          <p:cNvPr id="6" name="Title 1">
+            <a:extLst>
+              <a:ext uri="{FF2B5EF4-FFF2-40B4-BE49-F238E27FC236}">
+                <a16:creationId xmlns:a16="http://schemas.microsoft.com/office/drawing/2014/main" id="{25A082F2-F51D-C1CC-A0DD-EA7C5A31D3BF}"/>
+              </a:ext>
+            </a:extLst>
+          </p:cNvPr>
+          <p:cNvSpPr>
+            <a:spLocks noGrp="1"/>
+          </p:cNvSpPr>
+          <p:nvPr>
+            <p:ph type="title"/>
+          </p:nvPr>
+        </p:nvSpPr>
+        <p:spPr>
+          <a:xfrm>
+            <a:off x="639418" y="0"/>
+            <a:ext cx="10515600" cy="1325563"/>
+          </a:xfrm>
+        </p:spPr>
+        <p:txBody>
+          <a:bodyPr/>
+          <a:lstStyle/>
+          <a:p>
+            <a:r>
+              <a:rPr lang="en-US" dirty="0"/>
+              <a:t>Utilization of LLM for in SE Tasks</a:t>
+            </a:r>
+          </a:p>
+        </p:txBody>
+      </p:sp>
+      <p:sp>
+        <p:nvSpPr>
+          <p:cNvPr id="8" name="TextBox 7">
+            <a:extLst>
+              <a:ext uri="{FF2B5EF4-FFF2-40B4-BE49-F238E27FC236}">
+                <a16:creationId xmlns:a16="http://schemas.microsoft.com/office/drawing/2014/main" id="{8C101F80-0179-675C-C594-15D0D2855B67}"/>
+              </a:ext>
+            </a:extLst>
+          </p:cNvPr>
+          <p:cNvSpPr txBox="1"/>
+          <p:nvPr/>
+        </p:nvSpPr>
+        <p:spPr>
+          <a:xfrm>
+            <a:off x="1179443" y="1260684"/>
+            <a:ext cx="4916557" cy="369332"/>
+          </a:xfrm>
+          <a:prstGeom prst="rect">
+            <a:avLst/>
+          </a:prstGeom>
+          <a:noFill/>
+        </p:spPr>
+        <p:txBody>
+          <a:bodyPr wrap="square">
+            <a:spAutoFit/>
+          </a:bodyPr>
+          <a:lstStyle/>
+          <a:p>
+            <a:r>
+              <a:rPr lang="en-GB" dirty="0">
+                <a:effectLst/>
+                <a:latin typeface="Helvetica" pitchFamily="2" charset="0"/>
+              </a:rPr>
+              <a:t>Distribution of SE tasks over six SE activities.</a:t>
+            </a:r>
+          </a:p>
+        </p:txBody>
+      </p:sp>
+      <p:sp>
+        <p:nvSpPr>
+          <p:cNvPr id="10" name="Content Placeholder 9">
+            <a:extLst>
+              <a:ext uri="{FF2B5EF4-FFF2-40B4-BE49-F238E27FC236}">
+                <a16:creationId xmlns:a16="http://schemas.microsoft.com/office/drawing/2014/main" id="{30B359DF-7DC3-7875-1B2C-178636E92E51}"/>
+              </a:ext>
+            </a:extLst>
+          </p:cNvPr>
+          <p:cNvSpPr>
+            <a:spLocks noGrp="1"/>
+          </p:cNvSpPr>
+          <p:nvPr>
+            <p:ph idx="1"/>
+          </p:nvPr>
+        </p:nvSpPr>
+        <p:spPr/>
+        <p:txBody>
+          <a:bodyPr/>
+          <a:lstStyle/>
+          <a:p>
+            <a:endParaRPr lang="en-US"/>
+          </a:p>
+        </p:txBody>
+      </p:sp>
+    </p:spTree>
+    <p:extLst>
+      <p:ext uri="{BB962C8B-B14F-4D97-AF65-F5344CB8AC3E}">
+        <p14:creationId xmlns:p14="http://schemas.microsoft.com/office/powerpoint/2010/main" val="1779863854"/>
+      </p:ext>
+    </p:extLst>
+  </p:cSld>
+  <p:clrMapOvr>
+    <a:masterClrMapping/>
+  </p:clrMapOvr>
+</p:sld>
+</file>
+
+<file path=ppt/slides/slide6.xml><?xml version="1.0" encoding="utf-8"?>
+<p:sld xmlns:a="http://schemas.openxmlformats.org/drawingml/2006/main" xmlns:r="http://schemas.openxmlformats.org/officeDocument/2006/relationships" xmlns:p="http://schemas.openxmlformats.org/presentationml/2006/main">
+  <p:cSld>
+    <p:spTree>
+      <p:nvGrpSpPr>
+        <p:cNvPr id="1" name=""/>
+        <p:cNvGrpSpPr/>
+        <p:nvPr/>
+      </p:nvGrpSpPr>
+      <p:grpSpPr>
+        <a:xfrm>
+          <a:off x="0" y="0"/>
+          <a:ext cx="0" cy="0"/>
+          <a:chOff x="0" y="0"/>
+          <a:chExt cx="0" cy="0"/>
+        </a:xfrm>
+      </p:grpSpPr>
+      <p:sp>
+        <p:nvSpPr>
+          <p:cNvPr id="2" name="Title 1">
+            <a:extLst>
+              <a:ext uri="{FF2B5EF4-FFF2-40B4-BE49-F238E27FC236}">
+                <a16:creationId xmlns:a16="http://schemas.microsoft.com/office/drawing/2014/main" id="{FA1B5C28-CA92-AA38-6D96-FEAE4E8BB3DD}"/>
+              </a:ext>
+            </a:extLst>
+          </p:cNvPr>
+          <p:cNvSpPr>
+            <a:spLocks noGrp="1"/>
+          </p:cNvSpPr>
+          <p:nvPr>
+            <p:ph type="title"/>
+          </p:nvPr>
+        </p:nvSpPr>
+        <p:spPr/>
+        <p:txBody>
+          <a:bodyPr/>
+          <a:lstStyle/>
+          <a:p>
+            <a:r>
+              <a:rPr lang="en-US" dirty="0"/>
+              <a:t>We will study how developers use </a:t>
+            </a:r>
+            <a:r>
+              <a:rPr lang="en-US" dirty="0" err="1"/>
+              <a:t>ChatGPT</a:t>
+            </a:r>
+            <a:endParaRPr lang="en-US" dirty="0"/>
+          </a:p>
+        </p:txBody>
+      </p:sp>
+      <p:sp>
+        <p:nvSpPr>
+          <p:cNvPr id="3" name="Content Placeholder 2">
+            <a:extLst>
+              <a:ext uri="{FF2B5EF4-FFF2-40B4-BE49-F238E27FC236}">
+                <a16:creationId xmlns:a16="http://schemas.microsoft.com/office/drawing/2014/main" id="{5D071941-3366-7A44-96F1-06D1CBC6AED1}"/>
+              </a:ext>
+            </a:extLst>
+          </p:cNvPr>
+          <p:cNvSpPr>
+            <a:spLocks noGrp="1"/>
+          </p:cNvSpPr>
+          <p:nvPr>
+            <p:ph idx="1"/>
+          </p:nvPr>
+        </p:nvSpPr>
+        <p:spPr/>
+        <p:txBody>
+          <a:bodyPr/>
+          <a:lstStyle/>
+          <a:p>
+            <a:endParaRPr lang="en-US"/>
+          </a:p>
+        </p:txBody>
+      </p:sp>
+    </p:spTree>
+    <p:extLst>
+      <p:ext uri="{BB962C8B-B14F-4D97-AF65-F5344CB8AC3E}">
+        <p14:creationId xmlns:p14="http://schemas.microsoft.com/office/powerpoint/2010/main" val="1206998922"/>
+      </p:ext>
+    </p:extLst>
+  </p:cSld>
+  <p:clrMapOvr>
+    <a:masterClrMapping/>
+  </p:clrMapOvr>
 </p:sld>
 </file>
 

--- a/teaching/CS472/Timetable/LLM.pptx
+++ b/teaching/CS472/Timetable/LLM.pptx
@@ -662,6 +662,90 @@
     <p:extLst>
       <p:ext uri="{BB962C8B-B14F-4D97-AF65-F5344CB8AC3E}">
         <p14:creationId xmlns:p14="http://schemas.microsoft.com/office/powerpoint/2010/main" val="761380642"/>
+      </p:ext>
+    </p:extLst>
+  </p:cSld>
+  <p:clrMapOvr>
+    <a:masterClrMapping/>
+  </p:clrMapOvr>
+</p:notes>
+</file>
+
+<file path=ppt/notesSlides/notesSlide3.xml><?xml version="1.0" encoding="utf-8"?>
+<p:notes xmlns:a="http://schemas.openxmlformats.org/drawingml/2006/main" xmlns:r="http://schemas.openxmlformats.org/officeDocument/2006/relationships" xmlns:p="http://schemas.openxmlformats.org/presentationml/2006/main">
+  <p:cSld>
+    <p:spTree>
+      <p:nvGrpSpPr>
+        <p:cNvPr id="1" name=""/>
+        <p:cNvGrpSpPr/>
+        <p:nvPr/>
+      </p:nvGrpSpPr>
+      <p:grpSpPr>
+        <a:xfrm>
+          <a:off x="0" y="0"/>
+          <a:ext cx="0" cy="0"/>
+          <a:chOff x="0" y="0"/>
+          <a:chExt cx="0" cy="0"/>
+        </a:xfrm>
+      </p:grpSpPr>
+      <p:sp>
+        <p:nvSpPr>
+          <p:cNvPr id="2" name="Slide Image Placeholder 1"/>
+          <p:cNvSpPr>
+            <a:spLocks noGrp="1" noRot="1" noChangeAspect="1"/>
+          </p:cNvSpPr>
+          <p:nvPr>
+            <p:ph type="sldImg"/>
+          </p:nvPr>
+        </p:nvSpPr>
+        <p:spPr/>
+      </p:sp>
+      <p:sp>
+        <p:nvSpPr>
+          <p:cNvPr id="3" name="Notes Placeholder 2"/>
+          <p:cNvSpPr>
+            <a:spLocks noGrp="1"/>
+          </p:cNvSpPr>
+          <p:nvPr>
+            <p:ph type="body" idx="1"/>
+          </p:nvPr>
+        </p:nvSpPr>
+        <p:spPr/>
+        <p:txBody>
+          <a:bodyPr/>
+          <a:lstStyle/>
+          <a:p>
+            <a:endParaRPr lang="en-US" dirty="0"/>
+          </a:p>
+        </p:txBody>
+      </p:sp>
+      <p:sp>
+        <p:nvSpPr>
+          <p:cNvPr id="4" name="Slide Number Placeholder 3"/>
+          <p:cNvSpPr>
+            <a:spLocks noGrp="1"/>
+          </p:cNvSpPr>
+          <p:nvPr>
+            <p:ph type="sldNum" sz="quarter" idx="5"/>
+          </p:nvPr>
+        </p:nvSpPr>
+        <p:spPr/>
+        <p:txBody>
+          <a:bodyPr/>
+          <a:lstStyle/>
+          <a:p>
+            <a:fld id="{83E35761-B443-A74D-9BA5-3B6258AF7342}" type="slidenum">
+              <a:rPr lang="en-US" smtClean="0"/>
+              <a:t>6</a:t>
+            </a:fld>
+            <a:endParaRPr lang="en-US"/>
+          </a:p>
+        </p:txBody>
+      </p:sp>
+    </p:spTree>
+    <p:extLst>
+      <p:ext uri="{BB962C8B-B14F-4D97-AF65-F5344CB8AC3E}">
+        <p14:creationId xmlns:p14="http://schemas.microsoft.com/office/powerpoint/2010/main" val="3953173808"/>
       </p:ext>
     </p:extLst>
   </p:cSld>
@@ -4980,7 +5064,7 @@
             </a:pPr>
             <a:r>
               <a:rPr lang="en-US" sz="1600" dirty="0"/>
-              <a:t>Read Chapter 6 of the paper to find which papers have addressed the SE tasks.</a:t>
+              <a:t>Read Section 6 of the paper to find which papers have addressed the SE tasks.</a:t>
             </a:r>
           </a:p>
         </p:txBody>
@@ -5245,26 +5329,83 @@
         <p:spPr>
           <a:xfrm>
             <a:off x="639418" y="0"/>
-            <a:ext cx="10515600" cy="1325563"/>
+            <a:ext cx="10515600" cy="967409"/>
           </a:xfrm>
         </p:spPr>
         <p:txBody>
-          <a:bodyPr/>
-          <a:lstStyle/>
-          <a:p>
-            <a:r>
-              <a:rPr lang="en-US" dirty="0"/>
-              <a:t>Utilization of LLM for in SE Tasks</a:t>
-            </a:r>
-          </a:p>
-        </p:txBody>
-      </p:sp>
-      <p:sp>
-        <p:nvSpPr>
-          <p:cNvPr id="8" name="TextBox 7">
-            <a:extLst>
-              <a:ext uri="{FF2B5EF4-FFF2-40B4-BE49-F238E27FC236}">
-                <a16:creationId xmlns:a16="http://schemas.microsoft.com/office/drawing/2014/main" id="{8C101F80-0179-675C-C594-15D0D2855B67}"/>
+          <a:bodyPr>
+            <a:normAutofit/>
+          </a:bodyPr>
+          <a:lstStyle/>
+          <a:p>
+            <a:r>
+              <a:rPr lang="en-US" sz="3600" dirty="0"/>
+              <a:t>How are developers using </a:t>
+            </a:r>
+            <a:r>
+              <a:rPr lang="en-US" sz="3600" dirty="0" err="1"/>
+              <a:t>ChatGPT</a:t>
+            </a:r>
+            <a:r>
+              <a:rPr lang="en-US" sz="3600" dirty="0"/>
+              <a:t> to solve SE tasks?</a:t>
+            </a:r>
+          </a:p>
+        </p:txBody>
+      </p:sp>
+      <p:pic>
+        <p:nvPicPr>
+          <p:cNvPr id="2050" name="Picture 2" descr="ShareChatGPTConversations">
+            <a:extLst>
+              <a:ext uri="{FF2B5EF4-FFF2-40B4-BE49-F238E27FC236}">
+                <a16:creationId xmlns:a16="http://schemas.microsoft.com/office/drawing/2014/main" id="{5981A190-58B1-03B1-7850-A8DAA731E4C8}"/>
+              </a:ext>
+            </a:extLst>
+          </p:cNvPr>
+          <p:cNvPicPr>
+            <a:picLocks noChangeAspect="1" noChangeArrowheads="1"/>
+          </p:cNvPicPr>
+          <p:nvPr/>
+        </p:nvPicPr>
+        <p:blipFill>
+          <a:blip r:embed="rId2">
+            <a:extLst>
+              <a:ext uri="{28A0092B-C50C-407E-A947-70E740481C1C}">
+                <a14:useLocalDpi xmlns:a14="http://schemas.microsoft.com/office/drawing/2010/main" val="0"/>
+              </a:ext>
+            </a:extLst>
+          </a:blip>
+          <a:srcRect/>
+          <a:stretch>
+            <a:fillRect/>
+          </a:stretch>
+        </p:blipFill>
+        <p:spPr bwMode="auto">
+          <a:xfrm>
+            <a:off x="1311621" y="2597427"/>
+            <a:ext cx="4585597" cy="3595242"/>
+          </a:xfrm>
+          <a:prstGeom prst="rect">
+            <a:avLst/>
+          </a:prstGeom>
+          <a:noFill/>
+          <a:extLst>
+            <a:ext uri="{909E8E84-426E-40DD-AFC4-6F175D3DCCD1}">
+              <a14:hiddenFill xmlns:a14="http://schemas.microsoft.com/office/drawing/2010/main">
+                <a:solidFill>
+                  <a:srgbClr val="FFFFFF"/>
+                </a:solidFill>
+              </a14:hiddenFill>
+            </a:ext>
+          </a:extLst>
+        </p:spPr>
+      </p:pic>
+      <p:sp>
+        <p:nvSpPr>
+          <p:cNvPr id="11" name="TextBox 10">
+            <a:extLst>
+              <a:ext uri="{FF2B5EF4-FFF2-40B4-BE49-F238E27FC236}">
+                <a16:creationId xmlns:a16="http://schemas.microsoft.com/office/drawing/2014/main" id="{0F194971-2ED3-6A25-C6E2-AFDA29D6099D}"/>
               </a:ext>
             </a:extLst>
           </p:cNvPr>
@@ -5273,8 +5414,8 @@
         </p:nvSpPr>
         <p:spPr>
           <a:xfrm>
-            <a:off x="1179443" y="1260684"/>
-            <a:ext cx="4916557" cy="369332"/>
+            <a:off x="781878" y="1060174"/>
+            <a:ext cx="9594574" cy="461665"/>
           </a:xfrm>
           <a:prstGeom prst="rect">
             <a:avLst/>
@@ -5282,46 +5423,53 @@
           <a:noFill/>
         </p:spPr>
         <p:txBody>
-          <a:bodyPr wrap="square">
+          <a:bodyPr wrap="square" rtlCol="0">
             <a:spAutoFit/>
           </a:bodyPr>
           <a:lstStyle/>
           <a:p>
             <a:r>
-              <a:rPr lang="en-GB" dirty="0">
-                <a:effectLst/>
-                <a:latin typeface="Helvetica" pitchFamily="2" charset="0"/>
-              </a:rPr>
-              <a:t>Distribution of SE tasks over six SE activities.</a:t>
-            </a:r>
-          </a:p>
-        </p:txBody>
-      </p:sp>
-      <p:sp>
-        <p:nvSpPr>
-          <p:cNvPr id="10" name="Content Placeholder 9">
-            <a:extLst>
-              <a:ext uri="{FF2B5EF4-FFF2-40B4-BE49-F238E27FC236}">
-                <a16:creationId xmlns:a16="http://schemas.microsoft.com/office/drawing/2014/main" id="{30B359DF-7DC3-7875-1B2C-178636E92E51}"/>
-              </a:ext>
-            </a:extLst>
-          </p:cNvPr>
-          <p:cNvSpPr>
-            <a:spLocks noGrp="1"/>
-          </p:cNvSpPr>
-          <p:nvPr>
-            <p:ph idx="1"/>
-          </p:nvPr>
-        </p:nvSpPr>
-        <p:spPr/>
-        <p:txBody>
-          <a:bodyPr/>
-          <a:lstStyle/>
-          <a:p>
-            <a:endParaRPr lang="en-US"/>
-          </a:p>
-        </p:txBody>
-      </p:sp>
+              <a:rPr lang="en-US" sz="2400" dirty="0"/>
+              <a:t>We will look at some concrete examples from the LLM - </a:t>
+            </a:r>
+            <a:r>
+              <a:rPr lang="en-US" sz="2400" dirty="0" err="1"/>
+              <a:t>ChatGPT</a:t>
+            </a:r>
+            <a:endParaRPr lang="en-US" sz="2400" dirty="0"/>
+          </a:p>
+        </p:txBody>
+      </p:sp>
+      <p:pic>
+        <p:nvPicPr>
+          <p:cNvPr id="13" name="Picture 12">
+            <a:extLst>
+              <a:ext uri="{FF2B5EF4-FFF2-40B4-BE49-F238E27FC236}">
+                <a16:creationId xmlns:a16="http://schemas.microsoft.com/office/drawing/2014/main" id="{E444E48F-9DEB-BC58-4F67-E272DD7FD280}"/>
+              </a:ext>
+            </a:extLst>
+          </p:cNvPr>
+          <p:cNvPicPr>
+            <a:picLocks noChangeAspect="1"/>
+          </p:cNvPicPr>
+          <p:nvPr/>
+        </p:nvPicPr>
+        <p:blipFill>
+          <a:blip r:embed="rId3"/>
+          <a:stretch>
+            <a:fillRect/>
+          </a:stretch>
+        </p:blipFill>
+        <p:spPr>
+          <a:xfrm>
+            <a:off x="1311621" y="1614604"/>
+            <a:ext cx="8056719" cy="880694"/>
+          </a:xfrm>
+          <a:prstGeom prst="rect">
+            <a:avLst/>
+          </a:prstGeom>
+        </p:spPr>
+      </p:pic>
     </p:spTree>
     <p:extLst>
       <p:ext uri="{BB962C8B-B14F-4D97-AF65-F5344CB8AC3E}">
@@ -5352,12 +5500,59 @@
           <a:chExt cx="0" cy="0"/>
         </a:xfrm>
       </p:grpSpPr>
-      <p:sp>
-        <p:nvSpPr>
-          <p:cNvPr id="2" name="Title 1">
-            <a:extLst>
-              <a:ext uri="{FF2B5EF4-FFF2-40B4-BE49-F238E27FC236}">
-                <a16:creationId xmlns:a16="http://schemas.microsoft.com/office/drawing/2014/main" id="{FA1B5C28-CA92-AA38-6D96-FEAE4E8BB3DD}"/>
+      <p:pic>
+        <p:nvPicPr>
+          <p:cNvPr id="3074" name="Picture 2" descr="ShareChatGPTConversations">
+            <a:extLst>
+              <a:ext uri="{FF2B5EF4-FFF2-40B4-BE49-F238E27FC236}">
+                <a16:creationId xmlns:a16="http://schemas.microsoft.com/office/drawing/2014/main" id="{376A0197-F057-5894-E47E-2ABDAAD48D1A}"/>
+              </a:ext>
+            </a:extLst>
+          </p:cNvPr>
+          <p:cNvPicPr>
+            <a:picLocks noChangeAspect="1" noChangeArrowheads="1"/>
+          </p:cNvPicPr>
+          <p:nvPr/>
+        </p:nvPicPr>
+        <p:blipFill>
+          <a:blip r:embed="rId3">
+            <a:extLst>
+              <a:ext uri="{28A0092B-C50C-407E-A947-70E740481C1C}">
+                <a14:useLocalDpi xmlns:a14="http://schemas.microsoft.com/office/drawing/2010/main" val="0"/>
+              </a:ext>
+            </a:extLst>
+          </a:blip>
+          <a:srcRect/>
+          <a:stretch>
+            <a:fillRect/>
+          </a:stretch>
+        </p:blipFill>
+        <p:spPr bwMode="auto">
+          <a:xfrm>
+            <a:off x="824948" y="723488"/>
+            <a:ext cx="10827026" cy="4449231"/>
+          </a:xfrm>
+          <a:prstGeom prst="rect">
+            <a:avLst/>
+          </a:prstGeom>
+          <a:noFill/>
+          <a:extLst>
+            <a:ext uri="{909E8E84-426E-40DD-AFC4-6F175D3DCCD1}">
+              <a14:hiddenFill xmlns:a14="http://schemas.microsoft.com/office/drawing/2010/main">
+                <a:solidFill>
+                  <a:srgbClr val="FFFFFF"/>
+                </a:solidFill>
+              </a14:hiddenFill>
+            </a:ext>
+          </a:extLst>
+        </p:spPr>
+      </p:pic>
+      <p:sp>
+        <p:nvSpPr>
+          <p:cNvPr id="8" name="Title 1">
+            <a:extLst>
+              <a:ext uri="{FF2B5EF4-FFF2-40B4-BE49-F238E27FC236}">
+                <a16:creationId xmlns:a16="http://schemas.microsoft.com/office/drawing/2014/main" id="{6F2E5F27-CD1D-D0BC-9B2C-E46FB3189F03}"/>
               </a:ext>
             </a:extLst>
           </p:cNvPr>
@@ -5368,48 +5563,192 @@
             <p:ph type="title"/>
           </p:nvPr>
         </p:nvSpPr>
-        <p:spPr/>
-        <p:txBody>
-          <a:bodyPr/>
-          <a:lstStyle/>
-          <a:p>
-            <a:r>
-              <a:rPr lang="en-US" dirty="0"/>
-              <a:t>We will study how developers use </a:t>
-            </a:r>
-            <a:r>
-              <a:rPr lang="en-US" dirty="0" err="1"/>
-              <a:t>ChatGPT</a:t>
-            </a:r>
-            <a:endParaRPr lang="en-US" dirty="0"/>
-          </a:p>
-        </p:txBody>
-      </p:sp>
-      <p:sp>
-        <p:nvSpPr>
-          <p:cNvPr id="3" name="Content Placeholder 2">
-            <a:extLst>
-              <a:ext uri="{FF2B5EF4-FFF2-40B4-BE49-F238E27FC236}">
-                <a16:creationId xmlns:a16="http://schemas.microsoft.com/office/drawing/2014/main" id="{5D071941-3366-7A44-96F1-06D1CBC6AED1}"/>
-              </a:ext>
-            </a:extLst>
-          </p:cNvPr>
-          <p:cNvSpPr>
-            <a:spLocks noGrp="1"/>
-          </p:cNvSpPr>
-          <p:nvPr>
-            <p:ph idx="1"/>
-          </p:nvPr>
-        </p:nvSpPr>
-        <p:spPr/>
-        <p:txBody>
-          <a:bodyPr/>
-          <a:lstStyle/>
-          <a:p>
-            <a:endParaRPr lang="en-US"/>
-          </a:p>
-        </p:txBody>
-      </p:sp>
+        <p:spPr>
+          <a:xfrm>
+            <a:off x="639418" y="0"/>
+            <a:ext cx="10515600" cy="967409"/>
+          </a:xfrm>
+        </p:spPr>
+        <p:txBody>
+          <a:bodyPr>
+            <a:normAutofit/>
+          </a:bodyPr>
+          <a:lstStyle/>
+          <a:p>
+            <a:r>
+              <a:rPr lang="en-US" sz="3600" dirty="0"/>
+              <a:t>How are developers using LLMs to solve SE tasks?</a:t>
+            </a:r>
+          </a:p>
+        </p:txBody>
+      </p:sp>
+      <p:grpSp>
+        <p:nvGrpSpPr>
+          <p:cNvPr id="13" name="Group 12">
+            <a:extLst>
+              <a:ext uri="{FF2B5EF4-FFF2-40B4-BE49-F238E27FC236}">
+                <a16:creationId xmlns:a16="http://schemas.microsoft.com/office/drawing/2014/main" id="{9EDD0315-67F5-6E65-D378-A988D6F1CD94}"/>
+              </a:ext>
+            </a:extLst>
+          </p:cNvPr>
+          <p:cNvGrpSpPr/>
+          <p:nvPr/>
+        </p:nvGrpSpPr>
+        <p:grpSpPr>
+          <a:xfrm>
+            <a:off x="1616765" y="1563757"/>
+            <a:ext cx="8057322" cy="4628911"/>
+            <a:chOff x="1616765" y="1563757"/>
+            <a:chExt cx="8057322" cy="4628911"/>
+          </a:xfrm>
+        </p:grpSpPr>
+        <p:sp>
+          <p:nvSpPr>
+            <p:cNvPr id="10" name="Rounded Rectangle 9">
+              <a:extLst>
+                <a:ext uri="{FF2B5EF4-FFF2-40B4-BE49-F238E27FC236}">
+                  <a16:creationId xmlns:a16="http://schemas.microsoft.com/office/drawing/2014/main" id="{3CC057A4-627F-B183-8743-B983BB6FAB51}"/>
+                </a:ext>
+              </a:extLst>
+            </p:cNvPr>
+            <p:cNvSpPr/>
+            <p:nvPr/>
+          </p:nvSpPr>
+          <p:spPr>
+            <a:xfrm>
+              <a:off x="6291470" y="1563757"/>
+              <a:ext cx="3382617" cy="3048000"/>
+            </a:xfrm>
+            <a:prstGeom prst="roundRect">
+              <a:avLst/>
+            </a:prstGeom>
+            <a:noFill/>
+            <a:ln w="28575">
+              <a:solidFill>
+                <a:schemeClr val="tx1"/>
+              </a:solidFill>
+            </a:ln>
+          </p:spPr>
+          <p:style>
+            <a:lnRef idx="2">
+              <a:schemeClr val="accent1">
+                <a:shade val="15000"/>
+              </a:schemeClr>
+            </a:lnRef>
+            <a:fillRef idx="1">
+              <a:schemeClr val="accent1"/>
+            </a:fillRef>
+            <a:effectRef idx="0">
+              <a:schemeClr val="accent1"/>
+            </a:effectRef>
+            <a:fontRef idx="minor">
+              <a:schemeClr val="lt1"/>
+            </a:fontRef>
+          </p:style>
+          <p:txBody>
+            <a:bodyPr rtlCol="0" anchor="ctr"/>
+            <a:lstStyle/>
+            <a:p>
+              <a:pPr algn="ctr"/>
+              <a:endParaRPr lang="en-US" dirty="0"/>
+            </a:p>
+          </p:txBody>
+        </p:sp>
+        <p:pic>
+          <p:nvPicPr>
+            <p:cNvPr id="11" name="Picture 2" descr="ShareChatGPTConversations">
+              <a:extLst>
+                <a:ext uri="{FF2B5EF4-FFF2-40B4-BE49-F238E27FC236}">
+                  <a16:creationId xmlns:a16="http://schemas.microsoft.com/office/drawing/2014/main" id="{B264C1BB-6991-E922-CD9E-99A7ED773430}"/>
+                </a:ext>
+              </a:extLst>
+            </p:cNvPr>
+            <p:cNvPicPr>
+              <a:picLocks noChangeAspect="1" noChangeArrowheads="1"/>
+            </p:cNvPicPr>
+            <p:nvPr/>
+          </p:nvPicPr>
+          <p:blipFill rotWithShape="1">
+            <a:blip r:embed="rId4">
+              <a:extLst>
+                <a:ext uri="{28A0092B-C50C-407E-A947-70E740481C1C}">
+                  <a14:useLocalDpi xmlns:a14="http://schemas.microsoft.com/office/drawing/2010/main" val="0"/>
+                </a:ext>
+              </a:extLst>
+            </a:blip>
+            <a:srcRect l="6654" t="15221" r="8671"/>
+            <a:stretch/>
+          </p:blipFill>
+          <p:spPr bwMode="auto">
+            <a:xfrm>
+              <a:off x="1616765" y="3144667"/>
+              <a:ext cx="3882887" cy="3048001"/>
+            </a:xfrm>
+            <a:prstGeom prst="rect">
+              <a:avLst/>
+            </a:prstGeom>
+            <a:noFill/>
+            <a:extLst>
+              <a:ext uri="{909E8E84-426E-40DD-AFC4-6F175D3DCCD1}">
+                <a14:hiddenFill xmlns:a14="http://schemas.microsoft.com/office/drawing/2010/main">
+                  <a:solidFill>
+                    <a:srgbClr val="FFFFFF"/>
+                  </a:solidFill>
+                </a14:hiddenFill>
+              </a:ext>
+            </a:extLst>
+          </p:spPr>
+        </p:pic>
+        <p:sp>
+          <p:nvSpPr>
+            <p:cNvPr id="12" name="Right Arrow 11">
+              <a:extLst>
+                <a:ext uri="{FF2B5EF4-FFF2-40B4-BE49-F238E27FC236}">
+                  <a16:creationId xmlns:a16="http://schemas.microsoft.com/office/drawing/2014/main" id="{D5BC6AD0-1677-1615-2EC2-456F6A351B9E}"/>
+                </a:ext>
+              </a:extLst>
+            </p:cNvPr>
+            <p:cNvSpPr/>
+            <p:nvPr/>
+          </p:nvSpPr>
+          <p:spPr>
+            <a:xfrm>
+              <a:off x="5499652" y="3692459"/>
+              <a:ext cx="764540" cy="382955"/>
+            </a:xfrm>
+            <a:prstGeom prst="rightArrow">
+              <a:avLst/>
+            </a:prstGeom>
+            <a:solidFill>
+              <a:schemeClr val="tx1"/>
+            </a:solidFill>
+          </p:spPr>
+          <p:style>
+            <a:lnRef idx="2">
+              <a:schemeClr val="accent1">
+                <a:shade val="15000"/>
+              </a:schemeClr>
+            </a:lnRef>
+            <a:fillRef idx="1">
+              <a:schemeClr val="accent1"/>
+            </a:fillRef>
+            <a:effectRef idx="0">
+              <a:schemeClr val="accent1"/>
+            </a:effectRef>
+            <a:fontRef idx="minor">
+              <a:schemeClr val="lt1"/>
+            </a:fontRef>
+          </p:style>
+          <p:txBody>
+            <a:bodyPr rtlCol="0" anchor="ctr"/>
+            <a:lstStyle/>
+            <a:p>
+              <a:pPr algn="ctr"/>
+              <a:endParaRPr lang="en-US"/>
+            </a:p>
+          </p:txBody>
+        </p:sp>
+      </p:grpSp>
     </p:spTree>
     <p:extLst>
       <p:ext uri="{BB962C8B-B14F-4D97-AF65-F5344CB8AC3E}">

--- a/teaching/CS472/Timetable/LLM.pptx
+++ b/teaching/CS472/Timetable/LLM.pptx
@@ -5,15 +5,16 @@
     <p:sldMasterId id="2147483648" r:id="rId1"/>
   </p:sldMasterIdLst>
   <p:notesMasterIdLst>
-    <p:notesMasterId r:id="rId8"/>
+    <p:notesMasterId r:id="rId9"/>
   </p:notesMasterIdLst>
   <p:sldIdLst>
     <p:sldId id="256" r:id="rId2"/>
     <p:sldId id="257" r:id="rId3"/>
     <p:sldId id="258" r:id="rId4"/>
     <p:sldId id="259" r:id="rId5"/>
-    <p:sldId id="261" r:id="rId6"/>
-    <p:sldId id="260" r:id="rId7"/>
+    <p:sldId id="262" r:id="rId6"/>
+    <p:sldId id="261" r:id="rId7"/>
+    <p:sldId id="260" r:id="rId8"/>
   </p:sldIdLst>
   <p:sldSz cx="12192000" cy="6858000"/>
   <p:notesSz cx="6858000" cy="9144000"/>
@@ -112,6 +113,11 @@
       </a:defRPr>
     </a:lvl9pPr>
   </p:defaultTextStyle>
+  <p:extLst>
+    <p:ext uri="{EFAFB233-063F-42B5-8137-9DF3F51BA10A}">
+      <p15:sldGuideLst xmlns:p15="http://schemas.microsoft.com/office/powerpoint/2012/main"/>
+    </p:ext>
+  </p:extLst>
 </p:presentation>
 </file>
 
@@ -197,7 +203,7 @@
           <a:p>
             <a:fld id="{5BAF2D54-6202-E54A-A0D1-8207B5B01C7A}" type="datetimeFigureOut">
               <a:rPr lang="en-US" smtClean="0"/>
-              <a:t>1/13/24</a:t>
+              <a:t>1/15/24</a:t>
             </a:fld>
             <a:endParaRPr lang="en-US"/>
           </a:p>
@@ -736,7 +742,7 @@
           <a:p>
             <a:fld id="{83E35761-B443-A74D-9BA5-3B6258AF7342}" type="slidenum">
               <a:rPr lang="en-US" smtClean="0"/>
-              <a:t>6</a:t>
+              <a:t>7</a:t>
             </a:fld>
             <a:endParaRPr lang="en-US"/>
           </a:p>
@@ -904,7 +910,7 @@
           <a:p>
             <a:fld id="{1B322CE5-0016-994A-A0D0-1AC6E2C9C5AB}" type="datetimeFigureOut">
               <a:rPr lang="en-BE" smtClean="0"/>
-              <a:t>12/01/2024</a:t>
+              <a:t>15/01/2024</a:t>
             </a:fld>
             <a:endParaRPr lang="en-BE"/>
           </a:p>
@@ -1104,7 +1110,7 @@
           <a:p>
             <a:fld id="{1B322CE5-0016-994A-A0D0-1AC6E2C9C5AB}" type="datetimeFigureOut">
               <a:rPr lang="en-BE" smtClean="0"/>
-              <a:t>12/01/2024</a:t>
+              <a:t>15/01/2024</a:t>
             </a:fld>
             <a:endParaRPr lang="en-BE"/>
           </a:p>
@@ -1314,7 +1320,7 @@
           <a:p>
             <a:fld id="{1B322CE5-0016-994A-A0D0-1AC6E2C9C5AB}" type="datetimeFigureOut">
               <a:rPr lang="en-BE" smtClean="0"/>
-              <a:t>12/01/2024</a:t>
+              <a:t>15/01/2024</a:t>
             </a:fld>
             <a:endParaRPr lang="en-BE"/>
           </a:p>
@@ -1514,7 +1520,7 @@
           <a:p>
             <a:fld id="{1B322CE5-0016-994A-A0D0-1AC6E2C9C5AB}" type="datetimeFigureOut">
               <a:rPr lang="en-BE" smtClean="0"/>
-              <a:t>12/01/2024</a:t>
+              <a:t>15/01/2024</a:t>
             </a:fld>
             <a:endParaRPr lang="en-BE"/>
           </a:p>
@@ -1790,7 +1796,7 @@
           <a:p>
             <a:fld id="{1B322CE5-0016-994A-A0D0-1AC6E2C9C5AB}" type="datetimeFigureOut">
               <a:rPr lang="en-BE" smtClean="0"/>
-              <a:t>12/01/2024</a:t>
+              <a:t>15/01/2024</a:t>
             </a:fld>
             <a:endParaRPr lang="en-BE"/>
           </a:p>
@@ -2058,7 +2064,7 @@
           <a:p>
             <a:fld id="{1B322CE5-0016-994A-A0D0-1AC6E2C9C5AB}" type="datetimeFigureOut">
               <a:rPr lang="en-BE" smtClean="0"/>
-              <a:t>12/01/2024</a:t>
+              <a:t>15/01/2024</a:t>
             </a:fld>
             <a:endParaRPr lang="en-BE"/>
           </a:p>
@@ -2473,7 +2479,7 @@
           <a:p>
             <a:fld id="{1B322CE5-0016-994A-A0D0-1AC6E2C9C5AB}" type="datetimeFigureOut">
               <a:rPr lang="en-BE" smtClean="0"/>
-              <a:t>12/01/2024</a:t>
+              <a:t>15/01/2024</a:t>
             </a:fld>
             <a:endParaRPr lang="en-BE"/>
           </a:p>
@@ -2615,7 +2621,7 @@
           <a:p>
             <a:fld id="{1B322CE5-0016-994A-A0D0-1AC6E2C9C5AB}" type="datetimeFigureOut">
               <a:rPr lang="en-BE" smtClean="0"/>
-              <a:t>12/01/2024</a:t>
+              <a:t>15/01/2024</a:t>
             </a:fld>
             <a:endParaRPr lang="en-BE"/>
           </a:p>
@@ -2728,7 +2734,7 @@
           <a:p>
             <a:fld id="{1B322CE5-0016-994A-A0D0-1AC6E2C9C5AB}" type="datetimeFigureOut">
               <a:rPr lang="en-BE" smtClean="0"/>
-              <a:t>12/01/2024</a:t>
+              <a:t>15/01/2024</a:t>
             </a:fld>
             <a:endParaRPr lang="en-BE"/>
           </a:p>
@@ -3041,7 +3047,7 @@
           <a:p>
             <a:fld id="{1B322CE5-0016-994A-A0D0-1AC6E2C9C5AB}" type="datetimeFigureOut">
               <a:rPr lang="en-BE" smtClean="0"/>
-              <a:t>12/01/2024</a:t>
+              <a:t>15/01/2024</a:t>
             </a:fld>
             <a:endParaRPr lang="en-BE"/>
           </a:p>
@@ -3330,7 +3336,7 @@
           <a:p>
             <a:fld id="{1B322CE5-0016-994A-A0D0-1AC6E2C9C5AB}" type="datetimeFigureOut">
               <a:rPr lang="en-BE" smtClean="0"/>
-              <a:t>12/01/2024</a:t>
+              <a:t>15/01/2024</a:t>
             </a:fld>
             <a:endParaRPr lang="en-BE"/>
           </a:p>
@@ -3573,7 +3579,7 @@
           <a:p>
             <a:fld id="{1B322CE5-0016-994A-A0D0-1AC6E2C9C5AB}" type="datetimeFigureOut">
               <a:rPr lang="en-BE" smtClean="0"/>
-              <a:t>12/01/2024</a:t>
+              <a:t>15/01/2024</a:t>
             </a:fld>
             <a:endParaRPr lang="en-BE"/>
           </a:p>
@@ -5287,7 +5293,7 @@
       </p:par>
     </p:tnLst>
     <p:bldLst>
-      <p:bldP spid="8" grpId="0"/>
+      <p:bldP spid="8" grpId="0" animBg="1"/>
     </p:bldLst>
   </p:timing>
 </p:sld>
@@ -5312,31 +5318,50 @@
       </p:grpSpPr>
       <p:sp>
         <p:nvSpPr>
-          <p:cNvPr id="6" name="Title 1">
-            <a:extLst>
-              <a:ext uri="{FF2B5EF4-FFF2-40B4-BE49-F238E27FC236}">
-                <a16:creationId xmlns:a16="http://schemas.microsoft.com/office/drawing/2014/main" id="{25A082F2-F51D-C1CC-A0DD-EA7C5A31D3BF}"/>
-              </a:ext>
-            </a:extLst>
-          </p:cNvPr>
-          <p:cNvSpPr>
-            <a:spLocks noGrp="1"/>
-          </p:cNvSpPr>
-          <p:nvPr>
-            <p:ph type="title"/>
-          </p:nvPr>
+          <p:cNvPr id="4" name="Title 1">
+            <a:extLst>
+              <a:ext uri="{FF2B5EF4-FFF2-40B4-BE49-F238E27FC236}">
+                <a16:creationId xmlns:a16="http://schemas.microsoft.com/office/drawing/2014/main" id="{90809E48-9343-6DD5-FDFF-62FF7162C3DA}"/>
+              </a:ext>
+            </a:extLst>
+          </p:cNvPr>
+          <p:cNvSpPr txBox="1">
+            <a:spLocks/>
+          </p:cNvSpPr>
+          <p:nvPr/>
         </p:nvSpPr>
         <p:spPr>
           <a:xfrm>
-            <a:off x="639418" y="0"/>
+            <a:off x="838200" y="2597426"/>
             <a:ext cx="10515600" cy="967409"/>
           </a:xfrm>
+          <a:prstGeom prst="rect">
+            <a:avLst/>
+          </a:prstGeom>
         </p:spPr>
         <p:txBody>
-          <a:bodyPr>
+          <a:bodyPr vert="horz" lIns="91440" tIns="45720" rIns="91440" bIns="45720" rtlCol="0" anchor="ctr">
             <a:normAutofit/>
           </a:bodyPr>
-          <a:lstStyle/>
+          <a:lstStyle>
+            <a:lvl1pPr algn="l" defTabSz="914400" rtl="0" eaLnBrk="1" latinLnBrk="0" hangingPunct="1">
+              <a:lnSpc>
+                <a:spcPct val="90000"/>
+              </a:lnSpc>
+              <a:spcBef>
+                <a:spcPct val="0"/>
+              </a:spcBef>
+              <a:buNone/>
+              <a:defRPr sz="4400" kern="1200">
+                <a:solidFill>
+                  <a:schemeClr val="tx1"/>
+                </a:solidFill>
+                <a:latin typeface="+mj-lt"/>
+                <a:ea typeface="+mj-ea"/>
+                <a:cs typeface="+mj-cs"/>
+              </a:defRPr>
+            </a:lvl1pPr>
+          </a:lstStyle>
           <a:p>
             <a:r>
               <a:rPr lang="en-US" sz="3600" dirty="0"/>
@@ -5353,12 +5378,72 @@
           </a:p>
         </p:txBody>
       </p:sp>
+    </p:spTree>
+    <p:extLst>
+      <p:ext uri="{BB962C8B-B14F-4D97-AF65-F5344CB8AC3E}">
+        <p14:creationId xmlns:p14="http://schemas.microsoft.com/office/powerpoint/2010/main" val="2127759097"/>
+      </p:ext>
+    </p:extLst>
+  </p:cSld>
+  <p:clrMapOvr>
+    <a:masterClrMapping/>
+  </p:clrMapOvr>
+</p:sld>
+</file>
+
+<file path=ppt/slides/slide6.xml><?xml version="1.0" encoding="utf-8"?>
+<p:sld xmlns:a="http://schemas.openxmlformats.org/drawingml/2006/main" xmlns:r="http://schemas.openxmlformats.org/officeDocument/2006/relationships" xmlns:p="http://schemas.openxmlformats.org/presentationml/2006/main">
+  <p:cSld>
+    <p:spTree>
+      <p:nvGrpSpPr>
+        <p:cNvPr id="1" name=""/>
+        <p:cNvGrpSpPr/>
+        <p:nvPr/>
+      </p:nvGrpSpPr>
+      <p:grpSpPr>
+        <a:xfrm>
+          <a:off x="0" y="0"/>
+          <a:ext cx="0" cy="0"/>
+          <a:chOff x="0" y="0"/>
+          <a:chExt cx="0" cy="0"/>
+        </a:xfrm>
+      </p:grpSpPr>
       <p:pic>
         <p:nvPicPr>
-          <p:cNvPr id="2050" name="Picture 2" descr="ShareChatGPTConversations">
-            <a:extLst>
-              <a:ext uri="{FF2B5EF4-FFF2-40B4-BE49-F238E27FC236}">
-                <a16:creationId xmlns:a16="http://schemas.microsoft.com/office/drawing/2014/main" id="{5981A190-58B1-03B1-7850-A8DAA731E4C8}"/>
+          <p:cNvPr id="13" name="Picture 12">
+            <a:extLst>
+              <a:ext uri="{FF2B5EF4-FFF2-40B4-BE49-F238E27FC236}">
+                <a16:creationId xmlns:a16="http://schemas.microsoft.com/office/drawing/2014/main" id="{E444E48F-9DEB-BC58-4F67-E272DD7FD280}"/>
+              </a:ext>
+            </a:extLst>
+          </p:cNvPr>
+          <p:cNvPicPr>
+            <a:picLocks noChangeAspect="1"/>
+          </p:cNvPicPr>
+          <p:nvPr/>
+        </p:nvPicPr>
+        <p:blipFill>
+          <a:blip r:embed="rId2"/>
+          <a:stretch>
+            <a:fillRect/>
+          </a:stretch>
+        </p:blipFill>
+        <p:spPr>
+          <a:xfrm>
+            <a:off x="1099586" y="522581"/>
+            <a:ext cx="8056719" cy="880694"/>
+          </a:xfrm>
+          <a:prstGeom prst="rect">
+            <a:avLst/>
+          </a:prstGeom>
+        </p:spPr>
+      </p:pic>
+      <p:pic>
+        <p:nvPicPr>
+          <p:cNvPr id="2" name="Picture 2" descr="ShareChatGPTConversations">
+            <a:extLst>
+              <a:ext uri="{FF2B5EF4-FFF2-40B4-BE49-F238E27FC236}">
+                <a16:creationId xmlns:a16="http://schemas.microsoft.com/office/drawing/2014/main" id="{E10D5A26-877E-C87A-6016-9F2370BED396}"/>
               </a:ext>
             </a:extLst>
           </p:cNvPr>
@@ -5368,7 +5453,7 @@
           <p:nvPr/>
         </p:nvPicPr>
         <p:blipFill>
-          <a:blip r:embed="rId2">
+          <a:blip r:embed="rId3">
             <a:extLst>
               <a:ext uri="{28A0092B-C50C-407E-A947-70E740481C1C}">
                 <a14:useLocalDpi xmlns:a14="http://schemas.microsoft.com/office/drawing/2010/main" val="0"/>
@@ -5382,8 +5467,8 @@
         </p:blipFill>
         <p:spPr bwMode="auto">
           <a:xfrm>
-            <a:off x="1311621" y="2597427"/>
-            <a:ext cx="4585597" cy="3595242"/>
+            <a:off x="1099586" y="1554436"/>
+            <a:ext cx="10138601" cy="4166331"/>
           </a:xfrm>
           <a:prstGeom prst="rect">
             <a:avLst/>
@@ -5400,76 +5485,333 @@
           </a:extLst>
         </p:spPr>
       </p:pic>
-      <p:sp>
-        <p:nvSpPr>
-          <p:cNvPr id="11" name="TextBox 10">
-            <a:extLst>
-              <a:ext uri="{FF2B5EF4-FFF2-40B4-BE49-F238E27FC236}">
-                <a16:creationId xmlns:a16="http://schemas.microsoft.com/office/drawing/2014/main" id="{0F194971-2ED3-6A25-C6E2-AFDA29D6099D}"/>
-              </a:ext>
-            </a:extLst>
-          </p:cNvPr>
-          <p:cNvSpPr txBox="1"/>
+      <p:pic>
+        <p:nvPicPr>
+          <p:cNvPr id="3" name="Picture 2" descr="ShareChatGPTConversations">
+            <a:extLst>
+              <a:ext uri="{FF2B5EF4-FFF2-40B4-BE49-F238E27FC236}">
+                <a16:creationId xmlns:a16="http://schemas.microsoft.com/office/drawing/2014/main" id="{4B755522-E6AB-CD3B-DDBE-029A4379E5FC}"/>
+              </a:ext>
+            </a:extLst>
+          </p:cNvPr>
+          <p:cNvPicPr>
+            <a:picLocks noChangeAspect="1" noChangeArrowheads="1"/>
+          </p:cNvPicPr>
           <p:nvPr/>
-        </p:nvSpPr>
-        <p:spPr>
+        </p:nvPicPr>
+        <p:blipFill>
+          <a:blip r:embed="rId4">
+            <a:extLst>
+              <a:ext uri="{28A0092B-C50C-407E-A947-70E740481C1C}">
+                <a14:useLocalDpi xmlns:a14="http://schemas.microsoft.com/office/drawing/2010/main" val="0"/>
+              </a:ext>
+            </a:extLst>
+          </a:blip>
+          <a:srcRect/>
+          <a:stretch>
+            <a:fillRect/>
+          </a:stretch>
+        </p:blipFill>
+        <p:spPr bwMode="auto">
           <a:xfrm>
-            <a:off x="781878" y="1060174"/>
-            <a:ext cx="9594574" cy="461665"/>
+            <a:off x="953813" y="3572012"/>
+            <a:ext cx="3896483" cy="3054956"/>
           </a:xfrm>
           <a:prstGeom prst="rect">
             <a:avLst/>
           </a:prstGeom>
           <a:noFill/>
-        </p:spPr>
-        <p:txBody>
-          <a:bodyPr wrap="square" rtlCol="0">
-            <a:spAutoFit/>
-          </a:bodyPr>
-          <a:lstStyle/>
-          <a:p>
-            <a:r>
-              <a:rPr lang="en-US" sz="2400" dirty="0"/>
-              <a:t>We will look at some concrete examples from the LLM - </a:t>
-            </a:r>
-            <a:r>
-              <a:rPr lang="en-US" sz="2400" dirty="0" err="1"/>
-              <a:t>ChatGPT</a:t>
-            </a:r>
-            <a:endParaRPr lang="en-US" sz="2400" dirty="0"/>
-          </a:p>
-        </p:txBody>
-      </p:sp>
-      <p:pic>
-        <p:nvPicPr>
-          <p:cNvPr id="13" name="Picture 12">
-            <a:extLst>
-              <a:ext uri="{FF2B5EF4-FFF2-40B4-BE49-F238E27FC236}">
-                <a16:creationId xmlns:a16="http://schemas.microsoft.com/office/drawing/2014/main" id="{E444E48F-9DEB-BC58-4F67-E272DD7FD280}"/>
-              </a:ext>
-            </a:extLst>
-          </p:cNvPr>
-          <p:cNvPicPr>
-            <a:picLocks noChangeAspect="1"/>
-          </p:cNvPicPr>
-          <p:nvPr/>
-        </p:nvPicPr>
-        <p:blipFill>
-          <a:blip r:embed="rId3"/>
-          <a:stretch>
-            <a:fillRect/>
-          </a:stretch>
-        </p:blipFill>
-        <p:spPr>
-          <a:xfrm>
-            <a:off x="1311621" y="1614604"/>
-            <a:ext cx="8056719" cy="880694"/>
-          </a:xfrm>
-          <a:prstGeom prst="rect">
-            <a:avLst/>
-          </a:prstGeom>
+          <a:extLst>
+            <a:ext uri="{909E8E84-426E-40DD-AFC4-6F175D3DCCD1}">
+              <a14:hiddenFill xmlns:a14="http://schemas.microsoft.com/office/drawing/2010/main">
+                <a:solidFill>
+                  <a:srgbClr val="FFFFFF"/>
+                </a:solidFill>
+              </a14:hiddenFill>
+            </a:ext>
+          </a:extLst>
         </p:spPr>
       </p:pic>
+      <p:grpSp>
+        <p:nvGrpSpPr>
+          <p:cNvPr id="9" name="Group 8">
+            <a:extLst>
+              <a:ext uri="{FF2B5EF4-FFF2-40B4-BE49-F238E27FC236}">
+                <a16:creationId xmlns:a16="http://schemas.microsoft.com/office/drawing/2014/main" id="{45DE329A-A18B-9E6F-29EA-B9DD434002CE}"/>
+              </a:ext>
+            </a:extLst>
+          </p:cNvPr>
+          <p:cNvGrpSpPr/>
+          <p:nvPr/>
+        </p:nvGrpSpPr>
+        <p:grpSpPr>
+          <a:xfrm>
+            <a:off x="4727369" y="2292622"/>
+            <a:ext cx="4545838" cy="2845234"/>
+            <a:chOff x="4727369" y="1934817"/>
+            <a:chExt cx="4545838" cy="2845234"/>
+          </a:xfrm>
+        </p:grpSpPr>
+        <p:sp>
+          <p:nvSpPr>
+            <p:cNvPr id="7" name="Rounded Rectangle 6">
+              <a:extLst>
+                <a:ext uri="{FF2B5EF4-FFF2-40B4-BE49-F238E27FC236}">
+                  <a16:creationId xmlns:a16="http://schemas.microsoft.com/office/drawing/2014/main" id="{3049501B-5A04-2013-DCF3-8AD7D5BEFF15}"/>
+                </a:ext>
+              </a:extLst>
+            </p:cNvPr>
+            <p:cNvSpPr/>
+            <p:nvPr/>
+          </p:nvSpPr>
+          <p:spPr>
+            <a:xfrm>
+              <a:off x="6215270" y="1934817"/>
+              <a:ext cx="3057937" cy="2845234"/>
+            </a:xfrm>
+            <a:prstGeom prst="roundRect">
+              <a:avLst/>
+            </a:prstGeom>
+            <a:noFill/>
+            <a:ln w="28575">
+              <a:solidFill>
+                <a:schemeClr val="tx1"/>
+              </a:solidFill>
+            </a:ln>
+          </p:spPr>
+          <p:style>
+            <a:lnRef idx="2">
+              <a:schemeClr val="accent1">
+                <a:shade val="15000"/>
+              </a:schemeClr>
+            </a:lnRef>
+            <a:fillRef idx="1">
+              <a:schemeClr val="accent1"/>
+            </a:fillRef>
+            <a:effectRef idx="0">
+              <a:schemeClr val="accent1"/>
+            </a:effectRef>
+            <a:fontRef idx="minor">
+              <a:schemeClr val="lt1"/>
+            </a:fontRef>
+          </p:style>
+          <p:txBody>
+            <a:bodyPr rtlCol="0" anchor="ctr"/>
+            <a:lstStyle/>
+            <a:p>
+              <a:pPr algn="ctr"/>
+              <a:endParaRPr lang="en-US" dirty="0"/>
+            </a:p>
+          </p:txBody>
+        </p:sp>
+        <p:sp>
+          <p:nvSpPr>
+            <p:cNvPr id="8" name="Right Arrow 7">
+              <a:extLst>
+                <a:ext uri="{FF2B5EF4-FFF2-40B4-BE49-F238E27FC236}">
+                  <a16:creationId xmlns:a16="http://schemas.microsoft.com/office/drawing/2014/main" id="{A92BCE7C-8FC1-4424-2CA2-A321863A6BC3}"/>
+                </a:ext>
+              </a:extLst>
+            </p:cNvPr>
+            <p:cNvSpPr/>
+            <p:nvPr/>
+          </p:nvSpPr>
+          <p:spPr>
+            <a:xfrm>
+              <a:off x="4727369" y="3891241"/>
+              <a:ext cx="1249361" cy="382955"/>
+            </a:xfrm>
+            <a:prstGeom prst="rightArrow">
+              <a:avLst/>
+            </a:prstGeom>
+            <a:solidFill>
+              <a:schemeClr val="tx1"/>
+            </a:solidFill>
+          </p:spPr>
+          <p:style>
+            <a:lnRef idx="2">
+              <a:schemeClr val="accent1">
+                <a:shade val="15000"/>
+              </a:schemeClr>
+            </a:lnRef>
+            <a:fillRef idx="1">
+              <a:schemeClr val="accent1"/>
+            </a:fillRef>
+            <a:effectRef idx="0">
+              <a:schemeClr val="accent1"/>
+            </a:effectRef>
+            <a:fontRef idx="minor">
+              <a:schemeClr val="lt1"/>
+            </a:fontRef>
+          </p:style>
+          <p:txBody>
+            <a:bodyPr rtlCol="0" anchor="ctr"/>
+            <a:lstStyle/>
+            <a:p>
+              <a:pPr algn="ctr"/>
+              <a:endParaRPr lang="en-US" dirty="0"/>
+            </a:p>
+          </p:txBody>
+        </p:sp>
+      </p:grpSp>
+      <p:grpSp>
+        <p:nvGrpSpPr>
+          <p:cNvPr id="16" name="Group 15">
+            <a:extLst>
+              <a:ext uri="{FF2B5EF4-FFF2-40B4-BE49-F238E27FC236}">
+                <a16:creationId xmlns:a16="http://schemas.microsoft.com/office/drawing/2014/main" id="{DCFF0A35-085C-703D-11B7-CA39DDBC9F29}"/>
+              </a:ext>
+            </a:extLst>
+          </p:cNvPr>
+          <p:cNvGrpSpPr/>
+          <p:nvPr/>
+        </p:nvGrpSpPr>
+        <p:grpSpPr>
+          <a:xfrm>
+            <a:off x="2160104" y="384314"/>
+            <a:ext cx="5367131" cy="742122"/>
+            <a:chOff x="2160104" y="92765"/>
+            <a:chExt cx="5367131" cy="742122"/>
+          </a:xfrm>
+        </p:grpSpPr>
+        <p:sp>
+          <p:nvSpPr>
+            <p:cNvPr id="10" name="Rounded Rectangle 9">
+              <a:extLst>
+                <a:ext uri="{FF2B5EF4-FFF2-40B4-BE49-F238E27FC236}">
+                  <a16:creationId xmlns:a16="http://schemas.microsoft.com/office/drawing/2014/main" id="{4F13B296-233F-673D-EBBC-93647DF3419B}"/>
+                </a:ext>
+              </a:extLst>
+            </p:cNvPr>
+            <p:cNvSpPr/>
+            <p:nvPr/>
+          </p:nvSpPr>
+          <p:spPr>
+            <a:xfrm>
+              <a:off x="2160104" y="530087"/>
+              <a:ext cx="861392" cy="304800"/>
+            </a:xfrm>
+            <a:prstGeom prst="roundRect">
+              <a:avLst/>
+            </a:prstGeom>
+            <a:noFill/>
+            <a:ln w="28575">
+              <a:solidFill>
+                <a:srgbClr val="C00000"/>
+              </a:solidFill>
+            </a:ln>
+          </p:spPr>
+          <p:style>
+            <a:lnRef idx="2">
+              <a:schemeClr val="accent1">
+                <a:shade val="15000"/>
+              </a:schemeClr>
+            </a:lnRef>
+            <a:fillRef idx="1">
+              <a:schemeClr val="accent1"/>
+            </a:fillRef>
+            <a:effectRef idx="0">
+              <a:schemeClr val="accent1"/>
+            </a:effectRef>
+            <a:fontRef idx="minor">
+              <a:schemeClr val="lt1"/>
+            </a:fontRef>
+          </p:style>
+          <p:txBody>
+            <a:bodyPr rtlCol="0" anchor="ctr"/>
+            <a:lstStyle/>
+            <a:p>
+              <a:pPr algn="ctr"/>
+              <a:endParaRPr lang="en-US"/>
+            </a:p>
+          </p:txBody>
+        </p:sp>
+        <p:sp>
+          <p:nvSpPr>
+            <p:cNvPr id="12" name="TextBox 11">
+              <a:extLst>
+                <a:ext uri="{FF2B5EF4-FFF2-40B4-BE49-F238E27FC236}">
+                  <a16:creationId xmlns:a16="http://schemas.microsoft.com/office/drawing/2014/main" id="{245BBAB6-7A68-2A0B-BDDA-F5A7A71F6597}"/>
+                </a:ext>
+              </a:extLst>
+            </p:cNvPr>
+            <p:cNvSpPr txBox="1"/>
+            <p:nvPr/>
+          </p:nvSpPr>
+          <p:spPr>
+            <a:xfrm>
+              <a:off x="3127513" y="92765"/>
+              <a:ext cx="4399722" cy="369332"/>
+            </a:xfrm>
+            <a:prstGeom prst="rect">
+              <a:avLst/>
+            </a:prstGeom>
+            <a:noFill/>
+            <a:ln w="28575">
+              <a:solidFill>
+                <a:srgbClr val="C00000"/>
+              </a:solidFill>
+            </a:ln>
+          </p:spPr>
+          <p:txBody>
+            <a:bodyPr wrap="square" rtlCol="0">
+              <a:spAutoFit/>
+            </a:bodyPr>
+            <a:lstStyle/>
+            <a:p>
+              <a:r>
+                <a:rPr lang="en-US" b="1" dirty="0"/>
+                <a:t>Software maintenance – Code duplication</a:t>
+              </a:r>
+            </a:p>
+          </p:txBody>
+        </p:sp>
+        <p:cxnSp>
+          <p:nvCxnSpPr>
+            <p:cNvPr id="15" name="Straight Arrow Connector 14">
+              <a:extLst>
+                <a:ext uri="{FF2B5EF4-FFF2-40B4-BE49-F238E27FC236}">
+                  <a16:creationId xmlns:a16="http://schemas.microsoft.com/office/drawing/2014/main" id="{37D4FFEB-B466-EEA4-F507-1ABC2EAB28C4}"/>
+                </a:ext>
+              </a:extLst>
+            </p:cNvPr>
+            <p:cNvCxnSpPr>
+              <a:stCxn id="12" idx="1"/>
+              <a:endCxn id="10" idx="0"/>
+            </p:cNvCxnSpPr>
+            <p:nvPr/>
+          </p:nvCxnSpPr>
+          <p:spPr>
+            <a:xfrm flipH="1">
+              <a:off x="2590800" y="277431"/>
+              <a:ext cx="536713" cy="252656"/>
+            </a:xfrm>
+            <a:prstGeom prst="straightConnector1">
+              <a:avLst/>
+            </a:prstGeom>
+            <a:ln w="38100">
+              <a:solidFill>
+                <a:srgbClr val="C00000"/>
+              </a:solidFill>
+              <a:tailEnd type="triangle"/>
+            </a:ln>
+          </p:spPr>
+          <p:style>
+            <a:lnRef idx="1">
+              <a:schemeClr val="accent1"/>
+            </a:lnRef>
+            <a:fillRef idx="0">
+              <a:schemeClr val="accent1"/>
+            </a:fillRef>
+            <a:effectRef idx="0">
+              <a:schemeClr val="accent1"/>
+            </a:effectRef>
+            <a:fontRef idx="minor">
+              <a:schemeClr val="tx1"/>
+            </a:fontRef>
+          </p:style>
+        </p:cxnSp>
+      </p:grpSp>
     </p:spTree>
     <p:extLst>
       <p:ext uri="{BB962C8B-B14F-4D97-AF65-F5344CB8AC3E}">
@@ -5480,10 +5822,228 @@
   <p:clrMapOvr>
     <a:masterClrMapping/>
   </p:clrMapOvr>
+  <p:timing>
+    <p:tnLst>
+      <p:par>
+        <p:cTn id="1" dur="indefinite" restart="never" nodeType="tmRoot">
+          <p:childTnLst>
+            <p:seq concurrent="1" nextAc="seek">
+              <p:cTn id="2" dur="indefinite" nodeType="mainSeq">
+                <p:childTnLst>
+                  <p:par>
+                    <p:cTn id="3" fill="hold">
+                      <p:stCondLst>
+                        <p:cond delay="indefinite"/>
+                      </p:stCondLst>
+                      <p:childTnLst>
+                        <p:par>
+                          <p:cTn id="4" fill="hold">
+                            <p:stCondLst>
+                              <p:cond delay="0"/>
+                            </p:stCondLst>
+                            <p:childTnLst>
+                              <p:par>
+                                <p:cTn id="5" presetID="1" presetClass="entr" presetSubtype="0" fill="hold" nodeType="clickEffect">
+                                  <p:stCondLst>
+                                    <p:cond delay="0"/>
+                                  </p:stCondLst>
+                                  <p:childTnLst>
+                                    <p:set>
+                                      <p:cBhvr>
+                                        <p:cTn id="6" dur="1" fill="hold">
+                                          <p:stCondLst>
+                                            <p:cond delay="0"/>
+                                          </p:stCondLst>
+                                        </p:cTn>
+                                        <p:tgtEl>
+                                          <p:spTgt spid="3"/>
+                                        </p:tgtEl>
+                                        <p:attrNameLst>
+                                          <p:attrName>style.visibility</p:attrName>
+                                        </p:attrNameLst>
+                                      </p:cBhvr>
+                                      <p:to>
+                                        <p:strVal val="visible"/>
+                                      </p:to>
+                                    </p:set>
+                                  </p:childTnLst>
+                                </p:cTn>
+                              </p:par>
+                            </p:childTnLst>
+                          </p:cTn>
+                        </p:par>
+                      </p:childTnLst>
+                    </p:cTn>
+                  </p:par>
+                  <p:par>
+                    <p:cTn id="7" fill="hold">
+                      <p:stCondLst>
+                        <p:cond delay="indefinite"/>
+                      </p:stCondLst>
+                      <p:childTnLst>
+                        <p:par>
+                          <p:cTn id="8" fill="hold">
+                            <p:stCondLst>
+                              <p:cond delay="0"/>
+                            </p:stCondLst>
+                            <p:childTnLst>
+                              <p:par>
+                                <p:cTn id="9" presetID="1" presetClass="entr" presetSubtype="0" fill="hold" nodeType="clickEffect">
+                                  <p:stCondLst>
+                                    <p:cond delay="0"/>
+                                  </p:stCondLst>
+                                  <p:childTnLst>
+                                    <p:set>
+                                      <p:cBhvr>
+                                        <p:cTn id="10" dur="1" fill="hold">
+                                          <p:stCondLst>
+                                            <p:cond delay="0"/>
+                                          </p:stCondLst>
+                                        </p:cTn>
+                                        <p:tgtEl>
+                                          <p:spTgt spid="2"/>
+                                        </p:tgtEl>
+                                        <p:attrNameLst>
+                                          <p:attrName>style.visibility</p:attrName>
+                                        </p:attrNameLst>
+                                      </p:cBhvr>
+                                      <p:to>
+                                        <p:strVal val="visible"/>
+                                      </p:to>
+                                    </p:set>
+                                  </p:childTnLst>
+                                </p:cTn>
+                              </p:par>
+                            </p:childTnLst>
+                          </p:cTn>
+                        </p:par>
+                      </p:childTnLst>
+                    </p:cTn>
+                  </p:par>
+                  <p:par>
+                    <p:cTn id="11" fill="hold">
+                      <p:stCondLst>
+                        <p:cond delay="indefinite"/>
+                      </p:stCondLst>
+                      <p:childTnLst>
+                        <p:par>
+                          <p:cTn id="12" fill="hold">
+                            <p:stCondLst>
+                              <p:cond delay="0"/>
+                            </p:stCondLst>
+                            <p:childTnLst>
+                              <p:par>
+                                <p:cTn id="13" presetID="1" presetClass="entr" presetSubtype="0" fill="hold" nodeType="clickEffect">
+                                  <p:stCondLst>
+                                    <p:cond delay="0"/>
+                                  </p:stCondLst>
+                                  <p:childTnLst>
+                                    <p:set>
+                                      <p:cBhvr>
+                                        <p:cTn id="14" dur="1" fill="hold">
+                                          <p:stCondLst>
+                                            <p:cond delay="0"/>
+                                          </p:stCondLst>
+                                        </p:cTn>
+                                        <p:tgtEl>
+                                          <p:spTgt spid="9"/>
+                                        </p:tgtEl>
+                                        <p:attrNameLst>
+                                          <p:attrName>style.visibility</p:attrName>
+                                        </p:attrNameLst>
+                                      </p:cBhvr>
+                                      <p:to>
+                                        <p:strVal val="visible"/>
+                                      </p:to>
+                                    </p:set>
+                                  </p:childTnLst>
+                                </p:cTn>
+                              </p:par>
+                            </p:childTnLst>
+                          </p:cTn>
+                        </p:par>
+                      </p:childTnLst>
+                    </p:cTn>
+                  </p:par>
+                  <p:par>
+                    <p:cTn id="15" fill="hold">
+                      <p:stCondLst>
+                        <p:cond delay="indefinite"/>
+                      </p:stCondLst>
+                      <p:childTnLst>
+                        <p:par>
+                          <p:cTn id="16" fill="hold">
+                            <p:stCondLst>
+                              <p:cond delay="0"/>
+                            </p:stCondLst>
+                            <p:childTnLst>
+                              <p:par>
+                                <p:cTn id="17" presetID="9" presetClass="entr" presetSubtype="0" fill="hold" nodeType="clickEffect">
+                                  <p:stCondLst>
+                                    <p:cond delay="0"/>
+                                  </p:stCondLst>
+                                  <p:childTnLst>
+                                    <p:set>
+                                      <p:cBhvr>
+                                        <p:cTn id="18" dur="1" fill="hold">
+                                          <p:stCondLst>
+                                            <p:cond delay="0"/>
+                                          </p:stCondLst>
+                                        </p:cTn>
+                                        <p:tgtEl>
+                                          <p:spTgt spid="16"/>
+                                        </p:tgtEl>
+                                        <p:attrNameLst>
+                                          <p:attrName>style.visibility</p:attrName>
+                                        </p:attrNameLst>
+                                      </p:cBhvr>
+                                      <p:to>
+                                        <p:strVal val="visible"/>
+                                      </p:to>
+                                    </p:set>
+                                    <p:animEffect transition="in" filter="dissolve">
+                                      <p:cBhvr>
+                                        <p:cTn id="19" dur="500"/>
+                                        <p:tgtEl>
+                                          <p:spTgt spid="16"/>
+                                        </p:tgtEl>
+                                      </p:cBhvr>
+                                    </p:animEffect>
+                                  </p:childTnLst>
+                                </p:cTn>
+                              </p:par>
+                            </p:childTnLst>
+                          </p:cTn>
+                        </p:par>
+                      </p:childTnLst>
+                    </p:cTn>
+                  </p:par>
+                </p:childTnLst>
+              </p:cTn>
+              <p:prevCondLst>
+                <p:cond evt="onPrev" delay="0">
+                  <p:tgtEl>
+                    <p:sldTgt/>
+                  </p:tgtEl>
+                </p:cond>
+              </p:prevCondLst>
+              <p:nextCondLst>
+                <p:cond evt="onNext" delay="0">
+                  <p:tgtEl>
+                    <p:sldTgt/>
+                  </p:tgtEl>
+                </p:cond>
+              </p:nextCondLst>
+            </p:seq>
+          </p:childTnLst>
+        </p:cTn>
+      </p:par>
+    </p:tnLst>
+  </p:timing>
 </p:sld>
 </file>
 
-<file path=ppt/slides/slide6.xml><?xml version="1.0" encoding="utf-8"?>
+<file path=ppt/slides/slide7.xml><?xml version="1.0" encoding="utf-8"?>
 <p:sld xmlns:a="http://schemas.openxmlformats.org/drawingml/2006/main" xmlns:r="http://schemas.openxmlformats.org/officeDocument/2006/relationships" xmlns:p="http://schemas.openxmlformats.org/presentationml/2006/main">
   <p:cSld>
     <p:spTree>

--- a/teaching/CS472/Timetable/LLM.pptx
+++ b/teaching/CS472/Timetable/LLM.pptx
@@ -5,7 +5,7 @@
     <p:sldMasterId id="2147483648" r:id="rId1"/>
   </p:sldMasterIdLst>
   <p:notesMasterIdLst>
-    <p:notesMasterId r:id="rId9"/>
+    <p:notesMasterId r:id="rId12"/>
   </p:notesMasterIdLst>
   <p:sldIdLst>
     <p:sldId id="256" r:id="rId2"/>
@@ -15,6 +15,9 @@
     <p:sldId id="262" r:id="rId6"/>
     <p:sldId id="261" r:id="rId7"/>
     <p:sldId id="260" r:id="rId8"/>
+    <p:sldId id="263" r:id="rId9"/>
+    <p:sldId id="265" r:id="rId10"/>
+    <p:sldId id="264" r:id="rId11"/>
   </p:sldIdLst>
   <p:sldSz cx="12192000" cy="6858000"/>
   <p:notesSz cx="6858000" cy="9144000"/>
@@ -4081,6 +4084,214 @@
 </p:sld>
 </file>
 
+<file path=ppt/slides/slide10.xml><?xml version="1.0" encoding="utf-8"?>
+<p:sld xmlns:a="http://schemas.openxmlformats.org/drawingml/2006/main" xmlns:r="http://schemas.openxmlformats.org/officeDocument/2006/relationships" xmlns:p="http://schemas.openxmlformats.org/presentationml/2006/main">
+  <p:cSld>
+    <p:spTree>
+      <p:nvGrpSpPr>
+        <p:cNvPr id="1" name=""/>
+        <p:cNvGrpSpPr/>
+        <p:nvPr/>
+      </p:nvGrpSpPr>
+      <p:grpSpPr>
+        <a:xfrm>
+          <a:off x="0" y="0"/>
+          <a:ext cx="0" cy="0"/>
+          <a:chOff x="0" y="0"/>
+          <a:chExt cx="0" cy="0"/>
+        </a:xfrm>
+      </p:grpSpPr>
+      <p:sp>
+        <p:nvSpPr>
+          <p:cNvPr id="2" name="Title 1">
+            <a:extLst>
+              <a:ext uri="{FF2B5EF4-FFF2-40B4-BE49-F238E27FC236}">
+                <a16:creationId xmlns:a16="http://schemas.microsoft.com/office/drawing/2014/main" id="{3CBFCC1F-7095-1520-8C30-161C693F31E2}"/>
+              </a:ext>
+            </a:extLst>
+          </p:cNvPr>
+          <p:cNvSpPr>
+            <a:spLocks noGrp="1"/>
+          </p:cNvSpPr>
+          <p:nvPr>
+            <p:ph type="title"/>
+          </p:nvPr>
+        </p:nvSpPr>
+        <p:spPr/>
+        <p:txBody>
+          <a:bodyPr/>
+          <a:lstStyle/>
+          <a:p>
+            <a:endParaRPr lang="en-US"/>
+          </a:p>
+        </p:txBody>
+      </p:sp>
+      <p:pic>
+        <p:nvPicPr>
+          <p:cNvPr id="2050" name="Picture 2">
+            <a:extLst>
+              <a:ext uri="{FF2B5EF4-FFF2-40B4-BE49-F238E27FC236}">
+                <a16:creationId xmlns:a16="http://schemas.microsoft.com/office/drawing/2014/main" id="{237D6BFF-9254-C6FE-F02D-549302EE28FA}"/>
+              </a:ext>
+            </a:extLst>
+          </p:cNvPr>
+          <p:cNvPicPr>
+            <a:picLocks noChangeAspect="1" noChangeArrowheads="1"/>
+          </p:cNvPicPr>
+          <p:nvPr/>
+        </p:nvPicPr>
+        <p:blipFill>
+          <a:blip r:embed="rId2">
+            <a:extLst>
+              <a:ext uri="{28A0092B-C50C-407E-A947-70E740481C1C}">
+                <a14:useLocalDpi xmlns:a14="http://schemas.microsoft.com/office/drawing/2010/main" val="0"/>
+              </a:ext>
+            </a:extLst>
+          </a:blip>
+          <a:srcRect/>
+          <a:stretch>
+            <a:fillRect/>
+          </a:stretch>
+        </p:blipFill>
+        <p:spPr bwMode="auto">
+          <a:xfrm>
+            <a:off x="2477771" y="2433435"/>
+            <a:ext cx="5404357" cy="3680721"/>
+          </a:xfrm>
+          <a:prstGeom prst="rect">
+            <a:avLst/>
+          </a:prstGeom>
+          <a:noFill/>
+          <a:extLst>
+            <a:ext uri="{909E8E84-426E-40DD-AFC4-6F175D3DCCD1}">
+              <a14:hiddenFill xmlns:a14="http://schemas.microsoft.com/office/drawing/2010/main">
+                <a:solidFill>
+                  <a:srgbClr val="FFFFFF"/>
+                </a:solidFill>
+              </a14:hiddenFill>
+            </a:ext>
+          </a:extLst>
+        </p:spPr>
+      </p:pic>
+      <p:sp>
+        <p:nvSpPr>
+          <p:cNvPr id="5" name="TextBox 4">
+            <a:extLst>
+              <a:ext uri="{FF2B5EF4-FFF2-40B4-BE49-F238E27FC236}">
+                <a16:creationId xmlns:a16="http://schemas.microsoft.com/office/drawing/2014/main" id="{7D86C605-6B64-E9EF-C76F-BEF6E844BB9B}"/>
+              </a:ext>
+            </a:extLst>
+          </p:cNvPr>
+          <p:cNvSpPr txBox="1"/>
+          <p:nvPr/>
+        </p:nvSpPr>
+        <p:spPr>
+          <a:xfrm>
+            <a:off x="2352294" y="6031860"/>
+            <a:ext cx="7175754" cy="523220"/>
+          </a:xfrm>
+          <a:prstGeom prst="rect">
+            <a:avLst/>
+          </a:prstGeom>
+          <a:noFill/>
+        </p:spPr>
+        <p:txBody>
+          <a:bodyPr wrap="square">
+            <a:spAutoFit/>
+          </a:bodyPr>
+          <a:lstStyle/>
+          <a:p>
+            <a:r>
+              <a:rPr lang="en-GB" sz="1400" b="0" i="0" dirty="0">
+                <a:solidFill>
+                  <a:schemeClr val="tx1">
+                    <a:lumMod val="75000"/>
+                    <a:lumOff val="25000"/>
+                  </a:schemeClr>
+                </a:solidFill>
+                <a:effectLst/>
+                <a:latin typeface="gg sans"/>
+              </a:rPr>
+              <a:t>CC: Cannot Classify - The programming language is not supported by our tool. </a:t>
+            </a:r>
+          </a:p>
+          <a:p>
+            <a:r>
+              <a:rPr lang="en-GB" sz="1400" b="0" i="0" dirty="0">
+                <a:solidFill>
+                  <a:schemeClr val="tx1">
+                    <a:lumMod val="75000"/>
+                    <a:lumOff val="25000"/>
+                  </a:schemeClr>
+                </a:solidFill>
+                <a:effectLst/>
+                <a:latin typeface="gg sans"/>
+              </a:rPr>
+              <a:t>NE: The developer used </a:t>
+            </a:r>
+            <a:r>
+              <a:rPr lang="en-GB" sz="1400" b="0" i="0" dirty="0" err="1">
+                <a:solidFill>
+                  <a:schemeClr val="tx1">
+                    <a:lumMod val="75000"/>
+                    <a:lumOff val="25000"/>
+                  </a:schemeClr>
+                </a:solidFill>
+                <a:effectLst/>
+                <a:latin typeface="gg sans"/>
+              </a:rPr>
+              <a:t>ChatGPT</a:t>
+            </a:r>
+            <a:r>
+              <a:rPr lang="en-GB" sz="1400" b="0" i="0" dirty="0">
+                <a:solidFill>
+                  <a:schemeClr val="tx1">
+                    <a:lumMod val="75000"/>
+                    <a:lumOff val="25000"/>
+                  </a:schemeClr>
+                </a:solidFill>
+                <a:effectLst/>
+                <a:latin typeface="gg sans"/>
+              </a:rPr>
+              <a:t> but no code snippet was suggested by </a:t>
+            </a:r>
+            <a:r>
+              <a:rPr lang="en-GB" sz="1400" b="0" i="0" dirty="0" err="1">
+                <a:solidFill>
+                  <a:schemeClr val="tx1">
+                    <a:lumMod val="75000"/>
+                    <a:lumOff val="25000"/>
+                  </a:schemeClr>
+                </a:solidFill>
+                <a:effectLst/>
+                <a:latin typeface="gg sans"/>
+              </a:rPr>
+              <a:t>ChatGPT</a:t>
+            </a:r>
+            <a:endParaRPr lang="en-US" sz="1400" dirty="0">
+              <a:solidFill>
+                <a:schemeClr val="tx1">
+                  <a:lumMod val="75000"/>
+                  <a:lumOff val="25000"/>
+                </a:schemeClr>
+              </a:solidFill>
+            </a:endParaRPr>
+          </a:p>
+        </p:txBody>
+      </p:sp>
+    </p:spTree>
+    <p:extLst>
+      <p:ext uri="{BB962C8B-B14F-4D97-AF65-F5344CB8AC3E}">
+        <p14:creationId xmlns:p14="http://schemas.microsoft.com/office/powerpoint/2010/main" val="1017705243"/>
+      </p:ext>
+    </p:extLst>
+  </p:cSld>
+  <p:clrMapOvr>
+    <a:masterClrMapping/>
+  </p:clrMapOvr>
+</p:sld>
+</file>
+
 <file path=ppt/slides/slide2.xml><?xml version="1.0" encoding="utf-8"?>
 <p:sld xmlns:a="http://schemas.openxmlformats.org/drawingml/2006/main" xmlns:r="http://schemas.openxmlformats.org/officeDocument/2006/relationships" xmlns:p="http://schemas.openxmlformats.org/presentationml/2006/main">
   <p:cSld>
@@ -5669,9 +5880,9 @@
         <p:grpSpPr>
           <a:xfrm>
             <a:off x="2160104" y="384314"/>
-            <a:ext cx="5367131" cy="742122"/>
+            <a:ext cx="6005489" cy="742122"/>
             <a:chOff x="2160104" y="92765"/>
-            <a:chExt cx="5367131" cy="742122"/>
+            <a:chExt cx="6005489" cy="742122"/>
           </a:xfrm>
         </p:grpSpPr>
         <p:sp>
@@ -5741,7 +5952,7 @@
           <p:spPr>
             <a:xfrm>
               <a:off x="3127513" y="92765"/>
-              <a:ext cx="4399722" cy="369332"/>
+              <a:ext cx="5038080" cy="369332"/>
             </a:xfrm>
             <a:prstGeom prst="rect">
               <a:avLst/>
@@ -5761,7 +5972,7 @@
             <a:p>
               <a:r>
                 <a:rPr lang="en-US" b="1" dirty="0"/>
-                <a:t>Software maintenance – Code duplication</a:t>
+                <a:t>SE Task - Software maintenance – Code duplication</a:t>
               </a:r>
             </a:p>
           </p:txBody>
@@ -5776,6 +5987,7 @@
               </a:extLst>
             </p:cNvPr>
             <p:cNvCxnSpPr>
+              <a:cxnSpLocks/>
               <a:stCxn id="12" idx="1"/>
               <a:endCxn id="10" idx="0"/>
             </p:cNvCxnSpPr>
@@ -5812,6 +6024,130 @@
           </p:style>
         </p:cxnSp>
       </p:grpSp>
+      <p:cxnSp>
+        <p:nvCxnSpPr>
+          <p:cNvPr id="20" name="Straight Arrow Connector 19">
+            <a:extLst>
+              <a:ext uri="{FF2B5EF4-FFF2-40B4-BE49-F238E27FC236}">
+                <a16:creationId xmlns:a16="http://schemas.microsoft.com/office/drawing/2014/main" id="{A391772F-971C-B630-02F2-78E7C76F07A8}"/>
+              </a:ext>
+            </a:extLst>
+          </p:cNvPr>
+          <p:cNvCxnSpPr/>
+          <p:nvPr/>
+        </p:nvCxnSpPr>
+        <p:spPr>
+          <a:xfrm flipH="1">
+            <a:off x="1901952" y="1709928"/>
+            <a:ext cx="3941064" cy="2633472"/>
+          </a:xfrm>
+          <a:prstGeom prst="straightConnector1">
+            <a:avLst/>
+          </a:prstGeom>
+          <a:ln w="38100">
+            <a:solidFill>
+              <a:srgbClr val="C00000"/>
+            </a:solidFill>
+            <a:tailEnd type="triangle"/>
+          </a:ln>
+        </p:spPr>
+        <p:style>
+          <a:lnRef idx="1">
+            <a:schemeClr val="accent1"/>
+          </a:lnRef>
+          <a:fillRef idx="0">
+            <a:schemeClr val="accent1"/>
+          </a:fillRef>
+          <a:effectRef idx="0">
+            <a:schemeClr val="accent1"/>
+          </a:effectRef>
+          <a:fontRef idx="minor">
+            <a:schemeClr val="tx1"/>
+          </a:fontRef>
+        </p:style>
+      </p:cxnSp>
+      <p:cxnSp>
+        <p:nvCxnSpPr>
+          <p:cNvPr id="22" name="Straight Arrow Connector 21">
+            <a:extLst>
+              <a:ext uri="{FF2B5EF4-FFF2-40B4-BE49-F238E27FC236}">
+                <a16:creationId xmlns:a16="http://schemas.microsoft.com/office/drawing/2014/main" id="{F96CB86E-668F-D423-1D90-F7C56CEA0E5F}"/>
+              </a:ext>
+            </a:extLst>
+          </p:cNvPr>
+          <p:cNvCxnSpPr/>
+          <p:nvPr/>
+        </p:nvCxnSpPr>
+        <p:spPr>
+          <a:xfrm>
+            <a:off x="5833872" y="1728216"/>
+            <a:ext cx="1060704" cy="658368"/>
+          </a:xfrm>
+          <a:prstGeom prst="straightConnector1">
+            <a:avLst/>
+          </a:prstGeom>
+          <a:ln w="38100">
+            <a:solidFill>
+              <a:srgbClr val="C00000"/>
+            </a:solidFill>
+            <a:tailEnd type="triangle"/>
+          </a:ln>
+        </p:spPr>
+        <p:style>
+          <a:lnRef idx="1">
+            <a:schemeClr val="accent1"/>
+          </a:lnRef>
+          <a:fillRef idx="0">
+            <a:schemeClr val="accent1"/>
+          </a:fillRef>
+          <a:effectRef idx="0">
+            <a:schemeClr val="accent1"/>
+          </a:effectRef>
+          <a:fontRef idx="minor">
+            <a:schemeClr val="tx1"/>
+          </a:fontRef>
+        </p:style>
+      </p:cxnSp>
+      <p:sp>
+        <p:nvSpPr>
+          <p:cNvPr id="23" name="TextBox 22">
+            <a:extLst>
+              <a:ext uri="{FF2B5EF4-FFF2-40B4-BE49-F238E27FC236}">
+                <a16:creationId xmlns:a16="http://schemas.microsoft.com/office/drawing/2014/main" id="{A4B43BAD-E9A2-4062-B947-700C1F1A5616}"/>
+              </a:ext>
+            </a:extLst>
+          </p:cNvPr>
+          <p:cNvSpPr txBox="1"/>
+          <p:nvPr/>
+        </p:nvSpPr>
+        <p:spPr>
+          <a:xfrm>
+            <a:off x="4945473" y="1377099"/>
+            <a:ext cx="1795086" cy="307777"/>
+          </a:xfrm>
+          <a:prstGeom prst="rect">
+            <a:avLst/>
+          </a:prstGeom>
+          <a:noFill/>
+          <a:ln w="28575">
+            <a:solidFill>
+              <a:srgbClr val="C00000"/>
+            </a:solidFill>
+          </a:ln>
+        </p:spPr>
+        <p:txBody>
+          <a:bodyPr wrap="square" rtlCol="0">
+            <a:spAutoFit/>
+          </a:bodyPr>
+          <a:lstStyle/>
+          <a:p>
+            <a:r>
+              <a:rPr lang="en-US" sz="1400" dirty="0"/>
+              <a:t>PrefixMap != Prefixes</a:t>
+            </a:r>
+          </a:p>
+        </p:txBody>
+      </p:sp>
     </p:spTree>
     <p:extLst>
       <p:ext uri="{BB962C8B-B14F-4D97-AF65-F5344CB8AC3E}">
@@ -6060,12 +6396,77 @@
           <a:chExt cx="0" cy="0"/>
         </a:xfrm>
       </p:grpSpPr>
+      <p:sp>
+        <p:nvSpPr>
+          <p:cNvPr id="8" name="Title 1">
+            <a:extLst>
+              <a:ext uri="{FF2B5EF4-FFF2-40B4-BE49-F238E27FC236}">
+                <a16:creationId xmlns:a16="http://schemas.microsoft.com/office/drawing/2014/main" id="{6F2E5F27-CD1D-D0BC-9B2C-E46FB3189F03}"/>
+              </a:ext>
+            </a:extLst>
+          </p:cNvPr>
+          <p:cNvSpPr>
+            <a:spLocks noGrp="1"/>
+          </p:cNvSpPr>
+          <p:nvPr>
+            <p:ph type="title"/>
+          </p:nvPr>
+        </p:nvSpPr>
+        <p:spPr>
+          <a:xfrm>
+            <a:off x="639418" y="0"/>
+            <a:ext cx="10515600" cy="967409"/>
+          </a:xfrm>
+        </p:spPr>
+        <p:txBody>
+          <a:bodyPr>
+            <a:normAutofit/>
+          </a:bodyPr>
+          <a:lstStyle/>
+          <a:p>
+            <a:r>
+              <a:rPr lang="en-US" sz="3600" dirty="0"/>
+              <a:t>How are developers using LLMs to solve SE tasks?</a:t>
+            </a:r>
+          </a:p>
+        </p:txBody>
+      </p:sp>
       <p:pic>
         <p:nvPicPr>
-          <p:cNvPr id="3074" name="Picture 2" descr="ShareChatGPTConversations">
-            <a:extLst>
-              <a:ext uri="{FF2B5EF4-FFF2-40B4-BE49-F238E27FC236}">
-                <a16:creationId xmlns:a16="http://schemas.microsoft.com/office/drawing/2014/main" id="{376A0197-F057-5894-E47E-2ABDAAD48D1A}"/>
+          <p:cNvPr id="3" name="Picture 2" descr="A close-up of a message&#10;&#10;Description automatically generated">
+            <a:extLst>
+              <a:ext uri="{FF2B5EF4-FFF2-40B4-BE49-F238E27FC236}">
+                <a16:creationId xmlns:a16="http://schemas.microsoft.com/office/drawing/2014/main" id="{B2701607-EFF3-4EE6-E2C3-8691DC7C5F26}"/>
+              </a:ext>
+            </a:extLst>
+          </p:cNvPr>
+          <p:cNvPicPr>
+            <a:picLocks noChangeAspect="1"/>
+          </p:cNvPicPr>
+          <p:nvPr/>
+        </p:nvPicPr>
+        <p:blipFill>
+          <a:blip r:embed="rId3"/>
+          <a:stretch>
+            <a:fillRect/>
+          </a:stretch>
+        </p:blipFill>
+        <p:spPr>
+          <a:xfrm>
+            <a:off x="347472" y="1296593"/>
+            <a:ext cx="6172200" cy="853271"/>
+          </a:xfrm>
+          <a:prstGeom prst="rect">
+            <a:avLst/>
+          </a:prstGeom>
+        </p:spPr>
+      </p:pic>
+      <p:pic>
+        <p:nvPicPr>
+          <p:cNvPr id="1026" name="Picture 2" descr="ShareChatGPTConversations">
+            <a:extLst>
+              <a:ext uri="{FF2B5EF4-FFF2-40B4-BE49-F238E27FC236}">
+                <a16:creationId xmlns:a16="http://schemas.microsoft.com/office/drawing/2014/main" id="{50E4F823-C1AA-502B-1218-4D1C7B600568}"/>
               </a:ext>
             </a:extLst>
           </p:cNvPr>
@@ -6075,7 +6476,7 @@
           <p:nvPr/>
         </p:nvPicPr>
         <p:blipFill>
-          <a:blip r:embed="rId3">
+          <a:blip r:embed="rId4">
             <a:extLst>
               <a:ext uri="{28A0092B-C50C-407E-A947-70E740481C1C}">
                 <a14:useLocalDpi xmlns:a14="http://schemas.microsoft.com/office/drawing/2010/main" val="0"/>
@@ -6089,8 +6490,145 @@
         </p:blipFill>
         <p:spPr bwMode="auto">
           <a:xfrm>
-            <a:off x="824948" y="723488"/>
-            <a:ext cx="10827026" cy="4449231"/>
+            <a:off x="639418" y="2233554"/>
+            <a:ext cx="5290852" cy="3657037"/>
+          </a:xfrm>
+          <a:prstGeom prst="rect">
+            <a:avLst/>
+          </a:prstGeom>
+          <a:noFill/>
+          <a:extLst>
+            <a:ext uri="{909E8E84-426E-40DD-AFC4-6F175D3DCCD1}">
+              <a14:hiddenFill xmlns:a14="http://schemas.microsoft.com/office/drawing/2010/main">
+                <a:solidFill>
+                  <a:srgbClr val="FFFFFF"/>
+                </a:solidFill>
+              </a14:hiddenFill>
+            </a:ext>
+          </a:extLst>
+        </p:spPr>
+      </p:pic>
+      <p:pic>
+        <p:nvPicPr>
+          <p:cNvPr id="1028" name="Picture 4" descr="ShareChatGPTConversations">
+            <a:extLst>
+              <a:ext uri="{FF2B5EF4-FFF2-40B4-BE49-F238E27FC236}">
+                <a16:creationId xmlns:a16="http://schemas.microsoft.com/office/drawing/2014/main" id="{89232016-44D1-24C4-9A5B-3A7081063BD9}"/>
+              </a:ext>
+            </a:extLst>
+          </p:cNvPr>
+          <p:cNvPicPr>
+            <a:picLocks noChangeAspect="1" noChangeArrowheads="1"/>
+          </p:cNvPicPr>
+          <p:nvPr/>
+        </p:nvPicPr>
+        <p:blipFill>
+          <a:blip r:embed="rId5">
+            <a:extLst>
+              <a:ext uri="{28A0092B-C50C-407E-A947-70E740481C1C}">
+                <a14:useLocalDpi xmlns:a14="http://schemas.microsoft.com/office/drawing/2010/main" val="0"/>
+              </a:ext>
+            </a:extLst>
+          </a:blip>
+          <a:srcRect/>
+          <a:stretch>
+            <a:fillRect/>
+          </a:stretch>
+        </p:blipFill>
+        <p:spPr bwMode="auto">
+          <a:xfrm>
+            <a:off x="6490800" y="2479048"/>
+            <a:ext cx="5456408" cy="3222377"/>
+          </a:xfrm>
+          <a:prstGeom prst="rect">
+            <a:avLst/>
+          </a:prstGeom>
+          <a:noFill/>
+          <a:extLst>
+            <a:ext uri="{909E8E84-426E-40DD-AFC4-6F175D3DCCD1}">
+              <a14:hiddenFill xmlns:a14="http://schemas.microsoft.com/office/drawing/2010/main">
+                <a:solidFill>
+                  <a:srgbClr val="FFFFFF"/>
+                </a:solidFill>
+              </a14:hiddenFill>
+            </a:ext>
+          </a:extLst>
+        </p:spPr>
+      </p:pic>
+      <p:pic>
+        <p:nvPicPr>
+          <p:cNvPr id="4" name="Picture 3" descr="ChatGPT Logo and symbol, meaning, history, PNG, brand">
+            <a:extLst>
+              <a:ext uri="{FF2B5EF4-FFF2-40B4-BE49-F238E27FC236}">
+                <a16:creationId xmlns:a16="http://schemas.microsoft.com/office/drawing/2014/main" id="{550E2DAE-257A-2FCA-8A66-AADBD4C96C7F}"/>
+              </a:ext>
+            </a:extLst>
+          </p:cNvPr>
+          <p:cNvPicPr>
+            <a:picLocks noChangeAspect="1" noChangeArrowheads="1"/>
+          </p:cNvPicPr>
+          <p:nvPr/>
+        </p:nvPicPr>
+        <p:blipFill rotWithShape="1">
+          <a:blip r:embed="rId6">
+            <a:extLst>
+              <a:ext uri="{28A0092B-C50C-407E-A947-70E740481C1C}">
+                <a14:useLocalDpi xmlns:a14="http://schemas.microsoft.com/office/drawing/2010/main" val="0"/>
+              </a:ext>
+            </a:extLst>
+          </a:blip>
+          <a:srcRect l="28587" t="11595" r="29022" b="11884"/>
+          <a:stretch/>
+        </p:blipFill>
+        <p:spPr bwMode="auto">
+          <a:xfrm>
+            <a:off x="2937372" y="796779"/>
+            <a:ext cx="623942" cy="633541"/>
+          </a:xfrm>
+          <a:prstGeom prst="rect">
+            <a:avLst/>
+          </a:prstGeom>
+          <a:noFill/>
+          <a:extLst>
+            <a:ext uri="{909E8E84-426E-40DD-AFC4-6F175D3DCCD1}">
+              <a14:hiddenFill xmlns:a14="http://schemas.microsoft.com/office/drawing/2010/main">
+                <a:solidFill>
+                  <a:srgbClr val="FFFFFF"/>
+                </a:solidFill>
+              </a14:hiddenFill>
+            </a:ext>
+          </a:extLst>
+        </p:spPr>
+      </p:pic>
+      <p:pic>
+        <p:nvPicPr>
+          <p:cNvPr id="1030" name="Picture 6" descr="GitHub Logo and symbol, meaning, history, PNG, brand">
+            <a:extLst>
+              <a:ext uri="{FF2B5EF4-FFF2-40B4-BE49-F238E27FC236}">
+                <a16:creationId xmlns:a16="http://schemas.microsoft.com/office/drawing/2014/main" id="{971CB55D-8F65-8403-E31D-5382B85BD43C}"/>
+              </a:ext>
+            </a:extLst>
+          </p:cNvPr>
+          <p:cNvPicPr>
+            <a:picLocks noChangeAspect="1" noChangeArrowheads="1"/>
+          </p:cNvPicPr>
+          <p:nvPr/>
+        </p:nvPicPr>
+        <p:blipFill rotWithShape="1">
+          <a:blip r:embed="rId7">
+            <a:extLst>
+              <a:ext uri="{28A0092B-C50C-407E-A947-70E740481C1C}">
+                <a14:useLocalDpi xmlns:a14="http://schemas.microsoft.com/office/drawing/2010/main" val="0"/>
+              </a:ext>
+            </a:extLst>
+          </a:blip>
+          <a:srcRect l="13805" r="14462"/>
+          <a:stretch/>
+        </p:blipFill>
+        <p:spPr bwMode="auto">
+          <a:xfrm>
+            <a:off x="8897112" y="749371"/>
+            <a:ext cx="1088136" cy="853271"/>
           </a:xfrm>
           <a:prstGeom prst="rect">
             <a:avLst/>
@@ -6109,45 +6647,167 @@
       </p:pic>
       <p:sp>
         <p:nvSpPr>
-          <p:cNvPr id="8" name="Title 1">
-            <a:extLst>
-              <a:ext uri="{FF2B5EF4-FFF2-40B4-BE49-F238E27FC236}">
-                <a16:creationId xmlns:a16="http://schemas.microsoft.com/office/drawing/2014/main" id="{6F2E5F27-CD1D-D0BC-9B2C-E46FB3189F03}"/>
-              </a:ext>
-            </a:extLst>
-          </p:cNvPr>
-          <p:cNvSpPr>
-            <a:spLocks noGrp="1"/>
-          </p:cNvSpPr>
-          <p:nvPr>
-            <p:ph type="title"/>
-          </p:nvPr>
+          <p:cNvPr id="5" name="TextBox 4">
+            <a:extLst>
+              <a:ext uri="{FF2B5EF4-FFF2-40B4-BE49-F238E27FC236}">
+                <a16:creationId xmlns:a16="http://schemas.microsoft.com/office/drawing/2014/main" id="{5C772CD1-74FB-9781-3BBD-9814ADB55A2D}"/>
+              </a:ext>
+            </a:extLst>
+          </p:cNvPr>
+          <p:cNvSpPr txBox="1"/>
+          <p:nvPr/>
         </p:nvSpPr>
         <p:spPr>
           <a:xfrm>
-            <a:off x="639418" y="0"/>
-            <a:ext cx="10515600" cy="967409"/>
+            <a:off x="4544568" y="5974281"/>
+            <a:ext cx="3108960" cy="369332"/>
           </a:xfrm>
+          <a:prstGeom prst="rect">
+            <a:avLst/>
+          </a:prstGeom>
+          <a:noFill/>
         </p:spPr>
         <p:txBody>
-          <a:bodyPr>
-            <a:normAutofit/>
+          <a:bodyPr wrap="square" rtlCol="0">
+            <a:spAutoFit/>
           </a:bodyPr>
           <a:lstStyle/>
           <a:p>
             <a:r>
-              <a:rPr lang="en-US" sz="3600" dirty="0"/>
-              <a:t>How are developers using LLMs to solve SE tasks?</a:t>
+              <a:rPr lang="en-US" dirty="0"/>
+              <a:t>SE Task – Code Documentation</a:t>
             </a:r>
           </a:p>
         </p:txBody>
       </p:sp>
+    </p:spTree>
+    <p:extLst>
+      <p:ext uri="{BB962C8B-B14F-4D97-AF65-F5344CB8AC3E}">
+        <p14:creationId xmlns:p14="http://schemas.microsoft.com/office/powerpoint/2010/main" val="1206998922"/>
+      </p:ext>
+    </p:extLst>
+  </p:cSld>
+  <p:clrMapOvr>
+    <a:masterClrMapping/>
+  </p:clrMapOvr>
+</p:sld>
+</file>
+
+<file path=ppt/slides/slide8.xml><?xml version="1.0" encoding="utf-8"?>
+<p:sld xmlns:a="http://schemas.openxmlformats.org/drawingml/2006/main" xmlns:r="http://schemas.openxmlformats.org/officeDocument/2006/relationships" xmlns:p="http://schemas.openxmlformats.org/presentationml/2006/main">
+  <p:cSld>
+    <p:spTree>
+      <p:nvGrpSpPr>
+        <p:cNvPr id="1" name=""/>
+        <p:cNvGrpSpPr/>
+        <p:nvPr/>
+      </p:nvGrpSpPr>
+      <p:grpSpPr>
+        <a:xfrm>
+          <a:off x="0" y="0"/>
+          <a:ext cx="0" cy="0"/>
+          <a:chOff x="0" y="0"/>
+          <a:chExt cx="0" cy="0"/>
+        </a:xfrm>
+      </p:grpSpPr>
+      <p:sp>
+        <p:nvSpPr>
+          <p:cNvPr id="7" name="TextBox 6">
+            <a:extLst>
+              <a:ext uri="{FF2B5EF4-FFF2-40B4-BE49-F238E27FC236}">
+                <a16:creationId xmlns:a16="http://schemas.microsoft.com/office/drawing/2014/main" id="{9EC79F53-8242-EE25-2787-8DEF628AD78E}"/>
+              </a:ext>
+            </a:extLst>
+          </p:cNvPr>
+          <p:cNvSpPr txBox="1"/>
+          <p:nvPr/>
+        </p:nvSpPr>
+        <p:spPr>
+          <a:xfrm>
+            <a:off x="1801368" y="2828836"/>
+            <a:ext cx="8485632" cy="1200329"/>
+          </a:xfrm>
+          <a:prstGeom prst="rect">
+            <a:avLst/>
+          </a:prstGeom>
+          <a:noFill/>
+        </p:spPr>
+        <p:txBody>
+          <a:bodyPr wrap="square">
+            <a:spAutoFit/>
+          </a:bodyPr>
+          <a:lstStyle/>
+          <a:p>
+            <a:pPr algn="l"/>
+            <a:r>
+              <a:rPr lang="en-GB" sz="2400" b="0" i="0" dirty="0">
+                <a:solidFill>
+                  <a:srgbClr val="333333"/>
+                </a:solidFill>
+                <a:effectLst/>
+                <a:latin typeface="Helvetica Neue" panose="02000503000000020004" pitchFamily="2" charset="0"/>
+              </a:rPr>
+              <a:t>In instances where developers have incorporated the code provided by </a:t>
+            </a:r>
+            <a:r>
+              <a:rPr lang="en-GB" sz="2400" b="0" i="0" dirty="0" err="1">
+                <a:solidFill>
+                  <a:srgbClr val="333333"/>
+                </a:solidFill>
+                <a:effectLst/>
+                <a:latin typeface="Helvetica Neue" panose="02000503000000020004" pitchFamily="2" charset="0"/>
+              </a:rPr>
+              <a:t>ChatGPT</a:t>
+            </a:r>
+            <a:r>
+              <a:rPr lang="en-GB" sz="2400" b="0" i="0" dirty="0">
+                <a:solidFill>
+                  <a:srgbClr val="333333"/>
+                </a:solidFill>
+                <a:effectLst/>
+                <a:latin typeface="Helvetica Neue" panose="02000503000000020004" pitchFamily="2" charset="0"/>
+              </a:rPr>
+              <a:t> into their projects, to what extent do they modify this code prior to use?</a:t>
+            </a:r>
+          </a:p>
+        </p:txBody>
+      </p:sp>
+    </p:spTree>
+    <p:extLst>
+      <p:ext uri="{BB962C8B-B14F-4D97-AF65-F5344CB8AC3E}">
+        <p14:creationId xmlns:p14="http://schemas.microsoft.com/office/powerpoint/2010/main" val="1710145034"/>
+      </p:ext>
+    </p:extLst>
+  </p:cSld>
+  <p:clrMapOvr>
+    <a:masterClrMapping/>
+  </p:clrMapOvr>
+</p:sld>
+</file>
+
+<file path=ppt/slides/slide9.xml><?xml version="1.0" encoding="utf-8"?>
+<p:sld xmlns:a="http://schemas.openxmlformats.org/drawingml/2006/main" xmlns:r="http://schemas.openxmlformats.org/officeDocument/2006/relationships" xmlns:p="http://schemas.openxmlformats.org/presentationml/2006/main">
+  <p:cSld>
+    <p:spTree>
+      <p:nvGrpSpPr>
+        <p:cNvPr id="1" name=""/>
+        <p:cNvGrpSpPr/>
+        <p:nvPr/>
+      </p:nvGrpSpPr>
+      <p:grpSpPr>
+        <a:xfrm>
+          <a:off x="0" y="0"/>
+          <a:ext cx="0" cy="0"/>
+          <a:chOff x="0" y="0"/>
+          <a:chExt cx="0" cy="0"/>
+        </a:xfrm>
+      </p:grpSpPr>
       <p:grpSp>
         <p:nvGrpSpPr>
-          <p:cNvPr id="13" name="Group 12">
-            <a:extLst>
-              <a:ext uri="{FF2B5EF4-FFF2-40B4-BE49-F238E27FC236}">
-                <a16:creationId xmlns:a16="http://schemas.microsoft.com/office/drawing/2014/main" id="{9EDD0315-67F5-6E65-D378-A988D6F1CD94}"/>
+          <p:cNvPr id="5" name="Group 4">
+            <a:extLst>
+              <a:ext uri="{FF2B5EF4-FFF2-40B4-BE49-F238E27FC236}">
+                <a16:creationId xmlns:a16="http://schemas.microsoft.com/office/drawing/2014/main" id="{86DABF25-2F20-7408-FEB1-5E31204C36AE}"/>
               </a:ext>
             </a:extLst>
           </p:cNvPr>
@@ -6156,18 +6816,297 @@
         </p:nvGrpSpPr>
         <p:grpSpPr>
           <a:xfrm>
-            <a:off x="1616765" y="1563757"/>
-            <a:ext cx="8057322" cy="4628911"/>
-            <a:chOff x="1616765" y="1563757"/>
-            <a:chExt cx="8057322" cy="4628911"/>
+            <a:off x="3905759" y="1225726"/>
+            <a:ext cx="7138487" cy="1144346"/>
+            <a:chOff x="3905759" y="1225726"/>
+            <a:chExt cx="7138487" cy="1144346"/>
+          </a:xfrm>
+        </p:grpSpPr>
+        <p:cxnSp>
+          <p:nvCxnSpPr>
+            <p:cNvPr id="9" name="Straight Arrow Connector 8">
+              <a:extLst>
+                <a:ext uri="{FF2B5EF4-FFF2-40B4-BE49-F238E27FC236}">
+                  <a16:creationId xmlns:a16="http://schemas.microsoft.com/office/drawing/2014/main" id="{D9B956EE-953B-67D6-F854-32310A19F2B9}"/>
+                </a:ext>
+              </a:extLst>
+            </p:cNvPr>
+            <p:cNvCxnSpPr>
+              <a:cxnSpLocks/>
+            </p:cNvCxnSpPr>
+            <p:nvPr/>
+          </p:nvCxnSpPr>
+          <p:spPr>
+            <a:xfrm flipV="1">
+              <a:off x="4517136" y="2234506"/>
+              <a:ext cx="6527110" cy="135566"/>
+            </a:xfrm>
+            <a:prstGeom prst="straightConnector1">
+              <a:avLst/>
+            </a:prstGeom>
+            <a:ln w="38100">
+              <a:solidFill>
+                <a:schemeClr val="tx1"/>
+              </a:solidFill>
+              <a:tailEnd type="triangle"/>
+            </a:ln>
+          </p:spPr>
+          <p:style>
+            <a:lnRef idx="1">
+              <a:schemeClr val="accent1"/>
+            </a:lnRef>
+            <a:fillRef idx="0">
+              <a:schemeClr val="accent1"/>
+            </a:fillRef>
+            <a:effectRef idx="0">
+              <a:schemeClr val="accent1"/>
+            </a:effectRef>
+            <a:fontRef idx="minor">
+              <a:schemeClr val="tx1"/>
+            </a:fontRef>
+          </p:style>
+        </p:cxnSp>
+        <p:pic>
+          <p:nvPicPr>
+            <p:cNvPr id="8" name="Picture 2" descr="GitHub logo and symbol, meaning, history, PNG">
+              <a:extLst>
+                <a:ext uri="{FF2B5EF4-FFF2-40B4-BE49-F238E27FC236}">
+                  <a16:creationId xmlns:a16="http://schemas.microsoft.com/office/drawing/2014/main" id="{1053705D-73B2-4955-DEB8-51414C873D45}"/>
+                </a:ext>
+              </a:extLst>
+            </p:cNvPr>
+            <p:cNvPicPr>
+              <a:picLocks noChangeAspect="1" noChangeArrowheads="1"/>
+            </p:cNvPicPr>
+            <p:nvPr/>
+          </p:nvPicPr>
+          <p:blipFill rotWithShape="1">
+            <a:blip r:embed="rId2">
+              <a:extLst>
+                <a:ext uri="{28A0092B-C50C-407E-A947-70E740481C1C}">
+                  <a14:useLocalDpi xmlns:a14="http://schemas.microsoft.com/office/drawing/2010/main" val="0"/>
+                </a:ext>
+              </a:extLst>
+            </a:blip>
+            <a:srcRect l="19106" r="19303"/>
+            <a:stretch/>
+          </p:blipFill>
+          <p:spPr bwMode="auto">
+            <a:xfrm>
+              <a:off x="3905759" y="1225726"/>
+              <a:ext cx="965577" cy="881836"/>
+            </a:xfrm>
+            <a:prstGeom prst="rect">
+              <a:avLst/>
+            </a:prstGeom>
+            <a:noFill/>
+            <a:extLst>
+              <a:ext uri="{909E8E84-426E-40DD-AFC4-6F175D3DCCD1}">
+                <a14:hiddenFill xmlns:a14="http://schemas.microsoft.com/office/drawing/2010/main">
+                  <a:solidFill>
+                    <a:srgbClr val="FFFFFF"/>
+                  </a:solidFill>
+                </a14:hiddenFill>
+              </a:ext>
+            </a:extLst>
+          </p:spPr>
+        </p:pic>
+      </p:grpSp>
+      <p:grpSp>
+        <p:nvGrpSpPr>
+          <p:cNvPr id="19" name="Group 18">
+            <a:extLst>
+              <a:ext uri="{FF2B5EF4-FFF2-40B4-BE49-F238E27FC236}">
+                <a16:creationId xmlns:a16="http://schemas.microsoft.com/office/drawing/2014/main" id="{F4C6F016-C046-8D58-8B1C-DD83F3CB0685}"/>
+              </a:ext>
+            </a:extLst>
+          </p:cNvPr>
+          <p:cNvGrpSpPr/>
+          <p:nvPr/>
+        </p:nvGrpSpPr>
+        <p:grpSpPr>
+          <a:xfrm>
+            <a:off x="6794987" y="1333490"/>
+            <a:ext cx="620136" cy="774245"/>
+            <a:chOff x="6794987" y="1333490"/>
+            <a:chExt cx="620136" cy="774245"/>
+          </a:xfrm>
+        </p:grpSpPr>
+        <p:grpSp>
+          <p:nvGrpSpPr>
+            <p:cNvPr id="20" name="Group 19">
+              <a:extLst>
+                <a:ext uri="{FF2B5EF4-FFF2-40B4-BE49-F238E27FC236}">
+                  <a16:creationId xmlns:a16="http://schemas.microsoft.com/office/drawing/2014/main" id="{7B3896C6-5715-E153-7FB6-A401BC77B181}"/>
+                </a:ext>
+              </a:extLst>
+            </p:cNvPr>
+            <p:cNvGrpSpPr/>
+            <p:nvPr/>
+          </p:nvGrpSpPr>
+          <p:grpSpPr>
+            <a:xfrm>
+              <a:off x="6838647" y="1333490"/>
+              <a:ext cx="576476" cy="774245"/>
+              <a:chOff x="6823982" y="1095479"/>
+              <a:chExt cx="790388" cy="1004781"/>
+            </a:xfrm>
+          </p:grpSpPr>
+          <p:pic>
+            <p:nvPicPr>
+              <p:cNvPr id="22" name="Picture 2" descr="Bug Report - Free technology icons">
+                <a:extLst>
+                  <a:ext uri="{FF2B5EF4-FFF2-40B4-BE49-F238E27FC236}">
+                    <a16:creationId xmlns:a16="http://schemas.microsoft.com/office/drawing/2014/main" id="{D42A3747-0CBA-BF69-85F2-D0419558A9AD}"/>
+                  </a:ext>
+                </a:extLst>
+              </p:cNvPr>
+              <p:cNvPicPr>
+                <a:picLocks noChangeAspect="1" noChangeArrowheads="1"/>
+              </p:cNvPicPr>
+              <p:nvPr/>
+            </p:nvPicPr>
+            <p:blipFill>
+              <a:blip r:embed="rId3">
+                <a:extLst>
+                  <a:ext uri="{28A0092B-C50C-407E-A947-70E740481C1C}">
+                    <a14:useLocalDpi xmlns:a14="http://schemas.microsoft.com/office/drawing/2010/main" val="0"/>
+                  </a:ext>
+                </a:extLst>
+              </a:blip>
+              <a:srcRect/>
+              <a:stretch>
+                <a:fillRect/>
+              </a:stretch>
+            </p:blipFill>
+            <p:spPr bwMode="auto">
+              <a:xfrm>
+                <a:off x="6974577" y="1460467"/>
+                <a:ext cx="639793" cy="639793"/>
+              </a:xfrm>
+              <a:prstGeom prst="rect">
+                <a:avLst/>
+              </a:prstGeom>
+              <a:noFill/>
+              <a:extLst>
+                <a:ext uri="{909E8E84-426E-40DD-AFC4-6F175D3DCCD1}">
+                  <a14:hiddenFill xmlns:a14="http://schemas.microsoft.com/office/drawing/2010/main">
+                    <a:solidFill>
+                      <a:srgbClr val="FFFFFF"/>
+                    </a:solidFill>
+                  </a14:hiddenFill>
+                </a:ext>
+              </a:extLst>
+            </p:spPr>
+          </p:pic>
+          <p:sp>
+            <p:nvSpPr>
+              <p:cNvPr id="23" name="TextBox 22">
+                <a:extLst>
+                  <a:ext uri="{FF2B5EF4-FFF2-40B4-BE49-F238E27FC236}">
+                    <a16:creationId xmlns:a16="http://schemas.microsoft.com/office/drawing/2014/main" id="{71E21A7F-1CE5-14E1-FBC7-7670A068443C}"/>
+                  </a:ext>
+                </a:extLst>
+              </p:cNvPr>
+              <p:cNvSpPr txBox="1"/>
+              <p:nvPr/>
+            </p:nvSpPr>
+            <p:spPr>
+              <a:xfrm>
+                <a:off x="6823982" y="1095479"/>
+                <a:ext cx="775331" cy="479303"/>
+              </a:xfrm>
+              <a:prstGeom prst="rect">
+                <a:avLst/>
+              </a:prstGeom>
+              <a:noFill/>
+            </p:spPr>
+            <p:txBody>
+              <a:bodyPr wrap="square" rtlCol="0">
+                <a:spAutoFit/>
+              </a:bodyPr>
+              <a:lstStyle/>
+              <a:p>
+                <a:r>
+                  <a:rPr lang="en-BE" dirty="0"/>
+                  <a:t>foo</a:t>
+                </a:r>
+              </a:p>
+            </p:txBody>
+          </p:sp>
+        </p:grpSp>
+        <p:pic>
+          <p:nvPicPr>
+            <p:cNvPr id="21" name="Picture 2" descr="Bug Report - Free technology icons">
+              <a:extLst>
+                <a:ext uri="{FF2B5EF4-FFF2-40B4-BE49-F238E27FC236}">
+                  <a16:creationId xmlns:a16="http://schemas.microsoft.com/office/drawing/2014/main" id="{48E6EF01-D338-E652-29BD-0AF2121AB3D0}"/>
+                </a:ext>
+              </a:extLst>
+            </p:cNvPr>
+            <p:cNvPicPr>
+              <a:picLocks noChangeAspect="1" noChangeArrowheads="1"/>
+            </p:cNvPicPr>
+            <p:nvPr/>
+          </p:nvPicPr>
+          <p:blipFill rotWithShape="1">
+            <a:blip r:embed="rId3">
+              <a:extLst>
+                <a:ext uri="{28A0092B-C50C-407E-A947-70E740481C1C}">
+                  <a14:useLocalDpi xmlns:a14="http://schemas.microsoft.com/office/drawing/2010/main" val="0"/>
+                </a:ext>
+              </a:extLst>
+            </a:blip>
+            <a:srcRect l="38987" t="49067"/>
+            <a:stretch/>
+          </p:blipFill>
+          <p:spPr bwMode="auto">
+            <a:xfrm flipH="1">
+              <a:off x="6794987" y="1877304"/>
+              <a:ext cx="288017" cy="230258"/>
+            </a:xfrm>
+            <a:prstGeom prst="rect">
+              <a:avLst/>
+            </a:prstGeom>
+            <a:noFill/>
+            <a:extLst>
+              <a:ext uri="{909E8E84-426E-40DD-AFC4-6F175D3DCCD1}">
+                <a14:hiddenFill xmlns:a14="http://schemas.microsoft.com/office/drawing/2010/main">
+                  <a:solidFill>
+                    <a:srgbClr val="FFFFFF"/>
+                  </a:solidFill>
+                </a14:hiddenFill>
+              </a:ext>
+            </a:extLst>
+          </p:spPr>
+        </p:pic>
+      </p:grpSp>
+      <p:grpSp>
+        <p:nvGrpSpPr>
+          <p:cNvPr id="25" name="Group 24">
+            <a:extLst>
+              <a:ext uri="{FF2B5EF4-FFF2-40B4-BE49-F238E27FC236}">
+                <a16:creationId xmlns:a16="http://schemas.microsoft.com/office/drawing/2014/main" id="{68D3980F-4EE0-A74D-CA68-44C41999E6AB}"/>
+              </a:ext>
+            </a:extLst>
+          </p:cNvPr>
+          <p:cNvGrpSpPr/>
+          <p:nvPr/>
+        </p:nvGrpSpPr>
+        <p:grpSpPr>
+          <a:xfrm>
+            <a:off x="6447936" y="2119530"/>
+            <a:ext cx="3731200" cy="308699"/>
+            <a:chOff x="6447936" y="2119530"/>
+            <a:chExt cx="3731200" cy="308699"/>
           </a:xfrm>
         </p:grpSpPr>
         <p:sp>
           <p:nvSpPr>
-            <p:cNvPr id="10" name="Rounded Rectangle 9">
+            <p:cNvPr id="26" name="Oval 25">
               <a:extLst>
                 <a:ext uri="{FF2B5EF4-FFF2-40B4-BE49-F238E27FC236}">
-                  <a16:creationId xmlns:a16="http://schemas.microsoft.com/office/drawing/2014/main" id="{3CC057A4-627F-B183-8743-B983BB6FAB51}"/>
+                  <a16:creationId xmlns:a16="http://schemas.microsoft.com/office/drawing/2014/main" id="{0A779FBC-0E04-2F17-E37C-1F193B631F89}"/>
                 </a:ext>
               </a:extLst>
             </p:cNvPr>
@@ -6176,14 +7115,847 @@
           </p:nvSpPr>
           <p:spPr>
             <a:xfrm>
-              <a:off x="6291470" y="1563757"/>
-              <a:ext cx="3382617" cy="3048000"/>
+              <a:off x="6447936" y="2195975"/>
+              <a:ext cx="190832" cy="232254"/>
             </a:xfrm>
-            <a:prstGeom prst="roundRect">
+            <a:prstGeom prst="ellipse">
+              <a:avLst/>
+            </a:prstGeom>
+            <a:solidFill>
+              <a:schemeClr val="bg1">
+                <a:lumMod val="50000"/>
+              </a:schemeClr>
+            </a:solidFill>
+            <a:ln>
+              <a:solidFill>
+                <a:schemeClr val="bg1">
+                  <a:lumMod val="50000"/>
+                </a:schemeClr>
+              </a:solidFill>
+            </a:ln>
+          </p:spPr>
+          <p:style>
+            <a:lnRef idx="2">
+              <a:schemeClr val="accent1">
+                <a:shade val="50000"/>
+              </a:schemeClr>
+            </a:lnRef>
+            <a:fillRef idx="1">
+              <a:schemeClr val="accent1"/>
+            </a:fillRef>
+            <a:effectRef idx="0">
+              <a:schemeClr val="accent1"/>
+            </a:effectRef>
+            <a:fontRef idx="minor">
+              <a:schemeClr val="lt1"/>
+            </a:fontRef>
+          </p:style>
+          <p:txBody>
+            <a:bodyPr rtlCol="0" anchor="ctr"/>
+            <a:lstStyle/>
+            <a:p>
+              <a:pPr algn="ctr"/>
+              <a:endParaRPr lang="en-BE"/>
+            </a:p>
+          </p:txBody>
+        </p:sp>
+        <p:sp>
+          <p:nvSpPr>
+            <p:cNvPr id="27" name="Oval 26">
+              <a:extLst>
+                <a:ext uri="{FF2B5EF4-FFF2-40B4-BE49-F238E27FC236}">
+                  <a16:creationId xmlns:a16="http://schemas.microsoft.com/office/drawing/2014/main" id="{7EC44764-6959-8766-D912-FFA16D4302E1}"/>
+                </a:ext>
+              </a:extLst>
+            </p:cNvPr>
+            <p:cNvSpPr/>
+            <p:nvPr/>
+          </p:nvSpPr>
+          <p:spPr>
+            <a:xfrm>
+              <a:off x="7135231" y="2177687"/>
+              <a:ext cx="190832" cy="232254"/>
+            </a:xfrm>
+            <a:prstGeom prst="ellipse">
+              <a:avLst/>
+            </a:prstGeom>
+            <a:solidFill>
+              <a:schemeClr val="bg1">
+                <a:lumMod val="50000"/>
+              </a:schemeClr>
+            </a:solidFill>
+            <a:ln>
+              <a:solidFill>
+                <a:schemeClr val="bg1">
+                  <a:lumMod val="50000"/>
+                </a:schemeClr>
+              </a:solidFill>
+            </a:ln>
+          </p:spPr>
+          <p:style>
+            <a:lnRef idx="2">
+              <a:schemeClr val="accent1">
+                <a:shade val="50000"/>
+              </a:schemeClr>
+            </a:lnRef>
+            <a:fillRef idx="1">
+              <a:schemeClr val="accent1"/>
+            </a:fillRef>
+            <a:effectRef idx="0">
+              <a:schemeClr val="accent1"/>
+            </a:effectRef>
+            <a:fontRef idx="minor">
+              <a:schemeClr val="lt1"/>
+            </a:fontRef>
+          </p:style>
+          <p:txBody>
+            <a:bodyPr rtlCol="0" anchor="ctr"/>
+            <a:lstStyle/>
+            <a:p>
+              <a:pPr algn="ctr"/>
+              <a:endParaRPr lang="en-BE"/>
+            </a:p>
+          </p:txBody>
+        </p:sp>
+        <p:sp>
+          <p:nvSpPr>
+            <p:cNvPr id="28" name="Oval 27">
+              <a:extLst>
+                <a:ext uri="{FF2B5EF4-FFF2-40B4-BE49-F238E27FC236}">
+                  <a16:creationId xmlns:a16="http://schemas.microsoft.com/office/drawing/2014/main" id="{895D7D71-A330-F672-2D78-D8E52ADBB15B}"/>
+                </a:ext>
+              </a:extLst>
+            </p:cNvPr>
+            <p:cNvSpPr/>
+            <p:nvPr/>
+          </p:nvSpPr>
+          <p:spPr>
+            <a:xfrm>
+              <a:off x="8549924" y="2148451"/>
+              <a:ext cx="190832" cy="232254"/>
+            </a:xfrm>
+            <a:prstGeom prst="ellipse">
+              <a:avLst/>
+            </a:prstGeom>
+            <a:solidFill>
+              <a:schemeClr val="bg1">
+                <a:lumMod val="50000"/>
+              </a:schemeClr>
+            </a:solidFill>
+            <a:ln>
+              <a:solidFill>
+                <a:schemeClr val="bg1">
+                  <a:lumMod val="50000"/>
+                </a:schemeClr>
+              </a:solidFill>
+            </a:ln>
+          </p:spPr>
+          <p:style>
+            <a:lnRef idx="2">
+              <a:schemeClr val="accent1">
+                <a:shade val="50000"/>
+              </a:schemeClr>
+            </a:lnRef>
+            <a:fillRef idx="1">
+              <a:schemeClr val="accent1"/>
+            </a:fillRef>
+            <a:effectRef idx="0">
+              <a:schemeClr val="accent1"/>
+            </a:effectRef>
+            <a:fontRef idx="minor">
+              <a:schemeClr val="lt1"/>
+            </a:fontRef>
+          </p:style>
+          <p:txBody>
+            <a:bodyPr rtlCol="0" anchor="ctr"/>
+            <a:lstStyle/>
+            <a:p>
+              <a:pPr algn="ctr"/>
+              <a:endParaRPr lang="en-BE"/>
+            </a:p>
+          </p:txBody>
+        </p:sp>
+        <p:sp>
+          <p:nvSpPr>
+            <p:cNvPr id="29" name="Oval 28">
+              <a:extLst>
+                <a:ext uri="{FF2B5EF4-FFF2-40B4-BE49-F238E27FC236}">
+                  <a16:creationId xmlns:a16="http://schemas.microsoft.com/office/drawing/2014/main" id="{7AD0F239-62FB-E82D-E5E0-DD2BC0C0ED9D}"/>
+                </a:ext>
+              </a:extLst>
+            </p:cNvPr>
+            <p:cNvSpPr/>
+            <p:nvPr/>
+          </p:nvSpPr>
+          <p:spPr>
+            <a:xfrm>
+              <a:off x="9439470" y="2129424"/>
+              <a:ext cx="190832" cy="232254"/>
+            </a:xfrm>
+            <a:prstGeom prst="ellipse">
+              <a:avLst/>
+            </a:prstGeom>
+            <a:solidFill>
+              <a:schemeClr val="bg1">
+                <a:lumMod val="50000"/>
+              </a:schemeClr>
+            </a:solidFill>
+            <a:ln>
+              <a:solidFill>
+                <a:schemeClr val="bg1">
+                  <a:lumMod val="50000"/>
+                </a:schemeClr>
+              </a:solidFill>
+            </a:ln>
+          </p:spPr>
+          <p:style>
+            <a:lnRef idx="2">
+              <a:schemeClr val="accent1">
+                <a:shade val="50000"/>
+              </a:schemeClr>
+            </a:lnRef>
+            <a:fillRef idx="1">
+              <a:schemeClr val="accent1"/>
+            </a:fillRef>
+            <a:effectRef idx="0">
+              <a:schemeClr val="accent1"/>
+            </a:effectRef>
+            <a:fontRef idx="minor">
+              <a:schemeClr val="lt1"/>
+            </a:fontRef>
+          </p:style>
+          <p:txBody>
+            <a:bodyPr rtlCol="0" anchor="ctr"/>
+            <a:lstStyle/>
+            <a:p>
+              <a:pPr algn="ctr"/>
+              <a:endParaRPr lang="en-BE"/>
+            </a:p>
+          </p:txBody>
+        </p:sp>
+        <p:sp>
+          <p:nvSpPr>
+            <p:cNvPr id="30" name="Oval 29">
+              <a:extLst>
+                <a:ext uri="{FF2B5EF4-FFF2-40B4-BE49-F238E27FC236}">
+                  <a16:creationId xmlns:a16="http://schemas.microsoft.com/office/drawing/2014/main" id="{10AAA5B3-B889-7D14-5839-34EECCB50EF2}"/>
+                </a:ext>
+              </a:extLst>
+            </p:cNvPr>
+            <p:cNvSpPr/>
+            <p:nvPr/>
+          </p:nvSpPr>
+          <p:spPr>
+            <a:xfrm>
+              <a:off x="9988304" y="2119530"/>
+              <a:ext cx="190832" cy="232254"/>
+            </a:xfrm>
+            <a:prstGeom prst="ellipse">
+              <a:avLst/>
+            </a:prstGeom>
+            <a:solidFill>
+              <a:schemeClr val="bg1">
+                <a:lumMod val="50000"/>
+              </a:schemeClr>
+            </a:solidFill>
+            <a:ln>
+              <a:solidFill>
+                <a:schemeClr val="bg1">
+                  <a:lumMod val="50000"/>
+                </a:schemeClr>
+              </a:solidFill>
+            </a:ln>
+          </p:spPr>
+          <p:style>
+            <a:lnRef idx="2">
+              <a:schemeClr val="accent1">
+                <a:shade val="50000"/>
+              </a:schemeClr>
+            </a:lnRef>
+            <a:fillRef idx="1">
+              <a:schemeClr val="accent1"/>
+            </a:fillRef>
+            <a:effectRef idx="0">
+              <a:schemeClr val="accent1"/>
+            </a:effectRef>
+            <a:fontRef idx="minor">
+              <a:schemeClr val="lt1"/>
+            </a:fontRef>
+          </p:style>
+          <p:txBody>
+            <a:bodyPr rtlCol="0" anchor="ctr"/>
+            <a:lstStyle/>
+            <a:p>
+              <a:pPr algn="ctr"/>
+              <a:endParaRPr lang="en-BE" dirty="0"/>
+            </a:p>
+          </p:txBody>
+        </p:sp>
+      </p:grpSp>
+      <p:grpSp>
+        <p:nvGrpSpPr>
+          <p:cNvPr id="44" name="Group 43">
+            <a:extLst>
+              <a:ext uri="{FF2B5EF4-FFF2-40B4-BE49-F238E27FC236}">
+                <a16:creationId xmlns:a16="http://schemas.microsoft.com/office/drawing/2014/main" id="{E417D640-F858-E249-31CB-B8350B7A5710}"/>
+              </a:ext>
+            </a:extLst>
+          </p:cNvPr>
+          <p:cNvGrpSpPr/>
+          <p:nvPr/>
+        </p:nvGrpSpPr>
+        <p:grpSpPr>
+          <a:xfrm>
+            <a:off x="7493402" y="407241"/>
+            <a:ext cx="1695859" cy="1886840"/>
+            <a:chOff x="7493402" y="407241"/>
+            <a:chExt cx="1695859" cy="1886840"/>
+          </a:xfrm>
+        </p:grpSpPr>
+        <p:cxnSp>
+          <p:nvCxnSpPr>
+            <p:cNvPr id="45" name="Straight Arrow Connector 44">
+              <a:extLst>
+                <a:ext uri="{FF2B5EF4-FFF2-40B4-BE49-F238E27FC236}">
+                  <a16:creationId xmlns:a16="http://schemas.microsoft.com/office/drawing/2014/main" id="{B54977F0-3006-1CE9-565F-B605388463AC}"/>
+                </a:ext>
+              </a:extLst>
+            </p:cNvPr>
+            <p:cNvCxnSpPr>
+              <a:cxnSpLocks/>
+            </p:cNvCxnSpPr>
+            <p:nvPr/>
+          </p:nvCxnSpPr>
+          <p:spPr>
+            <a:xfrm flipH="1">
+              <a:off x="8624981" y="1417213"/>
+              <a:ext cx="5937" cy="752120"/>
+            </a:xfrm>
+            <a:prstGeom prst="straightConnector1">
+              <a:avLst/>
+            </a:prstGeom>
+            <a:ln w="38100">
+              <a:solidFill>
+                <a:schemeClr val="tx1"/>
+              </a:solidFill>
+              <a:tailEnd type="triangle"/>
+            </a:ln>
+          </p:spPr>
+          <p:style>
+            <a:lnRef idx="1">
+              <a:schemeClr val="accent1"/>
+            </a:lnRef>
+            <a:fillRef idx="0">
+              <a:schemeClr val="accent1"/>
+            </a:fillRef>
+            <a:effectRef idx="0">
+              <a:schemeClr val="accent1"/>
+            </a:effectRef>
+            <a:fontRef idx="minor">
+              <a:schemeClr val="tx1"/>
+            </a:fontRef>
+          </p:style>
+        </p:cxnSp>
+        <p:grpSp>
+          <p:nvGrpSpPr>
+            <p:cNvPr id="46" name="Group 45">
+              <a:extLst>
+                <a:ext uri="{FF2B5EF4-FFF2-40B4-BE49-F238E27FC236}">
+                  <a16:creationId xmlns:a16="http://schemas.microsoft.com/office/drawing/2014/main" id="{6D6383AD-C0CE-2940-10B6-1628FDDDEEAC}"/>
+                </a:ext>
+              </a:extLst>
+            </p:cNvPr>
+            <p:cNvGrpSpPr/>
+            <p:nvPr/>
+          </p:nvGrpSpPr>
+          <p:grpSpPr>
+            <a:xfrm>
+              <a:off x="7493402" y="407241"/>
+              <a:ext cx="1695859" cy="1886840"/>
+              <a:chOff x="7522568" y="406975"/>
+              <a:chExt cx="1695859" cy="1886840"/>
+            </a:xfrm>
+          </p:grpSpPr>
+          <p:sp>
+            <p:nvSpPr>
+              <p:cNvPr id="47" name="TextBox 46">
+                <a:extLst>
+                  <a:ext uri="{FF2B5EF4-FFF2-40B4-BE49-F238E27FC236}">
+                    <a16:creationId xmlns:a16="http://schemas.microsoft.com/office/drawing/2014/main" id="{DBE12F62-43F4-95C0-D9FF-6E6B288DD97B}"/>
+                  </a:ext>
+                </a:extLst>
+              </p:cNvPr>
+              <p:cNvSpPr txBox="1"/>
+              <p:nvPr/>
+            </p:nvSpPr>
+            <p:spPr>
+              <a:xfrm rot="17184383">
+                <a:off x="7284510" y="1392650"/>
+                <a:ext cx="814669" cy="338554"/>
+              </a:xfrm>
+              <a:prstGeom prst="rect">
+                <a:avLst/>
+              </a:prstGeom>
+              <a:noFill/>
+            </p:spPr>
+            <p:txBody>
+              <a:bodyPr wrap="square" rtlCol="0">
+                <a:spAutoFit/>
+              </a:bodyPr>
+              <a:lstStyle/>
+              <a:p>
+                <a:r>
+                  <a:rPr lang="en-BE" sz="1600" dirty="0"/>
+                  <a:t>fork</a:t>
+                </a:r>
+              </a:p>
+            </p:txBody>
+          </p:sp>
+          <p:grpSp>
+            <p:nvGrpSpPr>
+              <p:cNvPr id="48" name="Group 47">
+                <a:extLst>
+                  <a:ext uri="{FF2B5EF4-FFF2-40B4-BE49-F238E27FC236}">
+                    <a16:creationId xmlns:a16="http://schemas.microsoft.com/office/drawing/2014/main" id="{D4FC66C8-2664-D3BB-C960-2E6D078B1F4A}"/>
+                  </a:ext>
+                </a:extLst>
+              </p:cNvPr>
+              <p:cNvGrpSpPr/>
+              <p:nvPr/>
+            </p:nvGrpSpPr>
+            <p:grpSpPr>
+              <a:xfrm>
+                <a:off x="7580502" y="406975"/>
+                <a:ext cx="1637925" cy="1886840"/>
+                <a:chOff x="7580502" y="406975"/>
+                <a:chExt cx="1637925" cy="1886840"/>
+              </a:xfrm>
+            </p:grpSpPr>
+            <p:grpSp>
+              <p:nvGrpSpPr>
+                <p:cNvPr id="51" name="Group 50">
+                  <a:extLst>
+                    <a:ext uri="{FF2B5EF4-FFF2-40B4-BE49-F238E27FC236}">
+                      <a16:creationId xmlns:a16="http://schemas.microsoft.com/office/drawing/2014/main" id="{775A040F-6B83-10E5-5880-5E2E98A8FC6C}"/>
+                    </a:ext>
+                  </a:extLst>
+                </p:cNvPr>
+                <p:cNvGrpSpPr/>
+                <p:nvPr/>
+              </p:nvGrpSpPr>
+              <p:grpSpPr>
+                <a:xfrm>
+                  <a:off x="8535921" y="406975"/>
+                  <a:ext cx="682506" cy="870825"/>
+                  <a:chOff x="8219466" y="1034845"/>
+                  <a:chExt cx="740282" cy="1035443"/>
+                </a:xfrm>
+              </p:grpSpPr>
+              <p:pic>
+                <p:nvPicPr>
+                  <p:cNvPr id="56" name="Picture 2" descr="Bug Report - Free technology icons">
+                    <a:extLst>
+                      <a:ext uri="{FF2B5EF4-FFF2-40B4-BE49-F238E27FC236}">
+                        <a16:creationId xmlns:a16="http://schemas.microsoft.com/office/drawing/2014/main" id="{B233636D-E3A6-E3B7-F4AB-104D1E395BA7}"/>
+                      </a:ext>
+                    </a:extLst>
+                  </p:cNvPr>
+                  <p:cNvPicPr>
+                    <a:picLocks noChangeAspect="1" noChangeArrowheads="1"/>
+                  </p:cNvPicPr>
+                  <p:nvPr/>
+                </p:nvPicPr>
+                <p:blipFill>
+                  <a:blip r:embed="rId3">
+                    <a:extLst>
+                      <a:ext uri="{28A0092B-C50C-407E-A947-70E740481C1C}">
+                        <a14:useLocalDpi xmlns:a14="http://schemas.microsoft.com/office/drawing/2010/main" val="0"/>
+                      </a:ext>
+                    </a:extLst>
+                  </a:blip>
+                  <a:srcRect/>
+                  <a:stretch>
+                    <a:fillRect/>
+                  </a:stretch>
+                </p:blipFill>
+                <p:spPr bwMode="auto">
+                  <a:xfrm>
+                    <a:off x="8284464" y="1430495"/>
+                    <a:ext cx="639793" cy="639793"/>
+                  </a:xfrm>
+                  <a:prstGeom prst="rect">
+                    <a:avLst/>
+                  </a:prstGeom>
+                  <a:noFill/>
+                  <a:extLst>
+                    <a:ext uri="{909E8E84-426E-40DD-AFC4-6F175D3DCCD1}">
+                      <a14:hiddenFill xmlns:a14="http://schemas.microsoft.com/office/drawing/2010/main">
+                        <a:solidFill>
+                          <a:srgbClr val="FFFFFF"/>
+                        </a:solidFill>
+                      </a14:hiddenFill>
+                    </a:ext>
+                  </a:extLst>
+                </p:spPr>
+              </p:pic>
+              <p:pic>
+                <p:nvPicPr>
+                  <p:cNvPr id="57" name="Picture 56">
+                    <a:extLst>
+                      <a:ext uri="{FF2B5EF4-FFF2-40B4-BE49-F238E27FC236}">
+                        <a16:creationId xmlns:a16="http://schemas.microsoft.com/office/drawing/2014/main" id="{FF77F376-7867-64B3-8CA6-A4594A00170D}"/>
+                      </a:ext>
+                    </a:extLst>
+                  </p:cNvPr>
+                  <p:cNvPicPr>
+                    <a:picLocks noChangeAspect="1"/>
+                  </p:cNvPicPr>
+                  <p:nvPr/>
+                </p:nvPicPr>
+                <p:blipFill rotWithShape="1">
+                  <a:blip r:embed="rId4"/>
+                  <a:srcRect l="5953" t="10534" r="2533" b="6922"/>
+                  <a:stretch/>
+                </p:blipFill>
+                <p:spPr>
+                  <a:xfrm>
+                    <a:off x="8548420" y="1700816"/>
+                    <a:ext cx="411328" cy="329162"/>
+                  </a:xfrm>
+                  <a:prstGeom prst="rect">
+                    <a:avLst/>
+                  </a:prstGeom>
+                </p:spPr>
+              </p:pic>
+              <p:sp>
+                <p:nvSpPr>
+                  <p:cNvPr id="58" name="TextBox 57">
+                    <a:extLst>
+                      <a:ext uri="{FF2B5EF4-FFF2-40B4-BE49-F238E27FC236}">
+                        <a16:creationId xmlns:a16="http://schemas.microsoft.com/office/drawing/2014/main" id="{831D1145-E751-241D-FA0B-90A67DFA091E}"/>
+                      </a:ext>
+                    </a:extLst>
+                  </p:cNvPr>
+                  <p:cNvSpPr txBox="1"/>
+                  <p:nvPr/>
+                </p:nvSpPr>
+                <p:spPr>
+                  <a:xfrm>
+                    <a:off x="8219466" y="1034845"/>
+                    <a:ext cx="613366" cy="439149"/>
+                  </a:xfrm>
+                  <a:prstGeom prst="rect">
+                    <a:avLst/>
+                  </a:prstGeom>
+                  <a:noFill/>
+                </p:spPr>
+                <p:txBody>
+                  <a:bodyPr wrap="square" rtlCol="0">
+                    <a:spAutoFit/>
+                  </a:bodyPr>
+                  <a:lstStyle/>
+                  <a:p>
+                    <a:r>
+                      <a:rPr lang="en-BE" dirty="0"/>
+                      <a:t>foo</a:t>
+                    </a:r>
+                  </a:p>
+                </p:txBody>
+              </p:sp>
+            </p:grpSp>
+            <p:cxnSp>
+              <p:nvCxnSpPr>
+                <p:cNvPr id="52" name="Straight Connector 51">
+                  <a:extLst>
+                    <a:ext uri="{FF2B5EF4-FFF2-40B4-BE49-F238E27FC236}">
+                      <a16:creationId xmlns:a16="http://schemas.microsoft.com/office/drawing/2014/main" id="{767A5384-A857-62D5-09C2-158D1C89C8B4}"/>
+                    </a:ext>
+                  </a:extLst>
+                </p:cNvPr>
+                <p:cNvCxnSpPr>
+                  <a:cxnSpLocks/>
+                </p:cNvCxnSpPr>
+                <p:nvPr/>
+              </p:nvCxnSpPr>
+              <p:spPr>
+                <a:xfrm flipV="1">
+                  <a:off x="7580502" y="1391741"/>
+                  <a:ext cx="282127" cy="883274"/>
+                </a:xfrm>
+                <a:prstGeom prst="line">
+                  <a:avLst/>
+                </a:prstGeom>
+                <a:ln w="38100">
+                  <a:solidFill>
+                    <a:schemeClr val="tx1"/>
+                  </a:solidFill>
+                </a:ln>
+              </p:spPr>
+              <p:style>
+                <a:lnRef idx="1">
+                  <a:schemeClr val="accent1"/>
+                </a:lnRef>
+                <a:fillRef idx="0">
+                  <a:schemeClr val="accent1"/>
+                </a:fillRef>
+                <a:effectRef idx="0">
+                  <a:schemeClr val="accent1"/>
+                </a:effectRef>
+                <a:fontRef idx="minor">
+                  <a:schemeClr val="tx1"/>
+                </a:fontRef>
+              </p:style>
+            </p:cxnSp>
+            <p:cxnSp>
+              <p:nvCxnSpPr>
+                <p:cNvPr id="53" name="Straight Arrow Connector 52">
+                  <a:extLst>
+                    <a:ext uri="{FF2B5EF4-FFF2-40B4-BE49-F238E27FC236}">
+                      <a16:creationId xmlns:a16="http://schemas.microsoft.com/office/drawing/2014/main" id="{F63A34CC-5231-FA30-70C7-0FF8AC45C5DC}"/>
+                    </a:ext>
+                  </a:extLst>
+                </p:cNvPr>
+                <p:cNvCxnSpPr>
+                  <a:cxnSpLocks/>
+                </p:cNvCxnSpPr>
+                <p:nvPr/>
+              </p:nvCxnSpPr>
+              <p:spPr>
+                <a:xfrm>
+                  <a:off x="7837587" y="1409203"/>
+                  <a:ext cx="1001610" cy="0"/>
+                </a:xfrm>
+                <a:prstGeom prst="straightConnector1">
+                  <a:avLst/>
+                </a:prstGeom>
+                <a:ln w="38100">
+                  <a:solidFill>
+                    <a:schemeClr val="tx1"/>
+                  </a:solidFill>
+                  <a:tailEnd type="triangle"/>
+                </a:ln>
+              </p:spPr>
+              <p:style>
+                <a:lnRef idx="1">
+                  <a:schemeClr val="accent1"/>
+                </a:lnRef>
+                <a:fillRef idx="0">
+                  <a:schemeClr val="accent1"/>
+                </a:fillRef>
+                <a:effectRef idx="0">
+                  <a:schemeClr val="accent1"/>
+                </a:effectRef>
+                <a:fontRef idx="minor">
+                  <a:schemeClr val="tx1"/>
+                </a:fontRef>
+              </p:style>
+            </p:cxnSp>
+            <p:sp>
+              <p:nvSpPr>
+                <p:cNvPr id="54" name="TextBox 53">
+                  <a:extLst>
+                    <a:ext uri="{FF2B5EF4-FFF2-40B4-BE49-F238E27FC236}">
+                      <a16:creationId xmlns:a16="http://schemas.microsoft.com/office/drawing/2014/main" id="{73C76E6E-CB9B-D74E-E2D1-53EBAD0887DD}"/>
+                    </a:ext>
+                  </a:extLst>
+                </p:cNvPr>
+                <p:cNvSpPr txBox="1"/>
+                <p:nvPr/>
+              </p:nvSpPr>
+              <p:spPr>
+                <a:xfrm rot="5400000">
+                  <a:off x="8186955" y="1538027"/>
+                  <a:ext cx="926800" cy="584775"/>
+                </a:xfrm>
+                <a:prstGeom prst="rect">
+                  <a:avLst/>
+                </a:prstGeom>
+                <a:noFill/>
+              </p:spPr>
+              <p:txBody>
+                <a:bodyPr wrap="square" rtlCol="0">
+                  <a:spAutoFit/>
+                </a:bodyPr>
+                <a:lstStyle/>
+                <a:p>
+                  <a:pPr algn="ctr"/>
+                  <a:r>
+                    <a:rPr lang="en-GB" sz="1600" dirty="0"/>
+                    <a:t>P</a:t>
+                  </a:r>
+                  <a:r>
+                    <a:rPr lang="en-BE" sz="1600" dirty="0"/>
+                    <a:t>ull request</a:t>
+                  </a:r>
+                </a:p>
+              </p:txBody>
+            </p:sp>
+          </p:grpSp>
+          <p:pic>
+            <p:nvPicPr>
+              <p:cNvPr id="49" name="Picture 2" descr="Bug Report - Free technology icons">
+                <a:extLst>
+                  <a:ext uri="{FF2B5EF4-FFF2-40B4-BE49-F238E27FC236}">
+                    <a16:creationId xmlns:a16="http://schemas.microsoft.com/office/drawing/2014/main" id="{21B0EA5A-5C18-A631-6629-0C66B2A1B123}"/>
+                  </a:ext>
+                </a:extLst>
+              </p:cNvPr>
+              <p:cNvPicPr>
+                <a:picLocks noChangeAspect="1" noChangeArrowheads="1"/>
+              </p:cNvPicPr>
+              <p:nvPr/>
+            </p:nvPicPr>
+            <p:blipFill rotWithShape="1">
+              <a:blip r:embed="rId3">
+                <a:extLst>
+                  <a:ext uri="{28A0092B-C50C-407E-A947-70E740481C1C}">
+                    <a14:useLocalDpi xmlns:a14="http://schemas.microsoft.com/office/drawing/2010/main" val="0"/>
+                  </a:ext>
+                </a:extLst>
+              </a:blip>
+              <a:srcRect l="38987" t="49067"/>
+              <a:stretch/>
+            </p:blipFill>
+            <p:spPr bwMode="auto">
+              <a:xfrm flipH="1">
+                <a:off x="8396793" y="957435"/>
+                <a:ext cx="373434" cy="298546"/>
+              </a:xfrm>
+              <a:prstGeom prst="rect">
+                <a:avLst/>
+              </a:prstGeom>
+              <a:noFill/>
+              <a:extLst>
+                <a:ext uri="{909E8E84-426E-40DD-AFC4-6F175D3DCCD1}">
+                  <a14:hiddenFill xmlns:a14="http://schemas.microsoft.com/office/drawing/2010/main">
+                    <a:solidFill>
+                      <a:srgbClr val="FFFFFF"/>
+                    </a:solidFill>
+                  </a14:hiddenFill>
+                </a:ext>
+              </a:extLst>
+            </p:spPr>
+          </p:pic>
+          <p:pic>
+            <p:nvPicPr>
+              <p:cNvPr id="50" name="Picture 49">
+                <a:extLst>
+                  <a:ext uri="{FF2B5EF4-FFF2-40B4-BE49-F238E27FC236}">
+                    <a16:creationId xmlns:a16="http://schemas.microsoft.com/office/drawing/2014/main" id="{19AF7749-27C5-A6EC-8186-D06293B97C66}"/>
+                  </a:ext>
+                </a:extLst>
+              </p:cNvPr>
+              <p:cNvPicPr>
+                <a:picLocks noChangeAspect="1"/>
+              </p:cNvPicPr>
+              <p:nvPr/>
+            </p:nvPicPr>
+            <p:blipFill rotWithShape="1">
+              <a:blip r:embed="rId4"/>
+              <a:srcRect l="5953" t="10534" r="2533" b="6922"/>
+              <a:stretch/>
+            </p:blipFill>
+            <p:spPr>
+              <a:xfrm>
+                <a:off x="8391001" y="989512"/>
+                <a:ext cx="379226" cy="276831"/>
+              </a:xfrm>
+              <a:prstGeom prst="rect">
+                <a:avLst/>
+              </a:prstGeom>
+            </p:spPr>
+          </p:pic>
+        </p:grpSp>
+      </p:grpSp>
+      <p:pic>
+        <p:nvPicPr>
+          <p:cNvPr id="4098" name="Picture 2" descr="Source-Code Icons - Free SVG &amp; PNG Source-Code Images - Noun Project">
+            <a:extLst>
+              <a:ext uri="{FF2B5EF4-FFF2-40B4-BE49-F238E27FC236}">
+                <a16:creationId xmlns:a16="http://schemas.microsoft.com/office/drawing/2014/main" id="{D9D3567F-20BD-B041-0E6E-D97793006544}"/>
+              </a:ext>
+            </a:extLst>
+          </p:cNvPr>
+          <p:cNvPicPr>
+            <a:picLocks noChangeAspect="1" noChangeArrowheads="1"/>
+          </p:cNvPicPr>
+          <p:nvPr/>
+        </p:nvPicPr>
+        <p:blipFill>
+          <a:blip r:embed="rId5">
+            <a:extLst>
+              <a:ext uri="{28A0092B-C50C-407E-A947-70E740481C1C}">
+                <a14:useLocalDpi xmlns:a14="http://schemas.microsoft.com/office/drawing/2010/main" val="0"/>
+              </a:ext>
+            </a:extLst>
+          </a:blip>
+          <a:srcRect/>
+          <a:stretch>
+            <a:fillRect/>
+          </a:stretch>
+        </p:blipFill>
+        <p:spPr bwMode="auto">
+          <a:xfrm>
+            <a:off x="1648176" y="2872232"/>
+            <a:ext cx="2540000" cy="2540000"/>
+          </a:xfrm>
+          <a:prstGeom prst="rect">
+            <a:avLst/>
+          </a:prstGeom>
+          <a:noFill/>
+          <a:extLst>
+            <a:ext uri="{909E8E84-426E-40DD-AFC4-6F175D3DCCD1}">
+              <a14:hiddenFill xmlns:a14="http://schemas.microsoft.com/office/drawing/2010/main">
+                <a:solidFill>
+                  <a:srgbClr val="FFFFFF"/>
+                </a:solidFill>
+              </a14:hiddenFill>
+            </a:ext>
+          </a:extLst>
+        </p:spPr>
+      </p:pic>
+      <p:grpSp>
+        <p:nvGrpSpPr>
+          <p:cNvPr id="83" name="Group 82">
+            <a:extLst>
+              <a:ext uri="{FF2B5EF4-FFF2-40B4-BE49-F238E27FC236}">
+                <a16:creationId xmlns:a16="http://schemas.microsoft.com/office/drawing/2014/main" id="{495500A8-8BB1-9167-53A4-F50635766CE3}"/>
+              </a:ext>
+            </a:extLst>
+          </p:cNvPr>
+          <p:cNvGrpSpPr/>
+          <p:nvPr/>
+        </p:nvGrpSpPr>
+        <p:grpSpPr>
+          <a:xfrm>
+            <a:off x="5687568" y="3195108"/>
+            <a:ext cx="1447663" cy="1234664"/>
+            <a:chOff x="5687568" y="3195108"/>
+            <a:chExt cx="1447663" cy="1234664"/>
+          </a:xfrm>
+        </p:grpSpPr>
+        <p:sp>
+          <p:nvSpPr>
+            <p:cNvPr id="65" name="Rectangle 64">
+              <a:extLst>
+                <a:ext uri="{FF2B5EF4-FFF2-40B4-BE49-F238E27FC236}">
+                  <a16:creationId xmlns:a16="http://schemas.microsoft.com/office/drawing/2014/main" id="{0407ACF1-AAE8-A092-2F4A-91A49B034629}"/>
+                </a:ext>
+              </a:extLst>
+            </p:cNvPr>
+            <p:cNvSpPr/>
+            <p:nvPr/>
+          </p:nvSpPr>
+          <p:spPr>
+            <a:xfrm>
+              <a:off x="5687568" y="3195108"/>
+              <a:ext cx="1447663" cy="1234664"/>
+            </a:xfrm>
+            <a:prstGeom prst="rect">
               <a:avLst/>
             </a:prstGeom>
             <a:noFill/>
-            <a:ln w="28575">
+            <a:ln w="19050">
               <a:solidFill>
                 <a:schemeClr val="tx1"/>
               </a:solidFill>
@@ -6210,61 +7982,315 @@
             <a:lstStyle/>
             <a:p>
               <a:pPr algn="ctr"/>
-              <a:endParaRPr lang="en-US" dirty="0"/>
+              <a:endParaRPr lang="en-US"/>
             </a:p>
           </p:txBody>
         </p:sp>
-        <p:pic>
-          <p:nvPicPr>
-            <p:cNvPr id="11" name="Picture 2" descr="ShareChatGPTConversations">
+        <p:cxnSp>
+          <p:nvCxnSpPr>
+            <p:cNvPr id="67" name="Straight Connector 66">
               <a:extLst>
                 <a:ext uri="{FF2B5EF4-FFF2-40B4-BE49-F238E27FC236}">
-                  <a16:creationId xmlns:a16="http://schemas.microsoft.com/office/drawing/2014/main" id="{B264C1BB-6991-E922-CD9E-99A7ED773430}"/>
+                  <a16:creationId xmlns:a16="http://schemas.microsoft.com/office/drawing/2014/main" id="{AC8D91D7-A9F4-3CA6-0617-62D1E37C1BC5}"/>
                 </a:ext>
               </a:extLst>
             </p:cNvPr>
-            <p:cNvPicPr>
-              <a:picLocks noChangeAspect="1" noChangeArrowheads="1"/>
-            </p:cNvPicPr>
+            <p:cNvCxnSpPr/>
             <p:nvPr/>
-          </p:nvPicPr>
-          <p:blipFill rotWithShape="1">
-            <a:blip r:embed="rId4">
+          </p:nvCxnSpPr>
+          <p:spPr>
+            <a:xfrm>
+              <a:off x="5861304" y="3584448"/>
+              <a:ext cx="759176" cy="0"/>
+            </a:xfrm>
+            <a:prstGeom prst="line">
+              <a:avLst/>
+            </a:prstGeom>
+            <a:ln w="28575">
+              <a:solidFill>
+                <a:schemeClr val="tx1"/>
+              </a:solidFill>
+            </a:ln>
+          </p:spPr>
+          <p:style>
+            <a:lnRef idx="1">
+              <a:schemeClr val="accent1"/>
+            </a:lnRef>
+            <a:fillRef idx="0">
+              <a:schemeClr val="accent1"/>
+            </a:fillRef>
+            <a:effectRef idx="0">
+              <a:schemeClr val="accent1"/>
+            </a:effectRef>
+            <a:fontRef idx="minor">
+              <a:schemeClr val="tx1"/>
+            </a:fontRef>
+          </p:style>
+        </p:cxnSp>
+        <p:cxnSp>
+          <p:nvCxnSpPr>
+            <p:cNvPr id="68" name="Straight Connector 67">
               <a:extLst>
-                <a:ext uri="{28A0092B-C50C-407E-A947-70E740481C1C}">
-                  <a14:useLocalDpi xmlns:a14="http://schemas.microsoft.com/office/drawing/2010/main" val="0"/>
+                <a:ext uri="{FF2B5EF4-FFF2-40B4-BE49-F238E27FC236}">
+                  <a16:creationId xmlns:a16="http://schemas.microsoft.com/office/drawing/2014/main" id="{D2941B44-9EA6-13A9-45E0-8527088CBE93}"/>
                 </a:ext>
               </a:extLst>
-            </a:blip>
-            <a:srcRect l="6654" t="15221" r="8671"/>
-            <a:stretch/>
-          </p:blipFill>
-          <p:spPr bwMode="auto">
+            </p:cNvPr>
+            <p:cNvCxnSpPr>
+              <a:cxnSpLocks/>
+            </p:cNvCxnSpPr>
+            <p:nvPr/>
+          </p:nvCxnSpPr>
+          <p:spPr>
             <a:xfrm>
-              <a:off x="1616765" y="3144667"/>
-              <a:ext cx="3882887" cy="3048001"/>
+              <a:off x="6769060" y="3584448"/>
+              <a:ext cx="313944" cy="0"/>
             </a:xfrm>
-            <a:prstGeom prst="rect">
+            <a:prstGeom prst="line">
               <a:avLst/>
             </a:prstGeom>
-            <a:noFill/>
-            <a:extLst>
-              <a:ext uri="{909E8E84-426E-40DD-AFC4-6F175D3DCCD1}">
-                <a14:hiddenFill xmlns:a14="http://schemas.microsoft.com/office/drawing/2010/main">
-                  <a:solidFill>
-                    <a:srgbClr val="FFFFFF"/>
-                  </a:solidFill>
-                </a14:hiddenFill>
-              </a:ext>
-            </a:extLst>
+            <a:ln w="28575">
+              <a:solidFill>
+                <a:schemeClr val="tx1"/>
+              </a:solidFill>
+            </a:ln>
           </p:spPr>
-        </p:pic>
+          <p:style>
+            <a:lnRef idx="1">
+              <a:schemeClr val="accent1"/>
+            </a:lnRef>
+            <a:fillRef idx="0">
+              <a:schemeClr val="accent1"/>
+            </a:fillRef>
+            <a:effectRef idx="0">
+              <a:schemeClr val="accent1"/>
+            </a:effectRef>
+            <a:fontRef idx="minor">
+              <a:schemeClr val="tx1"/>
+            </a:fontRef>
+          </p:style>
+        </p:cxnSp>
+        <p:cxnSp>
+          <p:nvCxnSpPr>
+            <p:cNvPr id="70" name="Straight Connector 69">
+              <a:extLst>
+                <a:ext uri="{FF2B5EF4-FFF2-40B4-BE49-F238E27FC236}">
+                  <a16:creationId xmlns:a16="http://schemas.microsoft.com/office/drawing/2014/main" id="{E53DF982-029B-CFBC-F80E-A63803083884}"/>
+                </a:ext>
+              </a:extLst>
+            </p:cNvPr>
+            <p:cNvCxnSpPr>
+              <a:cxnSpLocks/>
+            </p:cNvCxnSpPr>
+            <p:nvPr/>
+          </p:nvCxnSpPr>
+          <p:spPr>
+            <a:xfrm>
+              <a:off x="5861304" y="3407664"/>
+              <a:ext cx="1064728" cy="0"/>
+            </a:xfrm>
+            <a:prstGeom prst="line">
+              <a:avLst/>
+            </a:prstGeom>
+            <a:ln w="28575">
+              <a:solidFill>
+                <a:schemeClr val="tx1"/>
+              </a:solidFill>
+            </a:ln>
+          </p:spPr>
+          <p:style>
+            <a:lnRef idx="1">
+              <a:schemeClr val="accent1"/>
+            </a:lnRef>
+            <a:fillRef idx="0">
+              <a:schemeClr val="accent1"/>
+            </a:fillRef>
+            <a:effectRef idx="0">
+              <a:schemeClr val="accent1"/>
+            </a:effectRef>
+            <a:fontRef idx="minor">
+              <a:schemeClr val="tx1"/>
+            </a:fontRef>
+          </p:style>
+        </p:cxnSp>
+        <p:cxnSp>
+          <p:nvCxnSpPr>
+            <p:cNvPr id="72" name="Straight Connector 71">
+              <a:extLst>
+                <a:ext uri="{FF2B5EF4-FFF2-40B4-BE49-F238E27FC236}">
+                  <a16:creationId xmlns:a16="http://schemas.microsoft.com/office/drawing/2014/main" id="{D17BBCD5-581C-2519-ED3A-92155E9D93CE}"/>
+                </a:ext>
+              </a:extLst>
+            </p:cNvPr>
+            <p:cNvCxnSpPr>
+              <a:cxnSpLocks/>
+            </p:cNvCxnSpPr>
+            <p:nvPr/>
+          </p:nvCxnSpPr>
+          <p:spPr>
+            <a:xfrm>
+              <a:off x="5874912" y="3781044"/>
+              <a:ext cx="603338" cy="0"/>
+            </a:xfrm>
+            <a:prstGeom prst="line">
+              <a:avLst/>
+            </a:prstGeom>
+            <a:ln w="28575">
+              <a:solidFill>
+                <a:schemeClr val="tx1"/>
+              </a:solidFill>
+            </a:ln>
+          </p:spPr>
+          <p:style>
+            <a:lnRef idx="1">
+              <a:schemeClr val="accent1"/>
+            </a:lnRef>
+            <a:fillRef idx="0">
+              <a:schemeClr val="accent1"/>
+            </a:fillRef>
+            <a:effectRef idx="0">
+              <a:schemeClr val="accent1"/>
+            </a:effectRef>
+            <a:fontRef idx="minor">
+              <a:schemeClr val="tx1"/>
+            </a:fontRef>
+          </p:style>
+        </p:cxnSp>
+        <p:cxnSp>
+          <p:nvCxnSpPr>
+            <p:cNvPr id="73" name="Straight Connector 72">
+              <a:extLst>
+                <a:ext uri="{FF2B5EF4-FFF2-40B4-BE49-F238E27FC236}">
+                  <a16:creationId xmlns:a16="http://schemas.microsoft.com/office/drawing/2014/main" id="{BF34C14F-F848-65C5-1EFA-7112C4E6F0A8}"/>
+                </a:ext>
+              </a:extLst>
+            </p:cNvPr>
+            <p:cNvCxnSpPr>
+              <a:cxnSpLocks/>
+            </p:cNvCxnSpPr>
+            <p:nvPr/>
+          </p:nvCxnSpPr>
+          <p:spPr>
+            <a:xfrm>
+              <a:off x="5873496" y="3979164"/>
+              <a:ext cx="895564" cy="0"/>
+            </a:xfrm>
+            <a:prstGeom prst="line">
+              <a:avLst/>
+            </a:prstGeom>
+            <a:ln w="28575">
+              <a:solidFill>
+                <a:schemeClr val="tx1"/>
+              </a:solidFill>
+            </a:ln>
+          </p:spPr>
+          <p:style>
+            <a:lnRef idx="1">
+              <a:schemeClr val="accent1"/>
+            </a:lnRef>
+            <a:fillRef idx="0">
+              <a:schemeClr val="accent1"/>
+            </a:fillRef>
+            <a:effectRef idx="0">
+              <a:schemeClr val="accent1"/>
+            </a:effectRef>
+            <a:fontRef idx="minor">
+              <a:schemeClr val="tx1"/>
+            </a:fontRef>
+          </p:style>
+        </p:cxnSp>
+        <p:cxnSp>
+          <p:nvCxnSpPr>
+            <p:cNvPr id="74" name="Straight Connector 73">
+              <a:extLst>
+                <a:ext uri="{FF2B5EF4-FFF2-40B4-BE49-F238E27FC236}">
+                  <a16:creationId xmlns:a16="http://schemas.microsoft.com/office/drawing/2014/main" id="{39A3C178-BE24-F245-77CB-40B0F9E9AAA7}"/>
+                </a:ext>
+              </a:extLst>
+            </p:cNvPr>
+            <p:cNvCxnSpPr>
+              <a:cxnSpLocks/>
+            </p:cNvCxnSpPr>
+            <p:nvPr/>
+          </p:nvCxnSpPr>
+          <p:spPr>
+            <a:xfrm>
+              <a:off x="5873496" y="4158996"/>
+              <a:ext cx="520172" cy="0"/>
+            </a:xfrm>
+            <a:prstGeom prst="line">
+              <a:avLst/>
+            </a:prstGeom>
+            <a:ln w="28575">
+              <a:solidFill>
+                <a:schemeClr val="tx1"/>
+              </a:solidFill>
+            </a:ln>
+          </p:spPr>
+          <p:style>
+            <a:lnRef idx="1">
+              <a:schemeClr val="accent1"/>
+            </a:lnRef>
+            <a:fillRef idx="0">
+              <a:schemeClr val="accent1"/>
+            </a:fillRef>
+            <a:effectRef idx="0">
+              <a:schemeClr val="accent1"/>
+            </a:effectRef>
+            <a:fontRef idx="minor">
+              <a:schemeClr val="tx1"/>
+            </a:fontRef>
+          </p:style>
+        </p:cxnSp>
+        <p:cxnSp>
+          <p:nvCxnSpPr>
+            <p:cNvPr id="78" name="Straight Connector 77">
+              <a:extLst>
+                <a:ext uri="{FF2B5EF4-FFF2-40B4-BE49-F238E27FC236}">
+                  <a16:creationId xmlns:a16="http://schemas.microsoft.com/office/drawing/2014/main" id="{C8857871-E779-4138-0ECB-443F99D5E2A3}"/>
+                </a:ext>
+              </a:extLst>
+            </p:cNvPr>
+            <p:cNvCxnSpPr>
+              <a:cxnSpLocks/>
+            </p:cNvCxnSpPr>
+            <p:nvPr/>
+          </p:nvCxnSpPr>
+          <p:spPr>
+            <a:xfrm>
+              <a:off x="6612088" y="3781044"/>
+              <a:ext cx="313944" cy="0"/>
+            </a:xfrm>
+            <a:prstGeom prst="line">
+              <a:avLst/>
+            </a:prstGeom>
+            <a:ln w="28575">
+              <a:solidFill>
+                <a:schemeClr val="tx1"/>
+              </a:solidFill>
+            </a:ln>
+          </p:spPr>
+          <p:style>
+            <a:lnRef idx="1">
+              <a:schemeClr val="accent1"/>
+            </a:lnRef>
+            <a:fillRef idx="0">
+              <a:schemeClr val="accent1"/>
+            </a:fillRef>
+            <a:effectRef idx="0">
+              <a:schemeClr val="accent1"/>
+            </a:effectRef>
+            <a:fontRef idx="minor">
+              <a:schemeClr val="tx1"/>
+            </a:fontRef>
+          </p:style>
+        </p:cxnSp>
         <p:sp>
           <p:nvSpPr>
-            <p:cNvPr id="12" name="Right Arrow 11">
+            <p:cNvPr id="81" name="Left Brace 80">
               <a:extLst>
                 <a:ext uri="{FF2B5EF4-FFF2-40B4-BE49-F238E27FC236}">
-                  <a16:creationId xmlns:a16="http://schemas.microsoft.com/office/drawing/2014/main" id="{D5BC6AD0-1677-1615-2EC2-456F6A351B9E}"/>
+                  <a16:creationId xmlns:a16="http://schemas.microsoft.com/office/drawing/2014/main" id="{BB39395A-C24E-E763-5F18-2FFB16C5FDE2}"/>
                 </a:ext>
               </a:extLst>
             </p:cNvPr>
@@ -6273,15 +8299,137 @@
           </p:nvSpPr>
           <p:spPr>
             <a:xfrm>
-              <a:off x="5499652" y="3692459"/>
-              <a:ext cx="764540" cy="382955"/>
+              <a:off x="5703373" y="3231684"/>
+              <a:ext cx="93923" cy="147017"/>
             </a:xfrm>
-            <a:prstGeom prst="rightArrow">
+            <a:prstGeom prst="leftBrace">
               <a:avLst/>
             </a:prstGeom>
-            <a:solidFill>
+            <a:ln w="28575">
+              <a:solidFill>
+                <a:schemeClr val="tx1"/>
+              </a:solidFill>
+            </a:ln>
+          </p:spPr>
+          <p:style>
+            <a:lnRef idx="1">
+              <a:schemeClr val="accent1"/>
+            </a:lnRef>
+            <a:fillRef idx="0">
+              <a:schemeClr val="accent1"/>
+            </a:fillRef>
+            <a:effectRef idx="0">
+              <a:schemeClr val="accent1"/>
+            </a:effectRef>
+            <a:fontRef idx="minor">
               <a:schemeClr val="tx1"/>
-            </a:solidFill>
+            </a:fontRef>
+          </p:style>
+          <p:txBody>
+            <a:bodyPr rtlCol="0" anchor="ctr"/>
+            <a:lstStyle/>
+            <a:p>
+              <a:pPr algn="ctr"/>
+              <a:endParaRPr lang="en-US"/>
+            </a:p>
+          </p:txBody>
+        </p:sp>
+        <p:sp>
+          <p:nvSpPr>
+            <p:cNvPr id="82" name="Left Brace 81">
+              <a:extLst>
+                <a:ext uri="{FF2B5EF4-FFF2-40B4-BE49-F238E27FC236}">
+                  <a16:creationId xmlns:a16="http://schemas.microsoft.com/office/drawing/2014/main" id="{EFDB32FA-DE66-1916-1853-F52570D9DBB3}"/>
+                </a:ext>
+              </a:extLst>
+            </p:cNvPr>
+            <p:cNvSpPr/>
+            <p:nvPr/>
+          </p:nvSpPr>
+          <p:spPr>
+            <a:xfrm rot="10635677">
+              <a:off x="5750336" y="4208944"/>
+              <a:ext cx="93923" cy="147017"/>
+            </a:xfrm>
+            <a:prstGeom prst="leftBrace">
+              <a:avLst/>
+            </a:prstGeom>
+            <a:ln w="28575">
+              <a:solidFill>
+                <a:schemeClr val="tx1"/>
+              </a:solidFill>
+            </a:ln>
+          </p:spPr>
+          <p:style>
+            <a:lnRef idx="1">
+              <a:schemeClr val="accent1"/>
+            </a:lnRef>
+            <a:fillRef idx="0">
+              <a:schemeClr val="accent1"/>
+            </a:fillRef>
+            <a:effectRef idx="0">
+              <a:schemeClr val="accent1"/>
+            </a:effectRef>
+            <a:fontRef idx="minor">
+              <a:schemeClr val="tx1"/>
+            </a:fontRef>
+          </p:style>
+          <p:txBody>
+            <a:bodyPr rtlCol="0" anchor="ctr"/>
+            <a:lstStyle/>
+            <a:p>
+              <a:pPr algn="ctr"/>
+              <a:endParaRPr lang="en-US"/>
+            </a:p>
+          </p:txBody>
+        </p:sp>
+      </p:grpSp>
+      <p:grpSp>
+        <p:nvGrpSpPr>
+          <p:cNvPr id="84" name="Group 83">
+            <a:extLst>
+              <a:ext uri="{FF2B5EF4-FFF2-40B4-BE49-F238E27FC236}">
+                <a16:creationId xmlns:a16="http://schemas.microsoft.com/office/drawing/2014/main" id="{0B0D1FFF-AE37-A8DF-1209-D819E5AEBE32}"/>
+              </a:ext>
+            </a:extLst>
+          </p:cNvPr>
+          <p:cNvGrpSpPr/>
+          <p:nvPr/>
+        </p:nvGrpSpPr>
+        <p:grpSpPr>
+          <a:xfrm>
+            <a:off x="8137778" y="3163712"/>
+            <a:ext cx="1447663" cy="1764904"/>
+            <a:chOff x="5687568" y="3195108"/>
+            <a:chExt cx="1447663" cy="1234664"/>
+          </a:xfrm>
+        </p:grpSpPr>
+        <p:sp>
+          <p:nvSpPr>
+            <p:cNvPr id="85" name="Rectangle 84">
+              <a:extLst>
+                <a:ext uri="{FF2B5EF4-FFF2-40B4-BE49-F238E27FC236}">
+                  <a16:creationId xmlns:a16="http://schemas.microsoft.com/office/drawing/2014/main" id="{B106F7B9-EA11-53A7-E1B0-01A78268CEF5}"/>
+                </a:ext>
+              </a:extLst>
+            </p:cNvPr>
+            <p:cNvSpPr/>
+            <p:nvPr/>
+          </p:nvSpPr>
+          <p:spPr>
+            <a:xfrm>
+              <a:off x="5687568" y="3195108"/>
+              <a:ext cx="1447663" cy="1234664"/>
+            </a:xfrm>
+            <a:prstGeom prst="rect">
+              <a:avLst/>
+            </a:prstGeom>
+            <a:noFill/>
+            <a:ln w="19050">
+              <a:solidFill>
+                <a:schemeClr val="tx1"/>
+              </a:solidFill>
+            </a:ln>
           </p:spPr>
           <p:style>
             <a:lnRef idx="2">
@@ -6308,17 +8456,580 @@
             </a:p>
           </p:txBody>
         </p:sp>
+        <p:cxnSp>
+          <p:nvCxnSpPr>
+            <p:cNvPr id="86" name="Straight Connector 85">
+              <a:extLst>
+                <a:ext uri="{FF2B5EF4-FFF2-40B4-BE49-F238E27FC236}">
+                  <a16:creationId xmlns:a16="http://schemas.microsoft.com/office/drawing/2014/main" id="{0DCEA860-59C0-7674-A450-38660670BB4F}"/>
+                </a:ext>
+              </a:extLst>
+            </p:cNvPr>
+            <p:cNvCxnSpPr/>
+            <p:nvPr/>
+          </p:nvCxnSpPr>
+          <p:spPr>
+            <a:xfrm>
+              <a:off x="5861304" y="3584448"/>
+              <a:ext cx="759176" cy="0"/>
+            </a:xfrm>
+            <a:prstGeom prst="line">
+              <a:avLst/>
+            </a:prstGeom>
+            <a:ln w="28575">
+              <a:solidFill>
+                <a:schemeClr val="tx1"/>
+              </a:solidFill>
+            </a:ln>
+          </p:spPr>
+          <p:style>
+            <a:lnRef idx="1">
+              <a:schemeClr val="accent1"/>
+            </a:lnRef>
+            <a:fillRef idx="0">
+              <a:schemeClr val="accent1"/>
+            </a:fillRef>
+            <a:effectRef idx="0">
+              <a:schemeClr val="accent1"/>
+            </a:effectRef>
+            <a:fontRef idx="minor">
+              <a:schemeClr val="tx1"/>
+            </a:fontRef>
+          </p:style>
+        </p:cxnSp>
+        <p:cxnSp>
+          <p:nvCxnSpPr>
+            <p:cNvPr id="87" name="Straight Connector 86">
+              <a:extLst>
+                <a:ext uri="{FF2B5EF4-FFF2-40B4-BE49-F238E27FC236}">
+                  <a16:creationId xmlns:a16="http://schemas.microsoft.com/office/drawing/2014/main" id="{74B80EC4-7BDC-A9D7-0D92-B7C2230FE621}"/>
+                </a:ext>
+              </a:extLst>
+            </p:cNvPr>
+            <p:cNvCxnSpPr>
+              <a:cxnSpLocks/>
+            </p:cNvCxnSpPr>
+            <p:nvPr/>
+          </p:nvCxnSpPr>
+          <p:spPr>
+            <a:xfrm>
+              <a:off x="6769060" y="3584448"/>
+              <a:ext cx="313944" cy="0"/>
+            </a:xfrm>
+            <a:prstGeom prst="line">
+              <a:avLst/>
+            </a:prstGeom>
+            <a:ln w="28575">
+              <a:solidFill>
+                <a:schemeClr val="tx1"/>
+              </a:solidFill>
+            </a:ln>
+          </p:spPr>
+          <p:style>
+            <a:lnRef idx="1">
+              <a:schemeClr val="accent1"/>
+            </a:lnRef>
+            <a:fillRef idx="0">
+              <a:schemeClr val="accent1"/>
+            </a:fillRef>
+            <a:effectRef idx="0">
+              <a:schemeClr val="accent1"/>
+            </a:effectRef>
+            <a:fontRef idx="minor">
+              <a:schemeClr val="tx1"/>
+            </a:fontRef>
+          </p:style>
+        </p:cxnSp>
+        <p:cxnSp>
+          <p:nvCxnSpPr>
+            <p:cNvPr id="88" name="Straight Connector 87">
+              <a:extLst>
+                <a:ext uri="{FF2B5EF4-FFF2-40B4-BE49-F238E27FC236}">
+                  <a16:creationId xmlns:a16="http://schemas.microsoft.com/office/drawing/2014/main" id="{3CF90F03-FE11-EBEF-B1F5-70AFD6E805E1}"/>
+                </a:ext>
+              </a:extLst>
+            </p:cNvPr>
+            <p:cNvCxnSpPr>
+              <a:cxnSpLocks/>
+            </p:cNvCxnSpPr>
+            <p:nvPr/>
+          </p:nvCxnSpPr>
+          <p:spPr>
+            <a:xfrm>
+              <a:off x="5861304" y="3433252"/>
+              <a:ext cx="1064728" cy="0"/>
+            </a:xfrm>
+            <a:prstGeom prst="line">
+              <a:avLst/>
+            </a:prstGeom>
+            <a:ln w="28575">
+              <a:solidFill>
+                <a:schemeClr val="tx1"/>
+              </a:solidFill>
+            </a:ln>
+          </p:spPr>
+          <p:style>
+            <a:lnRef idx="1">
+              <a:schemeClr val="accent1"/>
+            </a:lnRef>
+            <a:fillRef idx="0">
+              <a:schemeClr val="accent1"/>
+            </a:fillRef>
+            <a:effectRef idx="0">
+              <a:schemeClr val="accent1"/>
+            </a:effectRef>
+            <a:fontRef idx="minor">
+              <a:schemeClr val="tx1"/>
+            </a:fontRef>
+          </p:style>
+        </p:cxnSp>
+        <p:cxnSp>
+          <p:nvCxnSpPr>
+            <p:cNvPr id="89" name="Straight Connector 88">
+              <a:extLst>
+                <a:ext uri="{FF2B5EF4-FFF2-40B4-BE49-F238E27FC236}">
+                  <a16:creationId xmlns:a16="http://schemas.microsoft.com/office/drawing/2014/main" id="{CB8A7404-6148-35B7-091C-32B7AA6CB514}"/>
+                </a:ext>
+              </a:extLst>
+            </p:cNvPr>
+            <p:cNvCxnSpPr>
+              <a:cxnSpLocks/>
+            </p:cNvCxnSpPr>
+            <p:nvPr/>
+          </p:nvCxnSpPr>
+          <p:spPr>
+            <a:xfrm>
+              <a:off x="5874912" y="3781044"/>
+              <a:ext cx="603338" cy="0"/>
+            </a:xfrm>
+            <a:prstGeom prst="line">
+              <a:avLst/>
+            </a:prstGeom>
+            <a:ln w="28575">
+              <a:solidFill>
+                <a:schemeClr val="tx1"/>
+              </a:solidFill>
+            </a:ln>
+          </p:spPr>
+          <p:style>
+            <a:lnRef idx="1">
+              <a:schemeClr val="accent1"/>
+            </a:lnRef>
+            <a:fillRef idx="0">
+              <a:schemeClr val="accent1"/>
+            </a:fillRef>
+            <a:effectRef idx="0">
+              <a:schemeClr val="accent1"/>
+            </a:effectRef>
+            <a:fontRef idx="minor">
+              <a:schemeClr val="tx1"/>
+            </a:fontRef>
+          </p:style>
+        </p:cxnSp>
+        <p:cxnSp>
+          <p:nvCxnSpPr>
+            <p:cNvPr id="90" name="Straight Connector 89">
+              <a:extLst>
+                <a:ext uri="{FF2B5EF4-FFF2-40B4-BE49-F238E27FC236}">
+                  <a16:creationId xmlns:a16="http://schemas.microsoft.com/office/drawing/2014/main" id="{0AAB6B1B-3CF5-6C53-BC7A-E9A1ECB3BDC3}"/>
+                </a:ext>
+              </a:extLst>
+            </p:cNvPr>
+            <p:cNvCxnSpPr>
+              <a:cxnSpLocks/>
+            </p:cNvCxnSpPr>
+            <p:nvPr/>
+          </p:nvCxnSpPr>
+          <p:spPr>
+            <a:xfrm>
+              <a:off x="5873496" y="3979164"/>
+              <a:ext cx="895564" cy="0"/>
+            </a:xfrm>
+            <a:prstGeom prst="line">
+              <a:avLst/>
+            </a:prstGeom>
+            <a:ln w="28575">
+              <a:solidFill>
+                <a:schemeClr val="tx1"/>
+              </a:solidFill>
+            </a:ln>
+          </p:spPr>
+          <p:style>
+            <a:lnRef idx="1">
+              <a:schemeClr val="accent1"/>
+            </a:lnRef>
+            <a:fillRef idx="0">
+              <a:schemeClr val="accent1"/>
+            </a:fillRef>
+            <a:effectRef idx="0">
+              <a:schemeClr val="accent1"/>
+            </a:effectRef>
+            <a:fontRef idx="minor">
+              <a:schemeClr val="tx1"/>
+            </a:fontRef>
+          </p:style>
+        </p:cxnSp>
+        <p:cxnSp>
+          <p:nvCxnSpPr>
+            <p:cNvPr id="91" name="Straight Connector 90">
+              <a:extLst>
+                <a:ext uri="{FF2B5EF4-FFF2-40B4-BE49-F238E27FC236}">
+                  <a16:creationId xmlns:a16="http://schemas.microsoft.com/office/drawing/2014/main" id="{4D0A8749-F26E-EE9B-9938-A7F1309FD018}"/>
+                </a:ext>
+              </a:extLst>
+            </p:cNvPr>
+            <p:cNvCxnSpPr>
+              <a:cxnSpLocks/>
+            </p:cNvCxnSpPr>
+            <p:nvPr/>
+          </p:nvCxnSpPr>
+          <p:spPr>
+            <a:xfrm>
+              <a:off x="5873496" y="4158996"/>
+              <a:ext cx="520172" cy="0"/>
+            </a:xfrm>
+            <a:prstGeom prst="line">
+              <a:avLst/>
+            </a:prstGeom>
+            <a:ln w="28575">
+              <a:solidFill>
+                <a:schemeClr val="tx1"/>
+              </a:solidFill>
+            </a:ln>
+          </p:spPr>
+          <p:style>
+            <a:lnRef idx="1">
+              <a:schemeClr val="accent1"/>
+            </a:lnRef>
+            <a:fillRef idx="0">
+              <a:schemeClr val="accent1"/>
+            </a:fillRef>
+            <a:effectRef idx="0">
+              <a:schemeClr val="accent1"/>
+            </a:effectRef>
+            <a:fontRef idx="minor">
+              <a:schemeClr val="tx1"/>
+            </a:fontRef>
+          </p:style>
+        </p:cxnSp>
+        <p:cxnSp>
+          <p:nvCxnSpPr>
+            <p:cNvPr id="92" name="Straight Connector 91">
+              <a:extLst>
+                <a:ext uri="{FF2B5EF4-FFF2-40B4-BE49-F238E27FC236}">
+                  <a16:creationId xmlns:a16="http://schemas.microsoft.com/office/drawing/2014/main" id="{8D78F735-79CF-D573-E2C2-A41E7E45FB4A}"/>
+                </a:ext>
+              </a:extLst>
+            </p:cNvPr>
+            <p:cNvCxnSpPr>
+              <a:cxnSpLocks/>
+            </p:cNvCxnSpPr>
+            <p:nvPr/>
+          </p:nvCxnSpPr>
+          <p:spPr>
+            <a:xfrm>
+              <a:off x="6612088" y="3781044"/>
+              <a:ext cx="313944" cy="0"/>
+            </a:xfrm>
+            <a:prstGeom prst="line">
+              <a:avLst/>
+            </a:prstGeom>
+            <a:ln w="28575">
+              <a:solidFill>
+                <a:schemeClr val="tx1"/>
+              </a:solidFill>
+            </a:ln>
+          </p:spPr>
+          <p:style>
+            <a:lnRef idx="1">
+              <a:schemeClr val="accent1"/>
+            </a:lnRef>
+            <a:fillRef idx="0">
+              <a:schemeClr val="accent1"/>
+            </a:fillRef>
+            <a:effectRef idx="0">
+              <a:schemeClr val="accent1"/>
+            </a:effectRef>
+            <a:fontRef idx="minor">
+              <a:schemeClr val="tx1"/>
+            </a:fontRef>
+          </p:style>
+        </p:cxnSp>
+        <p:sp>
+          <p:nvSpPr>
+            <p:cNvPr id="93" name="Left Brace 92">
+              <a:extLst>
+                <a:ext uri="{FF2B5EF4-FFF2-40B4-BE49-F238E27FC236}">
+                  <a16:creationId xmlns:a16="http://schemas.microsoft.com/office/drawing/2014/main" id="{3EF38231-E962-0880-EE57-BB36D8CFD8EF}"/>
+                </a:ext>
+              </a:extLst>
+            </p:cNvPr>
+            <p:cNvSpPr/>
+            <p:nvPr/>
+          </p:nvSpPr>
+          <p:spPr>
+            <a:xfrm>
+              <a:off x="5703373" y="3231684"/>
+              <a:ext cx="93923" cy="147017"/>
+            </a:xfrm>
+            <a:prstGeom prst="leftBrace">
+              <a:avLst/>
+            </a:prstGeom>
+            <a:ln w="28575">
+              <a:solidFill>
+                <a:schemeClr val="tx1"/>
+              </a:solidFill>
+            </a:ln>
+          </p:spPr>
+          <p:style>
+            <a:lnRef idx="1">
+              <a:schemeClr val="accent1"/>
+            </a:lnRef>
+            <a:fillRef idx="0">
+              <a:schemeClr val="accent1"/>
+            </a:fillRef>
+            <a:effectRef idx="0">
+              <a:schemeClr val="accent1"/>
+            </a:effectRef>
+            <a:fontRef idx="minor">
+              <a:schemeClr val="tx1"/>
+            </a:fontRef>
+          </p:style>
+          <p:txBody>
+            <a:bodyPr rtlCol="0" anchor="ctr"/>
+            <a:lstStyle/>
+            <a:p>
+              <a:pPr algn="ctr"/>
+              <a:endParaRPr lang="en-US"/>
+            </a:p>
+          </p:txBody>
+        </p:sp>
+        <p:sp>
+          <p:nvSpPr>
+            <p:cNvPr id="94" name="Left Brace 93">
+              <a:extLst>
+                <a:ext uri="{FF2B5EF4-FFF2-40B4-BE49-F238E27FC236}">
+                  <a16:creationId xmlns:a16="http://schemas.microsoft.com/office/drawing/2014/main" id="{51723A22-38C3-1392-C2E0-7DAD8505EDC5}"/>
+                </a:ext>
+              </a:extLst>
+            </p:cNvPr>
+            <p:cNvSpPr/>
+            <p:nvPr/>
+          </p:nvSpPr>
+          <p:spPr>
+            <a:xfrm rot="10635677">
+              <a:off x="5750336" y="4208944"/>
+              <a:ext cx="93923" cy="147017"/>
+            </a:xfrm>
+            <a:prstGeom prst="leftBrace">
+              <a:avLst/>
+            </a:prstGeom>
+            <a:ln w="28575">
+              <a:solidFill>
+                <a:schemeClr val="tx1"/>
+              </a:solidFill>
+            </a:ln>
+          </p:spPr>
+          <p:style>
+            <a:lnRef idx="1">
+              <a:schemeClr val="accent1"/>
+            </a:lnRef>
+            <a:fillRef idx="0">
+              <a:schemeClr val="accent1"/>
+            </a:fillRef>
+            <a:effectRef idx="0">
+              <a:schemeClr val="accent1"/>
+            </a:effectRef>
+            <a:fontRef idx="minor">
+              <a:schemeClr val="tx1"/>
+            </a:fontRef>
+          </p:style>
+          <p:txBody>
+            <a:bodyPr rtlCol="0" anchor="ctr"/>
+            <a:lstStyle/>
+            <a:p>
+              <a:pPr algn="ctr"/>
+              <a:endParaRPr lang="en-US"/>
+            </a:p>
+          </p:txBody>
+        </p:sp>
       </p:grpSp>
+      <p:sp>
+        <p:nvSpPr>
+          <p:cNvPr id="95" name="TextBox 94">
+            <a:extLst>
+              <a:ext uri="{FF2B5EF4-FFF2-40B4-BE49-F238E27FC236}">
+                <a16:creationId xmlns:a16="http://schemas.microsoft.com/office/drawing/2014/main" id="{25A8250A-2A52-515E-FBC8-5412A6DB900A}"/>
+              </a:ext>
+            </a:extLst>
+          </p:cNvPr>
+          <p:cNvSpPr txBox="1"/>
+          <p:nvPr/>
+        </p:nvSpPr>
+        <p:spPr>
+          <a:xfrm>
+            <a:off x="5661772" y="2837985"/>
+            <a:ext cx="786164" cy="461665"/>
+          </a:xfrm>
+          <a:prstGeom prst="rect">
+            <a:avLst/>
+          </a:prstGeom>
+          <a:noFill/>
+        </p:spPr>
+        <p:txBody>
+          <a:bodyPr wrap="square" rtlCol="0">
+            <a:spAutoFit/>
+          </a:bodyPr>
+          <a:lstStyle/>
+          <a:p>
+            <a:r>
+              <a:rPr lang="en-US" sz="2400" dirty="0"/>
+              <a:t>Foo</a:t>
+            </a:r>
+          </a:p>
+        </p:txBody>
+      </p:sp>
     </p:spTree>
     <p:extLst>
       <p:ext uri="{BB962C8B-B14F-4D97-AF65-F5344CB8AC3E}">
-        <p14:creationId xmlns:p14="http://schemas.microsoft.com/office/powerpoint/2010/main" val="1206998922"/>
+        <p14:creationId xmlns:p14="http://schemas.microsoft.com/office/powerpoint/2010/main" val="2693639529"/>
       </p:ext>
     </p:extLst>
   </p:cSld>
   <p:clrMapOvr>
     <a:masterClrMapping/>
   </p:clrMapOvr>
+  <p:timing>
+    <p:tnLst>
+      <p:par>
+        <p:cTn id="1" dur="indefinite" restart="never" nodeType="tmRoot">
+          <p:childTnLst>
+            <p:seq concurrent="1" nextAc="seek">
+              <p:cTn id="2" dur="indefinite" nodeType="mainSeq">
+                <p:childTnLst>
+                  <p:par>
+                    <p:cTn id="3" fill="hold">
+                      <p:stCondLst>
+                        <p:cond delay="indefinite"/>
+                        <p:cond evt="onBegin" delay="0">
+                          <p:tn val="2"/>
+                        </p:cond>
+                      </p:stCondLst>
+                      <p:childTnLst>
+                        <p:par>
+                          <p:cTn id="4" fill="hold">
+                            <p:stCondLst>
+                              <p:cond delay="0"/>
+                            </p:stCondLst>
+                            <p:childTnLst>
+                              <p:par>
+                                <p:cTn id="5" presetID="9" presetClass="entr" presetSubtype="0" fill="hold" nodeType="afterEffect">
+                                  <p:stCondLst>
+                                    <p:cond delay="0"/>
+                                  </p:stCondLst>
+                                  <p:childTnLst>
+                                    <p:set>
+                                      <p:cBhvr>
+                                        <p:cTn id="6" dur="1" fill="hold">
+                                          <p:stCondLst>
+                                            <p:cond delay="0"/>
+                                          </p:stCondLst>
+                                        </p:cTn>
+                                        <p:tgtEl>
+                                          <p:spTgt spid="25"/>
+                                        </p:tgtEl>
+                                        <p:attrNameLst>
+                                          <p:attrName>style.visibility</p:attrName>
+                                        </p:attrNameLst>
+                                      </p:cBhvr>
+                                      <p:to>
+                                        <p:strVal val="visible"/>
+                                      </p:to>
+                                    </p:set>
+                                    <p:animEffect transition="in" filter="dissolve">
+                                      <p:cBhvr>
+                                        <p:cTn id="7" dur="1000"/>
+                                        <p:tgtEl>
+                                          <p:spTgt spid="25"/>
+                                        </p:tgtEl>
+                                      </p:cBhvr>
+                                    </p:animEffect>
+                                  </p:childTnLst>
+                                </p:cTn>
+                              </p:par>
+                            </p:childTnLst>
+                          </p:cTn>
+                        </p:par>
+                      </p:childTnLst>
+                    </p:cTn>
+                  </p:par>
+                  <p:par>
+                    <p:cTn id="8" fill="hold">
+                      <p:stCondLst>
+                        <p:cond delay="indefinite"/>
+                      </p:stCondLst>
+                      <p:childTnLst>
+                        <p:par>
+                          <p:cTn id="9" fill="hold">
+                            <p:stCondLst>
+                              <p:cond delay="0"/>
+                            </p:stCondLst>
+                            <p:childTnLst>
+                              <p:par>
+                                <p:cTn id="10" presetID="1" presetClass="entr" presetSubtype="0" fill="hold" nodeType="clickEffect">
+                                  <p:stCondLst>
+                                    <p:cond delay="0"/>
+                                  </p:stCondLst>
+                                  <p:childTnLst>
+                                    <p:set>
+                                      <p:cBhvr>
+                                        <p:cTn id="11" dur="1" fill="hold">
+                                          <p:stCondLst>
+                                            <p:cond delay="0"/>
+                                          </p:stCondLst>
+                                        </p:cTn>
+                                        <p:tgtEl>
+                                          <p:spTgt spid="19"/>
+                                        </p:tgtEl>
+                                        <p:attrNameLst>
+                                          <p:attrName>style.visibility</p:attrName>
+                                        </p:attrNameLst>
+                                      </p:cBhvr>
+                                      <p:to>
+                                        <p:strVal val="visible"/>
+                                      </p:to>
+                                    </p:set>
+                                  </p:childTnLst>
+                                </p:cTn>
+                              </p:par>
+                            </p:childTnLst>
+                          </p:cTn>
+                        </p:par>
+                      </p:childTnLst>
+                    </p:cTn>
+                  </p:par>
+                </p:childTnLst>
+              </p:cTn>
+              <p:prevCondLst>
+                <p:cond evt="onPrev" delay="0">
+                  <p:tgtEl>
+                    <p:sldTgt/>
+                  </p:tgtEl>
+                </p:cond>
+              </p:prevCondLst>
+              <p:nextCondLst>
+                <p:cond evt="onNext" delay="0">
+                  <p:tgtEl>
+                    <p:sldTgt/>
+                  </p:tgtEl>
+                </p:cond>
+              </p:nextCondLst>
+            </p:seq>
+          </p:childTnLst>
+        </p:cTn>
+      </p:par>
+    </p:tnLst>
+  </p:timing>
 </p:sld>
 </file>
 

--- a/teaching/CS472/Timetable/LLM.pptx
+++ b/teaching/CS472/Timetable/LLM.pptx
@@ -12,7 +12,7 @@
     <p:sldId id="257" r:id="rId3"/>
     <p:sldId id="258" r:id="rId4"/>
     <p:sldId id="259" r:id="rId5"/>
-    <p:sldId id="262" r:id="rId6"/>
+    <p:sldId id="266" r:id="rId6"/>
     <p:sldId id="261" r:id="rId7"/>
     <p:sldId id="260" r:id="rId8"/>
     <p:sldId id="263" r:id="rId9"/>
@@ -755,6 +755,90 @@
     <p:extLst>
       <p:ext uri="{BB962C8B-B14F-4D97-AF65-F5344CB8AC3E}">
         <p14:creationId xmlns:p14="http://schemas.microsoft.com/office/powerpoint/2010/main" val="3953173808"/>
+      </p:ext>
+    </p:extLst>
+  </p:cSld>
+  <p:clrMapOvr>
+    <a:masterClrMapping/>
+  </p:clrMapOvr>
+</p:notes>
+</file>
+
+<file path=ppt/notesSlides/notesSlide4.xml><?xml version="1.0" encoding="utf-8"?>
+<p:notes xmlns:a="http://schemas.openxmlformats.org/drawingml/2006/main" xmlns:r="http://schemas.openxmlformats.org/officeDocument/2006/relationships" xmlns:p="http://schemas.openxmlformats.org/presentationml/2006/main">
+  <p:cSld>
+    <p:spTree>
+      <p:nvGrpSpPr>
+        <p:cNvPr id="1" name=""/>
+        <p:cNvGrpSpPr/>
+        <p:nvPr/>
+      </p:nvGrpSpPr>
+      <p:grpSpPr>
+        <a:xfrm>
+          <a:off x="0" y="0"/>
+          <a:ext cx="0" cy="0"/>
+          <a:chOff x="0" y="0"/>
+          <a:chExt cx="0" cy="0"/>
+        </a:xfrm>
+      </p:grpSpPr>
+      <p:sp>
+        <p:nvSpPr>
+          <p:cNvPr id="2" name="Slide Image Placeholder 1"/>
+          <p:cNvSpPr>
+            <a:spLocks noGrp="1" noRot="1" noChangeAspect="1"/>
+          </p:cNvSpPr>
+          <p:nvPr>
+            <p:ph type="sldImg"/>
+          </p:nvPr>
+        </p:nvSpPr>
+        <p:spPr/>
+      </p:sp>
+      <p:sp>
+        <p:nvSpPr>
+          <p:cNvPr id="3" name="Notes Placeholder 2"/>
+          <p:cNvSpPr>
+            <a:spLocks noGrp="1"/>
+          </p:cNvSpPr>
+          <p:nvPr>
+            <p:ph type="body" idx="1"/>
+          </p:nvPr>
+        </p:nvSpPr>
+        <p:spPr/>
+        <p:txBody>
+          <a:bodyPr/>
+          <a:lstStyle/>
+          <a:p>
+            <a:endParaRPr lang="en-US" dirty="0"/>
+          </a:p>
+        </p:txBody>
+      </p:sp>
+      <p:sp>
+        <p:nvSpPr>
+          <p:cNvPr id="4" name="Slide Number Placeholder 3"/>
+          <p:cNvSpPr>
+            <a:spLocks noGrp="1"/>
+          </p:cNvSpPr>
+          <p:nvPr>
+            <p:ph type="sldNum" sz="quarter" idx="5"/>
+          </p:nvPr>
+        </p:nvSpPr>
+        <p:spPr/>
+        <p:txBody>
+          <a:bodyPr/>
+          <a:lstStyle/>
+          <a:p>
+            <a:fld id="{83E35761-B443-A74D-9BA5-3B6258AF7342}" type="slidenum">
+              <a:rPr lang="en-US" smtClean="0"/>
+              <a:t>9</a:t>
+            </a:fld>
+            <a:endParaRPr lang="en-US"/>
+          </a:p>
+        </p:txBody>
+      </p:sp>
+    </p:spTree>
+    <p:extLst>
+      <p:ext uri="{BB962C8B-B14F-4D97-AF65-F5344CB8AC3E}">
+        <p14:creationId xmlns:p14="http://schemas.microsoft.com/office/powerpoint/2010/main" val="1967571917"/>
       </p:ext>
     </p:extLst>
   </p:cSld>
@@ -5543,7 +5627,7 @@
         </p:nvSpPr>
         <p:spPr>
           <a:xfrm>
-            <a:off x="838200" y="2597426"/>
+            <a:off x="838200" y="366290"/>
             <a:ext cx="10515600" cy="967409"/>
           </a:xfrm>
           <a:prstGeom prst="rect">
@@ -5589,16 +5673,383 @@
           </a:p>
         </p:txBody>
       </p:sp>
+      <p:pic>
+        <p:nvPicPr>
+          <p:cNvPr id="3" name="Picture 2" descr="A screenshot of a chat&#10;&#10;Description automatically generated">
+            <a:extLst>
+              <a:ext uri="{FF2B5EF4-FFF2-40B4-BE49-F238E27FC236}">
+                <a16:creationId xmlns:a16="http://schemas.microsoft.com/office/drawing/2014/main" id="{72705B54-CB2E-1393-7743-755CF87CE146}"/>
+              </a:ext>
+            </a:extLst>
+          </p:cNvPr>
+          <p:cNvPicPr>
+            <a:picLocks noChangeAspect="1"/>
+          </p:cNvPicPr>
+          <p:nvPr/>
+        </p:nvPicPr>
+        <p:blipFill>
+          <a:blip r:embed="rId2"/>
+          <a:stretch>
+            <a:fillRect/>
+          </a:stretch>
+        </p:blipFill>
+        <p:spPr>
+          <a:xfrm>
+            <a:off x="417576" y="2704440"/>
+            <a:ext cx="5455545" cy="1981419"/>
+          </a:xfrm>
+          <a:prstGeom prst="rect">
+            <a:avLst/>
+          </a:prstGeom>
+          <a:ln>
+            <a:solidFill>
+              <a:schemeClr val="tx1"/>
+            </a:solidFill>
+          </a:ln>
+        </p:spPr>
+      </p:pic>
+      <p:sp>
+        <p:nvSpPr>
+          <p:cNvPr id="5" name="Rounded Rectangle 4">
+            <a:extLst>
+              <a:ext uri="{FF2B5EF4-FFF2-40B4-BE49-F238E27FC236}">
+                <a16:creationId xmlns:a16="http://schemas.microsoft.com/office/drawing/2014/main" id="{C8626071-4D47-E464-865F-5BCE5C247214}"/>
+              </a:ext>
+            </a:extLst>
+          </p:cNvPr>
+          <p:cNvSpPr/>
+          <p:nvPr/>
+        </p:nvSpPr>
+        <p:spPr>
+          <a:xfrm>
+            <a:off x="874776" y="2704440"/>
+            <a:ext cx="1502664" cy="222723"/>
+          </a:xfrm>
+          <a:prstGeom prst="roundRect">
+            <a:avLst/>
+          </a:prstGeom>
+          <a:noFill/>
+          <a:ln w="28575">
+            <a:solidFill>
+              <a:srgbClr val="860000"/>
+            </a:solidFill>
+          </a:ln>
+        </p:spPr>
+        <p:style>
+          <a:lnRef idx="2">
+            <a:schemeClr val="accent1">
+              <a:shade val="15000"/>
+            </a:schemeClr>
+          </a:lnRef>
+          <a:fillRef idx="1">
+            <a:schemeClr val="accent1"/>
+          </a:fillRef>
+          <a:effectRef idx="0">
+            <a:schemeClr val="accent1"/>
+          </a:effectRef>
+          <a:fontRef idx="minor">
+            <a:schemeClr val="lt1"/>
+          </a:fontRef>
+        </p:style>
+        <p:txBody>
+          <a:bodyPr rtlCol="0" anchor="ctr"/>
+          <a:lstStyle/>
+          <a:p>
+            <a:pPr algn="ctr"/>
+            <a:endParaRPr lang="en-US"/>
+          </a:p>
+        </p:txBody>
+      </p:sp>
+      <p:sp>
+        <p:nvSpPr>
+          <p:cNvPr id="6" name="Rounded Rectangle 5">
+            <a:extLst>
+              <a:ext uri="{FF2B5EF4-FFF2-40B4-BE49-F238E27FC236}">
+                <a16:creationId xmlns:a16="http://schemas.microsoft.com/office/drawing/2014/main" id="{7F0EA605-24B1-4CFD-94AF-22E7510BD347}"/>
+              </a:ext>
+            </a:extLst>
+          </p:cNvPr>
+          <p:cNvSpPr/>
+          <p:nvPr/>
+        </p:nvSpPr>
+        <p:spPr>
+          <a:xfrm>
+            <a:off x="874776" y="3776696"/>
+            <a:ext cx="4053840" cy="521208"/>
+          </a:xfrm>
+          <a:prstGeom prst="roundRect">
+            <a:avLst/>
+          </a:prstGeom>
+          <a:noFill/>
+          <a:ln w="28575">
+            <a:solidFill>
+              <a:srgbClr val="860000"/>
+            </a:solidFill>
+          </a:ln>
+        </p:spPr>
+        <p:style>
+          <a:lnRef idx="2">
+            <a:schemeClr val="accent1">
+              <a:shade val="15000"/>
+            </a:schemeClr>
+          </a:lnRef>
+          <a:fillRef idx="1">
+            <a:schemeClr val="accent1"/>
+          </a:fillRef>
+          <a:effectRef idx="0">
+            <a:schemeClr val="accent1"/>
+          </a:effectRef>
+          <a:fontRef idx="minor">
+            <a:schemeClr val="lt1"/>
+          </a:fontRef>
+        </p:style>
+        <p:txBody>
+          <a:bodyPr rtlCol="0" anchor="ctr"/>
+          <a:lstStyle/>
+          <a:p>
+            <a:pPr algn="ctr"/>
+            <a:endParaRPr lang="en-US"/>
+          </a:p>
+        </p:txBody>
+      </p:sp>
+      <p:pic>
+        <p:nvPicPr>
+          <p:cNvPr id="10" name="Picture 9" descr="A screenshot of a computer&#10;&#10;Description automatically generated">
+            <a:extLst>
+              <a:ext uri="{FF2B5EF4-FFF2-40B4-BE49-F238E27FC236}">
+                <a16:creationId xmlns:a16="http://schemas.microsoft.com/office/drawing/2014/main" id="{A01498DF-0E79-EB84-2D22-33F967040918}"/>
+              </a:ext>
+            </a:extLst>
+          </p:cNvPr>
+          <p:cNvPicPr>
+            <a:picLocks noChangeAspect="1"/>
+          </p:cNvPicPr>
+          <p:nvPr/>
+        </p:nvPicPr>
+        <p:blipFill>
+          <a:blip r:embed="rId3"/>
+          <a:stretch>
+            <a:fillRect/>
+          </a:stretch>
+        </p:blipFill>
+        <p:spPr>
+          <a:xfrm>
+            <a:off x="6096000" y="1207981"/>
+            <a:ext cx="5922415" cy="4974336"/>
+          </a:xfrm>
+          <a:prstGeom prst="rect">
+            <a:avLst/>
+          </a:prstGeom>
+          <a:ln>
+            <a:solidFill>
+              <a:schemeClr val="tx1"/>
+            </a:solidFill>
+          </a:ln>
+        </p:spPr>
+      </p:pic>
+      <p:cxnSp>
+        <p:nvCxnSpPr>
+          <p:cNvPr id="12" name="Straight Arrow Connector 11">
+            <a:extLst>
+              <a:ext uri="{FF2B5EF4-FFF2-40B4-BE49-F238E27FC236}">
+                <a16:creationId xmlns:a16="http://schemas.microsoft.com/office/drawing/2014/main" id="{59993142-FEE7-15C9-A235-7EE8538D6E9D}"/>
+              </a:ext>
+            </a:extLst>
+          </p:cNvPr>
+          <p:cNvCxnSpPr/>
+          <p:nvPr/>
+        </p:nvCxnSpPr>
+        <p:spPr>
+          <a:xfrm flipV="1">
+            <a:off x="4928616" y="1408176"/>
+            <a:ext cx="2724912" cy="2629124"/>
+          </a:xfrm>
+          <a:prstGeom prst="straightConnector1">
+            <a:avLst/>
+          </a:prstGeom>
+          <a:ln w="28575">
+            <a:solidFill>
+              <a:srgbClr val="860000"/>
+            </a:solidFill>
+            <a:tailEnd type="triangle"/>
+          </a:ln>
+        </p:spPr>
+        <p:style>
+          <a:lnRef idx="1">
+            <a:schemeClr val="accent1"/>
+          </a:lnRef>
+          <a:fillRef idx="0">
+            <a:schemeClr val="accent1"/>
+          </a:fillRef>
+          <a:effectRef idx="0">
+            <a:schemeClr val="accent1"/>
+          </a:effectRef>
+          <a:fontRef idx="minor">
+            <a:schemeClr val="tx1"/>
+          </a:fontRef>
+        </p:style>
+      </p:cxnSp>
     </p:spTree>
     <p:extLst>
       <p:ext uri="{BB962C8B-B14F-4D97-AF65-F5344CB8AC3E}">
-        <p14:creationId xmlns:p14="http://schemas.microsoft.com/office/powerpoint/2010/main" val="2127759097"/>
+        <p14:creationId xmlns:p14="http://schemas.microsoft.com/office/powerpoint/2010/main" val="2439546270"/>
       </p:ext>
     </p:extLst>
   </p:cSld>
   <p:clrMapOvr>
     <a:masterClrMapping/>
   </p:clrMapOvr>
+  <p:timing>
+    <p:tnLst>
+      <p:par>
+        <p:cTn id="1" dur="indefinite" restart="never" nodeType="tmRoot">
+          <p:childTnLst>
+            <p:seq concurrent="1" nextAc="seek">
+              <p:cTn id="2" dur="indefinite" nodeType="mainSeq">
+                <p:childTnLst>
+                  <p:par>
+                    <p:cTn id="3" fill="hold">
+                      <p:stCondLst>
+                        <p:cond delay="indefinite"/>
+                      </p:stCondLst>
+                      <p:childTnLst>
+                        <p:par>
+                          <p:cTn id="4" fill="hold">
+                            <p:stCondLst>
+                              <p:cond delay="0"/>
+                            </p:stCondLst>
+                            <p:childTnLst>
+                              <p:par>
+                                <p:cTn id="5" presetID="1" presetClass="entr" presetSubtype="0" fill="hold" nodeType="clickEffect">
+                                  <p:stCondLst>
+                                    <p:cond delay="0"/>
+                                  </p:stCondLst>
+                                  <p:childTnLst>
+                                    <p:set>
+                                      <p:cBhvr>
+                                        <p:cTn id="6" dur="1" fill="hold">
+                                          <p:stCondLst>
+                                            <p:cond delay="0"/>
+                                          </p:stCondLst>
+                                        </p:cTn>
+                                        <p:tgtEl>
+                                          <p:spTgt spid="3"/>
+                                        </p:tgtEl>
+                                        <p:attrNameLst>
+                                          <p:attrName>style.visibility</p:attrName>
+                                        </p:attrNameLst>
+                                      </p:cBhvr>
+                                      <p:to>
+                                        <p:strVal val="visible"/>
+                                      </p:to>
+                                    </p:set>
+                                  </p:childTnLst>
+                                </p:cTn>
+                              </p:par>
+                            </p:childTnLst>
+                          </p:cTn>
+                        </p:par>
+                      </p:childTnLst>
+                    </p:cTn>
+                  </p:par>
+                  <p:par>
+                    <p:cTn id="7" fill="hold">
+                      <p:stCondLst>
+                        <p:cond delay="indefinite"/>
+                      </p:stCondLst>
+                      <p:childTnLst>
+                        <p:par>
+                          <p:cTn id="8" fill="hold">
+                            <p:stCondLst>
+                              <p:cond delay="0"/>
+                            </p:stCondLst>
+                            <p:childTnLst>
+                              <p:par>
+                                <p:cTn id="9" presetID="1" presetClass="entr" presetSubtype="0" fill="hold" grpId="0" nodeType="clickEffect">
+                                  <p:stCondLst>
+                                    <p:cond delay="0"/>
+                                  </p:stCondLst>
+                                  <p:childTnLst>
+                                    <p:set>
+                                      <p:cBhvr>
+                                        <p:cTn id="10" dur="1" fill="hold">
+                                          <p:stCondLst>
+                                            <p:cond delay="0"/>
+                                          </p:stCondLst>
+                                        </p:cTn>
+                                        <p:tgtEl>
+                                          <p:spTgt spid="5"/>
+                                        </p:tgtEl>
+                                        <p:attrNameLst>
+                                          <p:attrName>style.visibility</p:attrName>
+                                        </p:attrNameLst>
+                                      </p:cBhvr>
+                                      <p:to>
+                                        <p:strVal val="visible"/>
+                                      </p:to>
+                                    </p:set>
+                                  </p:childTnLst>
+                                </p:cTn>
+                              </p:par>
+                              <p:par>
+                                <p:cTn id="11" presetID="1" presetClass="entr" presetSubtype="0" fill="hold" grpId="0" nodeType="withEffect">
+                                  <p:stCondLst>
+                                    <p:cond delay="0"/>
+                                  </p:stCondLst>
+                                  <p:childTnLst>
+                                    <p:set>
+                                      <p:cBhvr>
+                                        <p:cTn id="12" dur="1" fill="hold">
+                                          <p:stCondLst>
+                                            <p:cond delay="0"/>
+                                          </p:stCondLst>
+                                        </p:cTn>
+                                        <p:tgtEl>
+                                          <p:spTgt spid="6"/>
+                                        </p:tgtEl>
+                                        <p:attrNameLst>
+                                          <p:attrName>style.visibility</p:attrName>
+                                        </p:attrNameLst>
+                                      </p:cBhvr>
+                                      <p:to>
+                                        <p:strVal val="visible"/>
+                                      </p:to>
+                                    </p:set>
+                                  </p:childTnLst>
+                                </p:cTn>
+                              </p:par>
+                            </p:childTnLst>
+                          </p:cTn>
+                        </p:par>
+                      </p:childTnLst>
+                    </p:cTn>
+                  </p:par>
+                </p:childTnLst>
+              </p:cTn>
+              <p:prevCondLst>
+                <p:cond evt="onPrev" delay="0">
+                  <p:tgtEl>
+                    <p:sldTgt/>
+                  </p:tgtEl>
+                </p:cond>
+              </p:prevCondLst>
+              <p:nextCondLst>
+                <p:cond evt="onNext" delay="0">
+                  <p:tgtEl>
+                    <p:sldTgt/>
+                  </p:tgtEl>
+                </p:cond>
+              </p:nextCondLst>
+            </p:seq>
+          </p:childTnLst>
+        </p:cTn>
+      </p:par>
+    </p:tnLst>
+    <p:bldLst>
+      <p:bldP spid="5" grpId="0" animBg="1"/>
+      <p:bldP spid="6" grpId="0" animBg="1"/>
+    </p:bldLst>
+  </p:timing>
 </p:sld>
 </file>
 
@@ -6804,10 +7255,10 @@
       </p:grpSpPr>
       <p:grpSp>
         <p:nvGrpSpPr>
-          <p:cNvPr id="5" name="Group 4">
-            <a:extLst>
-              <a:ext uri="{FF2B5EF4-FFF2-40B4-BE49-F238E27FC236}">
-                <a16:creationId xmlns:a16="http://schemas.microsoft.com/office/drawing/2014/main" id="{86DABF25-2F20-7408-FEB1-5E31204C36AE}"/>
+          <p:cNvPr id="118" name="Group 117">
+            <a:extLst>
+              <a:ext uri="{FF2B5EF4-FFF2-40B4-BE49-F238E27FC236}">
+                <a16:creationId xmlns:a16="http://schemas.microsoft.com/office/drawing/2014/main" id="{E28F6219-1323-AE63-BA1F-01543A75C01F}"/>
               </a:ext>
             </a:extLst>
           </p:cNvPr>
@@ -6816,18 +7267,18 @@
         </p:nvGrpSpPr>
         <p:grpSpPr>
           <a:xfrm>
-            <a:off x="3905759" y="1225726"/>
-            <a:ext cx="7138487" cy="1144346"/>
-            <a:chOff x="3905759" y="1225726"/>
-            <a:chExt cx="7138487" cy="1144346"/>
+            <a:off x="3257883" y="2107939"/>
+            <a:ext cx="4340781" cy="762461"/>
+            <a:chOff x="5781627" y="1522723"/>
+            <a:chExt cx="4340781" cy="762461"/>
           </a:xfrm>
         </p:grpSpPr>
         <p:cxnSp>
           <p:nvCxnSpPr>
-            <p:cNvPr id="9" name="Straight Arrow Connector 8">
+            <p:cNvPr id="119" name="Straight Arrow Connector 118">
               <a:extLst>
                 <a:ext uri="{FF2B5EF4-FFF2-40B4-BE49-F238E27FC236}">
-                  <a16:creationId xmlns:a16="http://schemas.microsoft.com/office/drawing/2014/main" id="{D9B956EE-953B-67D6-F854-32310A19F2B9}"/>
+                  <a16:creationId xmlns:a16="http://schemas.microsoft.com/office/drawing/2014/main" id="{136829D5-81FE-63BB-2A7D-1A1AA0C40CEF}"/>
                 </a:ext>
               </a:extLst>
             </p:cNvPr>
@@ -6837,9 +7288,9 @@
             <p:nvPr/>
           </p:nvCxnSpPr>
           <p:spPr>
-            <a:xfrm flipV="1">
-              <a:off x="4517136" y="2234506"/>
-              <a:ext cx="6527110" cy="135566"/>
+            <a:xfrm>
+              <a:off x="5781627" y="2284274"/>
+              <a:ext cx="4340781" cy="910"/>
             </a:xfrm>
             <a:prstGeom prst="straightConnector1">
               <a:avLst/>
@@ -6868,179 +7319,10 @@
         </p:cxnSp>
         <p:pic>
           <p:nvPicPr>
-            <p:cNvPr id="8" name="Picture 2" descr="GitHub logo and symbol, meaning, history, PNG">
+            <p:cNvPr id="120" name="Picture 2" descr="GitHub logo and symbol, meaning, history, PNG">
               <a:extLst>
                 <a:ext uri="{FF2B5EF4-FFF2-40B4-BE49-F238E27FC236}">
-                  <a16:creationId xmlns:a16="http://schemas.microsoft.com/office/drawing/2014/main" id="{1053705D-73B2-4955-DEB8-51414C873D45}"/>
-                </a:ext>
-              </a:extLst>
-            </p:cNvPr>
-            <p:cNvPicPr>
-              <a:picLocks noChangeAspect="1" noChangeArrowheads="1"/>
-            </p:cNvPicPr>
-            <p:nvPr/>
-          </p:nvPicPr>
-          <p:blipFill rotWithShape="1">
-            <a:blip r:embed="rId2">
-              <a:extLst>
-                <a:ext uri="{28A0092B-C50C-407E-A947-70E740481C1C}">
-                  <a14:useLocalDpi xmlns:a14="http://schemas.microsoft.com/office/drawing/2010/main" val="0"/>
-                </a:ext>
-              </a:extLst>
-            </a:blip>
-            <a:srcRect l="19106" r="19303"/>
-            <a:stretch/>
-          </p:blipFill>
-          <p:spPr bwMode="auto">
-            <a:xfrm>
-              <a:off x="3905759" y="1225726"/>
-              <a:ext cx="965577" cy="881836"/>
-            </a:xfrm>
-            <a:prstGeom prst="rect">
-              <a:avLst/>
-            </a:prstGeom>
-            <a:noFill/>
-            <a:extLst>
-              <a:ext uri="{909E8E84-426E-40DD-AFC4-6F175D3DCCD1}">
-                <a14:hiddenFill xmlns:a14="http://schemas.microsoft.com/office/drawing/2010/main">
-                  <a:solidFill>
-                    <a:srgbClr val="FFFFFF"/>
-                  </a:solidFill>
-                </a14:hiddenFill>
-              </a:ext>
-            </a:extLst>
-          </p:spPr>
-        </p:pic>
-      </p:grpSp>
-      <p:grpSp>
-        <p:nvGrpSpPr>
-          <p:cNvPr id="19" name="Group 18">
-            <a:extLst>
-              <a:ext uri="{FF2B5EF4-FFF2-40B4-BE49-F238E27FC236}">
-                <a16:creationId xmlns:a16="http://schemas.microsoft.com/office/drawing/2014/main" id="{F4C6F016-C046-8D58-8B1C-DD83F3CB0685}"/>
-              </a:ext>
-            </a:extLst>
-          </p:cNvPr>
-          <p:cNvGrpSpPr/>
-          <p:nvPr/>
-        </p:nvGrpSpPr>
-        <p:grpSpPr>
-          <a:xfrm>
-            <a:off x="6794987" y="1333490"/>
-            <a:ext cx="620136" cy="774245"/>
-            <a:chOff x="6794987" y="1333490"/>
-            <a:chExt cx="620136" cy="774245"/>
-          </a:xfrm>
-        </p:grpSpPr>
-        <p:grpSp>
-          <p:nvGrpSpPr>
-            <p:cNvPr id="20" name="Group 19">
-              <a:extLst>
-                <a:ext uri="{FF2B5EF4-FFF2-40B4-BE49-F238E27FC236}">
-                  <a16:creationId xmlns:a16="http://schemas.microsoft.com/office/drawing/2014/main" id="{7B3896C6-5715-E153-7FB6-A401BC77B181}"/>
-                </a:ext>
-              </a:extLst>
-            </p:cNvPr>
-            <p:cNvGrpSpPr/>
-            <p:nvPr/>
-          </p:nvGrpSpPr>
-          <p:grpSpPr>
-            <a:xfrm>
-              <a:off x="6838647" y="1333490"/>
-              <a:ext cx="576476" cy="774245"/>
-              <a:chOff x="6823982" y="1095479"/>
-              <a:chExt cx="790388" cy="1004781"/>
-            </a:xfrm>
-          </p:grpSpPr>
-          <p:pic>
-            <p:nvPicPr>
-              <p:cNvPr id="22" name="Picture 2" descr="Bug Report - Free technology icons">
-                <a:extLst>
-                  <a:ext uri="{FF2B5EF4-FFF2-40B4-BE49-F238E27FC236}">
-                    <a16:creationId xmlns:a16="http://schemas.microsoft.com/office/drawing/2014/main" id="{D42A3747-0CBA-BF69-85F2-D0419558A9AD}"/>
-                  </a:ext>
-                </a:extLst>
-              </p:cNvPr>
-              <p:cNvPicPr>
-                <a:picLocks noChangeAspect="1" noChangeArrowheads="1"/>
-              </p:cNvPicPr>
-              <p:nvPr/>
-            </p:nvPicPr>
-            <p:blipFill>
-              <a:blip r:embed="rId3">
-                <a:extLst>
-                  <a:ext uri="{28A0092B-C50C-407E-A947-70E740481C1C}">
-                    <a14:useLocalDpi xmlns:a14="http://schemas.microsoft.com/office/drawing/2010/main" val="0"/>
-                  </a:ext>
-                </a:extLst>
-              </a:blip>
-              <a:srcRect/>
-              <a:stretch>
-                <a:fillRect/>
-              </a:stretch>
-            </p:blipFill>
-            <p:spPr bwMode="auto">
-              <a:xfrm>
-                <a:off x="6974577" y="1460467"/>
-                <a:ext cx="639793" cy="639793"/>
-              </a:xfrm>
-              <a:prstGeom prst="rect">
-                <a:avLst/>
-              </a:prstGeom>
-              <a:noFill/>
-              <a:extLst>
-                <a:ext uri="{909E8E84-426E-40DD-AFC4-6F175D3DCCD1}">
-                  <a14:hiddenFill xmlns:a14="http://schemas.microsoft.com/office/drawing/2010/main">
-                    <a:solidFill>
-                      <a:srgbClr val="FFFFFF"/>
-                    </a:solidFill>
-                  </a14:hiddenFill>
-                </a:ext>
-              </a:extLst>
-            </p:spPr>
-          </p:pic>
-          <p:sp>
-            <p:nvSpPr>
-              <p:cNvPr id="23" name="TextBox 22">
-                <a:extLst>
-                  <a:ext uri="{FF2B5EF4-FFF2-40B4-BE49-F238E27FC236}">
-                    <a16:creationId xmlns:a16="http://schemas.microsoft.com/office/drawing/2014/main" id="{71E21A7F-1CE5-14E1-FBC7-7670A068443C}"/>
-                  </a:ext>
-                </a:extLst>
-              </p:cNvPr>
-              <p:cNvSpPr txBox="1"/>
-              <p:nvPr/>
-            </p:nvSpPr>
-            <p:spPr>
-              <a:xfrm>
-                <a:off x="6823982" y="1095479"/>
-                <a:ext cx="775331" cy="479303"/>
-              </a:xfrm>
-              <a:prstGeom prst="rect">
-                <a:avLst/>
-              </a:prstGeom>
-              <a:noFill/>
-            </p:spPr>
-            <p:txBody>
-              <a:bodyPr wrap="square" rtlCol="0">
-                <a:spAutoFit/>
-              </a:bodyPr>
-              <a:lstStyle/>
-              <a:p>
-                <a:r>
-                  <a:rPr lang="en-BE" dirty="0"/>
-                  <a:t>foo</a:t>
-                </a:r>
-              </a:p>
-            </p:txBody>
-          </p:sp>
-        </p:grpSp>
-        <p:pic>
-          <p:nvPicPr>
-            <p:cNvPr id="21" name="Picture 2" descr="Bug Report - Free technology icons">
-              <a:extLst>
-                <a:ext uri="{FF2B5EF4-FFF2-40B4-BE49-F238E27FC236}">
-                  <a16:creationId xmlns:a16="http://schemas.microsoft.com/office/drawing/2014/main" id="{48E6EF01-D338-E652-29BD-0AF2121AB3D0}"/>
+                  <a16:creationId xmlns:a16="http://schemas.microsoft.com/office/drawing/2014/main" id="{1DAC82EE-8123-12A2-8B9E-883D6CC97959}"/>
                 </a:ext>
               </a:extLst>
             </p:cNvPr>
@@ -7057,13 +7339,13 @@
                 </a:ext>
               </a:extLst>
             </a:blip>
-            <a:srcRect l="38987" t="49067"/>
+            <a:srcRect l="19106" r="19303"/>
             <a:stretch/>
           </p:blipFill>
           <p:spPr bwMode="auto">
-            <a:xfrm flipH="1">
-              <a:off x="6794987" y="1877304"/>
-              <a:ext cx="288017" cy="230258"/>
+            <a:xfrm>
+              <a:off x="5781627" y="1522723"/>
+              <a:ext cx="681478" cy="622376"/>
             </a:xfrm>
             <a:prstGeom prst="rect">
               <a:avLst/>
@@ -7081,12 +7363,100 @@
           </p:spPr>
         </p:pic>
       </p:grpSp>
+      <p:sp>
+        <p:nvSpPr>
+          <p:cNvPr id="122" name="Oval 121">
+            <a:extLst>
+              <a:ext uri="{FF2B5EF4-FFF2-40B4-BE49-F238E27FC236}">
+                <a16:creationId xmlns:a16="http://schemas.microsoft.com/office/drawing/2014/main" id="{CB60E9F9-D444-F81D-DF5B-D6E74F31AF24}"/>
+              </a:ext>
+            </a:extLst>
+          </p:cNvPr>
+          <p:cNvSpPr/>
+          <p:nvPr/>
+        </p:nvSpPr>
+        <p:spPr>
+          <a:xfrm>
+            <a:off x="4611487" y="2735195"/>
+            <a:ext cx="190832" cy="232254"/>
+          </a:xfrm>
+          <a:prstGeom prst="ellipse">
+            <a:avLst/>
+          </a:prstGeom>
+          <a:solidFill>
+            <a:schemeClr val="bg1">
+              <a:lumMod val="50000"/>
+            </a:schemeClr>
+          </a:solidFill>
+          <a:ln>
+            <a:solidFill>
+              <a:schemeClr val="bg1">
+                <a:lumMod val="50000"/>
+              </a:schemeClr>
+            </a:solidFill>
+          </a:ln>
+        </p:spPr>
+        <p:style>
+          <a:lnRef idx="2">
+            <a:schemeClr val="accent1">
+              <a:shade val="50000"/>
+            </a:schemeClr>
+          </a:lnRef>
+          <a:fillRef idx="1">
+            <a:schemeClr val="accent1"/>
+          </a:fillRef>
+          <a:effectRef idx="0">
+            <a:schemeClr val="accent1"/>
+          </a:effectRef>
+          <a:fontRef idx="minor">
+            <a:schemeClr val="lt1"/>
+          </a:fontRef>
+        </p:style>
+        <p:txBody>
+          <a:bodyPr rtlCol="0" anchor="ctr"/>
+          <a:lstStyle/>
+          <a:p>
+            <a:pPr algn="ctr"/>
+            <a:endParaRPr lang="en-BE"/>
+          </a:p>
+        </p:txBody>
+      </p:sp>
+      <p:pic>
+        <p:nvPicPr>
+          <p:cNvPr id="4103" name="Picture 4102" descr="A black and white text box&#10;&#10;Description automatically generated">
+            <a:extLst>
+              <a:ext uri="{FF2B5EF4-FFF2-40B4-BE49-F238E27FC236}">
+                <a16:creationId xmlns:a16="http://schemas.microsoft.com/office/drawing/2014/main" id="{628CE356-443C-159C-01CB-888C964DBA21}"/>
+              </a:ext>
+            </a:extLst>
+          </p:cNvPr>
+          <p:cNvPicPr>
+            <a:picLocks noChangeAspect="1"/>
+          </p:cNvPicPr>
+          <p:nvPr/>
+        </p:nvPicPr>
+        <p:blipFill>
+          <a:blip r:embed="rId4"/>
+          <a:stretch>
+            <a:fillRect/>
+          </a:stretch>
+        </p:blipFill>
+        <p:spPr>
+          <a:xfrm>
+            <a:off x="3976028" y="1708115"/>
+            <a:ext cx="1004799" cy="1004799"/>
+          </a:xfrm>
+          <a:prstGeom prst="rect">
+            <a:avLst/>
+          </a:prstGeom>
+        </p:spPr>
+      </p:pic>
       <p:grpSp>
         <p:nvGrpSpPr>
-          <p:cNvPr id="25" name="Group 24">
-            <a:extLst>
-              <a:ext uri="{FF2B5EF4-FFF2-40B4-BE49-F238E27FC236}">
-                <a16:creationId xmlns:a16="http://schemas.microsoft.com/office/drawing/2014/main" id="{68D3980F-4EE0-A74D-CA68-44C41999E6AB}"/>
+          <p:cNvPr id="4113" name="Group 4112">
+            <a:extLst>
+              <a:ext uri="{FF2B5EF4-FFF2-40B4-BE49-F238E27FC236}">
+                <a16:creationId xmlns:a16="http://schemas.microsoft.com/office/drawing/2014/main" id="{D1CD323A-EB59-F55A-592F-EC98B734DA6F}"/>
               </a:ext>
             </a:extLst>
           </p:cNvPr>
@@ -7095,18 +7465,513 @@
         </p:nvGrpSpPr>
         <p:grpSpPr>
           <a:xfrm>
-            <a:off x="6447936" y="2119530"/>
-            <a:ext cx="3731200" cy="308699"/>
-            <a:chOff x="6447936" y="2119530"/>
-            <a:chExt cx="3731200" cy="308699"/>
+            <a:off x="5584315" y="3000042"/>
+            <a:ext cx="1816437" cy="901983"/>
+            <a:chOff x="5584315" y="3000042"/>
+            <a:chExt cx="1816437" cy="901983"/>
           </a:xfrm>
         </p:grpSpPr>
+        <p:pic>
+          <p:nvPicPr>
+            <p:cNvPr id="4104" name="Picture 2" descr="Chatgpt logo open ai logotype chatbot chat Vector Image">
+              <a:extLst>
+                <a:ext uri="{FF2B5EF4-FFF2-40B4-BE49-F238E27FC236}">
+                  <a16:creationId xmlns:a16="http://schemas.microsoft.com/office/drawing/2014/main" id="{81272467-5BB2-001A-ACB4-DFC02DABD08A}"/>
+                </a:ext>
+              </a:extLst>
+            </p:cNvPr>
+            <p:cNvPicPr>
+              <a:picLocks noChangeAspect="1" noChangeArrowheads="1"/>
+            </p:cNvPicPr>
+            <p:nvPr/>
+          </p:nvPicPr>
+          <p:blipFill rotWithShape="1">
+            <a:blip r:embed="rId5">
+              <a:extLst>
+                <a:ext uri="{28A0092B-C50C-407E-A947-70E740481C1C}">
+                  <a14:useLocalDpi xmlns:a14="http://schemas.microsoft.com/office/drawing/2010/main" val="0"/>
+                </a:ext>
+              </a:extLst>
+            </a:blip>
+            <a:srcRect b="8271"/>
+            <a:stretch/>
+          </p:blipFill>
+          <p:spPr bwMode="auto">
+            <a:xfrm>
+              <a:off x="5584315" y="3221631"/>
+              <a:ext cx="526546" cy="535561"/>
+            </a:xfrm>
+            <a:prstGeom prst="rect">
+              <a:avLst/>
+            </a:prstGeom>
+            <a:noFill/>
+            <a:extLst>
+              <a:ext uri="{909E8E84-426E-40DD-AFC4-6F175D3DCCD1}">
+                <a14:hiddenFill xmlns:a14="http://schemas.microsoft.com/office/drawing/2010/main">
+                  <a:solidFill>
+                    <a:srgbClr val="FFFFFF"/>
+                  </a:solidFill>
+                </a14:hiddenFill>
+              </a:ext>
+            </a:extLst>
+          </p:spPr>
+        </p:pic>
+        <p:pic>
+          <p:nvPicPr>
+            <p:cNvPr id="4105" name="Picture 4104" descr="A patch with text and black text&#10;&#10;Description automatically generated with medium confidence">
+              <a:extLst>
+                <a:ext uri="{FF2B5EF4-FFF2-40B4-BE49-F238E27FC236}">
+                  <a16:creationId xmlns:a16="http://schemas.microsoft.com/office/drawing/2014/main" id="{91683A10-F481-E74D-AA3D-90A917B1F1FE}"/>
+                </a:ext>
+              </a:extLst>
+            </p:cNvPr>
+            <p:cNvPicPr>
+              <a:picLocks noChangeAspect="1"/>
+            </p:cNvPicPr>
+            <p:nvPr/>
+          </p:nvPicPr>
+          <p:blipFill>
+            <a:blip r:embed="rId6"/>
+            <a:stretch>
+              <a:fillRect/>
+            </a:stretch>
+          </p:blipFill>
+          <p:spPr>
+            <a:xfrm>
+              <a:off x="6375210" y="3000042"/>
+              <a:ext cx="1025542" cy="901983"/>
+            </a:xfrm>
+            <a:prstGeom prst="rect">
+              <a:avLst/>
+            </a:prstGeom>
+          </p:spPr>
+        </p:pic>
+      </p:grpSp>
+      <p:grpSp>
+        <p:nvGrpSpPr>
+          <p:cNvPr id="4117" name="Group 4116">
+            <a:extLst>
+              <a:ext uri="{FF2B5EF4-FFF2-40B4-BE49-F238E27FC236}">
+                <a16:creationId xmlns:a16="http://schemas.microsoft.com/office/drawing/2014/main" id="{4C5C4D3F-FDCB-396F-610E-5C409F168B71}"/>
+              </a:ext>
+            </a:extLst>
+          </p:cNvPr>
+          <p:cNvGrpSpPr/>
+          <p:nvPr/>
+        </p:nvGrpSpPr>
+        <p:grpSpPr>
+          <a:xfrm>
+            <a:off x="4980827" y="1449008"/>
+            <a:ext cx="2407162" cy="1526057"/>
+            <a:chOff x="4980827" y="1439864"/>
+            <a:chExt cx="2407162" cy="1526057"/>
+          </a:xfrm>
+        </p:grpSpPr>
+        <p:grpSp>
+          <p:nvGrpSpPr>
+            <p:cNvPr id="4116" name="Group 4115">
+              <a:extLst>
+                <a:ext uri="{FF2B5EF4-FFF2-40B4-BE49-F238E27FC236}">
+                  <a16:creationId xmlns:a16="http://schemas.microsoft.com/office/drawing/2014/main" id="{9BAD7DE6-C8B5-19F1-CDAA-D3FFCA290C61}"/>
+                </a:ext>
+              </a:extLst>
+            </p:cNvPr>
+            <p:cNvGrpSpPr/>
+            <p:nvPr/>
+          </p:nvGrpSpPr>
+          <p:grpSpPr>
+            <a:xfrm>
+              <a:off x="4980827" y="1439864"/>
+              <a:ext cx="2407162" cy="1526057"/>
+              <a:chOff x="4980827" y="1439864"/>
+              <a:chExt cx="2407162" cy="1526057"/>
+            </a:xfrm>
+          </p:grpSpPr>
+          <p:sp>
+            <p:nvSpPr>
+              <p:cNvPr id="123" name="Oval 122">
+                <a:extLst>
+                  <a:ext uri="{FF2B5EF4-FFF2-40B4-BE49-F238E27FC236}">
+                    <a16:creationId xmlns:a16="http://schemas.microsoft.com/office/drawing/2014/main" id="{D953C7B7-324F-B968-8F61-0B419013690E}"/>
+                  </a:ext>
+                </a:extLst>
+              </p:cNvPr>
+              <p:cNvSpPr/>
+              <p:nvPr/>
+            </p:nvSpPr>
+            <p:spPr>
+              <a:xfrm>
+                <a:off x="6007892" y="2733667"/>
+                <a:ext cx="190832" cy="232254"/>
+              </a:xfrm>
+              <a:prstGeom prst="ellipse">
+                <a:avLst/>
+              </a:prstGeom>
+              <a:solidFill>
+                <a:schemeClr val="bg1">
+                  <a:lumMod val="50000"/>
+                </a:schemeClr>
+              </a:solidFill>
+              <a:ln>
+                <a:solidFill>
+                  <a:schemeClr val="bg1">
+                    <a:lumMod val="50000"/>
+                  </a:schemeClr>
+                </a:solidFill>
+              </a:ln>
+            </p:spPr>
+            <p:style>
+              <a:lnRef idx="2">
+                <a:schemeClr val="accent1">
+                  <a:shade val="50000"/>
+                </a:schemeClr>
+              </a:lnRef>
+              <a:fillRef idx="1">
+                <a:schemeClr val="accent1"/>
+              </a:fillRef>
+              <a:effectRef idx="0">
+                <a:schemeClr val="accent1"/>
+              </a:effectRef>
+              <a:fontRef idx="minor">
+                <a:schemeClr val="lt1"/>
+              </a:fontRef>
+            </p:style>
+            <p:txBody>
+              <a:bodyPr rtlCol="0" anchor="ctr"/>
+              <a:lstStyle/>
+              <a:p>
+                <a:pPr algn="ctr"/>
+                <a:endParaRPr lang="en-BE"/>
+              </a:p>
+            </p:txBody>
+          </p:sp>
+          <p:grpSp>
+            <p:nvGrpSpPr>
+              <p:cNvPr id="4109" name="Group 4108">
+                <a:extLst>
+                  <a:ext uri="{FF2B5EF4-FFF2-40B4-BE49-F238E27FC236}">
+                    <a16:creationId xmlns:a16="http://schemas.microsoft.com/office/drawing/2014/main" id="{FE876307-9CA9-F191-3DCF-DEEA4DFEE06C}"/>
+                  </a:ext>
+                </a:extLst>
+              </p:cNvPr>
+              <p:cNvGrpSpPr/>
+              <p:nvPr/>
+            </p:nvGrpSpPr>
+            <p:grpSpPr>
+              <a:xfrm>
+                <a:off x="4980827" y="1439864"/>
+                <a:ext cx="2407162" cy="1430956"/>
+                <a:chOff x="4969658" y="1448341"/>
+                <a:chExt cx="2407162" cy="1430956"/>
+              </a:xfrm>
+            </p:grpSpPr>
+            <p:grpSp>
+              <p:nvGrpSpPr>
+                <p:cNvPr id="125" name="Group 124">
+                  <a:extLst>
+                    <a:ext uri="{FF2B5EF4-FFF2-40B4-BE49-F238E27FC236}">
+                      <a16:creationId xmlns:a16="http://schemas.microsoft.com/office/drawing/2014/main" id="{6796F487-13DF-0291-678B-4533F60A0288}"/>
+                    </a:ext>
+                  </a:extLst>
+                </p:cNvPr>
+                <p:cNvGrpSpPr/>
+                <p:nvPr/>
+              </p:nvGrpSpPr>
+              <p:grpSpPr>
+                <a:xfrm>
+                  <a:off x="4969658" y="1740074"/>
+                  <a:ext cx="1420174" cy="1139223"/>
+                  <a:chOff x="7493402" y="1154858"/>
+                  <a:chExt cx="1420174" cy="1139223"/>
+                </a:xfrm>
+              </p:grpSpPr>
+              <p:cxnSp>
+                <p:nvCxnSpPr>
+                  <p:cNvPr id="126" name="Straight Arrow Connector 125">
+                    <a:extLst>
+                      <a:ext uri="{FF2B5EF4-FFF2-40B4-BE49-F238E27FC236}">
+                        <a16:creationId xmlns:a16="http://schemas.microsoft.com/office/drawing/2014/main" id="{879F8BDB-EF6F-8050-9CB5-4DEDD3A94A6C}"/>
+                      </a:ext>
+                    </a:extLst>
+                  </p:cNvPr>
+                  <p:cNvCxnSpPr>
+                    <a:cxnSpLocks/>
+                  </p:cNvCxnSpPr>
+                  <p:nvPr/>
+                </p:nvCxnSpPr>
+                <p:spPr>
+                  <a:xfrm flipH="1">
+                    <a:off x="8624981" y="1417213"/>
+                    <a:ext cx="5937" cy="752120"/>
+                  </a:xfrm>
+                  <a:prstGeom prst="straightConnector1">
+                    <a:avLst/>
+                  </a:prstGeom>
+                  <a:ln w="38100">
+                    <a:solidFill>
+                      <a:schemeClr val="tx1"/>
+                    </a:solidFill>
+                    <a:tailEnd type="triangle"/>
+                  </a:ln>
+                </p:spPr>
+                <p:style>
+                  <a:lnRef idx="1">
+                    <a:schemeClr val="accent1"/>
+                  </a:lnRef>
+                  <a:fillRef idx="0">
+                    <a:schemeClr val="accent1"/>
+                  </a:fillRef>
+                  <a:effectRef idx="0">
+                    <a:schemeClr val="accent1"/>
+                  </a:effectRef>
+                  <a:fontRef idx="minor">
+                    <a:schemeClr val="tx1"/>
+                  </a:fontRef>
+                </p:style>
+              </p:cxnSp>
+              <p:grpSp>
+                <p:nvGrpSpPr>
+                  <p:cNvPr id="127" name="Group 126">
+                    <a:extLst>
+                      <a:ext uri="{FF2B5EF4-FFF2-40B4-BE49-F238E27FC236}">
+                        <a16:creationId xmlns:a16="http://schemas.microsoft.com/office/drawing/2014/main" id="{73592162-F184-7EB3-DC4C-8601BF52A03E}"/>
+                      </a:ext>
+                    </a:extLst>
+                  </p:cNvPr>
+                  <p:cNvGrpSpPr/>
+                  <p:nvPr/>
+                </p:nvGrpSpPr>
+                <p:grpSpPr>
+                  <a:xfrm>
+                    <a:off x="7493402" y="1154858"/>
+                    <a:ext cx="1420174" cy="1139223"/>
+                    <a:chOff x="7522568" y="1154592"/>
+                    <a:chExt cx="1420174" cy="1139223"/>
+                  </a:xfrm>
+                </p:grpSpPr>
+                <p:sp>
+                  <p:nvSpPr>
+                    <p:cNvPr id="4096" name="TextBox 4095">
+                      <a:extLst>
+                        <a:ext uri="{FF2B5EF4-FFF2-40B4-BE49-F238E27FC236}">
+                          <a16:creationId xmlns:a16="http://schemas.microsoft.com/office/drawing/2014/main" id="{552BEF88-BDF3-CB3E-B901-EC812A640CAF}"/>
+                        </a:ext>
+                      </a:extLst>
+                    </p:cNvPr>
+                    <p:cNvSpPr txBox="1"/>
+                    <p:nvPr/>
+                  </p:nvSpPr>
+                  <p:spPr>
+                    <a:xfrm rot="17184383">
+                      <a:off x="7284510" y="1392650"/>
+                      <a:ext cx="814669" cy="338554"/>
+                    </a:xfrm>
+                    <a:prstGeom prst="rect">
+                      <a:avLst/>
+                    </a:prstGeom>
+                    <a:noFill/>
+                  </p:spPr>
+                  <p:txBody>
+                    <a:bodyPr wrap="square" rtlCol="0">
+                      <a:spAutoFit/>
+                    </a:bodyPr>
+                    <a:lstStyle/>
+                    <a:p>
+                      <a:r>
+                        <a:rPr lang="en-BE" sz="1600" dirty="0"/>
+                        <a:t>fork</a:t>
+                      </a:r>
+                    </a:p>
+                  </p:txBody>
+                </p:sp>
+                <p:grpSp>
+                  <p:nvGrpSpPr>
+                    <p:cNvPr id="4097" name="Group 4096">
+                      <a:extLst>
+                        <a:ext uri="{FF2B5EF4-FFF2-40B4-BE49-F238E27FC236}">
+                          <a16:creationId xmlns:a16="http://schemas.microsoft.com/office/drawing/2014/main" id="{FAEAF138-2207-AE94-723B-CA9E1DA41C6F}"/>
+                        </a:ext>
+                      </a:extLst>
+                    </p:cNvPr>
+                    <p:cNvGrpSpPr/>
+                    <p:nvPr/>
+                  </p:nvGrpSpPr>
+                  <p:grpSpPr>
+                    <a:xfrm>
+                      <a:off x="7571266" y="1367015"/>
+                      <a:ext cx="1371476" cy="926800"/>
+                      <a:chOff x="7571266" y="1367015"/>
+                      <a:chExt cx="1371476" cy="926800"/>
+                    </a:xfrm>
+                  </p:grpSpPr>
+                  <p:cxnSp>
+                    <p:nvCxnSpPr>
+                      <p:cNvPr id="4099" name="Straight Connector 4098">
+                        <a:extLst>
+                          <a:ext uri="{FF2B5EF4-FFF2-40B4-BE49-F238E27FC236}">
+                            <a16:creationId xmlns:a16="http://schemas.microsoft.com/office/drawing/2014/main" id="{8477A499-A2BE-107E-38A6-2CB41F89C49F}"/>
+                          </a:ext>
+                        </a:extLst>
+                      </p:cNvPr>
+                      <p:cNvCxnSpPr>
+                        <a:cxnSpLocks/>
+                      </p:cNvCxnSpPr>
+                      <p:nvPr/>
+                    </p:nvCxnSpPr>
+                    <p:spPr>
+                      <a:xfrm flipV="1">
+                        <a:off x="7571266" y="1400977"/>
+                        <a:ext cx="282127" cy="883274"/>
+                      </a:xfrm>
+                      <a:prstGeom prst="line">
+                        <a:avLst/>
+                      </a:prstGeom>
+                      <a:ln w="38100">
+                        <a:solidFill>
+                          <a:schemeClr val="tx1"/>
+                        </a:solidFill>
+                      </a:ln>
+                    </p:spPr>
+                    <p:style>
+                      <a:lnRef idx="1">
+                        <a:schemeClr val="accent1"/>
+                      </a:lnRef>
+                      <a:fillRef idx="0">
+                        <a:schemeClr val="accent1"/>
+                      </a:fillRef>
+                      <a:effectRef idx="0">
+                        <a:schemeClr val="accent1"/>
+                      </a:effectRef>
+                      <a:fontRef idx="minor">
+                        <a:schemeClr val="tx1"/>
+                      </a:fontRef>
+                    </p:style>
+                  </p:cxnSp>
+                  <p:cxnSp>
+                    <p:nvCxnSpPr>
+                      <p:cNvPr id="4100" name="Straight Arrow Connector 4099">
+                        <a:extLst>
+                          <a:ext uri="{FF2B5EF4-FFF2-40B4-BE49-F238E27FC236}">
+                            <a16:creationId xmlns:a16="http://schemas.microsoft.com/office/drawing/2014/main" id="{362EFC50-84FE-A64E-1F72-7AAF43C1D0E2}"/>
+                          </a:ext>
+                        </a:extLst>
+                      </p:cNvPr>
+                      <p:cNvCxnSpPr>
+                        <a:cxnSpLocks/>
+                      </p:cNvCxnSpPr>
+                      <p:nvPr/>
+                    </p:nvCxnSpPr>
+                    <p:spPr>
+                      <a:xfrm>
+                        <a:off x="7837587" y="1409203"/>
+                        <a:ext cx="1001610" cy="0"/>
+                      </a:xfrm>
+                      <a:prstGeom prst="straightConnector1">
+                        <a:avLst/>
+                      </a:prstGeom>
+                      <a:ln w="38100">
+                        <a:solidFill>
+                          <a:schemeClr val="tx1"/>
+                        </a:solidFill>
+                        <a:tailEnd type="triangle"/>
+                      </a:ln>
+                    </p:spPr>
+                    <p:style>
+                      <a:lnRef idx="1">
+                        <a:schemeClr val="accent1"/>
+                      </a:lnRef>
+                      <a:fillRef idx="0">
+                        <a:schemeClr val="accent1"/>
+                      </a:fillRef>
+                      <a:effectRef idx="0">
+                        <a:schemeClr val="accent1"/>
+                      </a:effectRef>
+                      <a:fontRef idx="minor">
+                        <a:schemeClr val="tx1"/>
+                      </a:fontRef>
+                    </p:style>
+                  </p:cxnSp>
+                  <p:sp>
+                    <p:nvSpPr>
+                      <p:cNvPr id="4101" name="TextBox 4100">
+                        <a:extLst>
+                          <a:ext uri="{FF2B5EF4-FFF2-40B4-BE49-F238E27FC236}">
+                            <a16:creationId xmlns:a16="http://schemas.microsoft.com/office/drawing/2014/main" id="{DAF387C4-E45B-DC17-E50E-B31F26B1C2FB}"/>
+                          </a:ext>
+                        </a:extLst>
+                      </p:cNvPr>
+                      <p:cNvSpPr txBox="1"/>
+                      <p:nvPr/>
+                    </p:nvSpPr>
+                    <p:spPr>
+                      <a:xfrm rot="5400000">
+                        <a:off x="8186955" y="1538027"/>
+                        <a:ext cx="926800" cy="584775"/>
+                      </a:xfrm>
+                      <a:prstGeom prst="rect">
+                        <a:avLst/>
+                      </a:prstGeom>
+                      <a:noFill/>
+                    </p:spPr>
+                    <p:txBody>
+                      <a:bodyPr wrap="square" rtlCol="0">
+                        <a:spAutoFit/>
+                      </a:bodyPr>
+                      <a:lstStyle/>
+                      <a:p>
+                        <a:pPr algn="ctr"/>
+                        <a:r>
+                          <a:rPr lang="en-GB" sz="1600" dirty="0"/>
+                          <a:t>P</a:t>
+                        </a:r>
+                        <a:r>
+                          <a:rPr lang="en-BE" sz="1600" dirty="0"/>
+                          <a:t>ull request</a:t>
+                        </a:r>
+                      </a:p>
+                    </p:txBody>
+                  </p:sp>
+                </p:grpSp>
+              </p:grpSp>
+            </p:grpSp>
+            <p:pic>
+              <p:nvPicPr>
+                <p:cNvPr id="4102" name="Picture 4101" descr="A paper with lines and text&#10;&#10;Description automatically generated with medium confidence">
+                  <a:extLst>
+                    <a:ext uri="{FF2B5EF4-FFF2-40B4-BE49-F238E27FC236}">
+                      <a16:creationId xmlns:a16="http://schemas.microsoft.com/office/drawing/2014/main" id="{99CFFBC1-7123-CAD4-20C5-AD802C049734}"/>
+                    </a:ext>
+                  </a:extLst>
+                </p:cNvPr>
+                <p:cNvPicPr>
+                  <a:picLocks noChangeAspect="1"/>
+                </p:cNvPicPr>
+                <p:nvPr/>
+              </p:nvPicPr>
+              <p:blipFill>
+                <a:blip r:embed="rId7"/>
+                <a:stretch>
+                  <a:fillRect/>
+                </a:stretch>
+              </p:blipFill>
+              <p:spPr>
+                <a:xfrm>
+                  <a:off x="6375210" y="1448341"/>
+                  <a:ext cx="1001610" cy="1363638"/>
+                </a:xfrm>
+                <a:prstGeom prst="rect">
+                  <a:avLst/>
+                </a:prstGeom>
+              </p:spPr>
+            </p:pic>
+          </p:grpSp>
+        </p:grpSp>
         <p:sp>
           <p:nvSpPr>
-            <p:cNvPr id="26" name="Oval 25">
+            <p:cNvPr id="4108" name="Oval 4107">
               <a:extLst>
                 <a:ext uri="{FF2B5EF4-FFF2-40B4-BE49-F238E27FC236}">
-                  <a16:creationId xmlns:a16="http://schemas.microsoft.com/office/drawing/2014/main" id="{0A779FBC-0E04-2F17-E37C-1F193B631F89}"/>
+                  <a16:creationId xmlns:a16="http://schemas.microsoft.com/office/drawing/2014/main" id="{8F857265-07DF-1D74-B795-0C33DF88A1B6}"/>
                 </a:ext>
               </a:extLst>
             </p:cNvPr>
@@ -7115,7 +7980,7 @@
           </p:nvSpPr>
           <p:spPr>
             <a:xfrm>
-              <a:off x="6447936" y="2195975"/>
+              <a:off x="5598444" y="1861855"/>
               <a:ext cx="190832" cy="232254"/>
             </a:xfrm>
             <a:prstGeom prst="ellipse">
@@ -7159,12 +8024,33 @@
             </a:p>
           </p:txBody>
         </p:sp>
+      </p:grpSp>
+      <p:grpSp>
+        <p:nvGrpSpPr>
+          <p:cNvPr id="4112" name="Group 4111">
+            <a:extLst>
+              <a:ext uri="{FF2B5EF4-FFF2-40B4-BE49-F238E27FC236}">
+                <a16:creationId xmlns:a16="http://schemas.microsoft.com/office/drawing/2014/main" id="{FF3A27A7-AF12-8A05-279A-7DF38F97991B}"/>
+              </a:ext>
+            </a:extLst>
+          </p:cNvPr>
+          <p:cNvGrpSpPr/>
+          <p:nvPr/>
+        </p:nvGrpSpPr>
+        <p:grpSpPr>
+          <a:xfrm>
+            <a:off x="6440410" y="2138932"/>
+            <a:ext cx="874787" cy="1350480"/>
+            <a:chOff x="6440410" y="2138932"/>
+            <a:chExt cx="874787" cy="1350480"/>
+          </a:xfrm>
+        </p:grpSpPr>
         <p:sp>
           <p:nvSpPr>
-            <p:cNvPr id="27" name="Oval 26">
+            <p:cNvPr id="4106" name="Rounded Rectangle 4105">
               <a:extLst>
                 <a:ext uri="{FF2B5EF4-FFF2-40B4-BE49-F238E27FC236}">
-                  <a16:creationId xmlns:a16="http://schemas.microsoft.com/office/drawing/2014/main" id="{7EC44764-6959-8766-D912-FFA16D4302E1}"/>
+                  <a16:creationId xmlns:a16="http://schemas.microsoft.com/office/drawing/2014/main" id="{8D304B64-B65E-F5BC-5AFC-C5706EC649F2}"/>
                 </a:ext>
               </a:extLst>
             </p:cNvPr>
@@ -7173,791 +8059,16 @@
           </p:nvSpPr>
           <p:spPr>
             <a:xfrm>
-              <a:off x="7135231" y="2177687"/>
-              <a:ext cx="190832" cy="232254"/>
+              <a:off x="6497752" y="3258487"/>
+              <a:ext cx="810536" cy="230925"/>
             </a:xfrm>
-            <a:prstGeom prst="ellipse">
-              <a:avLst/>
-            </a:prstGeom>
-            <a:solidFill>
-              <a:schemeClr val="bg1">
-                <a:lumMod val="50000"/>
-              </a:schemeClr>
-            </a:solidFill>
-            <a:ln>
-              <a:solidFill>
-                <a:schemeClr val="bg1">
-                  <a:lumMod val="50000"/>
-                </a:schemeClr>
-              </a:solidFill>
-            </a:ln>
-          </p:spPr>
-          <p:style>
-            <a:lnRef idx="2">
-              <a:schemeClr val="accent1">
-                <a:shade val="50000"/>
-              </a:schemeClr>
-            </a:lnRef>
-            <a:fillRef idx="1">
-              <a:schemeClr val="accent1"/>
-            </a:fillRef>
-            <a:effectRef idx="0">
-              <a:schemeClr val="accent1"/>
-            </a:effectRef>
-            <a:fontRef idx="minor">
-              <a:schemeClr val="lt1"/>
-            </a:fontRef>
-          </p:style>
-          <p:txBody>
-            <a:bodyPr rtlCol="0" anchor="ctr"/>
-            <a:lstStyle/>
-            <a:p>
-              <a:pPr algn="ctr"/>
-              <a:endParaRPr lang="en-BE"/>
-            </a:p>
-          </p:txBody>
-        </p:sp>
-        <p:sp>
-          <p:nvSpPr>
-            <p:cNvPr id="28" name="Oval 27">
-              <a:extLst>
-                <a:ext uri="{FF2B5EF4-FFF2-40B4-BE49-F238E27FC236}">
-                  <a16:creationId xmlns:a16="http://schemas.microsoft.com/office/drawing/2014/main" id="{895D7D71-A330-F672-2D78-D8E52ADBB15B}"/>
-                </a:ext>
-              </a:extLst>
-            </p:cNvPr>
-            <p:cNvSpPr/>
-            <p:nvPr/>
-          </p:nvSpPr>
-          <p:spPr>
-            <a:xfrm>
-              <a:off x="8549924" y="2148451"/>
-              <a:ext cx="190832" cy="232254"/>
-            </a:xfrm>
-            <a:prstGeom prst="ellipse">
-              <a:avLst/>
-            </a:prstGeom>
-            <a:solidFill>
-              <a:schemeClr val="bg1">
-                <a:lumMod val="50000"/>
-              </a:schemeClr>
-            </a:solidFill>
-            <a:ln>
-              <a:solidFill>
-                <a:schemeClr val="bg1">
-                  <a:lumMod val="50000"/>
-                </a:schemeClr>
-              </a:solidFill>
-            </a:ln>
-          </p:spPr>
-          <p:style>
-            <a:lnRef idx="2">
-              <a:schemeClr val="accent1">
-                <a:shade val="50000"/>
-              </a:schemeClr>
-            </a:lnRef>
-            <a:fillRef idx="1">
-              <a:schemeClr val="accent1"/>
-            </a:fillRef>
-            <a:effectRef idx="0">
-              <a:schemeClr val="accent1"/>
-            </a:effectRef>
-            <a:fontRef idx="minor">
-              <a:schemeClr val="lt1"/>
-            </a:fontRef>
-          </p:style>
-          <p:txBody>
-            <a:bodyPr rtlCol="0" anchor="ctr"/>
-            <a:lstStyle/>
-            <a:p>
-              <a:pPr algn="ctr"/>
-              <a:endParaRPr lang="en-BE"/>
-            </a:p>
-          </p:txBody>
-        </p:sp>
-        <p:sp>
-          <p:nvSpPr>
-            <p:cNvPr id="29" name="Oval 28">
-              <a:extLst>
-                <a:ext uri="{FF2B5EF4-FFF2-40B4-BE49-F238E27FC236}">
-                  <a16:creationId xmlns:a16="http://schemas.microsoft.com/office/drawing/2014/main" id="{7AD0F239-62FB-E82D-E5E0-DD2BC0C0ED9D}"/>
-                </a:ext>
-              </a:extLst>
-            </p:cNvPr>
-            <p:cNvSpPr/>
-            <p:nvPr/>
-          </p:nvSpPr>
-          <p:spPr>
-            <a:xfrm>
-              <a:off x="9439470" y="2129424"/>
-              <a:ext cx="190832" cy="232254"/>
-            </a:xfrm>
-            <a:prstGeom prst="ellipse">
-              <a:avLst/>
-            </a:prstGeom>
-            <a:solidFill>
-              <a:schemeClr val="bg1">
-                <a:lumMod val="50000"/>
-              </a:schemeClr>
-            </a:solidFill>
-            <a:ln>
-              <a:solidFill>
-                <a:schemeClr val="bg1">
-                  <a:lumMod val="50000"/>
-                </a:schemeClr>
-              </a:solidFill>
-            </a:ln>
-          </p:spPr>
-          <p:style>
-            <a:lnRef idx="2">
-              <a:schemeClr val="accent1">
-                <a:shade val="50000"/>
-              </a:schemeClr>
-            </a:lnRef>
-            <a:fillRef idx="1">
-              <a:schemeClr val="accent1"/>
-            </a:fillRef>
-            <a:effectRef idx="0">
-              <a:schemeClr val="accent1"/>
-            </a:effectRef>
-            <a:fontRef idx="minor">
-              <a:schemeClr val="lt1"/>
-            </a:fontRef>
-          </p:style>
-          <p:txBody>
-            <a:bodyPr rtlCol="0" anchor="ctr"/>
-            <a:lstStyle/>
-            <a:p>
-              <a:pPr algn="ctr"/>
-              <a:endParaRPr lang="en-BE"/>
-            </a:p>
-          </p:txBody>
-        </p:sp>
-        <p:sp>
-          <p:nvSpPr>
-            <p:cNvPr id="30" name="Oval 29">
-              <a:extLst>
-                <a:ext uri="{FF2B5EF4-FFF2-40B4-BE49-F238E27FC236}">
-                  <a16:creationId xmlns:a16="http://schemas.microsoft.com/office/drawing/2014/main" id="{10AAA5B3-B889-7D14-5839-34EECCB50EF2}"/>
-                </a:ext>
-              </a:extLst>
-            </p:cNvPr>
-            <p:cNvSpPr/>
-            <p:nvPr/>
-          </p:nvSpPr>
-          <p:spPr>
-            <a:xfrm>
-              <a:off x="9988304" y="2119530"/>
-              <a:ext cx="190832" cy="232254"/>
-            </a:xfrm>
-            <a:prstGeom prst="ellipse">
-              <a:avLst/>
-            </a:prstGeom>
-            <a:solidFill>
-              <a:schemeClr val="bg1">
-                <a:lumMod val="50000"/>
-              </a:schemeClr>
-            </a:solidFill>
-            <a:ln>
-              <a:solidFill>
-                <a:schemeClr val="bg1">
-                  <a:lumMod val="50000"/>
-                </a:schemeClr>
-              </a:solidFill>
-            </a:ln>
-          </p:spPr>
-          <p:style>
-            <a:lnRef idx="2">
-              <a:schemeClr val="accent1">
-                <a:shade val="50000"/>
-              </a:schemeClr>
-            </a:lnRef>
-            <a:fillRef idx="1">
-              <a:schemeClr val="accent1"/>
-            </a:fillRef>
-            <a:effectRef idx="0">
-              <a:schemeClr val="accent1"/>
-            </a:effectRef>
-            <a:fontRef idx="minor">
-              <a:schemeClr val="lt1"/>
-            </a:fontRef>
-          </p:style>
-          <p:txBody>
-            <a:bodyPr rtlCol="0" anchor="ctr"/>
-            <a:lstStyle/>
-            <a:p>
-              <a:pPr algn="ctr"/>
-              <a:endParaRPr lang="en-BE" dirty="0"/>
-            </a:p>
-          </p:txBody>
-        </p:sp>
-      </p:grpSp>
-      <p:grpSp>
-        <p:nvGrpSpPr>
-          <p:cNvPr id="44" name="Group 43">
-            <a:extLst>
-              <a:ext uri="{FF2B5EF4-FFF2-40B4-BE49-F238E27FC236}">
-                <a16:creationId xmlns:a16="http://schemas.microsoft.com/office/drawing/2014/main" id="{E417D640-F858-E249-31CB-B8350B7A5710}"/>
-              </a:ext>
-            </a:extLst>
-          </p:cNvPr>
-          <p:cNvGrpSpPr/>
-          <p:nvPr/>
-        </p:nvGrpSpPr>
-        <p:grpSpPr>
-          <a:xfrm>
-            <a:off x="7493402" y="407241"/>
-            <a:ext cx="1695859" cy="1886840"/>
-            <a:chOff x="7493402" y="407241"/>
-            <a:chExt cx="1695859" cy="1886840"/>
-          </a:xfrm>
-        </p:grpSpPr>
-        <p:cxnSp>
-          <p:nvCxnSpPr>
-            <p:cNvPr id="45" name="Straight Arrow Connector 44">
-              <a:extLst>
-                <a:ext uri="{FF2B5EF4-FFF2-40B4-BE49-F238E27FC236}">
-                  <a16:creationId xmlns:a16="http://schemas.microsoft.com/office/drawing/2014/main" id="{B54977F0-3006-1CE9-565F-B605388463AC}"/>
-                </a:ext>
-              </a:extLst>
-            </p:cNvPr>
-            <p:cNvCxnSpPr>
-              <a:cxnSpLocks/>
-            </p:cNvCxnSpPr>
-            <p:nvPr/>
-          </p:nvCxnSpPr>
-          <p:spPr>
-            <a:xfrm flipH="1">
-              <a:off x="8624981" y="1417213"/>
-              <a:ext cx="5937" cy="752120"/>
-            </a:xfrm>
-            <a:prstGeom prst="straightConnector1">
-              <a:avLst/>
-            </a:prstGeom>
-            <a:ln w="38100">
-              <a:solidFill>
-                <a:schemeClr val="tx1"/>
-              </a:solidFill>
-              <a:tailEnd type="triangle"/>
-            </a:ln>
-          </p:spPr>
-          <p:style>
-            <a:lnRef idx="1">
-              <a:schemeClr val="accent1"/>
-            </a:lnRef>
-            <a:fillRef idx="0">
-              <a:schemeClr val="accent1"/>
-            </a:fillRef>
-            <a:effectRef idx="0">
-              <a:schemeClr val="accent1"/>
-            </a:effectRef>
-            <a:fontRef idx="minor">
-              <a:schemeClr val="tx1"/>
-            </a:fontRef>
-          </p:style>
-        </p:cxnSp>
-        <p:grpSp>
-          <p:nvGrpSpPr>
-            <p:cNvPr id="46" name="Group 45">
-              <a:extLst>
-                <a:ext uri="{FF2B5EF4-FFF2-40B4-BE49-F238E27FC236}">
-                  <a16:creationId xmlns:a16="http://schemas.microsoft.com/office/drawing/2014/main" id="{6D6383AD-C0CE-2940-10B6-1628FDDDEEAC}"/>
-                </a:ext>
-              </a:extLst>
-            </p:cNvPr>
-            <p:cNvGrpSpPr/>
-            <p:nvPr/>
-          </p:nvGrpSpPr>
-          <p:grpSpPr>
-            <a:xfrm>
-              <a:off x="7493402" y="407241"/>
-              <a:ext cx="1695859" cy="1886840"/>
-              <a:chOff x="7522568" y="406975"/>
-              <a:chExt cx="1695859" cy="1886840"/>
-            </a:xfrm>
-          </p:grpSpPr>
-          <p:sp>
-            <p:nvSpPr>
-              <p:cNvPr id="47" name="TextBox 46">
-                <a:extLst>
-                  <a:ext uri="{FF2B5EF4-FFF2-40B4-BE49-F238E27FC236}">
-                    <a16:creationId xmlns:a16="http://schemas.microsoft.com/office/drawing/2014/main" id="{DBE12F62-43F4-95C0-D9FF-6E6B288DD97B}"/>
-                  </a:ext>
-                </a:extLst>
-              </p:cNvPr>
-              <p:cNvSpPr txBox="1"/>
-              <p:nvPr/>
-            </p:nvSpPr>
-            <p:spPr>
-              <a:xfrm rot="17184383">
-                <a:off x="7284510" y="1392650"/>
-                <a:ext cx="814669" cy="338554"/>
-              </a:xfrm>
-              <a:prstGeom prst="rect">
-                <a:avLst/>
-              </a:prstGeom>
-              <a:noFill/>
-            </p:spPr>
-            <p:txBody>
-              <a:bodyPr wrap="square" rtlCol="0">
-                <a:spAutoFit/>
-              </a:bodyPr>
-              <a:lstStyle/>
-              <a:p>
-                <a:r>
-                  <a:rPr lang="en-BE" sz="1600" dirty="0"/>
-                  <a:t>fork</a:t>
-                </a:r>
-              </a:p>
-            </p:txBody>
-          </p:sp>
-          <p:grpSp>
-            <p:nvGrpSpPr>
-              <p:cNvPr id="48" name="Group 47">
-                <a:extLst>
-                  <a:ext uri="{FF2B5EF4-FFF2-40B4-BE49-F238E27FC236}">
-                    <a16:creationId xmlns:a16="http://schemas.microsoft.com/office/drawing/2014/main" id="{D4FC66C8-2664-D3BB-C960-2E6D078B1F4A}"/>
-                  </a:ext>
-                </a:extLst>
-              </p:cNvPr>
-              <p:cNvGrpSpPr/>
-              <p:nvPr/>
-            </p:nvGrpSpPr>
-            <p:grpSpPr>
-              <a:xfrm>
-                <a:off x="7580502" y="406975"/>
-                <a:ext cx="1637925" cy="1886840"/>
-                <a:chOff x="7580502" y="406975"/>
-                <a:chExt cx="1637925" cy="1886840"/>
-              </a:xfrm>
-            </p:grpSpPr>
-            <p:grpSp>
-              <p:nvGrpSpPr>
-                <p:cNvPr id="51" name="Group 50">
-                  <a:extLst>
-                    <a:ext uri="{FF2B5EF4-FFF2-40B4-BE49-F238E27FC236}">
-                      <a16:creationId xmlns:a16="http://schemas.microsoft.com/office/drawing/2014/main" id="{775A040F-6B83-10E5-5880-5E2E98A8FC6C}"/>
-                    </a:ext>
-                  </a:extLst>
-                </p:cNvPr>
-                <p:cNvGrpSpPr/>
-                <p:nvPr/>
-              </p:nvGrpSpPr>
-              <p:grpSpPr>
-                <a:xfrm>
-                  <a:off x="8535921" y="406975"/>
-                  <a:ext cx="682506" cy="870825"/>
-                  <a:chOff x="8219466" y="1034845"/>
-                  <a:chExt cx="740282" cy="1035443"/>
-                </a:xfrm>
-              </p:grpSpPr>
-              <p:pic>
-                <p:nvPicPr>
-                  <p:cNvPr id="56" name="Picture 2" descr="Bug Report - Free technology icons">
-                    <a:extLst>
-                      <a:ext uri="{FF2B5EF4-FFF2-40B4-BE49-F238E27FC236}">
-                        <a16:creationId xmlns:a16="http://schemas.microsoft.com/office/drawing/2014/main" id="{B233636D-E3A6-E3B7-F4AB-104D1E395BA7}"/>
-                      </a:ext>
-                    </a:extLst>
-                  </p:cNvPr>
-                  <p:cNvPicPr>
-                    <a:picLocks noChangeAspect="1" noChangeArrowheads="1"/>
-                  </p:cNvPicPr>
-                  <p:nvPr/>
-                </p:nvPicPr>
-                <p:blipFill>
-                  <a:blip r:embed="rId3">
-                    <a:extLst>
-                      <a:ext uri="{28A0092B-C50C-407E-A947-70E740481C1C}">
-                        <a14:useLocalDpi xmlns:a14="http://schemas.microsoft.com/office/drawing/2010/main" val="0"/>
-                      </a:ext>
-                    </a:extLst>
-                  </a:blip>
-                  <a:srcRect/>
-                  <a:stretch>
-                    <a:fillRect/>
-                  </a:stretch>
-                </p:blipFill>
-                <p:spPr bwMode="auto">
-                  <a:xfrm>
-                    <a:off x="8284464" y="1430495"/>
-                    <a:ext cx="639793" cy="639793"/>
-                  </a:xfrm>
-                  <a:prstGeom prst="rect">
-                    <a:avLst/>
-                  </a:prstGeom>
-                  <a:noFill/>
-                  <a:extLst>
-                    <a:ext uri="{909E8E84-426E-40DD-AFC4-6F175D3DCCD1}">
-                      <a14:hiddenFill xmlns:a14="http://schemas.microsoft.com/office/drawing/2010/main">
-                        <a:solidFill>
-                          <a:srgbClr val="FFFFFF"/>
-                        </a:solidFill>
-                      </a14:hiddenFill>
-                    </a:ext>
-                  </a:extLst>
-                </p:spPr>
-              </p:pic>
-              <p:pic>
-                <p:nvPicPr>
-                  <p:cNvPr id="57" name="Picture 56">
-                    <a:extLst>
-                      <a:ext uri="{FF2B5EF4-FFF2-40B4-BE49-F238E27FC236}">
-                        <a16:creationId xmlns:a16="http://schemas.microsoft.com/office/drawing/2014/main" id="{FF77F376-7867-64B3-8CA6-A4594A00170D}"/>
-                      </a:ext>
-                    </a:extLst>
-                  </p:cNvPr>
-                  <p:cNvPicPr>
-                    <a:picLocks noChangeAspect="1"/>
-                  </p:cNvPicPr>
-                  <p:nvPr/>
-                </p:nvPicPr>
-                <p:blipFill rotWithShape="1">
-                  <a:blip r:embed="rId4"/>
-                  <a:srcRect l="5953" t="10534" r="2533" b="6922"/>
-                  <a:stretch/>
-                </p:blipFill>
-                <p:spPr>
-                  <a:xfrm>
-                    <a:off x="8548420" y="1700816"/>
-                    <a:ext cx="411328" cy="329162"/>
-                  </a:xfrm>
-                  <a:prstGeom prst="rect">
-                    <a:avLst/>
-                  </a:prstGeom>
-                </p:spPr>
-              </p:pic>
-              <p:sp>
-                <p:nvSpPr>
-                  <p:cNvPr id="58" name="TextBox 57">
-                    <a:extLst>
-                      <a:ext uri="{FF2B5EF4-FFF2-40B4-BE49-F238E27FC236}">
-                        <a16:creationId xmlns:a16="http://schemas.microsoft.com/office/drawing/2014/main" id="{831D1145-E751-241D-FA0B-90A67DFA091E}"/>
-                      </a:ext>
-                    </a:extLst>
-                  </p:cNvPr>
-                  <p:cNvSpPr txBox="1"/>
-                  <p:nvPr/>
-                </p:nvSpPr>
-                <p:spPr>
-                  <a:xfrm>
-                    <a:off x="8219466" y="1034845"/>
-                    <a:ext cx="613366" cy="439149"/>
-                  </a:xfrm>
-                  <a:prstGeom prst="rect">
-                    <a:avLst/>
-                  </a:prstGeom>
-                  <a:noFill/>
-                </p:spPr>
-                <p:txBody>
-                  <a:bodyPr wrap="square" rtlCol="0">
-                    <a:spAutoFit/>
-                  </a:bodyPr>
-                  <a:lstStyle/>
-                  <a:p>
-                    <a:r>
-                      <a:rPr lang="en-BE" dirty="0"/>
-                      <a:t>foo</a:t>
-                    </a:r>
-                  </a:p>
-                </p:txBody>
-              </p:sp>
-            </p:grpSp>
-            <p:cxnSp>
-              <p:nvCxnSpPr>
-                <p:cNvPr id="52" name="Straight Connector 51">
-                  <a:extLst>
-                    <a:ext uri="{FF2B5EF4-FFF2-40B4-BE49-F238E27FC236}">
-                      <a16:creationId xmlns:a16="http://schemas.microsoft.com/office/drawing/2014/main" id="{767A5384-A857-62D5-09C2-158D1C89C8B4}"/>
-                    </a:ext>
-                  </a:extLst>
-                </p:cNvPr>
-                <p:cNvCxnSpPr>
-                  <a:cxnSpLocks/>
-                </p:cNvCxnSpPr>
-                <p:nvPr/>
-              </p:nvCxnSpPr>
-              <p:spPr>
-                <a:xfrm flipV="1">
-                  <a:off x="7580502" y="1391741"/>
-                  <a:ext cx="282127" cy="883274"/>
-                </a:xfrm>
-                <a:prstGeom prst="line">
-                  <a:avLst/>
-                </a:prstGeom>
-                <a:ln w="38100">
-                  <a:solidFill>
-                    <a:schemeClr val="tx1"/>
-                  </a:solidFill>
-                </a:ln>
-              </p:spPr>
-              <p:style>
-                <a:lnRef idx="1">
-                  <a:schemeClr val="accent1"/>
-                </a:lnRef>
-                <a:fillRef idx="0">
-                  <a:schemeClr val="accent1"/>
-                </a:fillRef>
-                <a:effectRef idx="0">
-                  <a:schemeClr val="accent1"/>
-                </a:effectRef>
-                <a:fontRef idx="minor">
-                  <a:schemeClr val="tx1"/>
-                </a:fontRef>
-              </p:style>
-            </p:cxnSp>
-            <p:cxnSp>
-              <p:nvCxnSpPr>
-                <p:cNvPr id="53" name="Straight Arrow Connector 52">
-                  <a:extLst>
-                    <a:ext uri="{FF2B5EF4-FFF2-40B4-BE49-F238E27FC236}">
-                      <a16:creationId xmlns:a16="http://schemas.microsoft.com/office/drawing/2014/main" id="{F63A34CC-5231-FA30-70C7-0FF8AC45C5DC}"/>
-                    </a:ext>
-                  </a:extLst>
-                </p:cNvPr>
-                <p:cNvCxnSpPr>
-                  <a:cxnSpLocks/>
-                </p:cNvCxnSpPr>
-                <p:nvPr/>
-              </p:nvCxnSpPr>
-              <p:spPr>
-                <a:xfrm>
-                  <a:off x="7837587" y="1409203"/>
-                  <a:ext cx="1001610" cy="0"/>
-                </a:xfrm>
-                <a:prstGeom prst="straightConnector1">
-                  <a:avLst/>
-                </a:prstGeom>
-                <a:ln w="38100">
-                  <a:solidFill>
-                    <a:schemeClr val="tx1"/>
-                  </a:solidFill>
-                  <a:tailEnd type="triangle"/>
-                </a:ln>
-              </p:spPr>
-              <p:style>
-                <a:lnRef idx="1">
-                  <a:schemeClr val="accent1"/>
-                </a:lnRef>
-                <a:fillRef idx="0">
-                  <a:schemeClr val="accent1"/>
-                </a:fillRef>
-                <a:effectRef idx="0">
-                  <a:schemeClr val="accent1"/>
-                </a:effectRef>
-                <a:fontRef idx="minor">
-                  <a:schemeClr val="tx1"/>
-                </a:fontRef>
-              </p:style>
-            </p:cxnSp>
-            <p:sp>
-              <p:nvSpPr>
-                <p:cNvPr id="54" name="TextBox 53">
-                  <a:extLst>
-                    <a:ext uri="{FF2B5EF4-FFF2-40B4-BE49-F238E27FC236}">
-                      <a16:creationId xmlns:a16="http://schemas.microsoft.com/office/drawing/2014/main" id="{73C76E6E-CB9B-D74E-E2D1-53EBAD0887DD}"/>
-                    </a:ext>
-                  </a:extLst>
-                </p:cNvPr>
-                <p:cNvSpPr txBox="1"/>
-                <p:nvPr/>
-              </p:nvSpPr>
-              <p:spPr>
-                <a:xfrm rot="5400000">
-                  <a:off x="8186955" y="1538027"/>
-                  <a:ext cx="926800" cy="584775"/>
-                </a:xfrm>
-                <a:prstGeom prst="rect">
-                  <a:avLst/>
-                </a:prstGeom>
-                <a:noFill/>
-              </p:spPr>
-              <p:txBody>
-                <a:bodyPr wrap="square" rtlCol="0">
-                  <a:spAutoFit/>
-                </a:bodyPr>
-                <a:lstStyle/>
-                <a:p>
-                  <a:pPr algn="ctr"/>
-                  <a:r>
-                    <a:rPr lang="en-GB" sz="1600" dirty="0"/>
-                    <a:t>P</a:t>
-                  </a:r>
-                  <a:r>
-                    <a:rPr lang="en-BE" sz="1600" dirty="0"/>
-                    <a:t>ull request</a:t>
-                  </a:r>
-                </a:p>
-              </p:txBody>
-            </p:sp>
-          </p:grpSp>
-          <p:pic>
-            <p:nvPicPr>
-              <p:cNvPr id="49" name="Picture 2" descr="Bug Report - Free technology icons">
-                <a:extLst>
-                  <a:ext uri="{FF2B5EF4-FFF2-40B4-BE49-F238E27FC236}">
-                    <a16:creationId xmlns:a16="http://schemas.microsoft.com/office/drawing/2014/main" id="{21B0EA5A-5C18-A631-6629-0C66B2A1B123}"/>
-                  </a:ext>
-                </a:extLst>
-              </p:cNvPr>
-              <p:cNvPicPr>
-                <a:picLocks noChangeAspect="1" noChangeArrowheads="1"/>
-              </p:cNvPicPr>
-              <p:nvPr/>
-            </p:nvPicPr>
-            <p:blipFill rotWithShape="1">
-              <a:blip r:embed="rId3">
-                <a:extLst>
-                  <a:ext uri="{28A0092B-C50C-407E-A947-70E740481C1C}">
-                    <a14:useLocalDpi xmlns:a14="http://schemas.microsoft.com/office/drawing/2010/main" val="0"/>
-                  </a:ext>
-                </a:extLst>
-              </a:blip>
-              <a:srcRect l="38987" t="49067"/>
-              <a:stretch/>
-            </p:blipFill>
-            <p:spPr bwMode="auto">
-              <a:xfrm flipH="1">
-                <a:off x="8396793" y="957435"/>
-                <a:ext cx="373434" cy="298546"/>
-              </a:xfrm>
-              <a:prstGeom prst="rect">
-                <a:avLst/>
-              </a:prstGeom>
-              <a:noFill/>
-              <a:extLst>
-                <a:ext uri="{909E8E84-426E-40DD-AFC4-6F175D3DCCD1}">
-                  <a14:hiddenFill xmlns:a14="http://schemas.microsoft.com/office/drawing/2010/main">
-                    <a:solidFill>
-                      <a:srgbClr val="FFFFFF"/>
-                    </a:solidFill>
-                  </a14:hiddenFill>
-                </a:ext>
-              </a:extLst>
-            </p:spPr>
-          </p:pic>
-          <p:pic>
-            <p:nvPicPr>
-              <p:cNvPr id="50" name="Picture 49">
-                <a:extLst>
-                  <a:ext uri="{FF2B5EF4-FFF2-40B4-BE49-F238E27FC236}">
-                    <a16:creationId xmlns:a16="http://schemas.microsoft.com/office/drawing/2014/main" id="{19AF7749-27C5-A6EC-8186-D06293B97C66}"/>
-                  </a:ext>
-                </a:extLst>
-              </p:cNvPr>
-              <p:cNvPicPr>
-                <a:picLocks noChangeAspect="1"/>
-              </p:cNvPicPr>
-              <p:nvPr/>
-            </p:nvPicPr>
-            <p:blipFill rotWithShape="1">
-              <a:blip r:embed="rId4"/>
-              <a:srcRect l="5953" t="10534" r="2533" b="6922"/>
-              <a:stretch/>
-            </p:blipFill>
-            <p:spPr>
-              <a:xfrm>
-                <a:off x="8391001" y="989512"/>
-                <a:ext cx="379226" cy="276831"/>
-              </a:xfrm>
-              <a:prstGeom prst="rect">
-                <a:avLst/>
-              </a:prstGeom>
-            </p:spPr>
-          </p:pic>
-        </p:grpSp>
-      </p:grpSp>
-      <p:pic>
-        <p:nvPicPr>
-          <p:cNvPr id="4098" name="Picture 2" descr="Source-Code Icons - Free SVG &amp; PNG Source-Code Images - Noun Project">
-            <a:extLst>
-              <a:ext uri="{FF2B5EF4-FFF2-40B4-BE49-F238E27FC236}">
-                <a16:creationId xmlns:a16="http://schemas.microsoft.com/office/drawing/2014/main" id="{D9D3567F-20BD-B041-0E6E-D97793006544}"/>
-              </a:ext>
-            </a:extLst>
-          </p:cNvPr>
-          <p:cNvPicPr>
-            <a:picLocks noChangeAspect="1" noChangeArrowheads="1"/>
-          </p:cNvPicPr>
-          <p:nvPr/>
-        </p:nvPicPr>
-        <p:blipFill>
-          <a:blip r:embed="rId5">
-            <a:extLst>
-              <a:ext uri="{28A0092B-C50C-407E-A947-70E740481C1C}">
-                <a14:useLocalDpi xmlns:a14="http://schemas.microsoft.com/office/drawing/2010/main" val="0"/>
-              </a:ext>
-            </a:extLst>
-          </a:blip>
-          <a:srcRect/>
-          <a:stretch>
-            <a:fillRect/>
-          </a:stretch>
-        </p:blipFill>
-        <p:spPr bwMode="auto">
-          <a:xfrm>
-            <a:off x="1648176" y="2872232"/>
-            <a:ext cx="2540000" cy="2540000"/>
-          </a:xfrm>
-          <a:prstGeom prst="rect">
-            <a:avLst/>
-          </a:prstGeom>
-          <a:noFill/>
-          <a:extLst>
-            <a:ext uri="{909E8E84-426E-40DD-AFC4-6F175D3DCCD1}">
-              <a14:hiddenFill xmlns:a14="http://schemas.microsoft.com/office/drawing/2010/main">
-                <a:solidFill>
-                  <a:srgbClr val="FFFFFF"/>
-                </a:solidFill>
-              </a14:hiddenFill>
-            </a:ext>
-          </a:extLst>
-        </p:spPr>
-      </p:pic>
-      <p:grpSp>
-        <p:nvGrpSpPr>
-          <p:cNvPr id="83" name="Group 82">
-            <a:extLst>
-              <a:ext uri="{FF2B5EF4-FFF2-40B4-BE49-F238E27FC236}">
-                <a16:creationId xmlns:a16="http://schemas.microsoft.com/office/drawing/2014/main" id="{495500A8-8BB1-9167-53A4-F50635766CE3}"/>
-              </a:ext>
-            </a:extLst>
-          </p:cNvPr>
-          <p:cNvGrpSpPr/>
-          <p:nvPr/>
-        </p:nvGrpSpPr>
-        <p:grpSpPr>
-          <a:xfrm>
-            <a:off x="5687568" y="3195108"/>
-            <a:ext cx="1447663" cy="1234664"/>
-            <a:chOff x="5687568" y="3195108"/>
-            <a:chExt cx="1447663" cy="1234664"/>
-          </a:xfrm>
-        </p:grpSpPr>
-        <p:sp>
-          <p:nvSpPr>
-            <p:cNvPr id="65" name="Rectangle 64">
-              <a:extLst>
-                <a:ext uri="{FF2B5EF4-FFF2-40B4-BE49-F238E27FC236}">
-                  <a16:creationId xmlns:a16="http://schemas.microsoft.com/office/drawing/2014/main" id="{0407ACF1-AAE8-A092-2F4A-91A49B034629}"/>
-                </a:ext>
-              </a:extLst>
-            </p:cNvPr>
-            <p:cNvSpPr/>
-            <p:nvPr/>
-          </p:nvSpPr>
-          <p:spPr>
-            <a:xfrm>
-              <a:off x="5687568" y="3195108"/>
-              <a:ext cx="1447663" cy="1234664"/>
-            </a:xfrm>
-            <a:prstGeom prst="rect">
+            <a:prstGeom prst="roundRect">
               <a:avLst/>
             </a:prstGeom>
             <a:noFill/>
             <a:ln w="19050">
               <a:solidFill>
-                <a:schemeClr val="tx1"/>
+                <a:srgbClr val="172CEC"/>
               </a:solidFill>
             </a:ln>
           </p:spPr>
@@ -7986,311 +8097,12 @@
             </a:p>
           </p:txBody>
         </p:sp>
-        <p:cxnSp>
-          <p:nvCxnSpPr>
-            <p:cNvPr id="67" name="Straight Connector 66">
+        <p:sp>
+          <p:nvSpPr>
+            <p:cNvPr id="4111" name="Rounded Rectangle 4110">
               <a:extLst>
                 <a:ext uri="{FF2B5EF4-FFF2-40B4-BE49-F238E27FC236}">
-                  <a16:creationId xmlns:a16="http://schemas.microsoft.com/office/drawing/2014/main" id="{AC8D91D7-A9F4-3CA6-0617-62D1E37C1BC5}"/>
-                </a:ext>
-              </a:extLst>
-            </p:cNvPr>
-            <p:cNvCxnSpPr/>
-            <p:nvPr/>
-          </p:nvCxnSpPr>
-          <p:spPr>
-            <a:xfrm>
-              <a:off x="5861304" y="3584448"/>
-              <a:ext cx="759176" cy="0"/>
-            </a:xfrm>
-            <a:prstGeom prst="line">
-              <a:avLst/>
-            </a:prstGeom>
-            <a:ln w="28575">
-              <a:solidFill>
-                <a:schemeClr val="tx1"/>
-              </a:solidFill>
-            </a:ln>
-          </p:spPr>
-          <p:style>
-            <a:lnRef idx="1">
-              <a:schemeClr val="accent1"/>
-            </a:lnRef>
-            <a:fillRef idx="0">
-              <a:schemeClr val="accent1"/>
-            </a:fillRef>
-            <a:effectRef idx="0">
-              <a:schemeClr val="accent1"/>
-            </a:effectRef>
-            <a:fontRef idx="minor">
-              <a:schemeClr val="tx1"/>
-            </a:fontRef>
-          </p:style>
-        </p:cxnSp>
-        <p:cxnSp>
-          <p:nvCxnSpPr>
-            <p:cNvPr id="68" name="Straight Connector 67">
-              <a:extLst>
-                <a:ext uri="{FF2B5EF4-FFF2-40B4-BE49-F238E27FC236}">
-                  <a16:creationId xmlns:a16="http://schemas.microsoft.com/office/drawing/2014/main" id="{D2941B44-9EA6-13A9-45E0-8527088CBE93}"/>
-                </a:ext>
-              </a:extLst>
-            </p:cNvPr>
-            <p:cNvCxnSpPr>
-              <a:cxnSpLocks/>
-            </p:cNvCxnSpPr>
-            <p:nvPr/>
-          </p:nvCxnSpPr>
-          <p:spPr>
-            <a:xfrm>
-              <a:off x="6769060" y="3584448"/>
-              <a:ext cx="313944" cy="0"/>
-            </a:xfrm>
-            <a:prstGeom prst="line">
-              <a:avLst/>
-            </a:prstGeom>
-            <a:ln w="28575">
-              <a:solidFill>
-                <a:schemeClr val="tx1"/>
-              </a:solidFill>
-            </a:ln>
-          </p:spPr>
-          <p:style>
-            <a:lnRef idx="1">
-              <a:schemeClr val="accent1"/>
-            </a:lnRef>
-            <a:fillRef idx="0">
-              <a:schemeClr val="accent1"/>
-            </a:fillRef>
-            <a:effectRef idx="0">
-              <a:schemeClr val="accent1"/>
-            </a:effectRef>
-            <a:fontRef idx="minor">
-              <a:schemeClr val="tx1"/>
-            </a:fontRef>
-          </p:style>
-        </p:cxnSp>
-        <p:cxnSp>
-          <p:nvCxnSpPr>
-            <p:cNvPr id="70" name="Straight Connector 69">
-              <a:extLst>
-                <a:ext uri="{FF2B5EF4-FFF2-40B4-BE49-F238E27FC236}">
-                  <a16:creationId xmlns:a16="http://schemas.microsoft.com/office/drawing/2014/main" id="{E53DF982-029B-CFBC-F80E-A63803083884}"/>
-                </a:ext>
-              </a:extLst>
-            </p:cNvPr>
-            <p:cNvCxnSpPr>
-              <a:cxnSpLocks/>
-            </p:cNvCxnSpPr>
-            <p:nvPr/>
-          </p:nvCxnSpPr>
-          <p:spPr>
-            <a:xfrm>
-              <a:off x="5861304" y="3407664"/>
-              <a:ext cx="1064728" cy="0"/>
-            </a:xfrm>
-            <a:prstGeom prst="line">
-              <a:avLst/>
-            </a:prstGeom>
-            <a:ln w="28575">
-              <a:solidFill>
-                <a:schemeClr val="tx1"/>
-              </a:solidFill>
-            </a:ln>
-          </p:spPr>
-          <p:style>
-            <a:lnRef idx="1">
-              <a:schemeClr val="accent1"/>
-            </a:lnRef>
-            <a:fillRef idx="0">
-              <a:schemeClr val="accent1"/>
-            </a:fillRef>
-            <a:effectRef idx="0">
-              <a:schemeClr val="accent1"/>
-            </a:effectRef>
-            <a:fontRef idx="minor">
-              <a:schemeClr val="tx1"/>
-            </a:fontRef>
-          </p:style>
-        </p:cxnSp>
-        <p:cxnSp>
-          <p:nvCxnSpPr>
-            <p:cNvPr id="72" name="Straight Connector 71">
-              <a:extLst>
-                <a:ext uri="{FF2B5EF4-FFF2-40B4-BE49-F238E27FC236}">
-                  <a16:creationId xmlns:a16="http://schemas.microsoft.com/office/drawing/2014/main" id="{D17BBCD5-581C-2519-ED3A-92155E9D93CE}"/>
-                </a:ext>
-              </a:extLst>
-            </p:cNvPr>
-            <p:cNvCxnSpPr>
-              <a:cxnSpLocks/>
-            </p:cNvCxnSpPr>
-            <p:nvPr/>
-          </p:nvCxnSpPr>
-          <p:spPr>
-            <a:xfrm>
-              <a:off x="5874912" y="3781044"/>
-              <a:ext cx="603338" cy="0"/>
-            </a:xfrm>
-            <a:prstGeom prst="line">
-              <a:avLst/>
-            </a:prstGeom>
-            <a:ln w="28575">
-              <a:solidFill>
-                <a:schemeClr val="tx1"/>
-              </a:solidFill>
-            </a:ln>
-          </p:spPr>
-          <p:style>
-            <a:lnRef idx="1">
-              <a:schemeClr val="accent1"/>
-            </a:lnRef>
-            <a:fillRef idx="0">
-              <a:schemeClr val="accent1"/>
-            </a:fillRef>
-            <a:effectRef idx="0">
-              <a:schemeClr val="accent1"/>
-            </a:effectRef>
-            <a:fontRef idx="minor">
-              <a:schemeClr val="tx1"/>
-            </a:fontRef>
-          </p:style>
-        </p:cxnSp>
-        <p:cxnSp>
-          <p:nvCxnSpPr>
-            <p:cNvPr id="73" name="Straight Connector 72">
-              <a:extLst>
-                <a:ext uri="{FF2B5EF4-FFF2-40B4-BE49-F238E27FC236}">
-                  <a16:creationId xmlns:a16="http://schemas.microsoft.com/office/drawing/2014/main" id="{BF34C14F-F848-65C5-1EFA-7112C4E6F0A8}"/>
-                </a:ext>
-              </a:extLst>
-            </p:cNvPr>
-            <p:cNvCxnSpPr>
-              <a:cxnSpLocks/>
-            </p:cNvCxnSpPr>
-            <p:nvPr/>
-          </p:nvCxnSpPr>
-          <p:spPr>
-            <a:xfrm>
-              <a:off x="5873496" y="3979164"/>
-              <a:ext cx="895564" cy="0"/>
-            </a:xfrm>
-            <a:prstGeom prst="line">
-              <a:avLst/>
-            </a:prstGeom>
-            <a:ln w="28575">
-              <a:solidFill>
-                <a:schemeClr val="tx1"/>
-              </a:solidFill>
-            </a:ln>
-          </p:spPr>
-          <p:style>
-            <a:lnRef idx="1">
-              <a:schemeClr val="accent1"/>
-            </a:lnRef>
-            <a:fillRef idx="0">
-              <a:schemeClr val="accent1"/>
-            </a:fillRef>
-            <a:effectRef idx="0">
-              <a:schemeClr val="accent1"/>
-            </a:effectRef>
-            <a:fontRef idx="minor">
-              <a:schemeClr val="tx1"/>
-            </a:fontRef>
-          </p:style>
-        </p:cxnSp>
-        <p:cxnSp>
-          <p:nvCxnSpPr>
-            <p:cNvPr id="74" name="Straight Connector 73">
-              <a:extLst>
-                <a:ext uri="{FF2B5EF4-FFF2-40B4-BE49-F238E27FC236}">
-                  <a16:creationId xmlns:a16="http://schemas.microsoft.com/office/drawing/2014/main" id="{39A3C178-BE24-F245-77CB-40B0F9E9AAA7}"/>
-                </a:ext>
-              </a:extLst>
-            </p:cNvPr>
-            <p:cNvCxnSpPr>
-              <a:cxnSpLocks/>
-            </p:cNvCxnSpPr>
-            <p:nvPr/>
-          </p:nvCxnSpPr>
-          <p:spPr>
-            <a:xfrm>
-              <a:off x="5873496" y="4158996"/>
-              <a:ext cx="520172" cy="0"/>
-            </a:xfrm>
-            <a:prstGeom prst="line">
-              <a:avLst/>
-            </a:prstGeom>
-            <a:ln w="28575">
-              <a:solidFill>
-                <a:schemeClr val="tx1"/>
-              </a:solidFill>
-            </a:ln>
-          </p:spPr>
-          <p:style>
-            <a:lnRef idx="1">
-              <a:schemeClr val="accent1"/>
-            </a:lnRef>
-            <a:fillRef idx="0">
-              <a:schemeClr val="accent1"/>
-            </a:fillRef>
-            <a:effectRef idx="0">
-              <a:schemeClr val="accent1"/>
-            </a:effectRef>
-            <a:fontRef idx="minor">
-              <a:schemeClr val="tx1"/>
-            </a:fontRef>
-          </p:style>
-        </p:cxnSp>
-        <p:cxnSp>
-          <p:nvCxnSpPr>
-            <p:cNvPr id="78" name="Straight Connector 77">
-              <a:extLst>
-                <a:ext uri="{FF2B5EF4-FFF2-40B4-BE49-F238E27FC236}">
-                  <a16:creationId xmlns:a16="http://schemas.microsoft.com/office/drawing/2014/main" id="{C8857871-E779-4138-0ECB-443F99D5E2A3}"/>
-                </a:ext>
-              </a:extLst>
-            </p:cNvPr>
-            <p:cNvCxnSpPr>
-              <a:cxnSpLocks/>
-            </p:cNvCxnSpPr>
-            <p:nvPr/>
-          </p:nvCxnSpPr>
-          <p:spPr>
-            <a:xfrm>
-              <a:off x="6612088" y="3781044"/>
-              <a:ext cx="313944" cy="0"/>
-            </a:xfrm>
-            <a:prstGeom prst="line">
-              <a:avLst/>
-            </a:prstGeom>
-            <a:ln w="28575">
-              <a:solidFill>
-                <a:schemeClr val="tx1"/>
-              </a:solidFill>
-            </a:ln>
-          </p:spPr>
-          <p:style>
-            <a:lnRef idx="1">
-              <a:schemeClr val="accent1"/>
-            </a:lnRef>
-            <a:fillRef idx="0">
-              <a:schemeClr val="accent1"/>
-            </a:fillRef>
-            <a:effectRef idx="0">
-              <a:schemeClr val="accent1"/>
-            </a:effectRef>
-            <a:fontRef idx="minor">
-              <a:schemeClr val="tx1"/>
-            </a:fontRef>
-          </p:style>
-        </p:cxnSp>
-        <p:sp>
-          <p:nvSpPr>
-            <p:cNvPr id="81" name="Left Brace 80">
-              <a:extLst>
-                <a:ext uri="{FF2B5EF4-FFF2-40B4-BE49-F238E27FC236}">
-                  <a16:creationId xmlns:a16="http://schemas.microsoft.com/office/drawing/2014/main" id="{BB39395A-C24E-E763-5F18-2FFB16C5FDE2}"/>
+                  <a16:creationId xmlns:a16="http://schemas.microsoft.com/office/drawing/2014/main" id="{DEC5775D-467D-719A-E903-34923FFCAAF7}"/>
                 </a:ext>
               </a:extLst>
             </p:cNvPr>
@@ -8299,135 +8111,16 @@
           </p:nvSpPr>
           <p:spPr>
             <a:xfrm>
-              <a:off x="5703373" y="3231684"/>
-              <a:ext cx="93923" cy="147017"/>
+              <a:off x="6440410" y="2138932"/>
+              <a:ext cx="874787" cy="223589"/>
             </a:xfrm>
-            <a:prstGeom prst="leftBrace">
-              <a:avLst/>
-            </a:prstGeom>
-            <a:ln w="28575">
-              <a:solidFill>
-                <a:schemeClr val="tx1"/>
-              </a:solidFill>
-            </a:ln>
-          </p:spPr>
-          <p:style>
-            <a:lnRef idx="1">
-              <a:schemeClr val="accent1"/>
-            </a:lnRef>
-            <a:fillRef idx="0">
-              <a:schemeClr val="accent1"/>
-            </a:fillRef>
-            <a:effectRef idx="0">
-              <a:schemeClr val="accent1"/>
-            </a:effectRef>
-            <a:fontRef idx="minor">
-              <a:schemeClr val="tx1"/>
-            </a:fontRef>
-          </p:style>
-          <p:txBody>
-            <a:bodyPr rtlCol="0" anchor="ctr"/>
-            <a:lstStyle/>
-            <a:p>
-              <a:pPr algn="ctr"/>
-              <a:endParaRPr lang="en-US"/>
-            </a:p>
-          </p:txBody>
-        </p:sp>
-        <p:sp>
-          <p:nvSpPr>
-            <p:cNvPr id="82" name="Left Brace 81">
-              <a:extLst>
-                <a:ext uri="{FF2B5EF4-FFF2-40B4-BE49-F238E27FC236}">
-                  <a16:creationId xmlns:a16="http://schemas.microsoft.com/office/drawing/2014/main" id="{EFDB32FA-DE66-1916-1853-F52570D9DBB3}"/>
-                </a:ext>
-              </a:extLst>
-            </p:cNvPr>
-            <p:cNvSpPr/>
-            <p:nvPr/>
-          </p:nvSpPr>
-          <p:spPr>
-            <a:xfrm rot="10635677">
-              <a:off x="5750336" y="4208944"/>
-              <a:ext cx="93923" cy="147017"/>
-            </a:xfrm>
-            <a:prstGeom prst="leftBrace">
-              <a:avLst/>
-            </a:prstGeom>
-            <a:ln w="28575">
-              <a:solidFill>
-                <a:schemeClr val="tx1"/>
-              </a:solidFill>
-            </a:ln>
-          </p:spPr>
-          <p:style>
-            <a:lnRef idx="1">
-              <a:schemeClr val="accent1"/>
-            </a:lnRef>
-            <a:fillRef idx="0">
-              <a:schemeClr val="accent1"/>
-            </a:fillRef>
-            <a:effectRef idx="0">
-              <a:schemeClr val="accent1"/>
-            </a:effectRef>
-            <a:fontRef idx="minor">
-              <a:schemeClr val="tx1"/>
-            </a:fontRef>
-          </p:style>
-          <p:txBody>
-            <a:bodyPr rtlCol="0" anchor="ctr"/>
-            <a:lstStyle/>
-            <a:p>
-              <a:pPr algn="ctr"/>
-              <a:endParaRPr lang="en-US"/>
-            </a:p>
-          </p:txBody>
-        </p:sp>
-      </p:grpSp>
-      <p:grpSp>
-        <p:nvGrpSpPr>
-          <p:cNvPr id="84" name="Group 83">
-            <a:extLst>
-              <a:ext uri="{FF2B5EF4-FFF2-40B4-BE49-F238E27FC236}">
-                <a16:creationId xmlns:a16="http://schemas.microsoft.com/office/drawing/2014/main" id="{0B0D1FFF-AE37-A8DF-1209-D819E5AEBE32}"/>
-              </a:ext>
-            </a:extLst>
-          </p:cNvPr>
-          <p:cNvGrpSpPr/>
-          <p:nvPr/>
-        </p:nvGrpSpPr>
-        <p:grpSpPr>
-          <a:xfrm>
-            <a:off x="8137778" y="3163712"/>
-            <a:ext cx="1447663" cy="1764904"/>
-            <a:chOff x="5687568" y="3195108"/>
-            <a:chExt cx="1447663" cy="1234664"/>
-          </a:xfrm>
-        </p:grpSpPr>
-        <p:sp>
-          <p:nvSpPr>
-            <p:cNvPr id="85" name="Rectangle 84">
-              <a:extLst>
-                <a:ext uri="{FF2B5EF4-FFF2-40B4-BE49-F238E27FC236}">
-                  <a16:creationId xmlns:a16="http://schemas.microsoft.com/office/drawing/2014/main" id="{B106F7B9-EA11-53A7-E1B0-01A78268CEF5}"/>
-                </a:ext>
-              </a:extLst>
-            </p:cNvPr>
-            <p:cNvSpPr/>
-            <p:nvPr/>
-          </p:nvSpPr>
-          <p:spPr>
-            <a:xfrm>
-              <a:off x="5687568" y="3195108"/>
-              <a:ext cx="1447663" cy="1234664"/>
-            </a:xfrm>
-            <a:prstGeom prst="rect">
+            <a:prstGeom prst="roundRect">
               <a:avLst/>
             </a:prstGeom>
             <a:noFill/>
             <a:ln w="19050">
               <a:solidFill>
-                <a:schemeClr val="tx1"/>
+                <a:srgbClr val="172CEC"/>
               </a:solidFill>
             </a:ln>
           </p:spPr>
@@ -8456,439 +8149,7 @@
             </a:p>
           </p:txBody>
         </p:sp>
-        <p:cxnSp>
-          <p:nvCxnSpPr>
-            <p:cNvPr id="86" name="Straight Connector 85">
-              <a:extLst>
-                <a:ext uri="{FF2B5EF4-FFF2-40B4-BE49-F238E27FC236}">
-                  <a16:creationId xmlns:a16="http://schemas.microsoft.com/office/drawing/2014/main" id="{0DCEA860-59C0-7674-A450-38660670BB4F}"/>
-                </a:ext>
-              </a:extLst>
-            </p:cNvPr>
-            <p:cNvCxnSpPr/>
-            <p:nvPr/>
-          </p:nvCxnSpPr>
-          <p:spPr>
-            <a:xfrm>
-              <a:off x="5861304" y="3584448"/>
-              <a:ext cx="759176" cy="0"/>
-            </a:xfrm>
-            <a:prstGeom prst="line">
-              <a:avLst/>
-            </a:prstGeom>
-            <a:ln w="28575">
-              <a:solidFill>
-                <a:schemeClr val="tx1"/>
-              </a:solidFill>
-            </a:ln>
-          </p:spPr>
-          <p:style>
-            <a:lnRef idx="1">
-              <a:schemeClr val="accent1"/>
-            </a:lnRef>
-            <a:fillRef idx="0">
-              <a:schemeClr val="accent1"/>
-            </a:fillRef>
-            <a:effectRef idx="0">
-              <a:schemeClr val="accent1"/>
-            </a:effectRef>
-            <a:fontRef idx="minor">
-              <a:schemeClr val="tx1"/>
-            </a:fontRef>
-          </p:style>
-        </p:cxnSp>
-        <p:cxnSp>
-          <p:nvCxnSpPr>
-            <p:cNvPr id="87" name="Straight Connector 86">
-              <a:extLst>
-                <a:ext uri="{FF2B5EF4-FFF2-40B4-BE49-F238E27FC236}">
-                  <a16:creationId xmlns:a16="http://schemas.microsoft.com/office/drawing/2014/main" id="{74B80EC4-7BDC-A9D7-0D92-B7C2230FE621}"/>
-                </a:ext>
-              </a:extLst>
-            </p:cNvPr>
-            <p:cNvCxnSpPr>
-              <a:cxnSpLocks/>
-            </p:cNvCxnSpPr>
-            <p:nvPr/>
-          </p:nvCxnSpPr>
-          <p:spPr>
-            <a:xfrm>
-              <a:off x="6769060" y="3584448"/>
-              <a:ext cx="313944" cy="0"/>
-            </a:xfrm>
-            <a:prstGeom prst="line">
-              <a:avLst/>
-            </a:prstGeom>
-            <a:ln w="28575">
-              <a:solidFill>
-                <a:schemeClr val="tx1"/>
-              </a:solidFill>
-            </a:ln>
-          </p:spPr>
-          <p:style>
-            <a:lnRef idx="1">
-              <a:schemeClr val="accent1"/>
-            </a:lnRef>
-            <a:fillRef idx="0">
-              <a:schemeClr val="accent1"/>
-            </a:fillRef>
-            <a:effectRef idx="0">
-              <a:schemeClr val="accent1"/>
-            </a:effectRef>
-            <a:fontRef idx="minor">
-              <a:schemeClr val="tx1"/>
-            </a:fontRef>
-          </p:style>
-        </p:cxnSp>
-        <p:cxnSp>
-          <p:nvCxnSpPr>
-            <p:cNvPr id="88" name="Straight Connector 87">
-              <a:extLst>
-                <a:ext uri="{FF2B5EF4-FFF2-40B4-BE49-F238E27FC236}">
-                  <a16:creationId xmlns:a16="http://schemas.microsoft.com/office/drawing/2014/main" id="{3CF90F03-FE11-EBEF-B1F5-70AFD6E805E1}"/>
-                </a:ext>
-              </a:extLst>
-            </p:cNvPr>
-            <p:cNvCxnSpPr>
-              <a:cxnSpLocks/>
-            </p:cNvCxnSpPr>
-            <p:nvPr/>
-          </p:nvCxnSpPr>
-          <p:spPr>
-            <a:xfrm>
-              <a:off x="5861304" y="3433252"/>
-              <a:ext cx="1064728" cy="0"/>
-            </a:xfrm>
-            <a:prstGeom prst="line">
-              <a:avLst/>
-            </a:prstGeom>
-            <a:ln w="28575">
-              <a:solidFill>
-                <a:schemeClr val="tx1"/>
-              </a:solidFill>
-            </a:ln>
-          </p:spPr>
-          <p:style>
-            <a:lnRef idx="1">
-              <a:schemeClr val="accent1"/>
-            </a:lnRef>
-            <a:fillRef idx="0">
-              <a:schemeClr val="accent1"/>
-            </a:fillRef>
-            <a:effectRef idx="0">
-              <a:schemeClr val="accent1"/>
-            </a:effectRef>
-            <a:fontRef idx="minor">
-              <a:schemeClr val="tx1"/>
-            </a:fontRef>
-          </p:style>
-        </p:cxnSp>
-        <p:cxnSp>
-          <p:nvCxnSpPr>
-            <p:cNvPr id="89" name="Straight Connector 88">
-              <a:extLst>
-                <a:ext uri="{FF2B5EF4-FFF2-40B4-BE49-F238E27FC236}">
-                  <a16:creationId xmlns:a16="http://schemas.microsoft.com/office/drawing/2014/main" id="{CB8A7404-6148-35B7-091C-32B7AA6CB514}"/>
-                </a:ext>
-              </a:extLst>
-            </p:cNvPr>
-            <p:cNvCxnSpPr>
-              <a:cxnSpLocks/>
-            </p:cNvCxnSpPr>
-            <p:nvPr/>
-          </p:nvCxnSpPr>
-          <p:spPr>
-            <a:xfrm>
-              <a:off x="5874912" y="3781044"/>
-              <a:ext cx="603338" cy="0"/>
-            </a:xfrm>
-            <a:prstGeom prst="line">
-              <a:avLst/>
-            </a:prstGeom>
-            <a:ln w="28575">
-              <a:solidFill>
-                <a:schemeClr val="tx1"/>
-              </a:solidFill>
-            </a:ln>
-          </p:spPr>
-          <p:style>
-            <a:lnRef idx="1">
-              <a:schemeClr val="accent1"/>
-            </a:lnRef>
-            <a:fillRef idx="0">
-              <a:schemeClr val="accent1"/>
-            </a:fillRef>
-            <a:effectRef idx="0">
-              <a:schemeClr val="accent1"/>
-            </a:effectRef>
-            <a:fontRef idx="minor">
-              <a:schemeClr val="tx1"/>
-            </a:fontRef>
-          </p:style>
-        </p:cxnSp>
-        <p:cxnSp>
-          <p:nvCxnSpPr>
-            <p:cNvPr id="90" name="Straight Connector 89">
-              <a:extLst>
-                <a:ext uri="{FF2B5EF4-FFF2-40B4-BE49-F238E27FC236}">
-                  <a16:creationId xmlns:a16="http://schemas.microsoft.com/office/drawing/2014/main" id="{0AAB6B1B-3CF5-6C53-BC7A-E9A1ECB3BDC3}"/>
-                </a:ext>
-              </a:extLst>
-            </p:cNvPr>
-            <p:cNvCxnSpPr>
-              <a:cxnSpLocks/>
-            </p:cNvCxnSpPr>
-            <p:nvPr/>
-          </p:nvCxnSpPr>
-          <p:spPr>
-            <a:xfrm>
-              <a:off x="5873496" y="3979164"/>
-              <a:ext cx="895564" cy="0"/>
-            </a:xfrm>
-            <a:prstGeom prst="line">
-              <a:avLst/>
-            </a:prstGeom>
-            <a:ln w="28575">
-              <a:solidFill>
-                <a:schemeClr val="tx1"/>
-              </a:solidFill>
-            </a:ln>
-          </p:spPr>
-          <p:style>
-            <a:lnRef idx="1">
-              <a:schemeClr val="accent1"/>
-            </a:lnRef>
-            <a:fillRef idx="0">
-              <a:schemeClr val="accent1"/>
-            </a:fillRef>
-            <a:effectRef idx="0">
-              <a:schemeClr val="accent1"/>
-            </a:effectRef>
-            <a:fontRef idx="minor">
-              <a:schemeClr val="tx1"/>
-            </a:fontRef>
-          </p:style>
-        </p:cxnSp>
-        <p:cxnSp>
-          <p:nvCxnSpPr>
-            <p:cNvPr id="91" name="Straight Connector 90">
-              <a:extLst>
-                <a:ext uri="{FF2B5EF4-FFF2-40B4-BE49-F238E27FC236}">
-                  <a16:creationId xmlns:a16="http://schemas.microsoft.com/office/drawing/2014/main" id="{4D0A8749-F26E-EE9B-9938-A7F1309FD018}"/>
-                </a:ext>
-              </a:extLst>
-            </p:cNvPr>
-            <p:cNvCxnSpPr>
-              <a:cxnSpLocks/>
-            </p:cNvCxnSpPr>
-            <p:nvPr/>
-          </p:nvCxnSpPr>
-          <p:spPr>
-            <a:xfrm>
-              <a:off x="5873496" y="4158996"/>
-              <a:ext cx="520172" cy="0"/>
-            </a:xfrm>
-            <a:prstGeom prst="line">
-              <a:avLst/>
-            </a:prstGeom>
-            <a:ln w="28575">
-              <a:solidFill>
-                <a:schemeClr val="tx1"/>
-              </a:solidFill>
-            </a:ln>
-          </p:spPr>
-          <p:style>
-            <a:lnRef idx="1">
-              <a:schemeClr val="accent1"/>
-            </a:lnRef>
-            <a:fillRef idx="0">
-              <a:schemeClr val="accent1"/>
-            </a:fillRef>
-            <a:effectRef idx="0">
-              <a:schemeClr val="accent1"/>
-            </a:effectRef>
-            <a:fontRef idx="minor">
-              <a:schemeClr val="tx1"/>
-            </a:fontRef>
-          </p:style>
-        </p:cxnSp>
-        <p:cxnSp>
-          <p:nvCxnSpPr>
-            <p:cNvPr id="92" name="Straight Connector 91">
-              <a:extLst>
-                <a:ext uri="{FF2B5EF4-FFF2-40B4-BE49-F238E27FC236}">
-                  <a16:creationId xmlns:a16="http://schemas.microsoft.com/office/drawing/2014/main" id="{8D78F735-79CF-D573-E2C2-A41E7E45FB4A}"/>
-                </a:ext>
-              </a:extLst>
-            </p:cNvPr>
-            <p:cNvCxnSpPr>
-              <a:cxnSpLocks/>
-            </p:cNvCxnSpPr>
-            <p:nvPr/>
-          </p:nvCxnSpPr>
-          <p:spPr>
-            <a:xfrm>
-              <a:off x="6612088" y="3781044"/>
-              <a:ext cx="313944" cy="0"/>
-            </a:xfrm>
-            <a:prstGeom prst="line">
-              <a:avLst/>
-            </a:prstGeom>
-            <a:ln w="28575">
-              <a:solidFill>
-                <a:schemeClr val="tx1"/>
-              </a:solidFill>
-            </a:ln>
-          </p:spPr>
-          <p:style>
-            <a:lnRef idx="1">
-              <a:schemeClr val="accent1"/>
-            </a:lnRef>
-            <a:fillRef idx="0">
-              <a:schemeClr val="accent1"/>
-            </a:fillRef>
-            <a:effectRef idx="0">
-              <a:schemeClr val="accent1"/>
-            </a:effectRef>
-            <a:fontRef idx="minor">
-              <a:schemeClr val="tx1"/>
-            </a:fontRef>
-          </p:style>
-        </p:cxnSp>
-        <p:sp>
-          <p:nvSpPr>
-            <p:cNvPr id="93" name="Left Brace 92">
-              <a:extLst>
-                <a:ext uri="{FF2B5EF4-FFF2-40B4-BE49-F238E27FC236}">
-                  <a16:creationId xmlns:a16="http://schemas.microsoft.com/office/drawing/2014/main" id="{3EF38231-E962-0880-EE57-BB36D8CFD8EF}"/>
-                </a:ext>
-              </a:extLst>
-            </p:cNvPr>
-            <p:cNvSpPr/>
-            <p:nvPr/>
-          </p:nvSpPr>
-          <p:spPr>
-            <a:xfrm>
-              <a:off x="5703373" y="3231684"/>
-              <a:ext cx="93923" cy="147017"/>
-            </a:xfrm>
-            <a:prstGeom prst="leftBrace">
-              <a:avLst/>
-            </a:prstGeom>
-            <a:ln w="28575">
-              <a:solidFill>
-                <a:schemeClr val="tx1"/>
-              </a:solidFill>
-            </a:ln>
-          </p:spPr>
-          <p:style>
-            <a:lnRef idx="1">
-              <a:schemeClr val="accent1"/>
-            </a:lnRef>
-            <a:fillRef idx="0">
-              <a:schemeClr val="accent1"/>
-            </a:fillRef>
-            <a:effectRef idx="0">
-              <a:schemeClr val="accent1"/>
-            </a:effectRef>
-            <a:fontRef idx="minor">
-              <a:schemeClr val="tx1"/>
-            </a:fontRef>
-          </p:style>
-          <p:txBody>
-            <a:bodyPr rtlCol="0" anchor="ctr"/>
-            <a:lstStyle/>
-            <a:p>
-              <a:pPr algn="ctr"/>
-              <a:endParaRPr lang="en-US"/>
-            </a:p>
-          </p:txBody>
-        </p:sp>
-        <p:sp>
-          <p:nvSpPr>
-            <p:cNvPr id="94" name="Left Brace 93">
-              <a:extLst>
-                <a:ext uri="{FF2B5EF4-FFF2-40B4-BE49-F238E27FC236}">
-                  <a16:creationId xmlns:a16="http://schemas.microsoft.com/office/drawing/2014/main" id="{51723A22-38C3-1392-C2E0-7DAD8505EDC5}"/>
-                </a:ext>
-              </a:extLst>
-            </p:cNvPr>
-            <p:cNvSpPr/>
-            <p:nvPr/>
-          </p:nvSpPr>
-          <p:spPr>
-            <a:xfrm rot="10635677">
-              <a:off x="5750336" y="4208944"/>
-              <a:ext cx="93923" cy="147017"/>
-            </a:xfrm>
-            <a:prstGeom prst="leftBrace">
-              <a:avLst/>
-            </a:prstGeom>
-            <a:ln w="28575">
-              <a:solidFill>
-                <a:schemeClr val="tx1"/>
-              </a:solidFill>
-            </a:ln>
-          </p:spPr>
-          <p:style>
-            <a:lnRef idx="1">
-              <a:schemeClr val="accent1"/>
-            </a:lnRef>
-            <a:fillRef idx="0">
-              <a:schemeClr val="accent1"/>
-            </a:fillRef>
-            <a:effectRef idx="0">
-              <a:schemeClr val="accent1"/>
-            </a:effectRef>
-            <a:fontRef idx="minor">
-              <a:schemeClr val="tx1"/>
-            </a:fontRef>
-          </p:style>
-          <p:txBody>
-            <a:bodyPr rtlCol="0" anchor="ctr"/>
-            <a:lstStyle/>
-            <a:p>
-              <a:pPr algn="ctr"/>
-              <a:endParaRPr lang="en-US"/>
-            </a:p>
-          </p:txBody>
-        </p:sp>
       </p:grpSp>
-      <p:sp>
-        <p:nvSpPr>
-          <p:cNvPr id="95" name="TextBox 94">
-            <a:extLst>
-              <a:ext uri="{FF2B5EF4-FFF2-40B4-BE49-F238E27FC236}">
-                <a16:creationId xmlns:a16="http://schemas.microsoft.com/office/drawing/2014/main" id="{25A8250A-2A52-515E-FBC8-5412A6DB900A}"/>
-              </a:ext>
-            </a:extLst>
-          </p:cNvPr>
-          <p:cNvSpPr txBox="1"/>
-          <p:nvPr/>
-        </p:nvSpPr>
-        <p:spPr>
-          <a:xfrm>
-            <a:off x="5661772" y="2837985"/>
-            <a:ext cx="786164" cy="461665"/>
-          </a:xfrm>
-          <a:prstGeom prst="rect">
-            <a:avLst/>
-          </a:prstGeom>
-          <a:noFill/>
-        </p:spPr>
-        <p:txBody>
-          <a:bodyPr wrap="square" rtlCol="0">
-            <a:spAutoFit/>
-          </a:bodyPr>
-          <a:lstStyle/>
-          <a:p>
-            <a:r>
-              <a:rPr lang="en-US" sz="2400" dirty="0"/>
-              <a:t>Foo</a:t>
-            </a:r>
-          </a:p>
-        </p:txBody>
-      </p:sp>
     </p:spTree>
     <p:extLst>
       <p:ext uri="{BB962C8B-B14F-4D97-AF65-F5344CB8AC3E}">
@@ -8911,9 +8172,6 @@
                     <p:cTn id="3" fill="hold">
                       <p:stCondLst>
                         <p:cond delay="indefinite"/>
-                        <p:cond evt="onBegin" delay="0">
-                          <p:tn val="2"/>
-                        </p:cond>
                       </p:stCondLst>
                       <p:childTnLst>
                         <p:par>
@@ -8923,7 +8181,7 @@
                             </p:stCondLst>
                             <p:childTnLst>
                               <p:par>
-                                <p:cTn id="5" presetID="9" presetClass="entr" presetSubtype="0" fill="hold" nodeType="afterEffect">
+                                <p:cTn id="5" presetID="1" presetClass="entr" presetSubtype="0" fill="hold" nodeType="clickEffect">
                                   <p:stCondLst>
                                     <p:cond delay="0"/>
                                   </p:stCondLst>
@@ -8936,7 +8194,142 @@
                                           </p:stCondLst>
                                         </p:cTn>
                                         <p:tgtEl>
-                                          <p:spTgt spid="25"/>
+                                          <p:spTgt spid="4103"/>
+                                        </p:tgtEl>
+                                        <p:attrNameLst>
+                                          <p:attrName>style.visibility</p:attrName>
+                                        </p:attrNameLst>
+                                      </p:cBhvr>
+                                      <p:to>
+                                        <p:strVal val="visible"/>
+                                      </p:to>
+                                    </p:set>
+                                  </p:childTnLst>
+                                </p:cTn>
+                              </p:par>
+                            </p:childTnLst>
+                          </p:cTn>
+                        </p:par>
+                      </p:childTnLst>
+                    </p:cTn>
+                  </p:par>
+                  <p:par>
+                    <p:cTn id="7" fill="hold">
+                      <p:stCondLst>
+                        <p:cond delay="indefinite"/>
+                      </p:stCondLst>
+                      <p:childTnLst>
+                        <p:par>
+                          <p:cTn id="8" fill="hold">
+                            <p:stCondLst>
+                              <p:cond delay="0"/>
+                            </p:stCondLst>
+                            <p:childTnLst>
+                              <p:par>
+                                <p:cTn id="9" presetID="1" presetClass="entr" presetSubtype="0" fill="hold" nodeType="clickEffect">
+                                  <p:stCondLst>
+                                    <p:cond delay="0"/>
+                                  </p:stCondLst>
+                                  <p:childTnLst>
+                                    <p:set>
+                                      <p:cBhvr>
+                                        <p:cTn id="10" dur="1" fill="hold">
+                                          <p:stCondLst>
+                                            <p:cond delay="0"/>
+                                          </p:stCondLst>
+                                        </p:cTn>
+                                        <p:tgtEl>
+                                          <p:spTgt spid="4117"/>
+                                        </p:tgtEl>
+                                        <p:attrNameLst>
+                                          <p:attrName>style.visibility</p:attrName>
+                                        </p:attrNameLst>
+                                      </p:cBhvr>
+                                      <p:to>
+                                        <p:strVal val="visible"/>
+                                      </p:to>
+                                    </p:set>
+                                  </p:childTnLst>
+                                </p:cTn>
+                              </p:par>
+                            </p:childTnLst>
+                          </p:cTn>
+                        </p:par>
+                      </p:childTnLst>
+                    </p:cTn>
+                  </p:par>
+                  <p:par>
+                    <p:cTn id="11" fill="hold">
+                      <p:stCondLst>
+                        <p:cond delay="indefinite"/>
+                      </p:stCondLst>
+                      <p:childTnLst>
+                        <p:par>
+                          <p:cTn id="12" fill="hold">
+                            <p:stCondLst>
+                              <p:cond delay="0"/>
+                            </p:stCondLst>
+                            <p:childTnLst>
+                              <p:par>
+                                <p:cTn id="13" presetID="1" presetClass="entr" presetSubtype="0" fill="hold" nodeType="clickEffect">
+                                  <p:stCondLst>
+                                    <p:cond delay="0"/>
+                                  </p:stCondLst>
+                                  <p:childTnLst>
+                                    <p:set>
+                                      <p:cBhvr>
+                                        <p:cTn id="14" dur="1" fill="hold">
+                                          <p:stCondLst>
+                                            <p:cond delay="0"/>
+                                          </p:stCondLst>
+                                        </p:cTn>
+                                        <p:tgtEl>
+                                          <p:spTgt spid="4113"/>
+                                        </p:tgtEl>
+                                        <p:attrNameLst>
+                                          <p:attrName>style.visibility</p:attrName>
+                                        </p:attrNameLst>
+                                      </p:cBhvr>
+                                      <p:to>
+                                        <p:strVal val="visible"/>
+                                      </p:to>
+                                    </p:set>
+                                  </p:childTnLst>
+                                </p:cTn>
+                              </p:par>
+                            </p:childTnLst>
+                          </p:cTn>
+                        </p:par>
+                      </p:childTnLst>
+                    </p:cTn>
+                  </p:par>
+                  <p:par>
+                    <p:cTn id="15" fill="hold">
+                      <p:stCondLst>
+                        <p:cond delay="indefinite"/>
+                      </p:stCondLst>
+                      <p:childTnLst>
+                        <p:par>
+                          <p:cTn id="16" fill="hold">
+                            <p:stCondLst>
+                              <p:cond delay="0"/>
+                            </p:stCondLst>
+                            <p:childTnLst>
+                              <p:par>
+                                <p:cTn id="17" presetID="9" presetClass="entr" presetSubtype="0" fill="hold" nodeType="clickEffect">
+                                  <p:stCondLst>
+                                    <p:cond delay="0"/>
+                                  </p:stCondLst>
+                                  <p:childTnLst>
+                                    <p:set>
+                                      <p:cBhvr>
+                                        <p:cTn id="18" dur="1" fill="hold">
+                                          <p:stCondLst>
+                                            <p:cond delay="0"/>
+                                          </p:stCondLst>
+                                        </p:cTn>
+                                        <p:tgtEl>
+                                          <p:spTgt spid="4112"/>
                                         </p:tgtEl>
                                         <p:attrNameLst>
                                           <p:attrName>style.visibility</p:attrName>
@@ -8948,57 +8341,12 @@
                                     </p:set>
                                     <p:animEffect transition="in" filter="dissolve">
                                       <p:cBhvr>
-                                        <p:cTn id="7" dur="1000"/>
+                                        <p:cTn id="19" dur="500"/>
                                         <p:tgtEl>
-                                          <p:spTgt spid="25"/>
+                                          <p:spTgt spid="4112"/>
                                         </p:tgtEl>
                                       </p:cBhvr>
                                     </p:animEffect>
-                                  </p:childTnLst>
-                                </p:cTn>
-                              </p:par>
-                            </p:childTnLst>
-                          </p:cTn>
-                        </p:par>
-                      </p:childTnLst>
-                    </p:cTn>
-                  </p:par>
-                  <p:par>
-                    <p:cTn id="8" fill="hold">
-                      <p:stCondLst>
-                        <p:cond delay="indefinite"/>
-                      </p:stCondLst>
-                      <p:childTnLst>
-                        <p:par>
-                          <p:cTn id="9" fill="hold">
-                            <p:stCondLst>
-                              <p:cond delay="0"/>
-                            </p:stCondLst>
-                            <p:childTnLst>
-                              <p:par>
-                                <p:cTn id="10" presetID="1" presetClass="entr" presetSubtype="0" fill="hold" nodeType="clickEffect">
-                                  <p:stCondLst>
-                                    <p:cond delay="0"/>
-                                  </p:stCondLst>
-                                  <p:childTnLst>
-                                    <p:set>
-                                      <p:cBhvr>
-                                        <p:cTn id="11" dur="1" fill="hold">
-                                          <p:stCondLst>
-                                            <p:cond delay="0"/>
-                                          </p:stCondLst>
-                                        </p:cTn>
-                                        <p:tgtEl>
-                                          <p:spTgt spid="19"/>
-                                        </p:tgtEl>
-                                        <p:attrNameLst>
-                                          <p:attrName>style.visibility</p:attrName>
-                                        </p:attrNameLst>
-                                      </p:cBhvr>
-                                      <p:to>
-                                        <p:strVal val="visible"/>
-                                      </p:to>
-                                    </p:set>
                                   </p:childTnLst>
                                 </p:cTn>
                               </p:par>

--- a/teaching/CS472/Timetable/LLM.pptx
+++ b/teaching/CS472/Timetable/LLM.pptx
@@ -5,7 +5,7 @@
     <p:sldMasterId id="2147483648" r:id="rId1"/>
   </p:sldMasterIdLst>
   <p:notesMasterIdLst>
-    <p:notesMasterId r:id="rId12"/>
+    <p:notesMasterId r:id="rId11"/>
   </p:notesMasterIdLst>
   <p:sldIdLst>
     <p:sldId id="256" r:id="rId2"/>
@@ -15,9 +15,8 @@
     <p:sldId id="266" r:id="rId6"/>
     <p:sldId id="261" r:id="rId7"/>
     <p:sldId id="260" r:id="rId8"/>
-    <p:sldId id="263" r:id="rId9"/>
-    <p:sldId id="265" r:id="rId10"/>
-    <p:sldId id="264" r:id="rId11"/>
+    <p:sldId id="265" r:id="rId9"/>
+    <p:sldId id="264" r:id="rId10"/>
   </p:sldIdLst>
   <p:sldSz cx="12192000" cy="6858000"/>
   <p:notesSz cx="6858000" cy="9144000"/>
@@ -829,7 +828,7 @@
           <a:p>
             <a:fld id="{83E35761-B443-A74D-9BA5-3B6258AF7342}" type="slidenum">
               <a:rPr lang="en-US" smtClean="0"/>
-              <a:t>9</a:t>
+              <a:t>8</a:t>
             </a:fld>
             <a:endParaRPr lang="en-US"/>
           </a:p>
@@ -4168,214 +4167,6 @@
 </p:sld>
 </file>
 
-<file path=ppt/slides/slide10.xml><?xml version="1.0" encoding="utf-8"?>
-<p:sld xmlns:a="http://schemas.openxmlformats.org/drawingml/2006/main" xmlns:r="http://schemas.openxmlformats.org/officeDocument/2006/relationships" xmlns:p="http://schemas.openxmlformats.org/presentationml/2006/main">
-  <p:cSld>
-    <p:spTree>
-      <p:nvGrpSpPr>
-        <p:cNvPr id="1" name=""/>
-        <p:cNvGrpSpPr/>
-        <p:nvPr/>
-      </p:nvGrpSpPr>
-      <p:grpSpPr>
-        <a:xfrm>
-          <a:off x="0" y="0"/>
-          <a:ext cx="0" cy="0"/>
-          <a:chOff x="0" y="0"/>
-          <a:chExt cx="0" cy="0"/>
-        </a:xfrm>
-      </p:grpSpPr>
-      <p:sp>
-        <p:nvSpPr>
-          <p:cNvPr id="2" name="Title 1">
-            <a:extLst>
-              <a:ext uri="{FF2B5EF4-FFF2-40B4-BE49-F238E27FC236}">
-                <a16:creationId xmlns:a16="http://schemas.microsoft.com/office/drawing/2014/main" id="{3CBFCC1F-7095-1520-8C30-161C693F31E2}"/>
-              </a:ext>
-            </a:extLst>
-          </p:cNvPr>
-          <p:cNvSpPr>
-            <a:spLocks noGrp="1"/>
-          </p:cNvSpPr>
-          <p:nvPr>
-            <p:ph type="title"/>
-          </p:nvPr>
-        </p:nvSpPr>
-        <p:spPr/>
-        <p:txBody>
-          <a:bodyPr/>
-          <a:lstStyle/>
-          <a:p>
-            <a:endParaRPr lang="en-US"/>
-          </a:p>
-        </p:txBody>
-      </p:sp>
-      <p:pic>
-        <p:nvPicPr>
-          <p:cNvPr id="2050" name="Picture 2">
-            <a:extLst>
-              <a:ext uri="{FF2B5EF4-FFF2-40B4-BE49-F238E27FC236}">
-                <a16:creationId xmlns:a16="http://schemas.microsoft.com/office/drawing/2014/main" id="{237D6BFF-9254-C6FE-F02D-549302EE28FA}"/>
-              </a:ext>
-            </a:extLst>
-          </p:cNvPr>
-          <p:cNvPicPr>
-            <a:picLocks noChangeAspect="1" noChangeArrowheads="1"/>
-          </p:cNvPicPr>
-          <p:nvPr/>
-        </p:nvPicPr>
-        <p:blipFill>
-          <a:blip r:embed="rId2">
-            <a:extLst>
-              <a:ext uri="{28A0092B-C50C-407E-A947-70E740481C1C}">
-                <a14:useLocalDpi xmlns:a14="http://schemas.microsoft.com/office/drawing/2010/main" val="0"/>
-              </a:ext>
-            </a:extLst>
-          </a:blip>
-          <a:srcRect/>
-          <a:stretch>
-            <a:fillRect/>
-          </a:stretch>
-        </p:blipFill>
-        <p:spPr bwMode="auto">
-          <a:xfrm>
-            <a:off x="2477771" y="2433435"/>
-            <a:ext cx="5404357" cy="3680721"/>
-          </a:xfrm>
-          <a:prstGeom prst="rect">
-            <a:avLst/>
-          </a:prstGeom>
-          <a:noFill/>
-          <a:extLst>
-            <a:ext uri="{909E8E84-426E-40DD-AFC4-6F175D3DCCD1}">
-              <a14:hiddenFill xmlns:a14="http://schemas.microsoft.com/office/drawing/2010/main">
-                <a:solidFill>
-                  <a:srgbClr val="FFFFFF"/>
-                </a:solidFill>
-              </a14:hiddenFill>
-            </a:ext>
-          </a:extLst>
-        </p:spPr>
-      </p:pic>
-      <p:sp>
-        <p:nvSpPr>
-          <p:cNvPr id="5" name="TextBox 4">
-            <a:extLst>
-              <a:ext uri="{FF2B5EF4-FFF2-40B4-BE49-F238E27FC236}">
-                <a16:creationId xmlns:a16="http://schemas.microsoft.com/office/drawing/2014/main" id="{7D86C605-6B64-E9EF-C76F-BEF6E844BB9B}"/>
-              </a:ext>
-            </a:extLst>
-          </p:cNvPr>
-          <p:cNvSpPr txBox="1"/>
-          <p:nvPr/>
-        </p:nvSpPr>
-        <p:spPr>
-          <a:xfrm>
-            <a:off x="2352294" y="6031860"/>
-            <a:ext cx="7175754" cy="523220"/>
-          </a:xfrm>
-          <a:prstGeom prst="rect">
-            <a:avLst/>
-          </a:prstGeom>
-          <a:noFill/>
-        </p:spPr>
-        <p:txBody>
-          <a:bodyPr wrap="square">
-            <a:spAutoFit/>
-          </a:bodyPr>
-          <a:lstStyle/>
-          <a:p>
-            <a:r>
-              <a:rPr lang="en-GB" sz="1400" b="0" i="0" dirty="0">
-                <a:solidFill>
-                  <a:schemeClr val="tx1">
-                    <a:lumMod val="75000"/>
-                    <a:lumOff val="25000"/>
-                  </a:schemeClr>
-                </a:solidFill>
-                <a:effectLst/>
-                <a:latin typeface="gg sans"/>
-              </a:rPr>
-              <a:t>CC: Cannot Classify - The programming language is not supported by our tool. </a:t>
-            </a:r>
-          </a:p>
-          <a:p>
-            <a:r>
-              <a:rPr lang="en-GB" sz="1400" b="0" i="0" dirty="0">
-                <a:solidFill>
-                  <a:schemeClr val="tx1">
-                    <a:lumMod val="75000"/>
-                    <a:lumOff val="25000"/>
-                  </a:schemeClr>
-                </a:solidFill>
-                <a:effectLst/>
-                <a:latin typeface="gg sans"/>
-              </a:rPr>
-              <a:t>NE: The developer used </a:t>
-            </a:r>
-            <a:r>
-              <a:rPr lang="en-GB" sz="1400" b="0" i="0" dirty="0" err="1">
-                <a:solidFill>
-                  <a:schemeClr val="tx1">
-                    <a:lumMod val="75000"/>
-                    <a:lumOff val="25000"/>
-                  </a:schemeClr>
-                </a:solidFill>
-                <a:effectLst/>
-                <a:latin typeface="gg sans"/>
-              </a:rPr>
-              <a:t>ChatGPT</a:t>
-            </a:r>
-            <a:r>
-              <a:rPr lang="en-GB" sz="1400" b="0" i="0" dirty="0">
-                <a:solidFill>
-                  <a:schemeClr val="tx1">
-                    <a:lumMod val="75000"/>
-                    <a:lumOff val="25000"/>
-                  </a:schemeClr>
-                </a:solidFill>
-                <a:effectLst/>
-                <a:latin typeface="gg sans"/>
-              </a:rPr>
-              <a:t> but no code snippet was suggested by </a:t>
-            </a:r>
-            <a:r>
-              <a:rPr lang="en-GB" sz="1400" b="0" i="0" dirty="0" err="1">
-                <a:solidFill>
-                  <a:schemeClr val="tx1">
-                    <a:lumMod val="75000"/>
-                    <a:lumOff val="25000"/>
-                  </a:schemeClr>
-                </a:solidFill>
-                <a:effectLst/>
-                <a:latin typeface="gg sans"/>
-              </a:rPr>
-              <a:t>ChatGPT</a:t>
-            </a:r>
-            <a:endParaRPr lang="en-US" sz="1400" dirty="0">
-              <a:solidFill>
-                <a:schemeClr val="tx1">
-                  <a:lumMod val="75000"/>
-                  <a:lumOff val="25000"/>
-                </a:schemeClr>
-              </a:solidFill>
-            </a:endParaRPr>
-          </a:p>
-        </p:txBody>
-      </p:sp>
-    </p:spTree>
-    <p:extLst>
-      <p:ext uri="{BB962C8B-B14F-4D97-AF65-F5344CB8AC3E}">
-        <p14:creationId xmlns:p14="http://schemas.microsoft.com/office/powerpoint/2010/main" val="1017705243"/>
-      </p:ext>
-    </p:extLst>
-  </p:cSld>
-  <p:clrMapOvr>
-    <a:masterClrMapping/>
-  </p:clrMapOvr>
-</p:sld>
-</file>
-
 <file path=ppt/slides/slide2.xml><?xml version="1.0" encoding="utf-8"?>
 <p:sld xmlns:a="http://schemas.openxmlformats.org/drawingml/2006/main" xmlns:r="http://schemas.openxmlformats.org/officeDocument/2006/relationships" xmlns:p="http://schemas.openxmlformats.org/presentationml/2006/main">
   <p:cSld>
@@ -5834,8 +5625,8 @@
         </p:blipFill>
         <p:spPr>
           <a:xfrm>
-            <a:off x="6096000" y="1207981"/>
-            <a:ext cx="5922415" cy="4974336"/>
+            <a:off x="6604940" y="1920464"/>
+            <a:ext cx="5315863" cy="4464883"/>
           </a:xfrm>
           <a:prstGeom prst="rect">
             <a:avLst/>
@@ -5856,13 +5647,15 @@
               </a:ext>
             </a:extLst>
           </p:cNvPr>
-          <p:cNvCxnSpPr/>
+          <p:cNvCxnSpPr>
+            <a:cxnSpLocks/>
+          </p:cNvCxnSpPr>
           <p:nvPr/>
         </p:nvCxnSpPr>
         <p:spPr>
           <a:xfrm flipV="1">
-            <a:off x="4928616" y="1408176"/>
-            <a:ext cx="2724912" cy="2629124"/>
+            <a:off x="4928616" y="2091360"/>
+            <a:ext cx="2514600" cy="1945940"/>
           </a:xfrm>
           <a:prstGeom prst="straightConnector1">
             <a:avLst/>
@@ -5889,6 +5682,96 @@
           </a:fontRef>
         </p:style>
       </p:cxnSp>
+      <p:pic>
+        <p:nvPicPr>
+          <p:cNvPr id="14" name="Picture 6" descr="GitHub Logo and symbol, meaning, history, PNG, brand">
+            <a:extLst>
+              <a:ext uri="{FF2B5EF4-FFF2-40B4-BE49-F238E27FC236}">
+                <a16:creationId xmlns:a16="http://schemas.microsoft.com/office/drawing/2014/main" id="{5E500B5C-1245-4043-4D5B-0044196FD8E2}"/>
+              </a:ext>
+            </a:extLst>
+          </p:cNvPr>
+          <p:cNvPicPr>
+            <a:picLocks noChangeAspect="1" noChangeArrowheads="1"/>
+          </p:cNvPicPr>
+          <p:nvPr/>
+        </p:nvPicPr>
+        <p:blipFill rotWithShape="1">
+          <a:blip r:embed="rId4">
+            <a:extLst>
+              <a:ext uri="{28A0092B-C50C-407E-A947-70E740481C1C}">
+                <a14:useLocalDpi xmlns:a14="http://schemas.microsoft.com/office/drawing/2010/main" val="0"/>
+              </a:ext>
+            </a:extLst>
+          </a:blip>
+          <a:srcRect l="13805" r="14462"/>
+          <a:stretch/>
+        </p:blipFill>
+        <p:spPr bwMode="auto">
+          <a:xfrm>
+            <a:off x="2377440" y="1552684"/>
+            <a:ext cx="1088136" cy="853271"/>
+          </a:xfrm>
+          <a:prstGeom prst="rect">
+            <a:avLst/>
+          </a:prstGeom>
+          <a:noFill/>
+          <a:extLst>
+            <a:ext uri="{909E8E84-426E-40DD-AFC4-6F175D3DCCD1}">
+              <a14:hiddenFill xmlns:a14="http://schemas.microsoft.com/office/drawing/2010/main">
+                <a:solidFill>
+                  <a:srgbClr val="FFFFFF"/>
+                </a:solidFill>
+              </a14:hiddenFill>
+            </a:ext>
+          </a:extLst>
+        </p:spPr>
+      </p:pic>
+      <p:pic>
+        <p:nvPicPr>
+          <p:cNvPr id="15" name="Picture 2" descr="Chatgpt logo open ai logotype chatbot chat Vector Image">
+            <a:extLst>
+              <a:ext uri="{FF2B5EF4-FFF2-40B4-BE49-F238E27FC236}">
+                <a16:creationId xmlns:a16="http://schemas.microsoft.com/office/drawing/2014/main" id="{42DA051E-893A-E938-4F7B-B599F92F597E}"/>
+              </a:ext>
+            </a:extLst>
+          </p:cNvPr>
+          <p:cNvPicPr>
+            <a:picLocks noChangeAspect="1" noChangeArrowheads="1"/>
+          </p:cNvPicPr>
+          <p:nvPr/>
+        </p:nvPicPr>
+        <p:blipFill rotWithShape="1">
+          <a:blip r:embed="rId5">
+            <a:extLst>
+              <a:ext uri="{28A0092B-C50C-407E-A947-70E740481C1C}">
+                <a14:useLocalDpi xmlns:a14="http://schemas.microsoft.com/office/drawing/2010/main" val="0"/>
+              </a:ext>
+            </a:extLst>
+          </a:blip>
+          <a:srcRect b="8271"/>
+          <a:stretch/>
+        </p:blipFill>
+        <p:spPr bwMode="auto">
+          <a:xfrm>
+            <a:off x="8961120" y="1254483"/>
+            <a:ext cx="586363" cy="596402"/>
+          </a:xfrm>
+          <a:prstGeom prst="rect">
+            <a:avLst/>
+          </a:prstGeom>
+          <a:noFill/>
+          <a:extLst>
+            <a:ext uri="{909E8E84-426E-40DD-AFC4-6F175D3DCCD1}">
+              <a14:hiddenFill xmlns:a14="http://schemas.microsoft.com/office/drawing/2010/main">
+                <a:solidFill>
+                  <a:srgbClr val="FFFFFF"/>
+                </a:solidFill>
+              </a14:hiddenFill>
+            </a:ext>
+          </a:extLst>
+        </p:spPr>
+      </p:pic>
     </p:spTree>
     <p:extLst>
       <p:ext uri="{BB962C8B-B14F-4D97-AF65-F5344CB8AC3E}">
@@ -6024,6 +5907,96 @@
                       </p:childTnLst>
                     </p:cTn>
                   </p:par>
+                  <p:par>
+                    <p:cTn id="13" fill="hold">
+                      <p:stCondLst>
+                        <p:cond delay="indefinite"/>
+                      </p:stCondLst>
+                      <p:childTnLst>
+                        <p:par>
+                          <p:cTn id="14" fill="hold">
+                            <p:stCondLst>
+                              <p:cond delay="0"/>
+                            </p:stCondLst>
+                            <p:childTnLst>
+                              <p:par>
+                                <p:cTn id="15" presetID="1" presetClass="entr" presetSubtype="0" fill="hold" nodeType="clickEffect">
+                                  <p:stCondLst>
+                                    <p:cond delay="0"/>
+                                  </p:stCondLst>
+                                  <p:childTnLst>
+                                    <p:set>
+                                      <p:cBhvr>
+                                        <p:cTn id="16" dur="1" fill="hold">
+                                          <p:stCondLst>
+                                            <p:cond delay="0"/>
+                                          </p:stCondLst>
+                                        </p:cTn>
+                                        <p:tgtEl>
+                                          <p:spTgt spid="10"/>
+                                        </p:tgtEl>
+                                        <p:attrNameLst>
+                                          <p:attrName>style.visibility</p:attrName>
+                                        </p:attrNameLst>
+                                      </p:cBhvr>
+                                      <p:to>
+                                        <p:strVal val="visible"/>
+                                      </p:to>
+                                    </p:set>
+                                  </p:childTnLst>
+                                </p:cTn>
+                              </p:par>
+                            </p:childTnLst>
+                          </p:cTn>
+                        </p:par>
+                      </p:childTnLst>
+                    </p:cTn>
+                  </p:par>
+                  <p:par>
+                    <p:cTn id="17" fill="hold">
+                      <p:stCondLst>
+                        <p:cond delay="indefinite"/>
+                      </p:stCondLst>
+                      <p:childTnLst>
+                        <p:par>
+                          <p:cTn id="18" fill="hold">
+                            <p:stCondLst>
+                              <p:cond delay="0"/>
+                            </p:stCondLst>
+                            <p:childTnLst>
+                              <p:par>
+                                <p:cTn id="19" presetID="1" presetClass="entr" presetSubtype="0" fill="hold" nodeType="clickEffect">
+                                  <p:stCondLst>
+                                    <p:cond delay="0"/>
+                                  </p:stCondLst>
+                                  <p:childTnLst>
+                                    <p:set>
+                                      <p:cBhvr>
+                                        <p:cTn id="20" dur="1" fill="hold">
+                                          <p:stCondLst>
+                                            <p:cond delay="0"/>
+                                          </p:stCondLst>
+                                        </p:cTn>
+                                        <p:tgtEl>
+                                          <p:spTgt spid="12"/>
+                                        </p:tgtEl>
+                                        <p:attrNameLst>
+                                          <p:attrName>style.visibility</p:attrName>
+                                        </p:attrNameLst>
+                                      </p:cBhvr>
+                                      <p:to>
+                                        <p:strVal val="visible"/>
+                                      </p:to>
+                                    </p:set>
+                                  </p:childTnLst>
+                                </p:cTn>
+                              </p:par>
+                            </p:childTnLst>
+                          </p:cTn>
+                        </p:par>
+                      </p:childTnLst>
+                    </p:cTn>
+                  </p:par>
                 </p:childTnLst>
               </p:cTn>
               <p:prevCondLst>
@@ -6331,9 +6304,9 @@
         <p:grpSpPr>
           <a:xfrm>
             <a:off x="2160104" y="384314"/>
-            <a:ext cx="6005489" cy="742122"/>
+            <a:ext cx="6493565" cy="742122"/>
             <a:chOff x="2160104" y="92765"/>
-            <a:chExt cx="6005489" cy="742122"/>
+            <a:chExt cx="6493565" cy="742122"/>
           </a:xfrm>
         </p:grpSpPr>
         <p:sp>
@@ -6402,8 +6375,8 @@
           </p:nvSpPr>
           <p:spPr>
             <a:xfrm>
-              <a:off x="3127513" y="92765"/>
-              <a:ext cx="5038080" cy="369332"/>
+              <a:off x="3127512" y="92765"/>
+              <a:ext cx="5526157" cy="369332"/>
             </a:xfrm>
             <a:prstGeom prst="rect">
               <a:avLst/>
@@ -6423,7 +6396,7 @@
             <a:p>
               <a:r>
                 <a:rPr lang="en-US" b="1" dirty="0"/>
-                <a:t>SE Task - Software maintenance – Code duplication</a:t>
+                <a:t>Activity - Software maintenance, Task - Code duplication</a:t>
               </a:r>
             </a:p>
           </p:txBody>
@@ -6447,7 +6420,7 @@
           <p:spPr>
             <a:xfrm flipH="1">
               <a:off x="2590800" y="277431"/>
-              <a:ext cx="536713" cy="252656"/>
+              <a:ext cx="536712" cy="252656"/>
             </a:xfrm>
             <a:prstGeom prst="straightConnector1">
               <a:avLst/>
@@ -6882,42 +6855,110 @@
           </a:p>
         </p:txBody>
       </p:sp>
+      <p:grpSp>
+        <p:nvGrpSpPr>
+          <p:cNvPr id="14" name="Group 13">
+            <a:extLst>
+              <a:ext uri="{FF2B5EF4-FFF2-40B4-BE49-F238E27FC236}">
+                <a16:creationId xmlns:a16="http://schemas.microsoft.com/office/drawing/2014/main" id="{8C177D02-3B04-D7EB-8544-FE94E32520BA}"/>
+              </a:ext>
+            </a:extLst>
+          </p:cNvPr>
+          <p:cNvGrpSpPr/>
+          <p:nvPr/>
+        </p:nvGrpSpPr>
+        <p:grpSpPr>
+          <a:xfrm>
+            <a:off x="347472" y="1296593"/>
+            <a:ext cx="6172200" cy="3847520"/>
+            <a:chOff x="347472" y="1296593"/>
+            <a:chExt cx="6172200" cy="3847520"/>
+          </a:xfrm>
+        </p:grpSpPr>
+        <p:pic>
+          <p:nvPicPr>
+            <p:cNvPr id="3" name="Picture 2" descr="A close-up of a message&#10;&#10;Description automatically generated">
+              <a:extLst>
+                <a:ext uri="{FF2B5EF4-FFF2-40B4-BE49-F238E27FC236}">
+                  <a16:creationId xmlns:a16="http://schemas.microsoft.com/office/drawing/2014/main" id="{B2701607-EFF3-4EE6-E2C3-8691DC7C5F26}"/>
+                </a:ext>
+              </a:extLst>
+            </p:cNvPr>
+            <p:cNvPicPr>
+              <a:picLocks noChangeAspect="1"/>
+            </p:cNvPicPr>
+            <p:nvPr/>
+          </p:nvPicPr>
+          <p:blipFill>
+            <a:blip r:embed="rId3"/>
+            <a:stretch>
+              <a:fillRect/>
+            </a:stretch>
+          </p:blipFill>
+          <p:spPr>
+            <a:xfrm>
+              <a:off x="347472" y="1296593"/>
+              <a:ext cx="6172200" cy="853271"/>
+            </a:xfrm>
+            <a:prstGeom prst="rect">
+              <a:avLst/>
+            </a:prstGeom>
+          </p:spPr>
+        </p:pic>
+        <p:pic>
+          <p:nvPicPr>
+            <p:cNvPr id="1026" name="Picture 2" descr="ShareChatGPTConversations">
+              <a:extLst>
+                <a:ext uri="{FF2B5EF4-FFF2-40B4-BE49-F238E27FC236}">
+                  <a16:creationId xmlns:a16="http://schemas.microsoft.com/office/drawing/2014/main" id="{50E4F823-C1AA-502B-1218-4D1C7B600568}"/>
+                </a:ext>
+              </a:extLst>
+            </p:cNvPr>
+            <p:cNvPicPr>
+              <a:picLocks noChangeAspect="1" noChangeArrowheads="1"/>
+            </p:cNvPicPr>
+            <p:nvPr/>
+          </p:nvPicPr>
+          <p:blipFill>
+            <a:blip r:embed="rId4">
+              <a:extLst>
+                <a:ext uri="{28A0092B-C50C-407E-A947-70E740481C1C}">
+                  <a14:useLocalDpi xmlns:a14="http://schemas.microsoft.com/office/drawing/2010/main" val="0"/>
+                </a:ext>
+              </a:extLst>
+            </a:blip>
+            <a:srcRect/>
+            <a:stretch>
+              <a:fillRect/>
+            </a:stretch>
+          </p:blipFill>
+          <p:spPr bwMode="auto">
+            <a:xfrm>
+              <a:off x="639418" y="2233554"/>
+              <a:ext cx="4210878" cy="2910559"/>
+            </a:xfrm>
+            <a:prstGeom prst="rect">
+              <a:avLst/>
+            </a:prstGeom>
+            <a:noFill/>
+            <a:extLst>
+              <a:ext uri="{909E8E84-426E-40DD-AFC4-6F175D3DCCD1}">
+                <a14:hiddenFill xmlns:a14="http://schemas.microsoft.com/office/drawing/2010/main">
+                  <a:solidFill>
+                    <a:srgbClr val="FFFFFF"/>
+                  </a:solidFill>
+                </a14:hiddenFill>
+              </a:ext>
+            </a:extLst>
+          </p:spPr>
+        </p:pic>
+      </p:grpSp>
       <p:pic>
         <p:nvPicPr>
-          <p:cNvPr id="3" name="Picture 2" descr="A close-up of a message&#10;&#10;Description automatically generated">
-            <a:extLst>
-              <a:ext uri="{FF2B5EF4-FFF2-40B4-BE49-F238E27FC236}">
-                <a16:creationId xmlns:a16="http://schemas.microsoft.com/office/drawing/2014/main" id="{B2701607-EFF3-4EE6-E2C3-8691DC7C5F26}"/>
-              </a:ext>
-            </a:extLst>
-          </p:cNvPr>
-          <p:cNvPicPr>
-            <a:picLocks noChangeAspect="1"/>
-          </p:cNvPicPr>
-          <p:nvPr/>
-        </p:nvPicPr>
-        <p:blipFill>
-          <a:blip r:embed="rId3"/>
-          <a:stretch>
-            <a:fillRect/>
-          </a:stretch>
-        </p:blipFill>
-        <p:spPr>
-          <a:xfrm>
-            <a:off x="347472" y="1296593"/>
-            <a:ext cx="6172200" cy="853271"/>
-          </a:xfrm>
-          <a:prstGeom prst="rect">
-            <a:avLst/>
-          </a:prstGeom>
-        </p:spPr>
-      </p:pic>
-      <p:pic>
-        <p:nvPicPr>
-          <p:cNvPr id="1026" name="Picture 2" descr="ShareChatGPTConversations">
-            <a:extLst>
-              <a:ext uri="{FF2B5EF4-FFF2-40B4-BE49-F238E27FC236}">
-                <a16:creationId xmlns:a16="http://schemas.microsoft.com/office/drawing/2014/main" id="{50E4F823-C1AA-502B-1218-4D1C7B600568}"/>
+          <p:cNvPr id="1028" name="Picture 4" descr="ShareChatGPTConversations">
+            <a:extLst>
+              <a:ext uri="{FF2B5EF4-FFF2-40B4-BE49-F238E27FC236}">
+                <a16:creationId xmlns:a16="http://schemas.microsoft.com/office/drawing/2014/main" id="{89232016-44D1-24C4-9A5B-3A7081063BD9}"/>
               </a:ext>
             </a:extLst>
           </p:cNvPr>
@@ -6927,7 +6968,7 @@
           <p:nvPr/>
         </p:nvPicPr>
         <p:blipFill>
-          <a:blip r:embed="rId4">
+          <a:blip r:embed="rId5">
             <a:extLst>
               <a:ext uri="{28A0092B-C50C-407E-A947-70E740481C1C}">
                 <a14:useLocalDpi xmlns:a14="http://schemas.microsoft.com/office/drawing/2010/main" val="0"/>
@@ -6941,100 +6982,8 @@
         </p:blipFill>
         <p:spPr bwMode="auto">
           <a:xfrm>
-            <a:off x="639418" y="2233554"/>
-            <a:ext cx="5290852" cy="3657037"/>
-          </a:xfrm>
-          <a:prstGeom prst="rect">
-            <a:avLst/>
-          </a:prstGeom>
-          <a:noFill/>
-          <a:extLst>
-            <a:ext uri="{909E8E84-426E-40DD-AFC4-6F175D3DCCD1}">
-              <a14:hiddenFill xmlns:a14="http://schemas.microsoft.com/office/drawing/2010/main">
-                <a:solidFill>
-                  <a:srgbClr val="FFFFFF"/>
-                </a:solidFill>
-              </a14:hiddenFill>
-            </a:ext>
-          </a:extLst>
-        </p:spPr>
-      </p:pic>
-      <p:pic>
-        <p:nvPicPr>
-          <p:cNvPr id="1028" name="Picture 4" descr="ShareChatGPTConversations">
-            <a:extLst>
-              <a:ext uri="{FF2B5EF4-FFF2-40B4-BE49-F238E27FC236}">
-                <a16:creationId xmlns:a16="http://schemas.microsoft.com/office/drawing/2014/main" id="{89232016-44D1-24C4-9A5B-3A7081063BD9}"/>
-              </a:ext>
-            </a:extLst>
-          </p:cNvPr>
-          <p:cNvPicPr>
-            <a:picLocks noChangeAspect="1" noChangeArrowheads="1"/>
-          </p:cNvPicPr>
-          <p:nvPr/>
-        </p:nvPicPr>
-        <p:blipFill>
-          <a:blip r:embed="rId5">
-            <a:extLst>
-              <a:ext uri="{28A0092B-C50C-407E-A947-70E740481C1C}">
-                <a14:useLocalDpi xmlns:a14="http://schemas.microsoft.com/office/drawing/2010/main" val="0"/>
-              </a:ext>
-            </a:extLst>
-          </a:blip>
-          <a:srcRect/>
-          <a:stretch>
-            <a:fillRect/>
-          </a:stretch>
-        </p:blipFill>
-        <p:spPr bwMode="auto">
-          <a:xfrm>
-            <a:off x="6490800" y="2479048"/>
-            <a:ext cx="5456408" cy="3222377"/>
-          </a:xfrm>
-          <a:prstGeom prst="rect">
-            <a:avLst/>
-          </a:prstGeom>
-          <a:noFill/>
-          <a:extLst>
-            <a:ext uri="{909E8E84-426E-40DD-AFC4-6F175D3DCCD1}">
-              <a14:hiddenFill xmlns:a14="http://schemas.microsoft.com/office/drawing/2010/main">
-                <a:solidFill>
-                  <a:srgbClr val="FFFFFF"/>
-                </a:solidFill>
-              </a14:hiddenFill>
-            </a:ext>
-          </a:extLst>
-        </p:spPr>
-      </p:pic>
-      <p:pic>
-        <p:nvPicPr>
-          <p:cNvPr id="4" name="Picture 3" descr="ChatGPT Logo and symbol, meaning, history, PNG, brand">
-            <a:extLst>
-              <a:ext uri="{FF2B5EF4-FFF2-40B4-BE49-F238E27FC236}">
-                <a16:creationId xmlns:a16="http://schemas.microsoft.com/office/drawing/2014/main" id="{550E2DAE-257A-2FCA-8A66-AADBD4C96C7F}"/>
-              </a:ext>
-            </a:extLst>
-          </p:cNvPr>
-          <p:cNvPicPr>
-            <a:picLocks noChangeAspect="1" noChangeArrowheads="1"/>
-          </p:cNvPicPr>
-          <p:nvPr/>
-        </p:nvPicPr>
-        <p:blipFill rotWithShape="1">
-          <a:blip r:embed="rId6">
-            <a:extLst>
-              <a:ext uri="{28A0092B-C50C-407E-A947-70E740481C1C}">
-                <a14:useLocalDpi xmlns:a14="http://schemas.microsoft.com/office/drawing/2010/main" val="0"/>
-              </a:ext>
-            </a:extLst>
-          </a:blip>
-          <a:srcRect l="28587" t="11595" r="29022" b="11884"/>
-          <a:stretch/>
-        </p:blipFill>
-        <p:spPr bwMode="auto">
-          <a:xfrm>
-            <a:off x="2937372" y="796779"/>
-            <a:ext cx="623942" cy="633541"/>
+            <a:off x="6766092" y="2233554"/>
+            <a:ext cx="4262040" cy="2517022"/>
           </a:xfrm>
           <a:prstGeom prst="rect">
             <a:avLst/>
@@ -7066,7 +7015,7 @@
           <p:nvPr/>
         </p:nvPicPr>
         <p:blipFill rotWithShape="1">
-          <a:blip r:embed="rId7">
+          <a:blip r:embed="rId6">
             <a:extLst>
               <a:ext uri="{28A0092B-C50C-407E-A947-70E740481C1C}">
                 <a14:useLocalDpi xmlns:a14="http://schemas.microsoft.com/office/drawing/2010/main" val="0"/>
@@ -7110,8 +7059,93 @@
         </p:nvSpPr>
         <p:spPr>
           <a:xfrm>
-            <a:off x="4544568" y="5974281"/>
-            <a:ext cx="3108960" cy="369332"/>
+            <a:off x="4230150" y="927261"/>
+            <a:ext cx="3751293" cy="369332"/>
+          </a:xfrm>
+          <a:prstGeom prst="rect">
+            <a:avLst/>
+          </a:prstGeom>
+          <a:noFill/>
+          <a:ln w="28575">
+            <a:solidFill>
+              <a:srgbClr val="0000EA"/>
+            </a:solidFill>
+          </a:ln>
+        </p:spPr>
+        <p:txBody>
+          <a:bodyPr wrap="square" rtlCol="0">
+            <a:spAutoFit/>
+          </a:bodyPr>
+          <a:lstStyle/>
+          <a:p>
+            <a:r>
+              <a:rPr lang="en-US" dirty="0"/>
+              <a:t>SE Task – Deployment Documentation</a:t>
+            </a:r>
+          </a:p>
+        </p:txBody>
+      </p:sp>
+      <p:pic>
+        <p:nvPicPr>
+          <p:cNvPr id="6" name="Picture 2" descr="Chatgpt logo open ai logotype chatbot chat Vector Image">
+            <a:extLst>
+              <a:ext uri="{FF2B5EF4-FFF2-40B4-BE49-F238E27FC236}">
+                <a16:creationId xmlns:a16="http://schemas.microsoft.com/office/drawing/2014/main" id="{0532792B-7C2F-CECC-6767-35B4C69B511F}"/>
+              </a:ext>
+            </a:extLst>
+          </p:cNvPr>
+          <p:cNvPicPr>
+            <a:picLocks noChangeAspect="1" noChangeArrowheads="1"/>
+          </p:cNvPicPr>
+          <p:nvPr/>
+        </p:nvPicPr>
+        <p:blipFill rotWithShape="1">
+          <a:blip r:embed="rId7">
+            <a:extLst>
+              <a:ext uri="{28A0092B-C50C-407E-A947-70E740481C1C}">
+                <a14:useLocalDpi xmlns:a14="http://schemas.microsoft.com/office/drawing/2010/main" val="0"/>
+              </a:ext>
+            </a:extLst>
+          </a:blip>
+          <a:srcRect b="8271"/>
+          <a:stretch/>
+        </p:blipFill>
+        <p:spPr bwMode="auto">
+          <a:xfrm>
+            <a:off x="3170299" y="919887"/>
+            <a:ext cx="526546" cy="535561"/>
+          </a:xfrm>
+          <a:prstGeom prst="rect">
+            <a:avLst/>
+          </a:prstGeom>
+          <a:noFill/>
+          <a:extLst>
+            <a:ext uri="{909E8E84-426E-40DD-AFC4-6F175D3DCCD1}">
+              <a14:hiddenFill xmlns:a14="http://schemas.microsoft.com/office/drawing/2010/main">
+                <a:solidFill>
+                  <a:srgbClr val="FFFFFF"/>
+                </a:solidFill>
+              </a14:hiddenFill>
+            </a:ext>
+          </a:extLst>
+        </p:spPr>
+      </p:pic>
+      <p:sp>
+        <p:nvSpPr>
+          <p:cNvPr id="9" name="TextBox 8">
+            <a:extLst>
+              <a:ext uri="{FF2B5EF4-FFF2-40B4-BE49-F238E27FC236}">
+                <a16:creationId xmlns:a16="http://schemas.microsoft.com/office/drawing/2014/main" id="{F27C73CF-2438-27DC-5141-7AF6E178D9D6}"/>
+              </a:ext>
+            </a:extLst>
+          </p:cNvPr>
+          <p:cNvSpPr txBox="1"/>
+          <p:nvPr/>
+        </p:nvSpPr>
+        <p:spPr>
+          <a:xfrm>
+            <a:off x="347472" y="5211673"/>
+            <a:ext cx="11516650" cy="923330"/>
           </a:xfrm>
           <a:prstGeom prst="rect">
             <a:avLst/>
@@ -7119,15 +7153,42 @@
           <a:noFill/>
         </p:spPr>
         <p:txBody>
-          <a:bodyPr wrap="square" rtlCol="0">
+          <a:bodyPr wrap="square">
             <a:spAutoFit/>
           </a:bodyPr>
           <a:lstStyle/>
           <a:p>
             <a:r>
               <a:rPr lang="en-US" dirty="0"/>
-              <a:t>SE Task – Code Documentation</a:t>
-            </a:r>
+              <a:t>The software developer was seeking assistance from </a:t>
+            </a:r>
+            <a:r>
+              <a:rPr lang="en-US" dirty="0" err="1"/>
+              <a:t>ChatGPT</a:t>
+            </a:r>
+            <a:r>
+              <a:rPr lang="en-US" dirty="0"/>
+              <a:t> in creating concise and user-friendly documentation for a Bash script named `</a:t>
+            </a:r>
+            <a:r>
+              <a:rPr lang="en-US" b="1" dirty="0" err="1"/>
+              <a:t>release.sh</a:t>
+            </a:r>
+            <a:r>
+              <a:rPr lang="en-US" dirty="0"/>
+              <a:t>`. </a:t>
+            </a:r>
+            <a:r>
+              <a:rPr lang="en-GB" b="0" i="0" dirty="0">
+                <a:solidFill>
+                  <a:srgbClr val="374151"/>
+                </a:solidFill>
+                <a:effectLst/>
+                <a:latin typeface="Söhne"/>
+              </a:rPr>
+              <a:t>Specifically, the developer wanted guidance on summarizing the script's functionality and providing clear instructions on how to use it effectively. </a:t>
+            </a:r>
+            <a:endParaRPr lang="en-US" dirty="0"/>
           </a:p>
         </p:txBody>
       </p:sp>
@@ -7141,6 +7202,228 @@
   <p:clrMapOvr>
     <a:masterClrMapping/>
   </p:clrMapOvr>
+  <p:timing>
+    <p:tnLst>
+      <p:par>
+        <p:cTn id="1" dur="indefinite" restart="never" nodeType="tmRoot">
+          <p:childTnLst>
+            <p:seq concurrent="1" nextAc="seek">
+              <p:cTn id="2" dur="indefinite" nodeType="mainSeq">
+                <p:childTnLst>
+                  <p:par>
+                    <p:cTn id="3" fill="hold">
+                      <p:stCondLst>
+                        <p:cond delay="indefinite"/>
+                      </p:stCondLst>
+                      <p:childTnLst>
+                        <p:par>
+                          <p:cTn id="4" fill="hold">
+                            <p:stCondLst>
+                              <p:cond delay="0"/>
+                            </p:stCondLst>
+                            <p:childTnLst>
+                              <p:par>
+                                <p:cTn id="5" presetID="1" presetClass="entr" presetSubtype="0" fill="hold" nodeType="clickEffect">
+                                  <p:stCondLst>
+                                    <p:cond delay="0"/>
+                                  </p:stCondLst>
+                                  <p:childTnLst>
+                                    <p:set>
+                                      <p:cBhvr>
+                                        <p:cTn id="6" dur="1" fill="hold">
+                                          <p:stCondLst>
+                                            <p:cond delay="0"/>
+                                          </p:stCondLst>
+                                        </p:cTn>
+                                        <p:tgtEl>
+                                          <p:spTgt spid="14"/>
+                                        </p:tgtEl>
+                                        <p:attrNameLst>
+                                          <p:attrName>style.visibility</p:attrName>
+                                        </p:attrNameLst>
+                                      </p:cBhvr>
+                                      <p:to>
+                                        <p:strVal val="visible"/>
+                                      </p:to>
+                                    </p:set>
+                                  </p:childTnLst>
+                                </p:cTn>
+                              </p:par>
+                            </p:childTnLst>
+                          </p:cTn>
+                        </p:par>
+                      </p:childTnLst>
+                    </p:cTn>
+                  </p:par>
+                  <p:par>
+                    <p:cTn id="7" fill="hold">
+                      <p:stCondLst>
+                        <p:cond delay="indefinite"/>
+                      </p:stCondLst>
+                      <p:childTnLst>
+                        <p:par>
+                          <p:cTn id="8" fill="hold">
+                            <p:stCondLst>
+                              <p:cond delay="0"/>
+                            </p:stCondLst>
+                            <p:childTnLst>
+                              <p:par>
+                                <p:cTn id="9" presetID="1" presetClass="entr" presetSubtype="0" fill="hold" nodeType="clickEffect">
+                                  <p:stCondLst>
+                                    <p:cond delay="0"/>
+                                  </p:stCondLst>
+                                  <p:childTnLst>
+                                    <p:set>
+                                      <p:cBhvr>
+                                        <p:cTn id="10" dur="1" fill="hold">
+                                          <p:stCondLst>
+                                            <p:cond delay="0"/>
+                                          </p:stCondLst>
+                                        </p:cTn>
+                                        <p:tgtEl>
+                                          <p:spTgt spid="1028"/>
+                                        </p:tgtEl>
+                                        <p:attrNameLst>
+                                          <p:attrName>style.visibility</p:attrName>
+                                        </p:attrNameLst>
+                                      </p:cBhvr>
+                                      <p:to>
+                                        <p:strVal val="visible"/>
+                                      </p:to>
+                                    </p:set>
+                                  </p:childTnLst>
+                                </p:cTn>
+                              </p:par>
+                            </p:childTnLst>
+                          </p:cTn>
+                        </p:par>
+                      </p:childTnLst>
+                    </p:cTn>
+                  </p:par>
+                  <p:par>
+                    <p:cTn id="11" fill="hold">
+                      <p:stCondLst>
+                        <p:cond delay="indefinite"/>
+                      </p:stCondLst>
+                      <p:childTnLst>
+                        <p:par>
+                          <p:cTn id="12" fill="hold">
+                            <p:stCondLst>
+                              <p:cond delay="0"/>
+                            </p:stCondLst>
+                            <p:childTnLst>
+                              <p:par>
+                                <p:cTn id="13" presetID="1" presetClass="entr" presetSubtype="0" fill="hold" grpId="0" nodeType="clickEffect">
+                                  <p:stCondLst>
+                                    <p:cond delay="0"/>
+                                  </p:stCondLst>
+                                  <p:childTnLst>
+                                    <p:set>
+                                      <p:cBhvr>
+                                        <p:cTn id="14" dur="1" fill="hold">
+                                          <p:stCondLst>
+                                            <p:cond delay="0"/>
+                                          </p:stCondLst>
+                                        </p:cTn>
+                                        <p:tgtEl>
+                                          <p:spTgt spid="9"/>
+                                        </p:tgtEl>
+                                        <p:attrNameLst>
+                                          <p:attrName>style.visibility</p:attrName>
+                                        </p:attrNameLst>
+                                      </p:cBhvr>
+                                      <p:to>
+                                        <p:strVal val="visible"/>
+                                      </p:to>
+                                    </p:set>
+                                  </p:childTnLst>
+                                </p:cTn>
+                              </p:par>
+                            </p:childTnLst>
+                          </p:cTn>
+                        </p:par>
+                      </p:childTnLst>
+                    </p:cTn>
+                  </p:par>
+                  <p:par>
+                    <p:cTn id="15" fill="hold">
+                      <p:stCondLst>
+                        <p:cond delay="indefinite"/>
+                      </p:stCondLst>
+                      <p:childTnLst>
+                        <p:par>
+                          <p:cTn id="16" fill="hold">
+                            <p:stCondLst>
+                              <p:cond delay="0"/>
+                            </p:stCondLst>
+                            <p:childTnLst>
+                              <p:par>
+                                <p:cTn id="17" presetID="9" presetClass="entr" presetSubtype="0" fill="hold" grpId="0" nodeType="clickEffect">
+                                  <p:stCondLst>
+                                    <p:cond delay="0"/>
+                                  </p:stCondLst>
+                                  <p:childTnLst>
+                                    <p:set>
+                                      <p:cBhvr>
+                                        <p:cTn id="18" dur="1" fill="hold">
+                                          <p:stCondLst>
+                                            <p:cond delay="0"/>
+                                          </p:stCondLst>
+                                        </p:cTn>
+                                        <p:tgtEl>
+                                          <p:spTgt spid="5"/>
+                                        </p:tgtEl>
+                                        <p:attrNameLst>
+                                          <p:attrName>style.visibility</p:attrName>
+                                        </p:attrNameLst>
+                                      </p:cBhvr>
+                                      <p:to>
+                                        <p:strVal val="visible"/>
+                                      </p:to>
+                                    </p:set>
+                                    <p:animEffect transition="in" filter="dissolve">
+                                      <p:cBhvr>
+                                        <p:cTn id="19" dur="500"/>
+                                        <p:tgtEl>
+                                          <p:spTgt spid="5"/>
+                                        </p:tgtEl>
+                                      </p:cBhvr>
+                                    </p:animEffect>
+                                  </p:childTnLst>
+                                </p:cTn>
+                              </p:par>
+                            </p:childTnLst>
+                          </p:cTn>
+                        </p:par>
+                      </p:childTnLst>
+                    </p:cTn>
+                  </p:par>
+                </p:childTnLst>
+              </p:cTn>
+              <p:prevCondLst>
+                <p:cond evt="onPrev" delay="0">
+                  <p:tgtEl>
+                    <p:sldTgt/>
+                  </p:tgtEl>
+                </p:cond>
+              </p:prevCondLst>
+              <p:nextCondLst>
+                <p:cond evt="onNext" delay="0">
+                  <p:tgtEl>
+                    <p:sldTgt/>
+                  </p:tgtEl>
+                </p:cond>
+              </p:nextCondLst>
+            </p:seq>
+          </p:childTnLst>
+        </p:cTn>
+      </p:par>
+    </p:tnLst>
+    <p:bldLst>
+      <p:bldP spid="5" grpId="0" animBg="1"/>
+      <p:bldP spid="9" grpId="0"/>
+    </p:bldLst>
+  </p:timing>
 </p:sld>
 </file>
 
@@ -7161,104 +7444,12 @@
           <a:chExt cx="0" cy="0"/>
         </a:xfrm>
       </p:grpSpPr>
-      <p:sp>
-        <p:nvSpPr>
-          <p:cNvPr id="7" name="TextBox 6">
-            <a:extLst>
-              <a:ext uri="{FF2B5EF4-FFF2-40B4-BE49-F238E27FC236}">
-                <a16:creationId xmlns:a16="http://schemas.microsoft.com/office/drawing/2014/main" id="{9EC79F53-8242-EE25-2787-8DEF628AD78E}"/>
-              </a:ext>
-            </a:extLst>
-          </p:cNvPr>
-          <p:cNvSpPr txBox="1"/>
-          <p:nvPr/>
-        </p:nvSpPr>
-        <p:spPr>
-          <a:xfrm>
-            <a:off x="1801368" y="2828836"/>
-            <a:ext cx="8485632" cy="1200329"/>
-          </a:xfrm>
-          <a:prstGeom prst="rect">
-            <a:avLst/>
-          </a:prstGeom>
-          <a:noFill/>
-        </p:spPr>
-        <p:txBody>
-          <a:bodyPr wrap="square">
-            <a:spAutoFit/>
-          </a:bodyPr>
-          <a:lstStyle/>
-          <a:p>
-            <a:pPr algn="l"/>
-            <a:r>
-              <a:rPr lang="en-GB" sz="2400" b="0" i="0" dirty="0">
-                <a:solidFill>
-                  <a:srgbClr val="333333"/>
-                </a:solidFill>
-                <a:effectLst/>
-                <a:latin typeface="Helvetica Neue" panose="02000503000000020004" pitchFamily="2" charset="0"/>
-              </a:rPr>
-              <a:t>In instances where developers have incorporated the code provided by </a:t>
-            </a:r>
-            <a:r>
-              <a:rPr lang="en-GB" sz="2400" b="0" i="0" dirty="0" err="1">
-                <a:solidFill>
-                  <a:srgbClr val="333333"/>
-                </a:solidFill>
-                <a:effectLst/>
-                <a:latin typeface="Helvetica Neue" panose="02000503000000020004" pitchFamily="2" charset="0"/>
-              </a:rPr>
-              <a:t>ChatGPT</a:t>
-            </a:r>
-            <a:r>
-              <a:rPr lang="en-GB" sz="2400" b="0" i="0" dirty="0">
-                <a:solidFill>
-                  <a:srgbClr val="333333"/>
-                </a:solidFill>
-                <a:effectLst/>
-                <a:latin typeface="Helvetica Neue" panose="02000503000000020004" pitchFamily="2" charset="0"/>
-              </a:rPr>
-              <a:t> into their projects, to what extent do they modify this code prior to use?</a:t>
-            </a:r>
-          </a:p>
-        </p:txBody>
-      </p:sp>
-    </p:spTree>
-    <p:extLst>
-      <p:ext uri="{BB962C8B-B14F-4D97-AF65-F5344CB8AC3E}">
-        <p14:creationId xmlns:p14="http://schemas.microsoft.com/office/powerpoint/2010/main" val="1710145034"/>
-      </p:ext>
-    </p:extLst>
-  </p:cSld>
-  <p:clrMapOvr>
-    <a:masterClrMapping/>
-  </p:clrMapOvr>
-</p:sld>
-</file>
-
-<file path=ppt/slides/slide9.xml><?xml version="1.0" encoding="utf-8"?>
-<p:sld xmlns:a="http://schemas.openxmlformats.org/drawingml/2006/main" xmlns:r="http://schemas.openxmlformats.org/officeDocument/2006/relationships" xmlns:p="http://schemas.openxmlformats.org/presentationml/2006/main">
-  <p:cSld>
-    <p:spTree>
-      <p:nvGrpSpPr>
-        <p:cNvPr id="1" name=""/>
-        <p:cNvGrpSpPr/>
-        <p:nvPr/>
-      </p:nvGrpSpPr>
-      <p:grpSpPr>
-        <a:xfrm>
-          <a:off x="0" y="0"/>
-          <a:ext cx="0" cy="0"/>
-          <a:chOff x="0" y="0"/>
-          <a:chExt cx="0" cy="0"/>
-        </a:xfrm>
-      </p:grpSpPr>
       <p:grpSp>
         <p:nvGrpSpPr>
-          <p:cNvPr id="118" name="Group 117">
-            <a:extLst>
-              <a:ext uri="{FF2B5EF4-FFF2-40B4-BE49-F238E27FC236}">
-                <a16:creationId xmlns:a16="http://schemas.microsoft.com/office/drawing/2014/main" id="{E28F6219-1323-AE63-BA1F-01543A75C01F}"/>
+          <p:cNvPr id="4123" name="Group 4122">
+            <a:extLst>
+              <a:ext uri="{FF2B5EF4-FFF2-40B4-BE49-F238E27FC236}">
+                <a16:creationId xmlns:a16="http://schemas.microsoft.com/office/drawing/2014/main" id="{F7B03719-768D-CE78-AFBB-4991167B39C8}"/>
               </a:ext>
             </a:extLst>
           </p:cNvPr>
@@ -7267,160 +7458,181 @@
         </p:nvGrpSpPr>
         <p:grpSpPr>
           <a:xfrm>
-            <a:off x="3257883" y="2107939"/>
-            <a:ext cx="4340781" cy="762461"/>
-            <a:chOff x="5781627" y="1522723"/>
-            <a:chExt cx="4340781" cy="762461"/>
+            <a:off x="3390405" y="4724312"/>
+            <a:ext cx="4340781" cy="859510"/>
+            <a:chOff x="3390405" y="4472524"/>
+            <a:chExt cx="4340781" cy="859510"/>
           </a:xfrm>
         </p:grpSpPr>
-        <p:cxnSp>
-          <p:nvCxnSpPr>
-            <p:cNvPr id="119" name="Straight Arrow Connector 118">
+        <p:grpSp>
+          <p:nvGrpSpPr>
+            <p:cNvPr id="118" name="Group 117">
               <a:extLst>
                 <a:ext uri="{FF2B5EF4-FFF2-40B4-BE49-F238E27FC236}">
-                  <a16:creationId xmlns:a16="http://schemas.microsoft.com/office/drawing/2014/main" id="{136829D5-81FE-63BB-2A7D-1A1AA0C40CEF}"/>
+                  <a16:creationId xmlns:a16="http://schemas.microsoft.com/office/drawing/2014/main" id="{E28F6219-1323-AE63-BA1F-01543A75C01F}"/>
                 </a:ext>
               </a:extLst>
             </p:cNvPr>
-            <p:cNvCxnSpPr>
-              <a:cxnSpLocks/>
-            </p:cNvCxnSpPr>
+            <p:cNvGrpSpPr/>
             <p:nvPr/>
-          </p:nvCxnSpPr>
+          </p:nvGrpSpPr>
+          <p:grpSpPr>
+            <a:xfrm>
+              <a:off x="3390405" y="4472524"/>
+              <a:ext cx="4340781" cy="762461"/>
+              <a:chOff x="5781627" y="1522723"/>
+              <a:chExt cx="4340781" cy="762461"/>
+            </a:xfrm>
+          </p:grpSpPr>
+          <p:cxnSp>
+            <p:nvCxnSpPr>
+              <p:cNvPr id="119" name="Straight Arrow Connector 118">
+                <a:extLst>
+                  <a:ext uri="{FF2B5EF4-FFF2-40B4-BE49-F238E27FC236}">
+                    <a16:creationId xmlns:a16="http://schemas.microsoft.com/office/drawing/2014/main" id="{136829D5-81FE-63BB-2A7D-1A1AA0C40CEF}"/>
+                  </a:ext>
+                </a:extLst>
+              </p:cNvPr>
+              <p:cNvCxnSpPr>
+                <a:cxnSpLocks/>
+              </p:cNvCxnSpPr>
+              <p:nvPr/>
+            </p:nvCxnSpPr>
+            <p:spPr>
+              <a:xfrm>
+                <a:off x="5781627" y="2284274"/>
+                <a:ext cx="4340781" cy="910"/>
+              </a:xfrm>
+              <a:prstGeom prst="straightConnector1">
+                <a:avLst/>
+              </a:prstGeom>
+              <a:ln w="38100">
+                <a:solidFill>
+                  <a:schemeClr val="tx1"/>
+                </a:solidFill>
+                <a:tailEnd type="triangle"/>
+              </a:ln>
+            </p:spPr>
+            <p:style>
+              <a:lnRef idx="1">
+                <a:schemeClr val="accent1"/>
+              </a:lnRef>
+              <a:fillRef idx="0">
+                <a:schemeClr val="accent1"/>
+              </a:fillRef>
+              <a:effectRef idx="0">
+                <a:schemeClr val="accent1"/>
+              </a:effectRef>
+              <a:fontRef idx="minor">
+                <a:schemeClr val="tx1"/>
+              </a:fontRef>
+            </p:style>
+          </p:cxnSp>
+          <p:pic>
+            <p:nvPicPr>
+              <p:cNvPr id="120" name="Picture 2" descr="GitHub logo and symbol, meaning, history, PNG">
+                <a:extLst>
+                  <a:ext uri="{FF2B5EF4-FFF2-40B4-BE49-F238E27FC236}">
+                    <a16:creationId xmlns:a16="http://schemas.microsoft.com/office/drawing/2014/main" id="{1DAC82EE-8123-12A2-8B9E-883D6CC97959}"/>
+                  </a:ext>
+                </a:extLst>
+              </p:cNvPr>
+              <p:cNvPicPr>
+                <a:picLocks noChangeAspect="1" noChangeArrowheads="1"/>
+              </p:cNvPicPr>
+              <p:nvPr/>
+            </p:nvPicPr>
+            <p:blipFill rotWithShape="1">
+              <a:blip r:embed="rId3">
+                <a:extLst>
+                  <a:ext uri="{28A0092B-C50C-407E-A947-70E740481C1C}">
+                    <a14:useLocalDpi xmlns:a14="http://schemas.microsoft.com/office/drawing/2010/main" val="0"/>
+                  </a:ext>
+                </a:extLst>
+              </a:blip>
+              <a:srcRect l="19106" r="19303"/>
+              <a:stretch/>
+            </p:blipFill>
+            <p:spPr bwMode="auto">
+              <a:xfrm>
+                <a:off x="5781627" y="1522723"/>
+                <a:ext cx="681478" cy="622376"/>
+              </a:xfrm>
+              <a:prstGeom prst="rect">
+                <a:avLst/>
+              </a:prstGeom>
+              <a:noFill/>
+              <a:extLst>
+                <a:ext uri="{909E8E84-426E-40DD-AFC4-6F175D3DCCD1}">
+                  <a14:hiddenFill xmlns:a14="http://schemas.microsoft.com/office/drawing/2010/main">
+                    <a:solidFill>
+                      <a:srgbClr val="FFFFFF"/>
+                    </a:solidFill>
+                  </a14:hiddenFill>
+                </a:ext>
+              </a:extLst>
+            </p:spPr>
+          </p:pic>
+        </p:grpSp>
+        <p:sp>
+          <p:nvSpPr>
+            <p:cNvPr id="122" name="Oval 121">
+              <a:extLst>
+                <a:ext uri="{FF2B5EF4-FFF2-40B4-BE49-F238E27FC236}">
+                  <a16:creationId xmlns:a16="http://schemas.microsoft.com/office/drawing/2014/main" id="{CB60E9F9-D444-F81D-DF5B-D6E74F31AF24}"/>
+                </a:ext>
+              </a:extLst>
+            </p:cNvPr>
+            <p:cNvSpPr/>
+            <p:nvPr/>
+          </p:nvSpPr>
           <p:spPr>
             <a:xfrm>
-              <a:off x="5781627" y="2284274"/>
-              <a:ext cx="4340781" cy="910"/>
+              <a:off x="4744009" y="5099780"/>
+              <a:ext cx="190832" cy="232254"/>
             </a:xfrm>
-            <a:prstGeom prst="straightConnector1">
+            <a:prstGeom prst="ellipse">
               <a:avLst/>
             </a:prstGeom>
-            <a:ln w="38100">
+            <a:solidFill>
+              <a:schemeClr val="bg1">
+                <a:lumMod val="50000"/>
+              </a:schemeClr>
+            </a:solidFill>
+            <a:ln>
               <a:solidFill>
-                <a:schemeClr val="tx1"/>
+                <a:schemeClr val="bg1">
+                  <a:lumMod val="50000"/>
+                </a:schemeClr>
               </a:solidFill>
-              <a:tailEnd type="triangle"/>
             </a:ln>
           </p:spPr>
           <p:style>
-            <a:lnRef idx="1">
-              <a:schemeClr val="accent1"/>
+            <a:lnRef idx="2">
+              <a:schemeClr val="accent1">
+                <a:shade val="50000"/>
+              </a:schemeClr>
             </a:lnRef>
-            <a:fillRef idx="0">
+            <a:fillRef idx="1">
               <a:schemeClr val="accent1"/>
             </a:fillRef>
             <a:effectRef idx="0">
               <a:schemeClr val="accent1"/>
             </a:effectRef>
             <a:fontRef idx="minor">
-              <a:schemeClr val="tx1"/>
+              <a:schemeClr val="lt1"/>
             </a:fontRef>
           </p:style>
-        </p:cxnSp>
-        <p:pic>
-          <p:nvPicPr>
-            <p:cNvPr id="120" name="Picture 2" descr="GitHub logo and symbol, meaning, history, PNG">
-              <a:extLst>
-                <a:ext uri="{FF2B5EF4-FFF2-40B4-BE49-F238E27FC236}">
-                  <a16:creationId xmlns:a16="http://schemas.microsoft.com/office/drawing/2014/main" id="{1DAC82EE-8123-12A2-8B9E-883D6CC97959}"/>
-                </a:ext>
-              </a:extLst>
-            </p:cNvPr>
-            <p:cNvPicPr>
-              <a:picLocks noChangeAspect="1" noChangeArrowheads="1"/>
-            </p:cNvPicPr>
-            <p:nvPr/>
-          </p:nvPicPr>
-          <p:blipFill rotWithShape="1">
-            <a:blip r:embed="rId3">
-              <a:extLst>
-                <a:ext uri="{28A0092B-C50C-407E-A947-70E740481C1C}">
-                  <a14:useLocalDpi xmlns:a14="http://schemas.microsoft.com/office/drawing/2010/main" val="0"/>
-                </a:ext>
-              </a:extLst>
-            </a:blip>
-            <a:srcRect l="19106" r="19303"/>
-            <a:stretch/>
-          </p:blipFill>
-          <p:spPr bwMode="auto">
-            <a:xfrm>
-              <a:off x="5781627" y="1522723"/>
-              <a:ext cx="681478" cy="622376"/>
-            </a:xfrm>
-            <a:prstGeom prst="rect">
-              <a:avLst/>
-            </a:prstGeom>
-            <a:noFill/>
-            <a:extLst>
-              <a:ext uri="{909E8E84-426E-40DD-AFC4-6F175D3DCCD1}">
-                <a14:hiddenFill xmlns:a14="http://schemas.microsoft.com/office/drawing/2010/main">
-                  <a:solidFill>
-                    <a:srgbClr val="FFFFFF"/>
-                  </a:solidFill>
-                </a14:hiddenFill>
-              </a:ext>
-            </a:extLst>
-          </p:spPr>
-        </p:pic>
+          <p:txBody>
+            <a:bodyPr rtlCol="0" anchor="ctr"/>
+            <a:lstStyle/>
+            <a:p>
+              <a:pPr algn="ctr"/>
+              <a:endParaRPr lang="en-BE"/>
+            </a:p>
+          </p:txBody>
+        </p:sp>
       </p:grpSp>
-      <p:sp>
-        <p:nvSpPr>
-          <p:cNvPr id="122" name="Oval 121">
-            <a:extLst>
-              <a:ext uri="{FF2B5EF4-FFF2-40B4-BE49-F238E27FC236}">
-                <a16:creationId xmlns:a16="http://schemas.microsoft.com/office/drawing/2014/main" id="{CB60E9F9-D444-F81D-DF5B-D6E74F31AF24}"/>
-              </a:ext>
-            </a:extLst>
-          </p:cNvPr>
-          <p:cNvSpPr/>
-          <p:nvPr/>
-        </p:nvSpPr>
-        <p:spPr>
-          <a:xfrm>
-            <a:off x="4611487" y="2735195"/>
-            <a:ext cx="190832" cy="232254"/>
-          </a:xfrm>
-          <a:prstGeom prst="ellipse">
-            <a:avLst/>
-          </a:prstGeom>
-          <a:solidFill>
-            <a:schemeClr val="bg1">
-              <a:lumMod val="50000"/>
-            </a:schemeClr>
-          </a:solidFill>
-          <a:ln>
-            <a:solidFill>
-              <a:schemeClr val="bg1">
-                <a:lumMod val="50000"/>
-              </a:schemeClr>
-            </a:solidFill>
-          </a:ln>
-        </p:spPr>
-        <p:style>
-          <a:lnRef idx="2">
-            <a:schemeClr val="accent1">
-              <a:shade val="50000"/>
-            </a:schemeClr>
-          </a:lnRef>
-          <a:fillRef idx="1">
-            <a:schemeClr val="accent1"/>
-          </a:fillRef>
-          <a:effectRef idx="0">
-            <a:schemeClr val="accent1"/>
-          </a:effectRef>
-          <a:fontRef idx="minor">
-            <a:schemeClr val="lt1"/>
-          </a:fontRef>
-        </p:style>
-        <p:txBody>
-          <a:bodyPr rtlCol="0" anchor="ctr"/>
-          <a:lstStyle/>
-          <a:p>
-            <a:pPr algn="ctr"/>
-            <a:endParaRPr lang="en-BE"/>
-          </a:p>
-        </p:txBody>
-      </p:sp>
       <p:pic>
         <p:nvPicPr>
           <p:cNvPr id="4103" name="Picture 4102" descr="A black and white text box&#10;&#10;Description automatically generated">
@@ -7443,7 +7655,7 @@
         </p:blipFill>
         <p:spPr>
           <a:xfrm>
-            <a:off x="3976028" y="1708115"/>
+            <a:off x="4108550" y="4324488"/>
             <a:ext cx="1004799" cy="1004799"/>
           </a:xfrm>
           <a:prstGeom prst="rect">
@@ -7465,10 +7677,10 @@
         </p:nvGrpSpPr>
         <p:grpSpPr>
           <a:xfrm>
-            <a:off x="5584315" y="3000042"/>
-            <a:ext cx="1816437" cy="901983"/>
-            <a:chOff x="5584315" y="3000042"/>
-            <a:chExt cx="1816437" cy="901983"/>
+            <a:off x="5871076" y="5616415"/>
+            <a:ext cx="1662198" cy="901983"/>
+            <a:chOff x="5738554" y="3000042"/>
+            <a:chExt cx="1662198" cy="901983"/>
           </a:xfrm>
         </p:grpSpPr>
         <p:pic>
@@ -7498,7 +7710,7 @@
           </p:blipFill>
           <p:spPr bwMode="auto">
             <a:xfrm>
-              <a:off x="5584315" y="3221631"/>
+              <a:off x="5738554" y="3229577"/>
               <a:ext cx="526546" cy="535561"/>
             </a:xfrm>
             <a:prstGeom prst="rect">
@@ -7561,7 +7773,7 @@
         </p:nvGrpSpPr>
         <p:grpSpPr>
           <a:xfrm>
-            <a:off x="4980827" y="1449008"/>
+            <a:off x="5113349" y="4065381"/>
             <a:ext cx="2407162" cy="1526057"/>
             <a:chOff x="4980827" y="1439864"/>
             <a:chExt cx="2407162" cy="1526057"/>
@@ -8039,7 +8251,7 @@
         </p:nvGrpSpPr>
         <p:grpSpPr>
           <a:xfrm>
-            <a:off x="6440410" y="2138932"/>
+            <a:off x="6572932" y="4755305"/>
             <a:ext cx="874787" cy="1350480"/>
             <a:chOff x="6440410" y="2138932"/>
             <a:chExt cx="874787" cy="1350480"/>
@@ -8150,6 +8362,583 @@
           </p:txBody>
         </p:sp>
       </p:grpSp>
+      <p:sp>
+        <p:nvSpPr>
+          <p:cNvPr id="4122" name="TextBox 4121">
+            <a:extLst>
+              <a:ext uri="{FF2B5EF4-FFF2-40B4-BE49-F238E27FC236}">
+                <a16:creationId xmlns:a16="http://schemas.microsoft.com/office/drawing/2014/main" id="{C69C9B9E-AC14-F893-EA0C-D1C9AAFA9077}"/>
+              </a:ext>
+            </a:extLst>
+          </p:cNvPr>
+          <p:cNvSpPr txBox="1"/>
+          <p:nvPr/>
+        </p:nvSpPr>
+        <p:spPr>
+          <a:xfrm>
+            <a:off x="975441" y="279075"/>
+            <a:ext cx="10673219" cy="2492990"/>
+          </a:xfrm>
+          <a:prstGeom prst="rect">
+            <a:avLst/>
+          </a:prstGeom>
+          <a:noFill/>
+        </p:spPr>
+        <p:txBody>
+          <a:bodyPr wrap="square">
+            <a:spAutoFit/>
+          </a:bodyPr>
+          <a:lstStyle/>
+          <a:p>
+            <a:pPr marL="457200" indent="-457200" algn="l">
+              <a:buFont typeface="Arial" panose="020B0604020202020204" pitchFamily="34" charset="0"/>
+              <a:buChar char="•"/>
+            </a:pPr>
+            <a:r>
+              <a:rPr lang="en-GB" sz="2800" b="0" i="0" dirty="0">
+                <a:solidFill>
+                  <a:srgbClr val="333333"/>
+                </a:solidFill>
+                <a:effectLst/>
+              </a:rPr>
+              <a:t>In instances where developers have incorporated the code provided by </a:t>
+            </a:r>
+            <a:r>
+              <a:rPr lang="en-GB" sz="2800" b="0" i="0" dirty="0" err="1">
+                <a:solidFill>
+                  <a:srgbClr val="333333"/>
+                </a:solidFill>
+                <a:effectLst/>
+              </a:rPr>
+              <a:t>ChatGPT</a:t>
+            </a:r>
+            <a:r>
+              <a:rPr lang="en-GB" sz="2800" b="0" i="0" dirty="0">
+                <a:solidFill>
+                  <a:srgbClr val="333333"/>
+                </a:solidFill>
+                <a:effectLst/>
+              </a:rPr>
+              <a:t> into their projects, to what extent do they modify this code prior to use?</a:t>
+            </a:r>
+          </a:p>
+          <a:p>
+            <a:pPr marL="914400" lvl="1" indent="-457200">
+              <a:buFont typeface="Arial" panose="020B0604020202020204" pitchFamily="34" charset="0"/>
+              <a:buChar char="•"/>
+            </a:pPr>
+            <a:r>
+              <a:rPr lang="en-US" sz="2200" dirty="0"/>
+              <a:t>We carried out an investigation of  108 Pull requests from 83 repositories. </a:t>
+            </a:r>
+          </a:p>
+          <a:p>
+            <a:pPr marL="914400" lvl="1" indent="-457200">
+              <a:buFont typeface="Arial" panose="020B0604020202020204" pitchFamily="34" charset="0"/>
+              <a:buChar char="•"/>
+            </a:pPr>
+            <a:r>
+              <a:rPr lang="en-US" sz="2200" dirty="0"/>
+              <a:t>All the 83 repositories are from real software engineering projects since we filtered out experimental projects</a:t>
+            </a:r>
+            <a:endParaRPr lang="en-GB" sz="2200" b="0" i="0" dirty="0">
+              <a:solidFill>
+                <a:srgbClr val="333333"/>
+              </a:solidFill>
+              <a:effectLst/>
+            </a:endParaRPr>
+          </a:p>
+        </p:txBody>
+      </p:sp>
+      <p:sp>
+        <p:nvSpPr>
+          <p:cNvPr id="4125" name="TextBox 4124">
+            <a:extLst>
+              <a:ext uri="{FF2B5EF4-FFF2-40B4-BE49-F238E27FC236}">
+                <a16:creationId xmlns:a16="http://schemas.microsoft.com/office/drawing/2014/main" id="{387BFD47-D70B-FCE9-14B9-9CCA8CC36BDB}"/>
+              </a:ext>
+            </a:extLst>
+          </p:cNvPr>
+          <p:cNvSpPr txBox="1"/>
+          <p:nvPr/>
+        </p:nvSpPr>
+        <p:spPr>
+          <a:xfrm>
+            <a:off x="5113349" y="3207698"/>
+            <a:ext cx="3545180" cy="523220"/>
+          </a:xfrm>
+          <a:prstGeom prst="rect">
+            <a:avLst/>
+          </a:prstGeom>
+          <a:noFill/>
+        </p:spPr>
+        <p:txBody>
+          <a:bodyPr wrap="square" rtlCol="0">
+            <a:spAutoFit/>
+          </a:bodyPr>
+          <a:lstStyle/>
+          <a:p>
+            <a:r>
+              <a:rPr lang="en-US" sz="2800" dirty="0"/>
+              <a:t>Method Illustration</a:t>
+            </a:r>
+          </a:p>
+        </p:txBody>
+      </p:sp>
+      <p:grpSp>
+        <p:nvGrpSpPr>
+          <p:cNvPr id="4140" name="Group 4139">
+            <a:extLst>
+              <a:ext uri="{FF2B5EF4-FFF2-40B4-BE49-F238E27FC236}">
+                <a16:creationId xmlns:a16="http://schemas.microsoft.com/office/drawing/2014/main" id="{E186DF58-8F20-82EC-F23C-4FAA745B7DEB}"/>
+              </a:ext>
+            </a:extLst>
+          </p:cNvPr>
+          <p:cNvGrpSpPr/>
+          <p:nvPr/>
+        </p:nvGrpSpPr>
+        <p:grpSpPr>
+          <a:xfrm>
+            <a:off x="7553200" y="3578759"/>
+            <a:ext cx="3877074" cy="2282494"/>
+            <a:chOff x="7553200" y="3578759"/>
+            <a:chExt cx="3877074" cy="2282494"/>
+          </a:xfrm>
+        </p:grpSpPr>
+        <p:grpSp>
+          <p:nvGrpSpPr>
+            <p:cNvPr id="4130" name="Group 4129">
+              <a:extLst>
+                <a:ext uri="{FF2B5EF4-FFF2-40B4-BE49-F238E27FC236}">
+                  <a16:creationId xmlns:a16="http://schemas.microsoft.com/office/drawing/2014/main" id="{68B6ECBC-A401-A686-745E-B43727C2CCA4}"/>
+                </a:ext>
+              </a:extLst>
+            </p:cNvPr>
+            <p:cNvGrpSpPr/>
+            <p:nvPr/>
+          </p:nvGrpSpPr>
+          <p:grpSpPr>
+            <a:xfrm>
+              <a:off x="8658529" y="3578759"/>
+              <a:ext cx="2771745" cy="2198480"/>
+              <a:chOff x="8658529" y="3578759"/>
+              <a:chExt cx="2771745" cy="2198480"/>
+            </a:xfrm>
+          </p:grpSpPr>
+          <p:grpSp>
+            <p:nvGrpSpPr>
+              <p:cNvPr id="4126" name="Group 4125">
+                <a:extLst>
+                  <a:ext uri="{FF2B5EF4-FFF2-40B4-BE49-F238E27FC236}">
+                    <a16:creationId xmlns:a16="http://schemas.microsoft.com/office/drawing/2014/main" id="{377804BC-7976-4880-D608-1CCA7A06217B}"/>
+                  </a:ext>
+                </a:extLst>
+              </p:cNvPr>
+              <p:cNvGrpSpPr/>
+              <p:nvPr/>
+            </p:nvGrpSpPr>
+            <p:grpSpPr>
+              <a:xfrm>
+                <a:off x="8658529" y="3578759"/>
+                <a:ext cx="2771745" cy="1086944"/>
+                <a:chOff x="8050864" y="2490005"/>
+                <a:chExt cx="3148129" cy="1083631"/>
+              </a:xfrm>
+            </p:grpSpPr>
+            <p:pic>
+              <p:nvPicPr>
+                <p:cNvPr id="4127" name="Picture 2" descr="Clone icon simple line element from biotechnology Vector Image">
+                  <a:extLst>
+                    <a:ext uri="{FF2B5EF4-FFF2-40B4-BE49-F238E27FC236}">
+                      <a16:creationId xmlns:a16="http://schemas.microsoft.com/office/drawing/2014/main" id="{F9F196B2-E3B8-44E1-510B-34ABB5B48622}"/>
+                    </a:ext>
+                  </a:extLst>
+                </p:cNvPr>
+                <p:cNvPicPr>
+                  <a:picLocks noChangeAspect="1" noChangeArrowheads="1"/>
+                </p:cNvPicPr>
+                <p:nvPr/>
+              </p:nvPicPr>
+              <p:blipFill rotWithShape="1">
+                <a:blip r:embed="rId8">
+                  <a:extLst>
+                    <a:ext uri="{28A0092B-C50C-407E-A947-70E740481C1C}">
+                      <a14:useLocalDpi xmlns:a14="http://schemas.microsoft.com/office/drawing/2010/main" val="0"/>
+                    </a:ext>
+                  </a:extLst>
+                </a:blip>
+                <a:srcRect l="17115" t="27801" r="16553" b="46809"/>
+                <a:stretch/>
+              </p:blipFill>
+              <p:spPr bwMode="auto">
+                <a:xfrm>
+                  <a:off x="8632294" y="2852619"/>
+                  <a:ext cx="1744135" cy="721017"/>
+                </a:xfrm>
+                <a:prstGeom prst="rect">
+                  <a:avLst/>
+                </a:prstGeom>
+                <a:noFill/>
+                <a:extLst>
+                  <a:ext uri="{909E8E84-426E-40DD-AFC4-6F175D3DCCD1}">
+                    <a14:hiddenFill xmlns:a14="http://schemas.microsoft.com/office/drawing/2010/main">
+                      <a:solidFill>
+                        <a:srgbClr val="FFFFFF"/>
+                      </a:solidFill>
+                    </a14:hiddenFill>
+                  </a:ext>
+                </a:extLst>
+              </p:spPr>
+            </p:pic>
+            <p:sp>
+              <p:nvSpPr>
+                <p:cNvPr id="4128" name="TextBox 4127">
+                  <a:extLst>
+                    <a:ext uri="{FF2B5EF4-FFF2-40B4-BE49-F238E27FC236}">
+                      <a16:creationId xmlns:a16="http://schemas.microsoft.com/office/drawing/2014/main" id="{6E4F01C8-36FB-B139-9F89-624DAE7BDC3E}"/>
+                    </a:ext>
+                  </a:extLst>
+                </p:cNvPr>
+                <p:cNvSpPr txBox="1"/>
+                <p:nvPr/>
+              </p:nvSpPr>
+              <p:spPr>
+                <a:xfrm>
+                  <a:off x="8050864" y="2490005"/>
+                  <a:ext cx="3148129" cy="400110"/>
+                </a:xfrm>
+                <a:prstGeom prst="rect">
+                  <a:avLst/>
+                </a:prstGeom>
+                <a:noFill/>
+              </p:spPr>
+              <p:txBody>
+                <a:bodyPr wrap="square" rtlCol="0">
+                  <a:spAutoFit/>
+                </a:bodyPr>
+                <a:lstStyle/>
+                <a:p>
+                  <a:pPr algn="ctr"/>
+                  <a:r>
+                    <a:rPr lang="en-GB" sz="2000" b="1" dirty="0"/>
+                    <a:t>c</a:t>
+                  </a:r>
+                  <a:r>
+                    <a:rPr lang="en-BE" sz="2000" b="1" dirty="0"/>
+                    <a:t>lone detection tool </a:t>
+                  </a:r>
+                </a:p>
+              </p:txBody>
+            </p:sp>
+          </p:grpSp>
+          <p:pic>
+            <p:nvPicPr>
+              <p:cNvPr id="4129" name="Picture 10" descr="Comparison - Free miscellaneous icons">
+                <a:extLst>
+                  <a:ext uri="{FF2B5EF4-FFF2-40B4-BE49-F238E27FC236}">
+                    <a16:creationId xmlns:a16="http://schemas.microsoft.com/office/drawing/2014/main" id="{C19C1926-BB13-0F79-00F5-65401ED997FF}"/>
+                  </a:ext>
+                </a:extLst>
+              </p:cNvPr>
+              <p:cNvPicPr>
+                <a:picLocks noChangeAspect="1" noChangeArrowheads="1"/>
+              </p:cNvPicPr>
+              <p:nvPr/>
+            </p:nvPicPr>
+            <p:blipFill>
+              <a:blip r:embed="rId9">
+                <a:extLst>
+                  <a:ext uri="{28A0092B-C50C-407E-A947-70E740481C1C}">
+                    <a14:useLocalDpi xmlns:a14="http://schemas.microsoft.com/office/drawing/2010/main" val="0"/>
+                  </a:ext>
+                </a:extLst>
+              </a:blip>
+              <a:srcRect/>
+              <a:stretch>
+                <a:fillRect/>
+              </a:stretch>
+            </p:blipFill>
+            <p:spPr bwMode="auto">
+              <a:xfrm>
+                <a:off x="9382934" y="4719626"/>
+                <a:ext cx="1057613" cy="1057613"/>
+              </a:xfrm>
+              <a:prstGeom prst="rect">
+                <a:avLst/>
+              </a:prstGeom>
+              <a:noFill/>
+              <a:extLst>
+                <a:ext uri="{909E8E84-426E-40DD-AFC4-6F175D3DCCD1}">
+                  <a14:hiddenFill xmlns:a14="http://schemas.microsoft.com/office/drawing/2010/main">
+                    <a:solidFill>
+                      <a:srgbClr val="FFFFFF"/>
+                    </a:solidFill>
+                  </a14:hiddenFill>
+                </a:ext>
+              </a:extLst>
+            </p:spPr>
+          </p:pic>
+        </p:grpSp>
+        <p:sp>
+          <p:nvSpPr>
+            <p:cNvPr id="4131" name="Left Arrow 4130">
+              <a:extLst>
+                <a:ext uri="{FF2B5EF4-FFF2-40B4-BE49-F238E27FC236}">
+                  <a16:creationId xmlns:a16="http://schemas.microsoft.com/office/drawing/2014/main" id="{693B3B0D-E1C9-F073-9729-0DC9B399AB56}"/>
+                </a:ext>
+              </a:extLst>
+            </p:cNvPr>
+            <p:cNvSpPr/>
+            <p:nvPr/>
+          </p:nvSpPr>
+          <p:spPr>
+            <a:xfrm rot="11338714">
+              <a:off x="7574205" y="4821713"/>
+              <a:ext cx="1550423" cy="224066"/>
+            </a:xfrm>
+            <a:prstGeom prst="leftArrow">
+              <a:avLst/>
+            </a:prstGeom>
+            <a:solidFill>
+              <a:schemeClr val="tx1"/>
+            </a:solidFill>
+            <a:ln>
+              <a:solidFill>
+                <a:schemeClr val="tx1"/>
+              </a:solidFill>
+            </a:ln>
+          </p:spPr>
+          <p:style>
+            <a:lnRef idx="2">
+              <a:schemeClr val="accent1">
+                <a:shade val="15000"/>
+              </a:schemeClr>
+            </a:lnRef>
+            <a:fillRef idx="1">
+              <a:schemeClr val="accent1"/>
+            </a:fillRef>
+            <a:effectRef idx="0">
+              <a:schemeClr val="accent1"/>
+            </a:effectRef>
+            <a:fontRef idx="minor">
+              <a:schemeClr val="lt1"/>
+            </a:fontRef>
+          </p:style>
+          <p:txBody>
+            <a:bodyPr rtlCol="0" anchor="ctr"/>
+            <a:lstStyle/>
+            <a:p>
+              <a:pPr algn="ctr"/>
+              <a:endParaRPr lang="en-US"/>
+            </a:p>
+          </p:txBody>
+        </p:sp>
+        <p:sp>
+          <p:nvSpPr>
+            <p:cNvPr id="4132" name="Left Arrow 4131">
+              <a:extLst>
+                <a:ext uri="{FF2B5EF4-FFF2-40B4-BE49-F238E27FC236}">
+                  <a16:creationId xmlns:a16="http://schemas.microsoft.com/office/drawing/2014/main" id="{D72461E2-7BD1-3206-CD5F-1E95BA743A32}"/>
+                </a:ext>
+              </a:extLst>
+            </p:cNvPr>
+            <p:cNvSpPr/>
+            <p:nvPr/>
+          </p:nvSpPr>
+          <p:spPr>
+            <a:xfrm rot="9563949">
+              <a:off x="7553200" y="5637187"/>
+              <a:ext cx="1550423" cy="224066"/>
+            </a:xfrm>
+            <a:prstGeom prst="leftArrow">
+              <a:avLst/>
+            </a:prstGeom>
+            <a:solidFill>
+              <a:schemeClr val="tx1"/>
+            </a:solidFill>
+            <a:ln>
+              <a:solidFill>
+                <a:schemeClr val="tx1"/>
+              </a:solidFill>
+            </a:ln>
+          </p:spPr>
+          <p:style>
+            <a:lnRef idx="2">
+              <a:schemeClr val="accent1">
+                <a:shade val="15000"/>
+              </a:schemeClr>
+            </a:lnRef>
+            <a:fillRef idx="1">
+              <a:schemeClr val="accent1"/>
+            </a:fillRef>
+            <a:effectRef idx="0">
+              <a:schemeClr val="accent1"/>
+            </a:effectRef>
+            <a:fontRef idx="minor">
+              <a:schemeClr val="lt1"/>
+            </a:fontRef>
+          </p:style>
+          <p:txBody>
+            <a:bodyPr rtlCol="0" anchor="ctr"/>
+            <a:lstStyle/>
+            <a:p>
+              <a:pPr algn="ctr"/>
+              <a:endParaRPr lang="en-US"/>
+            </a:p>
+          </p:txBody>
+        </p:sp>
+      </p:grpSp>
+      <p:grpSp>
+        <p:nvGrpSpPr>
+          <p:cNvPr id="4139" name="Group 4138">
+            <a:extLst>
+              <a:ext uri="{FF2B5EF4-FFF2-40B4-BE49-F238E27FC236}">
+                <a16:creationId xmlns:a16="http://schemas.microsoft.com/office/drawing/2014/main" id="{7BC9B526-598E-C650-3544-5AE45FBECB7F}"/>
+              </a:ext>
+            </a:extLst>
+          </p:cNvPr>
+          <p:cNvGrpSpPr/>
+          <p:nvPr/>
+        </p:nvGrpSpPr>
+        <p:grpSpPr>
+          <a:xfrm>
+            <a:off x="8658529" y="5684475"/>
+            <a:ext cx="2639432" cy="1032949"/>
+            <a:chOff x="8658529" y="5684475"/>
+            <a:chExt cx="2639432" cy="1032949"/>
+          </a:xfrm>
+        </p:grpSpPr>
+        <p:pic>
+          <p:nvPicPr>
+            <p:cNvPr id="4135" name="Picture 4134" descr="A black and white text box&#10;&#10;Description automatically generated">
+              <a:extLst>
+                <a:ext uri="{FF2B5EF4-FFF2-40B4-BE49-F238E27FC236}">
+                  <a16:creationId xmlns:a16="http://schemas.microsoft.com/office/drawing/2014/main" id="{C392B663-39EE-5362-FD04-25B6C02AAA71}"/>
+                </a:ext>
+              </a:extLst>
+            </p:cNvPr>
+            <p:cNvPicPr>
+              <a:picLocks noChangeAspect="1"/>
+            </p:cNvPicPr>
+            <p:nvPr/>
+          </p:nvPicPr>
+          <p:blipFill>
+            <a:blip r:embed="rId4"/>
+            <a:stretch>
+              <a:fillRect/>
+            </a:stretch>
+          </p:blipFill>
+          <p:spPr>
+            <a:xfrm>
+              <a:off x="9072131" y="5831162"/>
+              <a:ext cx="579911" cy="579911"/>
+            </a:xfrm>
+            <a:prstGeom prst="rect">
+              <a:avLst/>
+            </a:prstGeom>
+          </p:spPr>
+        </p:pic>
+        <p:pic>
+          <p:nvPicPr>
+            <p:cNvPr id="4136" name="Picture 4135" descr="A paper with lines and text&#10;&#10;Description automatically generated with medium confidence">
+              <a:extLst>
+                <a:ext uri="{FF2B5EF4-FFF2-40B4-BE49-F238E27FC236}">
+                  <a16:creationId xmlns:a16="http://schemas.microsoft.com/office/drawing/2014/main" id="{D09878FB-2EFB-1B22-110E-E30B4449F847}"/>
+                </a:ext>
+              </a:extLst>
+            </p:cNvPr>
+            <p:cNvPicPr>
+              <a:picLocks noChangeAspect="1"/>
+            </p:cNvPicPr>
+            <p:nvPr/>
+          </p:nvPicPr>
+          <p:blipFill>
+            <a:blip r:embed="rId7"/>
+            <a:stretch>
+              <a:fillRect/>
+            </a:stretch>
+          </p:blipFill>
+          <p:spPr>
+            <a:xfrm>
+              <a:off x="10444633" y="5684475"/>
+              <a:ext cx="561973" cy="765096"/>
+            </a:xfrm>
+            <a:prstGeom prst="rect">
+              <a:avLst/>
+            </a:prstGeom>
+          </p:spPr>
+        </p:pic>
+        <p:sp>
+          <p:nvSpPr>
+            <p:cNvPr id="4137" name="TextBox 4136">
+              <a:extLst>
+                <a:ext uri="{FF2B5EF4-FFF2-40B4-BE49-F238E27FC236}">
+                  <a16:creationId xmlns:a16="http://schemas.microsoft.com/office/drawing/2014/main" id="{1B7DC145-D378-331C-EB9D-06C73961B513}"/>
+                </a:ext>
+              </a:extLst>
+            </p:cNvPr>
+            <p:cNvSpPr txBox="1"/>
+            <p:nvPr/>
+          </p:nvSpPr>
+          <p:spPr>
+            <a:xfrm>
+              <a:off x="10240348" y="6412382"/>
+              <a:ext cx="1057613" cy="276999"/>
+            </a:xfrm>
+            <a:prstGeom prst="rect">
+              <a:avLst/>
+            </a:prstGeom>
+            <a:noFill/>
+          </p:spPr>
+          <p:txBody>
+            <a:bodyPr wrap="square" rtlCol="0">
+              <a:spAutoFit/>
+            </a:bodyPr>
+            <a:lstStyle/>
+            <a:p>
+              <a:r>
+                <a:rPr lang="en-US" sz="1200" dirty="0"/>
+                <a:t>Patch Applied</a:t>
+              </a:r>
+            </a:p>
+          </p:txBody>
+        </p:sp>
+        <p:sp>
+          <p:nvSpPr>
+            <p:cNvPr id="4138" name="TextBox 4137">
+              <a:extLst>
+                <a:ext uri="{FF2B5EF4-FFF2-40B4-BE49-F238E27FC236}">
+                  <a16:creationId xmlns:a16="http://schemas.microsoft.com/office/drawing/2014/main" id="{3943A777-89F5-3A97-7273-0EF32C43B5B6}"/>
+                </a:ext>
+              </a:extLst>
+            </p:cNvPr>
+            <p:cNvSpPr txBox="1"/>
+            <p:nvPr/>
+          </p:nvSpPr>
+          <p:spPr>
+            <a:xfrm>
+              <a:off x="8658529" y="6440425"/>
+              <a:ext cx="1333609" cy="276999"/>
+            </a:xfrm>
+            <a:prstGeom prst="rect">
+              <a:avLst/>
+            </a:prstGeom>
+            <a:noFill/>
+          </p:spPr>
+          <p:txBody>
+            <a:bodyPr wrap="square" rtlCol="0">
+              <a:spAutoFit/>
+            </a:bodyPr>
+            <a:lstStyle/>
+            <a:p>
+              <a:r>
+                <a:rPr lang="en-US" sz="1200" dirty="0"/>
+                <a:t>Patch not Applied</a:t>
+              </a:r>
+            </a:p>
+          </p:txBody>
+        </p:sp>
+      </p:grpSp>
     </p:spTree>
     <p:extLst>
       <p:ext uri="{BB962C8B-B14F-4D97-AF65-F5344CB8AC3E}">
@@ -8194,7 +8983,11 @@
                                           </p:stCondLst>
                                         </p:cTn>
                                         <p:tgtEl>
-                                          <p:spTgt spid="4103"/>
+                                          <p:spTgt spid="4122">
+                                            <p:txEl>
+                                              <p:pRg st="1" end="1"/>
+                                            </p:txEl>
+                                          </p:spTgt>
                                         </p:tgtEl>
                                         <p:attrNameLst>
                                           <p:attrName>style.visibility</p:attrName>
@@ -8239,7 +9032,11 @@
                                           </p:stCondLst>
                                         </p:cTn>
                                         <p:tgtEl>
-                                          <p:spTgt spid="4117"/>
+                                          <p:spTgt spid="4122">
+                                            <p:txEl>
+                                              <p:pRg st="2" end="2"/>
+                                            </p:txEl>
+                                          </p:spTgt>
                                         </p:tgtEl>
                                         <p:attrNameLst>
                                           <p:attrName>style.visibility</p:attrName>
@@ -8271,7 +9068,7 @@
                             </p:stCondLst>
                             <p:childTnLst>
                               <p:par>
-                                <p:cTn id="13" presetID="1" presetClass="entr" presetSubtype="0" fill="hold" nodeType="clickEffect">
+                                <p:cTn id="13" presetID="1" presetClass="entr" presetSubtype="0" fill="hold" grpId="0" nodeType="clickEffect">
                                   <p:stCondLst>
                                     <p:cond delay="0"/>
                                   </p:stCondLst>
@@ -8284,7 +9081,7 @@
                                           </p:stCondLst>
                                         </p:cTn>
                                         <p:tgtEl>
-                                          <p:spTgt spid="4113"/>
+                                          <p:spTgt spid="4125"/>
                                         </p:tgtEl>
                                         <p:attrNameLst>
                                           <p:attrName>style.visibility</p:attrName>
@@ -8329,7 +9126,7 @@
                                           </p:stCondLst>
                                         </p:cTn>
                                         <p:tgtEl>
-                                          <p:spTgt spid="4112"/>
+                                          <p:spTgt spid="4123"/>
                                         </p:tgtEl>
                                         <p:attrNameLst>
                                           <p:attrName>style.visibility</p:attrName>
@@ -8343,7 +9140,301 @@
                                       <p:cBhvr>
                                         <p:cTn id="19" dur="500"/>
                                         <p:tgtEl>
+                                          <p:spTgt spid="4123"/>
+                                        </p:tgtEl>
+                                      </p:cBhvr>
+                                    </p:animEffect>
+                                  </p:childTnLst>
+                                </p:cTn>
+                              </p:par>
+                            </p:childTnLst>
+                          </p:cTn>
+                        </p:par>
+                      </p:childTnLst>
+                    </p:cTn>
+                  </p:par>
+                  <p:par>
+                    <p:cTn id="20" fill="hold">
+                      <p:stCondLst>
+                        <p:cond delay="indefinite"/>
+                      </p:stCondLst>
+                      <p:childTnLst>
+                        <p:par>
+                          <p:cTn id="21" fill="hold">
+                            <p:stCondLst>
+                              <p:cond delay="0"/>
+                            </p:stCondLst>
+                            <p:childTnLst>
+                              <p:par>
+                                <p:cTn id="22" presetID="1" presetClass="entr" presetSubtype="0" fill="hold" nodeType="clickEffect">
+                                  <p:stCondLst>
+                                    <p:cond delay="0"/>
+                                  </p:stCondLst>
+                                  <p:childTnLst>
+                                    <p:set>
+                                      <p:cBhvr>
+                                        <p:cTn id="23" dur="1" fill="hold">
+                                          <p:stCondLst>
+                                            <p:cond delay="0"/>
+                                          </p:stCondLst>
+                                        </p:cTn>
+                                        <p:tgtEl>
+                                          <p:spTgt spid="4103"/>
+                                        </p:tgtEl>
+                                        <p:attrNameLst>
+                                          <p:attrName>style.visibility</p:attrName>
+                                        </p:attrNameLst>
+                                      </p:cBhvr>
+                                      <p:to>
+                                        <p:strVal val="visible"/>
+                                      </p:to>
+                                    </p:set>
+                                  </p:childTnLst>
+                                </p:cTn>
+                              </p:par>
+                            </p:childTnLst>
+                          </p:cTn>
+                        </p:par>
+                      </p:childTnLst>
+                    </p:cTn>
+                  </p:par>
+                  <p:par>
+                    <p:cTn id="24" fill="hold">
+                      <p:stCondLst>
+                        <p:cond delay="indefinite"/>
+                      </p:stCondLst>
+                      <p:childTnLst>
+                        <p:par>
+                          <p:cTn id="25" fill="hold">
+                            <p:stCondLst>
+                              <p:cond delay="0"/>
+                            </p:stCondLst>
+                            <p:childTnLst>
+                              <p:par>
+                                <p:cTn id="26" presetID="1" presetClass="entr" presetSubtype="0" fill="hold" nodeType="clickEffect">
+                                  <p:stCondLst>
+                                    <p:cond delay="0"/>
+                                  </p:stCondLst>
+                                  <p:childTnLst>
+                                    <p:set>
+                                      <p:cBhvr>
+                                        <p:cTn id="27" dur="1" fill="hold">
+                                          <p:stCondLst>
+                                            <p:cond delay="0"/>
+                                          </p:stCondLst>
+                                        </p:cTn>
+                                        <p:tgtEl>
+                                          <p:spTgt spid="4117"/>
+                                        </p:tgtEl>
+                                        <p:attrNameLst>
+                                          <p:attrName>style.visibility</p:attrName>
+                                        </p:attrNameLst>
+                                      </p:cBhvr>
+                                      <p:to>
+                                        <p:strVal val="visible"/>
+                                      </p:to>
+                                    </p:set>
+                                  </p:childTnLst>
+                                </p:cTn>
+                              </p:par>
+                            </p:childTnLst>
+                          </p:cTn>
+                        </p:par>
+                      </p:childTnLst>
+                    </p:cTn>
+                  </p:par>
+                  <p:par>
+                    <p:cTn id="28" fill="hold">
+                      <p:stCondLst>
+                        <p:cond delay="indefinite"/>
+                      </p:stCondLst>
+                      <p:childTnLst>
+                        <p:par>
+                          <p:cTn id="29" fill="hold">
+                            <p:stCondLst>
+                              <p:cond delay="0"/>
+                            </p:stCondLst>
+                            <p:childTnLst>
+                              <p:par>
+                                <p:cTn id="30" presetID="1" presetClass="entr" presetSubtype="0" fill="hold" nodeType="clickEffect">
+                                  <p:stCondLst>
+                                    <p:cond delay="0"/>
+                                  </p:stCondLst>
+                                  <p:childTnLst>
+                                    <p:set>
+                                      <p:cBhvr>
+                                        <p:cTn id="31" dur="1" fill="hold">
+                                          <p:stCondLst>
+                                            <p:cond delay="0"/>
+                                          </p:stCondLst>
+                                        </p:cTn>
+                                        <p:tgtEl>
+                                          <p:spTgt spid="4113"/>
+                                        </p:tgtEl>
+                                        <p:attrNameLst>
+                                          <p:attrName>style.visibility</p:attrName>
+                                        </p:attrNameLst>
+                                      </p:cBhvr>
+                                      <p:to>
+                                        <p:strVal val="visible"/>
+                                      </p:to>
+                                    </p:set>
+                                  </p:childTnLst>
+                                </p:cTn>
+                              </p:par>
+                            </p:childTnLst>
+                          </p:cTn>
+                        </p:par>
+                      </p:childTnLst>
+                    </p:cTn>
+                  </p:par>
+                  <p:par>
+                    <p:cTn id="32" fill="hold">
+                      <p:stCondLst>
+                        <p:cond delay="indefinite"/>
+                      </p:stCondLst>
+                      <p:childTnLst>
+                        <p:par>
+                          <p:cTn id="33" fill="hold">
+                            <p:stCondLst>
+                              <p:cond delay="0"/>
+                            </p:stCondLst>
+                            <p:childTnLst>
+                              <p:par>
+                                <p:cTn id="34" presetID="9" presetClass="entr" presetSubtype="0" fill="hold" nodeType="clickEffect">
+                                  <p:stCondLst>
+                                    <p:cond delay="0"/>
+                                  </p:stCondLst>
+                                  <p:childTnLst>
+                                    <p:set>
+                                      <p:cBhvr>
+                                        <p:cTn id="35" dur="1" fill="hold">
+                                          <p:stCondLst>
+                                            <p:cond delay="0"/>
+                                          </p:stCondLst>
+                                        </p:cTn>
+                                        <p:tgtEl>
                                           <p:spTgt spid="4112"/>
+                                        </p:tgtEl>
+                                        <p:attrNameLst>
+                                          <p:attrName>style.visibility</p:attrName>
+                                        </p:attrNameLst>
+                                      </p:cBhvr>
+                                      <p:to>
+                                        <p:strVal val="visible"/>
+                                      </p:to>
+                                    </p:set>
+                                    <p:animEffect transition="in" filter="dissolve">
+                                      <p:cBhvr>
+                                        <p:cTn id="36" dur="500"/>
+                                        <p:tgtEl>
+                                          <p:spTgt spid="4112"/>
+                                        </p:tgtEl>
+                                      </p:cBhvr>
+                                    </p:animEffect>
+                                  </p:childTnLst>
+                                </p:cTn>
+                              </p:par>
+                            </p:childTnLst>
+                          </p:cTn>
+                        </p:par>
+                      </p:childTnLst>
+                    </p:cTn>
+                  </p:par>
+                  <p:par>
+                    <p:cTn id="37" fill="hold">
+                      <p:stCondLst>
+                        <p:cond delay="indefinite"/>
+                      </p:stCondLst>
+                      <p:childTnLst>
+                        <p:par>
+                          <p:cTn id="38" fill="hold">
+                            <p:stCondLst>
+                              <p:cond delay="0"/>
+                            </p:stCondLst>
+                            <p:childTnLst>
+                              <p:par>
+                                <p:cTn id="39" presetID="9" presetClass="entr" presetSubtype="0" fill="hold" nodeType="clickEffect">
+                                  <p:stCondLst>
+                                    <p:cond delay="0"/>
+                                  </p:stCondLst>
+                                  <p:childTnLst>
+                                    <p:set>
+                                      <p:cBhvr>
+                                        <p:cTn id="40" dur="1" fill="hold">
+                                          <p:stCondLst>
+                                            <p:cond delay="0"/>
+                                          </p:stCondLst>
+                                        </p:cTn>
+                                        <p:tgtEl>
+                                          <p:spTgt spid="4140"/>
+                                        </p:tgtEl>
+                                        <p:attrNameLst>
+                                          <p:attrName>style.visibility</p:attrName>
+                                        </p:attrNameLst>
+                                      </p:cBhvr>
+                                      <p:to>
+                                        <p:strVal val="visible"/>
+                                      </p:to>
+                                    </p:set>
+                                    <p:animEffect transition="in" filter="dissolve">
+                                      <p:cBhvr>
+                                        <p:cTn id="41" dur="500"/>
+                                        <p:tgtEl>
+                                          <p:spTgt spid="4140"/>
+                                        </p:tgtEl>
+                                      </p:cBhvr>
+                                    </p:animEffect>
+                                  </p:childTnLst>
+                                </p:cTn>
+                              </p:par>
+                            </p:childTnLst>
+                          </p:cTn>
+                        </p:par>
+                      </p:childTnLst>
+                    </p:cTn>
+                  </p:par>
+                  <p:par>
+                    <p:cTn id="42" fill="hold">
+                      <p:stCondLst>
+                        <p:cond delay="indefinite"/>
+                      </p:stCondLst>
+                      <p:childTnLst>
+                        <p:par>
+                          <p:cTn id="43" fill="hold">
+                            <p:stCondLst>
+                              <p:cond delay="0"/>
+                            </p:stCondLst>
+                            <p:childTnLst>
+                              <p:par>
+                                <p:cTn id="44" presetID="9" presetClass="entr" presetSubtype="0" fill="hold" nodeType="clickEffect">
+                                  <p:stCondLst>
+                                    <p:cond delay="0"/>
+                                  </p:stCondLst>
+                                  <p:childTnLst>
+                                    <p:set>
+                                      <p:cBhvr>
+                                        <p:cTn id="45" dur="1" fill="hold">
+                                          <p:stCondLst>
+                                            <p:cond delay="0"/>
+                                          </p:stCondLst>
+                                        </p:cTn>
+                                        <p:tgtEl>
+                                          <p:spTgt spid="4139"/>
+                                        </p:tgtEl>
+                                        <p:attrNameLst>
+                                          <p:attrName>style.visibility</p:attrName>
+                                        </p:attrNameLst>
+                                      </p:cBhvr>
+                                      <p:to>
+                                        <p:strVal val="visible"/>
+                                      </p:to>
+                                    </p:set>
+                                    <p:animEffect transition="in" filter="dissolve">
+                                      <p:cBhvr>
+                                        <p:cTn id="46" dur="500"/>
+                                        <p:tgtEl>
+                                          <p:spTgt spid="4139"/>
                                         </p:tgtEl>
                                       </p:cBhvr>
                                     </p:animEffect>
@@ -8377,7 +9468,239 @@
         </p:cTn>
       </p:par>
     </p:tnLst>
+    <p:bldLst>
+      <p:bldP spid="4125" grpId="0"/>
+    </p:bldLst>
   </p:timing>
+</p:sld>
+</file>
+
+<file path=ppt/slides/slide9.xml><?xml version="1.0" encoding="utf-8"?>
+<p:sld xmlns:a="http://schemas.openxmlformats.org/drawingml/2006/main" xmlns:r="http://schemas.openxmlformats.org/officeDocument/2006/relationships" xmlns:p="http://schemas.openxmlformats.org/presentationml/2006/main">
+  <p:cSld>
+    <p:spTree>
+      <p:nvGrpSpPr>
+        <p:cNvPr id="1" name=""/>
+        <p:cNvGrpSpPr/>
+        <p:nvPr/>
+      </p:nvGrpSpPr>
+      <p:grpSpPr>
+        <a:xfrm>
+          <a:off x="0" y="0"/>
+          <a:ext cx="0" cy="0"/>
+          <a:chOff x="0" y="0"/>
+          <a:chExt cx="0" cy="0"/>
+        </a:xfrm>
+      </p:grpSpPr>
+      <p:sp>
+        <p:nvSpPr>
+          <p:cNvPr id="2" name="Title 1">
+            <a:extLst>
+              <a:ext uri="{FF2B5EF4-FFF2-40B4-BE49-F238E27FC236}">
+                <a16:creationId xmlns:a16="http://schemas.microsoft.com/office/drawing/2014/main" id="{3CBFCC1F-7095-1520-8C30-161C693F31E2}"/>
+              </a:ext>
+            </a:extLst>
+          </p:cNvPr>
+          <p:cNvSpPr>
+            <a:spLocks noGrp="1"/>
+          </p:cNvSpPr>
+          <p:nvPr>
+            <p:ph type="title"/>
+          </p:nvPr>
+        </p:nvSpPr>
+        <p:spPr>
+          <a:xfrm>
+            <a:off x="838200" y="0"/>
+            <a:ext cx="10515600" cy="1325563"/>
+          </a:xfrm>
+        </p:spPr>
+        <p:txBody>
+          <a:bodyPr/>
+          <a:lstStyle/>
+          <a:p>
+            <a:r>
+              <a:rPr lang="en-US" dirty="0"/>
+              <a:t>Results</a:t>
+            </a:r>
+          </a:p>
+        </p:txBody>
+      </p:sp>
+      <p:pic>
+        <p:nvPicPr>
+          <p:cNvPr id="2050" name="Picture 2">
+            <a:extLst>
+              <a:ext uri="{FF2B5EF4-FFF2-40B4-BE49-F238E27FC236}">
+                <a16:creationId xmlns:a16="http://schemas.microsoft.com/office/drawing/2014/main" id="{237D6BFF-9254-C6FE-F02D-549302EE28FA}"/>
+              </a:ext>
+            </a:extLst>
+          </p:cNvPr>
+          <p:cNvPicPr>
+            <a:picLocks noChangeAspect="1" noChangeArrowheads="1"/>
+          </p:cNvPicPr>
+          <p:nvPr/>
+        </p:nvPicPr>
+        <p:blipFill>
+          <a:blip r:embed="rId2">
+            <a:extLst>
+              <a:ext uri="{28A0092B-C50C-407E-A947-70E740481C1C}">
+                <a14:useLocalDpi xmlns:a14="http://schemas.microsoft.com/office/drawing/2010/main" val="0"/>
+              </a:ext>
+            </a:extLst>
+          </a:blip>
+          <a:srcRect/>
+          <a:stretch>
+            <a:fillRect/>
+          </a:stretch>
+        </p:blipFill>
+        <p:spPr bwMode="auto">
+          <a:xfrm>
+            <a:off x="2461133" y="953418"/>
+            <a:ext cx="7269733" cy="4951164"/>
+          </a:xfrm>
+          <a:prstGeom prst="rect">
+            <a:avLst/>
+          </a:prstGeom>
+          <a:noFill/>
+          <a:extLst>
+            <a:ext uri="{909E8E84-426E-40DD-AFC4-6F175D3DCCD1}">
+              <a14:hiddenFill xmlns:a14="http://schemas.microsoft.com/office/drawing/2010/main">
+                <a:solidFill>
+                  <a:srgbClr val="FFFFFF"/>
+                </a:solidFill>
+              </a14:hiddenFill>
+            </a:ext>
+          </a:extLst>
+        </p:spPr>
+      </p:pic>
+      <p:sp>
+        <p:nvSpPr>
+          <p:cNvPr id="5" name="TextBox 4">
+            <a:extLst>
+              <a:ext uri="{FF2B5EF4-FFF2-40B4-BE49-F238E27FC236}">
+                <a16:creationId xmlns:a16="http://schemas.microsoft.com/office/drawing/2014/main" id="{7D86C605-6B64-E9EF-C76F-BEF6E844BB9B}"/>
+              </a:ext>
+            </a:extLst>
+          </p:cNvPr>
+          <p:cNvSpPr txBox="1"/>
+          <p:nvPr/>
+        </p:nvSpPr>
+        <p:spPr>
+          <a:xfrm>
+            <a:off x="2050050" y="5904582"/>
+            <a:ext cx="8852452" cy="707886"/>
+          </a:xfrm>
+          <a:prstGeom prst="rect">
+            <a:avLst/>
+          </a:prstGeom>
+          <a:noFill/>
+        </p:spPr>
+        <p:txBody>
+          <a:bodyPr wrap="square">
+            <a:spAutoFit/>
+          </a:bodyPr>
+          <a:lstStyle/>
+          <a:p>
+            <a:r>
+              <a:rPr lang="en-GB" sz="2000" b="0" i="0" dirty="0">
+                <a:solidFill>
+                  <a:schemeClr val="tx1">
+                    <a:lumMod val="75000"/>
+                    <a:lumOff val="25000"/>
+                  </a:schemeClr>
+                </a:solidFill>
+                <a:effectLst/>
+                <a:latin typeface="gg sans"/>
+              </a:rPr>
+              <a:t>CC: Cannot Classify - The programming language is not supported by our tool. </a:t>
+            </a:r>
+          </a:p>
+          <a:p>
+            <a:r>
+              <a:rPr lang="en-GB" sz="2000" b="0" i="0" dirty="0">
+                <a:solidFill>
+                  <a:schemeClr val="tx1">
+                    <a:lumMod val="75000"/>
+                    <a:lumOff val="25000"/>
+                  </a:schemeClr>
+                </a:solidFill>
+                <a:effectLst/>
+                <a:latin typeface="gg sans"/>
+              </a:rPr>
+              <a:t>NE: The developer used </a:t>
+            </a:r>
+            <a:r>
+              <a:rPr lang="en-GB" sz="2000" b="0" i="0" dirty="0" err="1">
+                <a:solidFill>
+                  <a:schemeClr val="tx1">
+                    <a:lumMod val="75000"/>
+                    <a:lumOff val="25000"/>
+                  </a:schemeClr>
+                </a:solidFill>
+                <a:effectLst/>
+                <a:latin typeface="gg sans"/>
+              </a:rPr>
+              <a:t>ChatGPT</a:t>
+            </a:r>
+            <a:r>
+              <a:rPr lang="en-GB" sz="2000" b="0" i="0" dirty="0">
+                <a:solidFill>
+                  <a:schemeClr val="tx1">
+                    <a:lumMod val="75000"/>
+                    <a:lumOff val="25000"/>
+                  </a:schemeClr>
+                </a:solidFill>
+                <a:effectLst/>
+                <a:latin typeface="gg sans"/>
+              </a:rPr>
+              <a:t> but no code snippet was suggested by </a:t>
+            </a:r>
+            <a:r>
+              <a:rPr lang="en-GB" sz="2000" b="0" i="0" dirty="0" err="1">
+                <a:solidFill>
+                  <a:schemeClr val="tx1">
+                    <a:lumMod val="75000"/>
+                    <a:lumOff val="25000"/>
+                  </a:schemeClr>
+                </a:solidFill>
+                <a:effectLst/>
+                <a:latin typeface="gg sans"/>
+              </a:rPr>
+              <a:t>ChatGPT</a:t>
+            </a:r>
+            <a:r>
+              <a:rPr lang="en-GB" sz="2000" b="0" i="0" dirty="0">
+                <a:solidFill>
+                  <a:schemeClr val="tx1">
+                    <a:lumMod val="75000"/>
+                    <a:lumOff val="25000"/>
+                  </a:schemeClr>
+                </a:solidFill>
+                <a:effectLst/>
+                <a:latin typeface="gg sans"/>
+              </a:rPr>
+              <a:t>.</a:t>
+            </a:r>
+            <a:endParaRPr lang="en-US" sz="2000" dirty="0">
+              <a:solidFill>
+                <a:schemeClr val="tx1">
+                  <a:lumMod val="75000"/>
+                  <a:lumOff val="25000"/>
+                </a:schemeClr>
+              </a:solidFill>
+            </a:endParaRPr>
+          </a:p>
+        </p:txBody>
+      </p:sp>
+    </p:spTree>
+    <p:extLst>
+      <p:ext uri="{BB962C8B-B14F-4D97-AF65-F5344CB8AC3E}">
+        <p14:creationId xmlns:p14="http://schemas.microsoft.com/office/powerpoint/2010/main" val="1017705243"/>
+      </p:ext>
+    </p:extLst>
+  </p:cSld>
+  <p:clrMapOvr>
+    <a:masterClrMapping/>
+  </p:clrMapOvr>
 </p:sld>
 </file>
 

--- a/teaching/CS472/Timetable/LLM.pptx
+++ b/teaching/CS472/Timetable/LLM.pptx
@@ -5,7 +5,7 @@
     <p:sldMasterId id="2147483648" r:id="rId1"/>
   </p:sldMasterIdLst>
   <p:notesMasterIdLst>
-    <p:notesMasterId r:id="rId11"/>
+    <p:notesMasterId r:id="rId14"/>
   </p:notesMasterIdLst>
   <p:sldIdLst>
     <p:sldId id="256" r:id="rId2"/>
@@ -17,6 +17,9 @@
     <p:sldId id="260" r:id="rId8"/>
     <p:sldId id="265" r:id="rId9"/>
     <p:sldId id="264" r:id="rId10"/>
+    <p:sldId id="267" r:id="rId11"/>
+    <p:sldId id="268" r:id="rId12"/>
+    <p:sldId id="269" r:id="rId13"/>
   </p:sldIdLst>
   <p:sldSz cx="12192000" cy="6858000"/>
   <p:notesSz cx="6858000" cy="9144000"/>
@@ -838,6 +841,90 @@
     <p:extLst>
       <p:ext uri="{BB962C8B-B14F-4D97-AF65-F5344CB8AC3E}">
         <p14:creationId xmlns:p14="http://schemas.microsoft.com/office/powerpoint/2010/main" val="1967571917"/>
+      </p:ext>
+    </p:extLst>
+  </p:cSld>
+  <p:clrMapOvr>
+    <a:masterClrMapping/>
+  </p:clrMapOvr>
+</p:notes>
+</file>
+
+<file path=ppt/notesSlides/notesSlide5.xml><?xml version="1.0" encoding="utf-8"?>
+<p:notes xmlns:a="http://schemas.openxmlformats.org/drawingml/2006/main" xmlns:r="http://schemas.openxmlformats.org/officeDocument/2006/relationships" xmlns:p="http://schemas.openxmlformats.org/presentationml/2006/main">
+  <p:cSld>
+    <p:spTree>
+      <p:nvGrpSpPr>
+        <p:cNvPr id="1" name=""/>
+        <p:cNvGrpSpPr/>
+        <p:nvPr/>
+      </p:nvGrpSpPr>
+      <p:grpSpPr>
+        <a:xfrm>
+          <a:off x="0" y="0"/>
+          <a:ext cx="0" cy="0"/>
+          <a:chOff x="0" y="0"/>
+          <a:chExt cx="0" cy="0"/>
+        </a:xfrm>
+      </p:grpSpPr>
+      <p:sp>
+        <p:nvSpPr>
+          <p:cNvPr id="2" name="Slide Image Placeholder 1"/>
+          <p:cNvSpPr>
+            <a:spLocks noGrp="1" noRot="1" noChangeAspect="1"/>
+          </p:cNvSpPr>
+          <p:nvPr>
+            <p:ph type="sldImg"/>
+          </p:nvPr>
+        </p:nvSpPr>
+        <p:spPr/>
+      </p:sp>
+      <p:sp>
+        <p:nvSpPr>
+          <p:cNvPr id="3" name="Notes Placeholder 2"/>
+          <p:cNvSpPr>
+            <a:spLocks noGrp="1"/>
+          </p:cNvSpPr>
+          <p:nvPr>
+            <p:ph type="body" idx="1"/>
+          </p:nvPr>
+        </p:nvSpPr>
+        <p:spPr/>
+        <p:txBody>
+          <a:bodyPr/>
+          <a:lstStyle/>
+          <a:p>
+            <a:endParaRPr lang="en-US" dirty="0"/>
+          </a:p>
+        </p:txBody>
+      </p:sp>
+      <p:sp>
+        <p:nvSpPr>
+          <p:cNvPr id="4" name="Slide Number Placeholder 3"/>
+          <p:cNvSpPr>
+            <a:spLocks noGrp="1"/>
+          </p:cNvSpPr>
+          <p:nvPr>
+            <p:ph type="sldNum" sz="quarter" idx="5"/>
+          </p:nvPr>
+        </p:nvSpPr>
+        <p:spPr/>
+        <p:txBody>
+          <a:bodyPr/>
+          <a:lstStyle/>
+          <a:p>
+            <a:fld id="{83E35761-B443-A74D-9BA5-3B6258AF7342}" type="slidenum">
+              <a:rPr lang="en-US" smtClean="0"/>
+              <a:t>11</a:t>
+            </a:fld>
+            <a:endParaRPr lang="en-US"/>
+          </a:p>
+        </p:txBody>
+      </p:sp>
+    </p:spTree>
+    <p:extLst>
+      <p:ext uri="{BB962C8B-B14F-4D97-AF65-F5344CB8AC3E}">
+        <p14:creationId xmlns:p14="http://schemas.microsoft.com/office/powerpoint/2010/main" val="1976498896"/>
       </p:ext>
     </p:extLst>
   </p:cSld>
@@ -4158,6 +4245,1774 @@
     <p:extLst>
       <p:ext uri="{BB962C8B-B14F-4D97-AF65-F5344CB8AC3E}">
         <p14:creationId xmlns:p14="http://schemas.microsoft.com/office/powerpoint/2010/main" val="316846776"/>
+      </p:ext>
+    </p:extLst>
+  </p:cSld>
+  <p:clrMapOvr>
+    <a:masterClrMapping/>
+  </p:clrMapOvr>
+</p:sld>
+</file>
+
+<file path=ppt/slides/slide10.xml><?xml version="1.0" encoding="utf-8"?>
+<p:sld xmlns:a="http://schemas.openxmlformats.org/drawingml/2006/main" xmlns:r="http://schemas.openxmlformats.org/officeDocument/2006/relationships" xmlns:p="http://schemas.openxmlformats.org/presentationml/2006/main">
+  <p:cSld>
+    <p:spTree>
+      <p:nvGrpSpPr>
+        <p:cNvPr id="1" name=""/>
+        <p:cNvGrpSpPr/>
+        <p:nvPr/>
+      </p:nvGrpSpPr>
+      <p:grpSpPr>
+        <a:xfrm>
+          <a:off x="0" y="0"/>
+          <a:ext cx="0" cy="0"/>
+          <a:chOff x="0" y="0"/>
+          <a:chExt cx="0" cy="0"/>
+        </a:xfrm>
+      </p:grpSpPr>
+      <p:sp>
+        <p:nvSpPr>
+          <p:cNvPr id="2" name="Title 1">
+            <a:extLst>
+              <a:ext uri="{FF2B5EF4-FFF2-40B4-BE49-F238E27FC236}">
+                <a16:creationId xmlns:a16="http://schemas.microsoft.com/office/drawing/2014/main" id="{D1938C4A-972F-C1EB-5456-6AAAE2C4A7AD}"/>
+              </a:ext>
+            </a:extLst>
+          </p:cNvPr>
+          <p:cNvSpPr>
+            <a:spLocks noGrp="1"/>
+          </p:cNvSpPr>
+          <p:nvPr>
+            <p:ph type="title"/>
+          </p:nvPr>
+        </p:nvSpPr>
+        <p:spPr>
+          <a:xfrm>
+            <a:off x="838200" y="260625"/>
+            <a:ext cx="10515600" cy="840823"/>
+          </a:xfrm>
+        </p:spPr>
+        <p:txBody>
+          <a:bodyPr/>
+          <a:lstStyle/>
+          <a:p>
+            <a:r>
+              <a:rPr lang="en-US" dirty="0"/>
+              <a:t>Ownership of AI generated code</a:t>
+            </a:r>
+          </a:p>
+        </p:txBody>
+      </p:sp>
+      <p:pic>
+        <p:nvPicPr>
+          <p:cNvPr id="5" name="Picture 4" descr="A screenshot of a computer&#10;&#10;Description automatically generated">
+            <a:extLst>
+              <a:ext uri="{FF2B5EF4-FFF2-40B4-BE49-F238E27FC236}">
+                <a16:creationId xmlns:a16="http://schemas.microsoft.com/office/drawing/2014/main" id="{A6097E42-0606-A6C3-2C35-B5E9187F2339}"/>
+              </a:ext>
+            </a:extLst>
+          </p:cNvPr>
+          <p:cNvPicPr>
+            <a:picLocks noChangeAspect="1"/>
+          </p:cNvPicPr>
+          <p:nvPr/>
+        </p:nvPicPr>
+        <p:blipFill>
+          <a:blip r:embed="rId2"/>
+          <a:stretch>
+            <a:fillRect/>
+          </a:stretch>
+        </p:blipFill>
+        <p:spPr>
+          <a:xfrm>
+            <a:off x="690769" y="1267882"/>
+            <a:ext cx="5664200" cy="2184400"/>
+          </a:xfrm>
+          <a:prstGeom prst="rect">
+            <a:avLst/>
+          </a:prstGeom>
+          <a:ln>
+            <a:solidFill>
+              <a:schemeClr val="tx1"/>
+            </a:solidFill>
+          </a:ln>
+        </p:spPr>
+      </p:pic>
+      <p:sp>
+        <p:nvSpPr>
+          <p:cNvPr id="7" name="TextBox 6">
+            <a:extLst>
+              <a:ext uri="{FF2B5EF4-FFF2-40B4-BE49-F238E27FC236}">
+                <a16:creationId xmlns:a16="http://schemas.microsoft.com/office/drawing/2014/main" id="{AF00E492-1565-1E1B-359C-4C171A520ADF}"/>
+              </a:ext>
+            </a:extLst>
+          </p:cNvPr>
+          <p:cNvSpPr txBox="1"/>
+          <p:nvPr/>
+        </p:nvSpPr>
+        <p:spPr>
+          <a:xfrm>
+            <a:off x="690769" y="3547532"/>
+            <a:ext cx="3446669" cy="285575"/>
+          </a:xfrm>
+          <a:prstGeom prst="rect">
+            <a:avLst/>
+          </a:prstGeom>
+          <a:noFill/>
+        </p:spPr>
+        <p:txBody>
+          <a:bodyPr wrap="square">
+            <a:spAutoFit/>
+          </a:bodyPr>
+          <a:lstStyle/>
+          <a:p>
+            <a:r>
+              <a:rPr lang="en-US" sz="1200" dirty="0"/>
+              <a:t>https://</a:t>
+            </a:r>
+            <a:r>
+              <a:rPr lang="en-US" sz="1200" dirty="0" err="1"/>
+              <a:t>github.com</a:t>
+            </a:r>
+            <a:r>
+              <a:rPr lang="en-US" sz="1200" dirty="0"/>
+              <a:t>/</a:t>
+            </a:r>
+            <a:r>
+              <a:rPr lang="en-US" sz="1200" dirty="0" err="1"/>
+              <a:t>fufexan</a:t>
+            </a:r>
+            <a:r>
+              <a:rPr lang="en-US" sz="1200" dirty="0"/>
+              <a:t>/nix-gaming/</a:t>
+            </a:r>
+            <a:r>
+              <a:rPr lang="en-US" sz="1200" b="1" dirty="0"/>
+              <a:t>pull</a:t>
+            </a:r>
+            <a:r>
+              <a:rPr lang="en-US" sz="1200" dirty="0"/>
+              <a:t>/73</a:t>
+            </a:r>
+          </a:p>
+        </p:txBody>
+      </p:sp>
+      <p:pic>
+        <p:nvPicPr>
+          <p:cNvPr id="9" name="Picture 8" descr="A screenshot of a chat&#10;&#10;Description automatically generated">
+            <a:extLst>
+              <a:ext uri="{FF2B5EF4-FFF2-40B4-BE49-F238E27FC236}">
+                <a16:creationId xmlns:a16="http://schemas.microsoft.com/office/drawing/2014/main" id="{E5444D35-2DBE-7732-AB4E-41B3309864C4}"/>
+              </a:ext>
+            </a:extLst>
+          </p:cNvPr>
+          <p:cNvPicPr>
+            <a:picLocks noChangeAspect="1"/>
+          </p:cNvPicPr>
+          <p:nvPr/>
+        </p:nvPicPr>
+        <p:blipFill>
+          <a:blip r:embed="rId3"/>
+          <a:stretch>
+            <a:fillRect/>
+          </a:stretch>
+        </p:blipFill>
+        <p:spPr>
+          <a:xfrm>
+            <a:off x="482048" y="4110106"/>
+            <a:ext cx="5872921" cy="2205294"/>
+          </a:xfrm>
+          <a:prstGeom prst="rect">
+            <a:avLst/>
+          </a:prstGeom>
+          <a:ln>
+            <a:solidFill>
+              <a:schemeClr val="tx1"/>
+            </a:solidFill>
+          </a:ln>
+        </p:spPr>
+      </p:pic>
+      <p:sp>
+        <p:nvSpPr>
+          <p:cNvPr id="11" name="TextBox 10">
+            <a:extLst>
+              <a:ext uri="{FF2B5EF4-FFF2-40B4-BE49-F238E27FC236}">
+                <a16:creationId xmlns:a16="http://schemas.microsoft.com/office/drawing/2014/main" id="{CD31FA6C-2167-3B03-B566-80858600AD7B}"/>
+              </a:ext>
+            </a:extLst>
+          </p:cNvPr>
+          <p:cNvSpPr txBox="1"/>
+          <p:nvPr/>
+        </p:nvSpPr>
+        <p:spPr>
+          <a:xfrm>
+            <a:off x="838200" y="6485006"/>
+            <a:ext cx="3972339" cy="276999"/>
+          </a:xfrm>
+          <a:prstGeom prst="rect">
+            <a:avLst/>
+          </a:prstGeom>
+          <a:noFill/>
+        </p:spPr>
+        <p:txBody>
+          <a:bodyPr wrap="square">
+            <a:spAutoFit/>
+          </a:bodyPr>
+          <a:lstStyle/>
+          <a:p>
+            <a:r>
+              <a:rPr lang="en-US" sz="1200" dirty="0"/>
+              <a:t>https://</a:t>
+            </a:r>
+            <a:r>
+              <a:rPr lang="en-US" sz="1200" dirty="0" err="1"/>
+              <a:t>github.com</a:t>
+            </a:r>
+            <a:r>
+              <a:rPr lang="en-US" sz="1200" dirty="0"/>
+              <a:t>/</a:t>
+            </a:r>
+            <a:r>
+              <a:rPr lang="en-US" sz="1200" dirty="0" err="1"/>
+              <a:t>danielgross</a:t>
+            </a:r>
+            <a:r>
+              <a:rPr lang="en-US" sz="1200" dirty="0"/>
+              <a:t>/</a:t>
+            </a:r>
+            <a:r>
+              <a:rPr lang="en-US" sz="1200" dirty="0" err="1"/>
+              <a:t>whatsapp-gpt</a:t>
+            </a:r>
+            <a:r>
+              <a:rPr lang="en-US" sz="1200" dirty="0"/>
+              <a:t>/</a:t>
+            </a:r>
+            <a:r>
+              <a:rPr lang="en-US" sz="1200" b="1" dirty="0"/>
+              <a:t>issues</a:t>
+            </a:r>
+            <a:r>
+              <a:rPr lang="en-US" sz="1200" dirty="0"/>
+              <a:t>/68</a:t>
+            </a:r>
+          </a:p>
+        </p:txBody>
+      </p:sp>
+      <p:sp>
+        <p:nvSpPr>
+          <p:cNvPr id="13" name="TextBox 12">
+            <a:extLst>
+              <a:ext uri="{FF2B5EF4-FFF2-40B4-BE49-F238E27FC236}">
+                <a16:creationId xmlns:a16="http://schemas.microsoft.com/office/drawing/2014/main" id="{A2195758-C961-00BD-B1C9-77884B2FC51D}"/>
+              </a:ext>
+            </a:extLst>
+          </p:cNvPr>
+          <p:cNvSpPr txBox="1"/>
+          <p:nvPr/>
+        </p:nvSpPr>
+        <p:spPr>
+          <a:xfrm>
+            <a:off x="6586330" y="2828835"/>
+            <a:ext cx="5115339" cy="1200329"/>
+          </a:xfrm>
+          <a:prstGeom prst="rect">
+            <a:avLst/>
+          </a:prstGeom>
+          <a:noFill/>
+          <a:ln w="28575">
+            <a:solidFill>
+              <a:srgbClr val="0000EA"/>
+            </a:solidFill>
+          </a:ln>
+        </p:spPr>
+        <p:txBody>
+          <a:bodyPr wrap="square">
+            <a:spAutoFit/>
+          </a:bodyPr>
+          <a:lstStyle/>
+          <a:p>
+            <a:r>
+              <a:rPr lang="en-US" dirty="0"/>
+              <a:t>These two cases are are representative of those instances in which the contributor explicitly states to be unsure about what was accomplished using </a:t>
+            </a:r>
+            <a:r>
+              <a:rPr lang="en-US" dirty="0" err="1"/>
+              <a:t>ChatGPT</a:t>
+            </a:r>
+            <a:r>
+              <a:rPr lang="en-US" dirty="0"/>
+              <a:t>.</a:t>
+            </a:r>
+          </a:p>
+        </p:txBody>
+      </p:sp>
+      <p:sp>
+        <p:nvSpPr>
+          <p:cNvPr id="14" name="Rounded Rectangle 13">
+            <a:extLst>
+              <a:ext uri="{FF2B5EF4-FFF2-40B4-BE49-F238E27FC236}">
+                <a16:creationId xmlns:a16="http://schemas.microsoft.com/office/drawing/2014/main" id="{0D4E399C-A841-8417-04F8-1D3EE16277CA}"/>
+              </a:ext>
+            </a:extLst>
+          </p:cNvPr>
+          <p:cNvSpPr/>
+          <p:nvPr/>
+        </p:nvSpPr>
+        <p:spPr>
+          <a:xfrm>
+            <a:off x="1186069" y="2703443"/>
+            <a:ext cx="2034209" cy="172279"/>
+          </a:xfrm>
+          <a:prstGeom prst="roundRect">
+            <a:avLst/>
+          </a:prstGeom>
+          <a:noFill/>
+          <a:ln w="19050">
+            <a:solidFill>
+              <a:srgbClr val="0000EA"/>
+            </a:solidFill>
+          </a:ln>
+        </p:spPr>
+        <p:style>
+          <a:lnRef idx="2">
+            <a:schemeClr val="accent1">
+              <a:shade val="15000"/>
+            </a:schemeClr>
+          </a:lnRef>
+          <a:fillRef idx="1">
+            <a:schemeClr val="accent1"/>
+          </a:fillRef>
+          <a:effectRef idx="0">
+            <a:schemeClr val="accent1"/>
+          </a:effectRef>
+          <a:fontRef idx="minor">
+            <a:schemeClr val="lt1"/>
+          </a:fontRef>
+        </p:style>
+        <p:txBody>
+          <a:bodyPr rtlCol="0" anchor="ctr"/>
+          <a:lstStyle/>
+          <a:p>
+            <a:pPr algn="ctr"/>
+            <a:endParaRPr lang="en-US"/>
+          </a:p>
+        </p:txBody>
+      </p:sp>
+      <p:sp>
+        <p:nvSpPr>
+          <p:cNvPr id="15" name="Rounded Rectangle 14">
+            <a:extLst>
+              <a:ext uri="{FF2B5EF4-FFF2-40B4-BE49-F238E27FC236}">
+                <a16:creationId xmlns:a16="http://schemas.microsoft.com/office/drawing/2014/main" id="{2A6D2E27-EA80-3B86-C2D4-EC89EE0D3B28}"/>
+              </a:ext>
+            </a:extLst>
+          </p:cNvPr>
+          <p:cNvSpPr/>
+          <p:nvPr/>
+        </p:nvSpPr>
+        <p:spPr>
+          <a:xfrm>
+            <a:off x="1186069" y="3270533"/>
+            <a:ext cx="1729409" cy="181749"/>
+          </a:xfrm>
+          <a:prstGeom prst="roundRect">
+            <a:avLst/>
+          </a:prstGeom>
+          <a:noFill/>
+          <a:ln w="19050">
+            <a:solidFill>
+              <a:srgbClr val="0000EA"/>
+            </a:solidFill>
+          </a:ln>
+        </p:spPr>
+        <p:style>
+          <a:lnRef idx="2">
+            <a:schemeClr val="accent1">
+              <a:shade val="15000"/>
+            </a:schemeClr>
+          </a:lnRef>
+          <a:fillRef idx="1">
+            <a:schemeClr val="accent1"/>
+          </a:fillRef>
+          <a:effectRef idx="0">
+            <a:schemeClr val="accent1"/>
+          </a:effectRef>
+          <a:fontRef idx="minor">
+            <a:schemeClr val="lt1"/>
+          </a:fontRef>
+        </p:style>
+        <p:txBody>
+          <a:bodyPr rtlCol="0" anchor="ctr"/>
+          <a:lstStyle/>
+          <a:p>
+            <a:pPr algn="ctr"/>
+            <a:endParaRPr lang="en-US"/>
+          </a:p>
+        </p:txBody>
+      </p:sp>
+      <p:sp>
+        <p:nvSpPr>
+          <p:cNvPr id="16" name="Rounded Rectangle 15">
+            <a:extLst>
+              <a:ext uri="{FF2B5EF4-FFF2-40B4-BE49-F238E27FC236}">
+                <a16:creationId xmlns:a16="http://schemas.microsoft.com/office/drawing/2014/main" id="{9712E272-DC21-258B-C21A-76B2E05C1CF7}"/>
+              </a:ext>
+            </a:extLst>
+          </p:cNvPr>
+          <p:cNvSpPr/>
+          <p:nvPr/>
+        </p:nvSpPr>
+        <p:spPr>
+          <a:xfrm>
+            <a:off x="1186069" y="5563614"/>
+            <a:ext cx="3955773" cy="187830"/>
+          </a:xfrm>
+          <a:prstGeom prst="roundRect">
+            <a:avLst/>
+          </a:prstGeom>
+          <a:noFill/>
+          <a:ln w="19050">
+            <a:solidFill>
+              <a:srgbClr val="0000EA"/>
+            </a:solidFill>
+          </a:ln>
+        </p:spPr>
+        <p:style>
+          <a:lnRef idx="2">
+            <a:schemeClr val="accent1">
+              <a:shade val="15000"/>
+            </a:schemeClr>
+          </a:lnRef>
+          <a:fillRef idx="1">
+            <a:schemeClr val="accent1"/>
+          </a:fillRef>
+          <a:effectRef idx="0">
+            <a:schemeClr val="accent1"/>
+          </a:effectRef>
+          <a:fontRef idx="minor">
+            <a:schemeClr val="lt1"/>
+          </a:fontRef>
+        </p:style>
+        <p:txBody>
+          <a:bodyPr rtlCol="0" anchor="ctr"/>
+          <a:lstStyle/>
+          <a:p>
+            <a:pPr algn="ctr"/>
+            <a:endParaRPr lang="en-US"/>
+          </a:p>
+        </p:txBody>
+      </p:sp>
+    </p:spTree>
+    <p:extLst>
+      <p:ext uri="{BB962C8B-B14F-4D97-AF65-F5344CB8AC3E}">
+        <p14:creationId xmlns:p14="http://schemas.microsoft.com/office/powerpoint/2010/main" val="257954553"/>
+      </p:ext>
+    </p:extLst>
+  </p:cSld>
+  <p:clrMapOvr>
+    <a:masterClrMapping/>
+  </p:clrMapOvr>
+</p:sld>
+</file>
+
+<file path=ppt/slides/slide11.xml><?xml version="1.0" encoding="utf-8"?>
+<p:sld xmlns:a="http://schemas.openxmlformats.org/drawingml/2006/main" xmlns:r="http://schemas.openxmlformats.org/officeDocument/2006/relationships" xmlns:p="http://schemas.openxmlformats.org/presentationml/2006/main">
+  <p:cSld>
+    <p:spTree>
+      <p:nvGrpSpPr>
+        <p:cNvPr id="1" name=""/>
+        <p:cNvGrpSpPr/>
+        <p:nvPr/>
+      </p:nvGrpSpPr>
+      <p:grpSpPr>
+        <a:xfrm>
+          <a:off x="0" y="0"/>
+          <a:ext cx="0" cy="0"/>
+          <a:chOff x="0" y="0"/>
+          <a:chExt cx="0" cy="0"/>
+        </a:xfrm>
+      </p:grpSpPr>
+      <p:sp>
+        <p:nvSpPr>
+          <p:cNvPr id="2" name="Title 1">
+            <a:extLst>
+              <a:ext uri="{FF2B5EF4-FFF2-40B4-BE49-F238E27FC236}">
+                <a16:creationId xmlns:a16="http://schemas.microsoft.com/office/drawing/2014/main" id="{D1938C4A-972F-C1EB-5456-6AAAE2C4A7AD}"/>
+              </a:ext>
+            </a:extLst>
+          </p:cNvPr>
+          <p:cNvSpPr>
+            <a:spLocks noGrp="1"/>
+          </p:cNvSpPr>
+          <p:nvPr>
+            <p:ph type="title"/>
+          </p:nvPr>
+        </p:nvSpPr>
+        <p:spPr>
+          <a:xfrm>
+            <a:off x="838200" y="260625"/>
+            <a:ext cx="10515600" cy="840823"/>
+          </a:xfrm>
+        </p:spPr>
+        <p:txBody>
+          <a:bodyPr/>
+          <a:lstStyle/>
+          <a:p>
+            <a:r>
+              <a:rPr lang="en-US" dirty="0"/>
+              <a:t>Ownership of AI generated code</a:t>
+            </a:r>
+          </a:p>
+        </p:txBody>
+      </p:sp>
+      <p:pic>
+        <p:nvPicPr>
+          <p:cNvPr id="4" name="Picture 3" descr="A screenshot of a computer&#10;&#10;Description automatically generated">
+            <a:extLst>
+              <a:ext uri="{FF2B5EF4-FFF2-40B4-BE49-F238E27FC236}">
+                <a16:creationId xmlns:a16="http://schemas.microsoft.com/office/drawing/2014/main" id="{120DB418-2002-706E-6883-33135DDA644D}"/>
+              </a:ext>
+            </a:extLst>
+          </p:cNvPr>
+          <p:cNvPicPr>
+            <a:picLocks noChangeAspect="1"/>
+          </p:cNvPicPr>
+          <p:nvPr/>
+        </p:nvPicPr>
+        <p:blipFill>
+          <a:blip r:embed="rId3"/>
+          <a:stretch>
+            <a:fillRect/>
+          </a:stretch>
+        </p:blipFill>
+        <p:spPr>
+          <a:xfrm>
+            <a:off x="326334" y="1151143"/>
+            <a:ext cx="5422580" cy="3251201"/>
+          </a:xfrm>
+          <a:prstGeom prst="rect">
+            <a:avLst/>
+          </a:prstGeom>
+          <a:ln>
+            <a:solidFill>
+              <a:schemeClr val="tx1"/>
+            </a:solidFill>
+          </a:ln>
+        </p:spPr>
+      </p:pic>
+      <p:pic>
+        <p:nvPicPr>
+          <p:cNvPr id="8" name="Picture 7" descr="A screenshot of a chat&#10;&#10;Description automatically generated">
+            <a:extLst>
+              <a:ext uri="{FF2B5EF4-FFF2-40B4-BE49-F238E27FC236}">
+                <a16:creationId xmlns:a16="http://schemas.microsoft.com/office/drawing/2014/main" id="{627E5A9C-F106-A1CD-B9C7-1FCB2F8B5760}"/>
+              </a:ext>
+            </a:extLst>
+          </p:cNvPr>
+          <p:cNvPicPr>
+            <a:picLocks noChangeAspect="1"/>
+          </p:cNvPicPr>
+          <p:nvPr/>
+        </p:nvPicPr>
+        <p:blipFill>
+          <a:blip r:embed="rId4"/>
+          <a:stretch>
+            <a:fillRect/>
+          </a:stretch>
+        </p:blipFill>
+        <p:spPr>
+          <a:xfrm>
+            <a:off x="6096000" y="1336260"/>
+            <a:ext cx="5913065" cy="3089275"/>
+          </a:xfrm>
+          <a:prstGeom prst="rect">
+            <a:avLst/>
+          </a:prstGeom>
+          <a:ln>
+            <a:solidFill>
+              <a:schemeClr val="tx1"/>
+            </a:solidFill>
+          </a:ln>
+        </p:spPr>
+      </p:pic>
+      <p:sp>
+        <p:nvSpPr>
+          <p:cNvPr id="10" name="Rounded Rectangle 9">
+            <a:extLst>
+              <a:ext uri="{FF2B5EF4-FFF2-40B4-BE49-F238E27FC236}">
+                <a16:creationId xmlns:a16="http://schemas.microsoft.com/office/drawing/2014/main" id="{02C1D151-571A-BDDD-01BC-C173073309E1}"/>
+              </a:ext>
+            </a:extLst>
+          </p:cNvPr>
+          <p:cNvSpPr/>
+          <p:nvPr/>
+        </p:nvSpPr>
+        <p:spPr>
+          <a:xfrm>
+            <a:off x="824948" y="4121426"/>
+            <a:ext cx="2077278" cy="238539"/>
+          </a:xfrm>
+          <a:prstGeom prst="roundRect">
+            <a:avLst/>
+          </a:prstGeom>
+          <a:noFill/>
+          <a:ln w="28575">
+            <a:solidFill>
+              <a:srgbClr val="0000EA"/>
+            </a:solidFill>
+          </a:ln>
+        </p:spPr>
+        <p:style>
+          <a:lnRef idx="2">
+            <a:schemeClr val="accent1">
+              <a:shade val="15000"/>
+            </a:schemeClr>
+          </a:lnRef>
+          <a:fillRef idx="1">
+            <a:schemeClr val="accent1"/>
+          </a:fillRef>
+          <a:effectRef idx="0">
+            <a:schemeClr val="accent1"/>
+          </a:effectRef>
+          <a:fontRef idx="minor">
+            <a:schemeClr val="lt1"/>
+          </a:fontRef>
+        </p:style>
+        <p:txBody>
+          <a:bodyPr rtlCol="0" anchor="ctr"/>
+          <a:lstStyle/>
+          <a:p>
+            <a:pPr algn="ctr"/>
+            <a:endParaRPr lang="en-US"/>
+          </a:p>
+        </p:txBody>
+      </p:sp>
+      <p:grpSp>
+        <p:nvGrpSpPr>
+          <p:cNvPr id="27" name="Group 26">
+            <a:extLst>
+              <a:ext uri="{FF2B5EF4-FFF2-40B4-BE49-F238E27FC236}">
+                <a16:creationId xmlns:a16="http://schemas.microsoft.com/office/drawing/2014/main" id="{79192899-DE1E-0A85-F2D8-DEC073FD9763}"/>
+              </a:ext>
+            </a:extLst>
+          </p:cNvPr>
+          <p:cNvGrpSpPr/>
+          <p:nvPr/>
+        </p:nvGrpSpPr>
+        <p:grpSpPr>
+          <a:xfrm>
+            <a:off x="6527993" y="3429000"/>
+            <a:ext cx="5200181" cy="294860"/>
+            <a:chOff x="6527993" y="3429000"/>
+            <a:chExt cx="5200181" cy="294860"/>
+          </a:xfrm>
+        </p:grpSpPr>
+        <p:cxnSp>
+          <p:nvCxnSpPr>
+            <p:cNvPr id="17" name="Straight Connector 16">
+              <a:extLst>
+                <a:ext uri="{FF2B5EF4-FFF2-40B4-BE49-F238E27FC236}">
+                  <a16:creationId xmlns:a16="http://schemas.microsoft.com/office/drawing/2014/main" id="{54DA7C80-7A90-3A1F-ACB1-A570C13BD3D2}"/>
+                </a:ext>
+              </a:extLst>
+            </p:cNvPr>
+            <p:cNvCxnSpPr>
+              <a:cxnSpLocks/>
+            </p:cNvCxnSpPr>
+            <p:nvPr/>
+          </p:nvCxnSpPr>
+          <p:spPr>
+            <a:xfrm>
+              <a:off x="7608045" y="3429000"/>
+              <a:ext cx="4120129" cy="0"/>
+            </a:xfrm>
+            <a:prstGeom prst="line">
+              <a:avLst/>
+            </a:prstGeom>
+            <a:ln w="28575">
+              <a:solidFill>
+                <a:srgbClr val="0000EA"/>
+              </a:solidFill>
+            </a:ln>
+          </p:spPr>
+          <p:style>
+            <a:lnRef idx="1">
+              <a:schemeClr val="accent1"/>
+            </a:lnRef>
+            <a:fillRef idx="0">
+              <a:schemeClr val="accent1"/>
+            </a:fillRef>
+            <a:effectRef idx="0">
+              <a:schemeClr val="accent1"/>
+            </a:effectRef>
+            <a:fontRef idx="minor">
+              <a:schemeClr val="tx1"/>
+            </a:fontRef>
+          </p:style>
+        </p:cxnSp>
+        <p:cxnSp>
+          <p:nvCxnSpPr>
+            <p:cNvPr id="19" name="Straight Connector 18">
+              <a:extLst>
+                <a:ext uri="{FF2B5EF4-FFF2-40B4-BE49-F238E27FC236}">
+                  <a16:creationId xmlns:a16="http://schemas.microsoft.com/office/drawing/2014/main" id="{7AAE25CC-4A63-1CEB-6F18-2480E8B6E9AF}"/>
+                </a:ext>
+              </a:extLst>
+            </p:cNvPr>
+            <p:cNvCxnSpPr>
+              <a:cxnSpLocks/>
+            </p:cNvCxnSpPr>
+            <p:nvPr/>
+          </p:nvCxnSpPr>
+          <p:spPr>
+            <a:xfrm>
+              <a:off x="6527993" y="3571460"/>
+              <a:ext cx="5200181" cy="0"/>
+            </a:xfrm>
+            <a:prstGeom prst="line">
+              <a:avLst/>
+            </a:prstGeom>
+            <a:ln w="28575">
+              <a:solidFill>
+                <a:srgbClr val="0000EA"/>
+              </a:solidFill>
+            </a:ln>
+          </p:spPr>
+          <p:style>
+            <a:lnRef idx="1">
+              <a:schemeClr val="accent1"/>
+            </a:lnRef>
+            <a:fillRef idx="0">
+              <a:schemeClr val="accent1"/>
+            </a:fillRef>
+            <a:effectRef idx="0">
+              <a:schemeClr val="accent1"/>
+            </a:effectRef>
+            <a:fontRef idx="minor">
+              <a:schemeClr val="tx1"/>
+            </a:fontRef>
+          </p:style>
+        </p:cxnSp>
+        <p:cxnSp>
+          <p:nvCxnSpPr>
+            <p:cNvPr id="24" name="Straight Connector 23">
+              <a:extLst>
+                <a:ext uri="{FF2B5EF4-FFF2-40B4-BE49-F238E27FC236}">
+                  <a16:creationId xmlns:a16="http://schemas.microsoft.com/office/drawing/2014/main" id="{E5942724-4EB3-FF2A-661E-35996D1A2C28}"/>
+                </a:ext>
+              </a:extLst>
+            </p:cNvPr>
+            <p:cNvCxnSpPr>
+              <a:cxnSpLocks/>
+            </p:cNvCxnSpPr>
+            <p:nvPr/>
+          </p:nvCxnSpPr>
+          <p:spPr>
+            <a:xfrm>
+              <a:off x="6527993" y="3723860"/>
+              <a:ext cx="1080052" cy="0"/>
+            </a:xfrm>
+            <a:prstGeom prst="line">
+              <a:avLst/>
+            </a:prstGeom>
+            <a:ln w="28575">
+              <a:solidFill>
+                <a:srgbClr val="0000EA"/>
+              </a:solidFill>
+            </a:ln>
+          </p:spPr>
+          <p:style>
+            <a:lnRef idx="1">
+              <a:schemeClr val="accent1"/>
+            </a:lnRef>
+            <a:fillRef idx="0">
+              <a:schemeClr val="accent1"/>
+            </a:fillRef>
+            <a:effectRef idx="0">
+              <a:schemeClr val="accent1"/>
+            </a:effectRef>
+            <a:fontRef idx="minor">
+              <a:schemeClr val="tx1"/>
+            </a:fontRef>
+          </p:style>
+        </p:cxnSp>
+      </p:grpSp>
+      <p:sp>
+        <p:nvSpPr>
+          <p:cNvPr id="28" name="Rounded Rectangle 27">
+            <a:extLst>
+              <a:ext uri="{FF2B5EF4-FFF2-40B4-BE49-F238E27FC236}">
+                <a16:creationId xmlns:a16="http://schemas.microsoft.com/office/drawing/2014/main" id="{7670AFE8-79D7-4935-C586-ECB19C5FF7C5}"/>
+              </a:ext>
+            </a:extLst>
+          </p:cNvPr>
+          <p:cNvSpPr/>
+          <p:nvPr/>
+        </p:nvSpPr>
+        <p:spPr>
+          <a:xfrm>
+            <a:off x="6554498" y="1736040"/>
+            <a:ext cx="1953398" cy="437304"/>
+          </a:xfrm>
+          <a:prstGeom prst="roundRect">
+            <a:avLst/>
+          </a:prstGeom>
+          <a:noFill/>
+          <a:ln w="28575">
+            <a:solidFill>
+              <a:srgbClr val="0000EA"/>
+            </a:solidFill>
+          </a:ln>
+        </p:spPr>
+        <p:style>
+          <a:lnRef idx="2">
+            <a:schemeClr val="accent1">
+              <a:shade val="15000"/>
+            </a:schemeClr>
+          </a:lnRef>
+          <a:fillRef idx="1">
+            <a:schemeClr val="accent1"/>
+          </a:fillRef>
+          <a:effectRef idx="0">
+            <a:schemeClr val="accent1"/>
+          </a:effectRef>
+          <a:fontRef idx="minor">
+            <a:schemeClr val="lt1"/>
+          </a:fontRef>
+        </p:style>
+        <p:txBody>
+          <a:bodyPr rtlCol="0" anchor="ctr"/>
+          <a:lstStyle/>
+          <a:p>
+            <a:pPr algn="ctr"/>
+            <a:endParaRPr lang="en-US"/>
+          </a:p>
+        </p:txBody>
+      </p:sp>
+      <p:sp>
+        <p:nvSpPr>
+          <p:cNvPr id="29" name="TextBox 28">
+            <a:extLst>
+              <a:ext uri="{FF2B5EF4-FFF2-40B4-BE49-F238E27FC236}">
+                <a16:creationId xmlns:a16="http://schemas.microsoft.com/office/drawing/2014/main" id="{6805C99A-870A-601B-11DB-298BD8B8E1AB}"/>
+              </a:ext>
+            </a:extLst>
+          </p:cNvPr>
+          <p:cNvSpPr txBox="1"/>
+          <p:nvPr/>
+        </p:nvSpPr>
+        <p:spPr>
+          <a:xfrm>
+            <a:off x="2902226" y="4494347"/>
+            <a:ext cx="4841454" cy="307777"/>
+          </a:xfrm>
+          <a:prstGeom prst="rect">
+            <a:avLst/>
+          </a:prstGeom>
+          <a:noFill/>
+        </p:spPr>
+        <p:txBody>
+          <a:bodyPr wrap="none" rtlCol="0">
+            <a:spAutoFit/>
+          </a:bodyPr>
+          <a:lstStyle/>
+          <a:p>
+            <a:r>
+              <a:rPr lang="en-US" sz="1400" dirty="0"/>
+              <a:t>https://</a:t>
+            </a:r>
+            <a:r>
+              <a:rPr lang="en-US" sz="1400" dirty="0" err="1"/>
+              <a:t>github.com</a:t>
+            </a:r>
+            <a:r>
+              <a:rPr lang="en-US" sz="1400" dirty="0"/>
+              <a:t>/typescript-</a:t>
+            </a:r>
+            <a:r>
+              <a:rPr lang="en-US" sz="1400" dirty="0" err="1"/>
+              <a:t>eslint</a:t>
+            </a:r>
+            <a:r>
+              <a:rPr lang="en-US" sz="1400" dirty="0"/>
+              <a:t>/typescript-</a:t>
+            </a:r>
+            <a:r>
+              <a:rPr lang="en-US" sz="1400" dirty="0" err="1"/>
+              <a:t>eslint</a:t>
+            </a:r>
+            <a:r>
+              <a:rPr lang="en-US" sz="1400" dirty="0"/>
+              <a:t>/pull/6915</a:t>
+            </a:r>
+          </a:p>
+        </p:txBody>
+      </p:sp>
+      <p:sp>
+        <p:nvSpPr>
+          <p:cNvPr id="34" name="TextBox 33">
+            <a:extLst>
+              <a:ext uri="{FF2B5EF4-FFF2-40B4-BE49-F238E27FC236}">
+                <a16:creationId xmlns:a16="http://schemas.microsoft.com/office/drawing/2014/main" id="{DC4D5991-4DB9-3428-9CF2-E51C7129A041}"/>
+              </a:ext>
+            </a:extLst>
+          </p:cNvPr>
+          <p:cNvSpPr txBox="1"/>
+          <p:nvPr/>
+        </p:nvSpPr>
+        <p:spPr>
+          <a:xfrm>
+            <a:off x="569843" y="5111667"/>
+            <a:ext cx="11251096" cy="1508105"/>
+          </a:xfrm>
+          <a:prstGeom prst="rect">
+            <a:avLst/>
+          </a:prstGeom>
+          <a:noFill/>
+          <a:ln w="28575">
+            <a:solidFill>
+              <a:srgbClr val="0000EA"/>
+            </a:solidFill>
+          </a:ln>
+        </p:spPr>
+        <p:txBody>
+          <a:bodyPr wrap="square">
+            <a:spAutoFit/>
+          </a:bodyPr>
+          <a:lstStyle/>
+          <a:p>
+            <a:r>
+              <a:rPr lang="en-GB" sz="2400" dirty="0">
+                <a:effectLst/>
+              </a:rPr>
+              <a:t>In your </a:t>
+            </a:r>
+            <a:r>
+              <a:rPr lang="en-GB" sz="2400" dirty="0"/>
+              <a:t>team project y</a:t>
+            </a:r>
+            <a:r>
+              <a:rPr lang="en-GB" sz="2400" dirty="0">
+                <a:effectLst/>
+              </a:rPr>
+              <a:t>ou should define guidelines for projects’ contributions including AI-generated code, </a:t>
+            </a:r>
+          </a:p>
+          <a:p>
+            <a:pPr marL="342900" indent="-342900">
+              <a:buFont typeface="Arial" panose="020B0604020202020204" pitchFamily="34" charset="0"/>
+              <a:buChar char="•"/>
+            </a:pPr>
+            <a:r>
+              <a:rPr lang="en-GB" sz="2200" dirty="0">
+                <a:effectLst/>
+              </a:rPr>
+              <a:t>e.g., you may decide to only welcome AI-generated code from users that are</a:t>
+            </a:r>
+            <a:r>
+              <a:rPr lang="en-GB" sz="2200" dirty="0"/>
+              <a:t> </a:t>
+            </a:r>
+            <a:r>
+              <a:rPr lang="en-GB" sz="2200" dirty="0">
+                <a:effectLst/>
+              </a:rPr>
+              <a:t>confident in assessing the correctness of the contributed code.</a:t>
+            </a:r>
+          </a:p>
+        </p:txBody>
+      </p:sp>
+    </p:spTree>
+    <p:extLst>
+      <p:ext uri="{BB962C8B-B14F-4D97-AF65-F5344CB8AC3E}">
+        <p14:creationId xmlns:p14="http://schemas.microsoft.com/office/powerpoint/2010/main" val="3312297461"/>
+      </p:ext>
+    </p:extLst>
+  </p:cSld>
+  <p:clrMapOvr>
+    <a:masterClrMapping/>
+  </p:clrMapOvr>
+  <p:timing>
+    <p:tnLst>
+      <p:par>
+        <p:cTn id="1" dur="indefinite" restart="never" nodeType="tmRoot">
+          <p:childTnLst>
+            <p:seq concurrent="1" nextAc="seek">
+              <p:cTn id="2" dur="indefinite" nodeType="mainSeq">
+                <p:childTnLst>
+                  <p:par>
+                    <p:cTn id="3" fill="hold">
+                      <p:stCondLst>
+                        <p:cond delay="indefinite"/>
+                      </p:stCondLst>
+                      <p:childTnLst>
+                        <p:par>
+                          <p:cTn id="4" fill="hold">
+                            <p:stCondLst>
+                              <p:cond delay="0"/>
+                            </p:stCondLst>
+                            <p:childTnLst>
+                              <p:par>
+                                <p:cTn id="5" presetID="9" presetClass="entr" presetSubtype="0" fill="hold" grpId="0" nodeType="clickEffect">
+                                  <p:stCondLst>
+                                    <p:cond delay="0"/>
+                                  </p:stCondLst>
+                                  <p:childTnLst>
+                                    <p:set>
+                                      <p:cBhvr>
+                                        <p:cTn id="6" dur="1" fill="hold">
+                                          <p:stCondLst>
+                                            <p:cond delay="0"/>
+                                          </p:stCondLst>
+                                        </p:cTn>
+                                        <p:tgtEl>
+                                          <p:spTgt spid="10"/>
+                                        </p:tgtEl>
+                                        <p:attrNameLst>
+                                          <p:attrName>style.visibility</p:attrName>
+                                        </p:attrNameLst>
+                                      </p:cBhvr>
+                                      <p:to>
+                                        <p:strVal val="visible"/>
+                                      </p:to>
+                                    </p:set>
+                                    <p:animEffect transition="in" filter="dissolve">
+                                      <p:cBhvr>
+                                        <p:cTn id="7" dur="500"/>
+                                        <p:tgtEl>
+                                          <p:spTgt spid="10"/>
+                                        </p:tgtEl>
+                                      </p:cBhvr>
+                                    </p:animEffect>
+                                  </p:childTnLst>
+                                </p:cTn>
+                              </p:par>
+                            </p:childTnLst>
+                          </p:cTn>
+                        </p:par>
+                      </p:childTnLst>
+                    </p:cTn>
+                  </p:par>
+                  <p:par>
+                    <p:cTn id="8" fill="hold">
+                      <p:stCondLst>
+                        <p:cond delay="indefinite"/>
+                      </p:stCondLst>
+                      <p:childTnLst>
+                        <p:par>
+                          <p:cTn id="9" fill="hold">
+                            <p:stCondLst>
+                              <p:cond delay="0"/>
+                            </p:stCondLst>
+                            <p:childTnLst>
+                              <p:par>
+                                <p:cTn id="10" presetID="9" presetClass="entr" presetSubtype="0" fill="hold" nodeType="clickEffect">
+                                  <p:stCondLst>
+                                    <p:cond delay="0"/>
+                                  </p:stCondLst>
+                                  <p:childTnLst>
+                                    <p:set>
+                                      <p:cBhvr>
+                                        <p:cTn id="11" dur="1" fill="hold">
+                                          <p:stCondLst>
+                                            <p:cond delay="0"/>
+                                          </p:stCondLst>
+                                        </p:cTn>
+                                        <p:tgtEl>
+                                          <p:spTgt spid="8"/>
+                                        </p:tgtEl>
+                                        <p:attrNameLst>
+                                          <p:attrName>style.visibility</p:attrName>
+                                        </p:attrNameLst>
+                                      </p:cBhvr>
+                                      <p:to>
+                                        <p:strVal val="visible"/>
+                                      </p:to>
+                                    </p:set>
+                                    <p:animEffect transition="in" filter="dissolve">
+                                      <p:cBhvr>
+                                        <p:cTn id="12" dur="500"/>
+                                        <p:tgtEl>
+                                          <p:spTgt spid="8"/>
+                                        </p:tgtEl>
+                                      </p:cBhvr>
+                                    </p:animEffect>
+                                  </p:childTnLst>
+                                </p:cTn>
+                              </p:par>
+                            </p:childTnLst>
+                          </p:cTn>
+                        </p:par>
+                      </p:childTnLst>
+                    </p:cTn>
+                  </p:par>
+                  <p:par>
+                    <p:cTn id="13" fill="hold">
+                      <p:stCondLst>
+                        <p:cond delay="indefinite"/>
+                      </p:stCondLst>
+                      <p:childTnLst>
+                        <p:par>
+                          <p:cTn id="14" fill="hold">
+                            <p:stCondLst>
+                              <p:cond delay="0"/>
+                            </p:stCondLst>
+                            <p:childTnLst>
+                              <p:par>
+                                <p:cTn id="15" presetID="9" presetClass="entr" presetSubtype="0" fill="hold" grpId="0" nodeType="clickEffect">
+                                  <p:stCondLst>
+                                    <p:cond delay="0"/>
+                                  </p:stCondLst>
+                                  <p:childTnLst>
+                                    <p:set>
+                                      <p:cBhvr>
+                                        <p:cTn id="16" dur="1" fill="hold">
+                                          <p:stCondLst>
+                                            <p:cond delay="0"/>
+                                          </p:stCondLst>
+                                        </p:cTn>
+                                        <p:tgtEl>
+                                          <p:spTgt spid="28"/>
+                                        </p:tgtEl>
+                                        <p:attrNameLst>
+                                          <p:attrName>style.visibility</p:attrName>
+                                        </p:attrNameLst>
+                                      </p:cBhvr>
+                                      <p:to>
+                                        <p:strVal val="visible"/>
+                                      </p:to>
+                                    </p:set>
+                                    <p:animEffect transition="in" filter="dissolve">
+                                      <p:cBhvr>
+                                        <p:cTn id="17" dur="500"/>
+                                        <p:tgtEl>
+                                          <p:spTgt spid="28"/>
+                                        </p:tgtEl>
+                                      </p:cBhvr>
+                                    </p:animEffect>
+                                  </p:childTnLst>
+                                </p:cTn>
+                              </p:par>
+                            </p:childTnLst>
+                          </p:cTn>
+                        </p:par>
+                      </p:childTnLst>
+                    </p:cTn>
+                  </p:par>
+                  <p:par>
+                    <p:cTn id="18" fill="hold">
+                      <p:stCondLst>
+                        <p:cond delay="indefinite"/>
+                      </p:stCondLst>
+                      <p:childTnLst>
+                        <p:par>
+                          <p:cTn id="19" fill="hold">
+                            <p:stCondLst>
+                              <p:cond delay="0"/>
+                            </p:stCondLst>
+                            <p:childTnLst>
+                              <p:par>
+                                <p:cTn id="20" presetID="9" presetClass="entr" presetSubtype="0" fill="hold" nodeType="clickEffect">
+                                  <p:stCondLst>
+                                    <p:cond delay="0"/>
+                                  </p:stCondLst>
+                                  <p:childTnLst>
+                                    <p:set>
+                                      <p:cBhvr>
+                                        <p:cTn id="21" dur="1" fill="hold">
+                                          <p:stCondLst>
+                                            <p:cond delay="0"/>
+                                          </p:stCondLst>
+                                        </p:cTn>
+                                        <p:tgtEl>
+                                          <p:spTgt spid="27"/>
+                                        </p:tgtEl>
+                                        <p:attrNameLst>
+                                          <p:attrName>style.visibility</p:attrName>
+                                        </p:attrNameLst>
+                                      </p:cBhvr>
+                                      <p:to>
+                                        <p:strVal val="visible"/>
+                                      </p:to>
+                                    </p:set>
+                                    <p:animEffect transition="in" filter="dissolve">
+                                      <p:cBhvr>
+                                        <p:cTn id="22" dur="500"/>
+                                        <p:tgtEl>
+                                          <p:spTgt spid="27"/>
+                                        </p:tgtEl>
+                                      </p:cBhvr>
+                                    </p:animEffect>
+                                  </p:childTnLst>
+                                </p:cTn>
+                              </p:par>
+                            </p:childTnLst>
+                          </p:cTn>
+                        </p:par>
+                      </p:childTnLst>
+                    </p:cTn>
+                  </p:par>
+                  <p:par>
+                    <p:cTn id="23" fill="hold">
+                      <p:stCondLst>
+                        <p:cond delay="indefinite"/>
+                      </p:stCondLst>
+                      <p:childTnLst>
+                        <p:par>
+                          <p:cTn id="24" fill="hold">
+                            <p:stCondLst>
+                              <p:cond delay="0"/>
+                            </p:stCondLst>
+                            <p:childTnLst>
+                              <p:par>
+                                <p:cTn id="25" presetID="9" presetClass="entr" presetSubtype="0" fill="hold" grpId="0" nodeType="clickEffect">
+                                  <p:stCondLst>
+                                    <p:cond delay="0"/>
+                                  </p:stCondLst>
+                                  <p:childTnLst>
+                                    <p:set>
+                                      <p:cBhvr>
+                                        <p:cTn id="26" dur="1" fill="hold">
+                                          <p:stCondLst>
+                                            <p:cond delay="0"/>
+                                          </p:stCondLst>
+                                        </p:cTn>
+                                        <p:tgtEl>
+                                          <p:spTgt spid="34"/>
+                                        </p:tgtEl>
+                                        <p:attrNameLst>
+                                          <p:attrName>style.visibility</p:attrName>
+                                        </p:attrNameLst>
+                                      </p:cBhvr>
+                                      <p:to>
+                                        <p:strVal val="visible"/>
+                                      </p:to>
+                                    </p:set>
+                                    <p:animEffect transition="in" filter="dissolve">
+                                      <p:cBhvr>
+                                        <p:cTn id="27" dur="500"/>
+                                        <p:tgtEl>
+                                          <p:spTgt spid="34"/>
+                                        </p:tgtEl>
+                                      </p:cBhvr>
+                                    </p:animEffect>
+                                  </p:childTnLst>
+                                </p:cTn>
+                              </p:par>
+                            </p:childTnLst>
+                          </p:cTn>
+                        </p:par>
+                      </p:childTnLst>
+                    </p:cTn>
+                  </p:par>
+                </p:childTnLst>
+              </p:cTn>
+              <p:prevCondLst>
+                <p:cond evt="onPrev" delay="0">
+                  <p:tgtEl>
+                    <p:sldTgt/>
+                  </p:tgtEl>
+                </p:cond>
+              </p:prevCondLst>
+              <p:nextCondLst>
+                <p:cond evt="onNext" delay="0">
+                  <p:tgtEl>
+                    <p:sldTgt/>
+                  </p:tgtEl>
+                </p:cond>
+              </p:nextCondLst>
+            </p:seq>
+          </p:childTnLst>
+        </p:cTn>
+      </p:par>
+    </p:tnLst>
+    <p:bldLst>
+      <p:bldP spid="10" grpId="0" animBg="1"/>
+      <p:bldP spid="28" grpId="0" animBg="1"/>
+      <p:bldP spid="34" grpId="0" animBg="1"/>
+    </p:bldLst>
+  </p:timing>
+</p:sld>
+</file>
+
+<file path=ppt/slides/slide12.xml><?xml version="1.0" encoding="utf-8"?>
+<p:sld xmlns:a="http://schemas.openxmlformats.org/drawingml/2006/main" xmlns:r="http://schemas.openxmlformats.org/officeDocument/2006/relationships" xmlns:p="http://schemas.openxmlformats.org/presentationml/2006/main">
+  <p:cSld>
+    <p:spTree>
+      <p:nvGrpSpPr>
+        <p:cNvPr id="1" name=""/>
+        <p:cNvGrpSpPr/>
+        <p:nvPr/>
+      </p:nvGrpSpPr>
+      <p:grpSpPr>
+        <a:xfrm>
+          <a:off x="0" y="0"/>
+          <a:ext cx="0" cy="0"/>
+          <a:chOff x="0" y="0"/>
+          <a:chExt cx="0" cy="0"/>
+        </a:xfrm>
+      </p:grpSpPr>
+      <p:sp>
+        <p:nvSpPr>
+          <p:cNvPr id="2" name="Title 1">
+            <a:extLst>
+              <a:ext uri="{FF2B5EF4-FFF2-40B4-BE49-F238E27FC236}">
+                <a16:creationId xmlns:a16="http://schemas.microsoft.com/office/drawing/2014/main" id="{D1938C4A-972F-C1EB-5456-6AAAE2C4A7AD}"/>
+              </a:ext>
+            </a:extLst>
+          </p:cNvPr>
+          <p:cNvSpPr>
+            <a:spLocks noGrp="1"/>
+          </p:cNvSpPr>
+          <p:nvPr>
+            <p:ph type="title"/>
+          </p:nvPr>
+        </p:nvSpPr>
+        <p:spPr>
+          <a:xfrm>
+            <a:off x="838200" y="260625"/>
+            <a:ext cx="10515600" cy="840823"/>
+          </a:xfrm>
+        </p:spPr>
+        <p:txBody>
+          <a:bodyPr/>
+          <a:lstStyle/>
+          <a:p>
+            <a:r>
+              <a:rPr lang="en-US" dirty="0"/>
+              <a:t>LLM Hallucination</a:t>
+            </a:r>
+          </a:p>
+        </p:txBody>
+      </p:sp>
+      <p:sp>
+        <p:nvSpPr>
+          <p:cNvPr id="7" name="TextBox 6">
+            <a:extLst>
+              <a:ext uri="{FF2B5EF4-FFF2-40B4-BE49-F238E27FC236}">
+                <a16:creationId xmlns:a16="http://schemas.microsoft.com/office/drawing/2014/main" id="{7DA55AD3-E626-1AEE-49E4-3B65D6D0FBCA}"/>
+              </a:ext>
+            </a:extLst>
+          </p:cNvPr>
+          <p:cNvSpPr txBox="1"/>
+          <p:nvPr/>
+        </p:nvSpPr>
+        <p:spPr>
+          <a:xfrm>
+            <a:off x="715617" y="1522455"/>
+            <a:ext cx="9501809" cy="646331"/>
+          </a:xfrm>
+          <a:prstGeom prst="rect">
+            <a:avLst/>
+          </a:prstGeom>
+          <a:noFill/>
+        </p:spPr>
+        <p:txBody>
+          <a:bodyPr wrap="square">
+            <a:spAutoFit/>
+          </a:bodyPr>
+          <a:lstStyle/>
+          <a:p>
+            <a:pPr marL="285750" indent="-285750">
+              <a:buFont typeface="Arial" panose="020B0604020202020204" pitchFamily="34" charset="0"/>
+              <a:buChar char="•"/>
+            </a:pPr>
+            <a:r>
+              <a:rPr lang="en-GB" dirty="0">
+                <a:solidFill>
+                  <a:srgbClr val="0F0F0F"/>
+                </a:solidFill>
+                <a:latin typeface="Roboto" panose="02000000000000000000" pitchFamily="2" charset="0"/>
+              </a:rPr>
+              <a:t>W</a:t>
+            </a:r>
+            <a:r>
+              <a:rPr lang="en-GB" b="0" i="0" dirty="0">
+                <a:solidFill>
+                  <a:srgbClr val="0F0F0F"/>
+                </a:solidFill>
+                <a:effectLst/>
+                <a:latin typeface="Roboto" panose="02000000000000000000" pitchFamily="2" charset="0"/>
+              </a:rPr>
+              <a:t>hile large language models can generate fluent and coherent text on various topics and domains, they are also prone to just "make stuff up". Plausible sounding nonsense!</a:t>
+            </a:r>
+          </a:p>
+        </p:txBody>
+      </p:sp>
+      <p:sp>
+        <p:nvSpPr>
+          <p:cNvPr id="9" name="TextBox 8">
+            <a:extLst>
+              <a:ext uri="{FF2B5EF4-FFF2-40B4-BE49-F238E27FC236}">
+                <a16:creationId xmlns:a16="http://schemas.microsoft.com/office/drawing/2014/main" id="{D14BAD00-B5D6-1C8F-3B43-04D2A7B356D4}"/>
+              </a:ext>
+            </a:extLst>
+          </p:cNvPr>
+          <p:cNvSpPr txBox="1"/>
+          <p:nvPr/>
+        </p:nvSpPr>
+        <p:spPr>
+          <a:xfrm>
+            <a:off x="636104" y="2994992"/>
+            <a:ext cx="1152940" cy="523220"/>
+          </a:xfrm>
+          <a:prstGeom prst="rect">
+            <a:avLst/>
+          </a:prstGeom>
+          <a:noFill/>
+        </p:spPr>
+        <p:txBody>
+          <a:bodyPr wrap="square" rtlCol="0">
+            <a:spAutoFit/>
+          </a:bodyPr>
+          <a:lstStyle/>
+          <a:p>
+            <a:r>
+              <a:rPr lang="en-US" sz="2800" dirty="0"/>
+              <a:t>What</a:t>
+            </a:r>
+          </a:p>
+        </p:txBody>
+      </p:sp>
+      <p:sp>
+        <p:nvSpPr>
+          <p:cNvPr id="11" name="TextBox 10">
+            <a:extLst>
+              <a:ext uri="{FF2B5EF4-FFF2-40B4-BE49-F238E27FC236}">
+                <a16:creationId xmlns:a16="http://schemas.microsoft.com/office/drawing/2014/main" id="{5A786545-2D60-4BE0-5959-AFC3AEB8B628}"/>
+              </a:ext>
+            </a:extLst>
+          </p:cNvPr>
+          <p:cNvSpPr txBox="1"/>
+          <p:nvPr/>
+        </p:nvSpPr>
+        <p:spPr>
+          <a:xfrm>
+            <a:off x="4810538" y="2994992"/>
+            <a:ext cx="1152940" cy="523220"/>
+          </a:xfrm>
+          <a:prstGeom prst="rect">
+            <a:avLst/>
+          </a:prstGeom>
+          <a:noFill/>
+        </p:spPr>
+        <p:txBody>
+          <a:bodyPr wrap="square" rtlCol="0">
+            <a:spAutoFit/>
+          </a:bodyPr>
+          <a:lstStyle/>
+          <a:p>
+            <a:r>
+              <a:rPr lang="en-US" sz="2800" dirty="0"/>
+              <a:t>Why</a:t>
+            </a:r>
+          </a:p>
+        </p:txBody>
+      </p:sp>
+      <p:sp>
+        <p:nvSpPr>
+          <p:cNvPr id="12" name="TextBox 11">
+            <a:extLst>
+              <a:ext uri="{FF2B5EF4-FFF2-40B4-BE49-F238E27FC236}">
+                <a16:creationId xmlns:a16="http://schemas.microsoft.com/office/drawing/2014/main" id="{1556375C-ABB4-F113-073E-5375E30E9F3C}"/>
+              </a:ext>
+            </a:extLst>
+          </p:cNvPr>
+          <p:cNvSpPr txBox="1"/>
+          <p:nvPr/>
+        </p:nvSpPr>
+        <p:spPr>
+          <a:xfrm>
+            <a:off x="8812693" y="2994992"/>
+            <a:ext cx="1630019" cy="523220"/>
+          </a:xfrm>
+          <a:prstGeom prst="rect">
+            <a:avLst/>
+          </a:prstGeom>
+          <a:noFill/>
+        </p:spPr>
+        <p:txBody>
+          <a:bodyPr wrap="square" rtlCol="0">
+            <a:spAutoFit/>
+          </a:bodyPr>
+          <a:lstStyle/>
+          <a:p>
+            <a:r>
+              <a:rPr lang="en-US" sz="2800" dirty="0"/>
+              <a:t>Minimize</a:t>
+            </a:r>
+          </a:p>
+        </p:txBody>
+      </p:sp>
+      <p:sp>
+        <p:nvSpPr>
+          <p:cNvPr id="14" name="TextBox 13">
+            <a:extLst>
+              <a:ext uri="{FF2B5EF4-FFF2-40B4-BE49-F238E27FC236}">
+                <a16:creationId xmlns:a16="http://schemas.microsoft.com/office/drawing/2014/main" id="{26B9032E-F21F-E397-DE8B-24199A80C012}"/>
+              </a:ext>
+            </a:extLst>
+          </p:cNvPr>
+          <p:cNvSpPr txBox="1"/>
+          <p:nvPr/>
+        </p:nvSpPr>
+        <p:spPr>
+          <a:xfrm>
+            <a:off x="159027" y="3592204"/>
+            <a:ext cx="2849218" cy="1384995"/>
+          </a:xfrm>
+          <a:prstGeom prst="rect">
+            <a:avLst/>
+          </a:prstGeom>
+          <a:noFill/>
+        </p:spPr>
+        <p:txBody>
+          <a:bodyPr wrap="square">
+            <a:spAutoFit/>
+          </a:bodyPr>
+          <a:lstStyle/>
+          <a:p>
+            <a:r>
+              <a:rPr lang="en-GB" b="0" i="0" dirty="0">
+                <a:solidFill>
+                  <a:srgbClr val="0F0F0F"/>
+                </a:solidFill>
+                <a:effectLst/>
+                <a:latin typeface="Roboto" panose="02000000000000000000" pitchFamily="2" charset="0"/>
+              </a:rPr>
+              <a:t>Deviation from facts or contextual logic</a:t>
+            </a:r>
+          </a:p>
+          <a:p>
+            <a:pPr marL="285750" indent="-285750">
+              <a:buFont typeface="Arial" panose="020B0604020202020204" pitchFamily="34" charset="0"/>
+              <a:buChar char="•"/>
+            </a:pPr>
+            <a:r>
+              <a:rPr lang="en-GB" sz="1600" dirty="0">
+                <a:solidFill>
+                  <a:srgbClr val="0F0F0F"/>
+                </a:solidFill>
+                <a:latin typeface="Roboto" panose="02000000000000000000" pitchFamily="2" charset="0"/>
+              </a:rPr>
+              <a:t>Minor inconsistences</a:t>
+            </a:r>
+          </a:p>
+          <a:p>
+            <a:pPr marL="285750" indent="-285750">
+              <a:buFont typeface="Arial" panose="020B0604020202020204" pitchFamily="34" charset="0"/>
+              <a:buChar char="•"/>
+            </a:pPr>
+            <a:r>
+              <a:rPr lang="en-GB" sz="1600" dirty="0">
+                <a:solidFill>
+                  <a:srgbClr val="0F0F0F"/>
+                </a:solidFill>
+                <a:latin typeface="Roboto" panose="02000000000000000000" pitchFamily="2" charset="0"/>
+              </a:rPr>
+              <a:t>Completely fabricated</a:t>
+            </a:r>
+          </a:p>
+          <a:p>
+            <a:pPr marL="285750" indent="-285750">
+              <a:buFont typeface="Arial" panose="020B0604020202020204" pitchFamily="34" charset="0"/>
+              <a:buChar char="•"/>
+            </a:pPr>
+            <a:r>
+              <a:rPr lang="en-GB" sz="1600" dirty="0">
+                <a:solidFill>
+                  <a:srgbClr val="0F0F0F"/>
+                </a:solidFill>
+                <a:latin typeface="Roboto" panose="02000000000000000000" pitchFamily="2" charset="0"/>
+              </a:rPr>
+              <a:t>Contradicting statements </a:t>
+            </a:r>
+            <a:endParaRPr lang="en-US" sz="1600" dirty="0"/>
+          </a:p>
+        </p:txBody>
+      </p:sp>
+      <p:sp>
+        <p:nvSpPr>
+          <p:cNvPr id="15" name="TextBox 14">
+            <a:extLst>
+              <a:ext uri="{FF2B5EF4-FFF2-40B4-BE49-F238E27FC236}">
+                <a16:creationId xmlns:a16="http://schemas.microsoft.com/office/drawing/2014/main" id="{BB7DEAC0-7613-4023-F6D4-E6FE9810B8D3}"/>
+              </a:ext>
+            </a:extLst>
+          </p:cNvPr>
+          <p:cNvSpPr txBox="1"/>
+          <p:nvPr/>
+        </p:nvSpPr>
+        <p:spPr>
+          <a:xfrm>
+            <a:off x="3872948" y="3540060"/>
+            <a:ext cx="3422375" cy="1508105"/>
+          </a:xfrm>
+          <a:prstGeom prst="rect">
+            <a:avLst/>
+          </a:prstGeom>
+          <a:noFill/>
+        </p:spPr>
+        <p:txBody>
+          <a:bodyPr wrap="square">
+            <a:spAutoFit/>
+          </a:bodyPr>
+          <a:lstStyle/>
+          <a:p>
+            <a:r>
+              <a:rPr lang="en-GB" b="0" i="0" dirty="0">
+                <a:solidFill>
+                  <a:srgbClr val="0F0F0F"/>
+                </a:solidFill>
+                <a:effectLst/>
+                <a:latin typeface="Roboto" panose="02000000000000000000" pitchFamily="2" charset="0"/>
+              </a:rPr>
+              <a:t>Data quality</a:t>
+            </a:r>
+          </a:p>
+          <a:p>
+            <a:pPr marL="285750" indent="-285750">
+              <a:buFont typeface="Arial" panose="020B0604020202020204" pitchFamily="34" charset="0"/>
+              <a:buChar char="•"/>
+            </a:pPr>
+            <a:r>
+              <a:rPr lang="en-GB" sz="1600" dirty="0">
+                <a:solidFill>
+                  <a:srgbClr val="0F0F0F"/>
+                </a:solidFill>
+                <a:latin typeface="Roboto" panose="02000000000000000000" pitchFamily="2" charset="0"/>
+              </a:rPr>
+              <a:t>Trained on internet data</a:t>
+            </a:r>
+          </a:p>
+          <a:p>
+            <a:pPr marL="742950" lvl="1" indent="-285750">
+              <a:buFont typeface="Arial" panose="020B0604020202020204" pitchFamily="34" charset="0"/>
+              <a:buChar char="•"/>
+            </a:pPr>
+            <a:r>
+              <a:rPr lang="en-GB" sz="1400" dirty="0">
+                <a:solidFill>
+                  <a:srgbClr val="0F0F0F"/>
+                </a:solidFill>
+                <a:latin typeface="Roboto" panose="02000000000000000000" pitchFamily="2" charset="0"/>
+              </a:rPr>
+              <a:t>E.g., Reddit and Wikipedia, right?</a:t>
+            </a:r>
+          </a:p>
+          <a:p>
+            <a:pPr marL="285750" indent="-285750">
+              <a:buFont typeface="Arial" panose="020B0604020202020204" pitchFamily="34" charset="0"/>
+              <a:buChar char="•"/>
+            </a:pPr>
+            <a:r>
+              <a:rPr lang="en-GB" sz="1600" dirty="0">
+                <a:solidFill>
+                  <a:srgbClr val="0F0F0F"/>
+                </a:solidFill>
+                <a:latin typeface="Roboto" panose="02000000000000000000" pitchFamily="2" charset="0"/>
+              </a:rPr>
+              <a:t>Prompt context</a:t>
+            </a:r>
+          </a:p>
+          <a:p>
+            <a:pPr marL="742950" lvl="1" indent="-285750">
+              <a:buFont typeface="Arial" panose="020B0604020202020204" pitchFamily="34" charset="0"/>
+              <a:buChar char="•"/>
+            </a:pPr>
+            <a:r>
+              <a:rPr lang="en-GB" sz="1400" dirty="0">
+                <a:solidFill>
+                  <a:srgbClr val="0F0F0F"/>
+                </a:solidFill>
+                <a:latin typeface="Roboto" panose="02000000000000000000" pitchFamily="2" charset="0"/>
+              </a:rPr>
+              <a:t>Information given to the LLM</a:t>
+            </a:r>
+            <a:endParaRPr lang="en-US" sz="1400" dirty="0"/>
+          </a:p>
+        </p:txBody>
+      </p:sp>
+      <p:sp>
+        <p:nvSpPr>
+          <p:cNvPr id="16" name="TextBox 15">
+            <a:extLst>
+              <a:ext uri="{FF2B5EF4-FFF2-40B4-BE49-F238E27FC236}">
+                <a16:creationId xmlns:a16="http://schemas.microsoft.com/office/drawing/2014/main" id="{7DCA6C57-2FE4-0ED0-77F4-F27E2AA72C0D}"/>
+              </a:ext>
+            </a:extLst>
+          </p:cNvPr>
+          <p:cNvSpPr txBox="1"/>
+          <p:nvPr/>
+        </p:nvSpPr>
+        <p:spPr>
+          <a:xfrm>
+            <a:off x="8160027" y="3592204"/>
+            <a:ext cx="3422374" cy="1292662"/>
+          </a:xfrm>
+          <a:prstGeom prst="rect">
+            <a:avLst/>
+          </a:prstGeom>
+          <a:noFill/>
+        </p:spPr>
+        <p:txBody>
+          <a:bodyPr wrap="square">
+            <a:spAutoFit/>
+          </a:bodyPr>
+          <a:lstStyle/>
+          <a:p>
+            <a:r>
+              <a:rPr lang="en-GB" b="0" i="0" dirty="0">
+                <a:solidFill>
+                  <a:srgbClr val="0F0F0F"/>
+                </a:solidFill>
+                <a:effectLst/>
+                <a:latin typeface="Roboto" panose="02000000000000000000" pitchFamily="2" charset="0"/>
+              </a:rPr>
+              <a:t>Clear and specific prompts</a:t>
+            </a:r>
+          </a:p>
+          <a:p>
+            <a:r>
+              <a:rPr lang="en-GB" dirty="0">
+                <a:solidFill>
+                  <a:srgbClr val="0F0F0F"/>
+                </a:solidFill>
+                <a:latin typeface="Roboto" panose="02000000000000000000" pitchFamily="2" charset="0"/>
+              </a:rPr>
+              <a:t>Multi shot prompting</a:t>
+            </a:r>
+          </a:p>
+          <a:p>
+            <a:pPr marL="285750" indent="-285750">
+              <a:buFont typeface="Arial" panose="020B0604020202020204" pitchFamily="34" charset="0"/>
+              <a:buChar char="•"/>
+            </a:pPr>
+            <a:r>
+              <a:rPr lang="en-GB" sz="1400" b="0" i="0" dirty="0">
+                <a:solidFill>
+                  <a:srgbClr val="0F0F0F"/>
+                </a:solidFill>
+                <a:effectLst/>
+                <a:latin typeface="Roboto" panose="02000000000000000000" pitchFamily="2" charset="0"/>
+              </a:rPr>
+              <a:t>provides the LLM with multiple examples of the desired output format or context,</a:t>
+            </a:r>
+            <a:endParaRPr lang="en-GB" sz="1400" dirty="0">
+              <a:solidFill>
+                <a:srgbClr val="0F0F0F"/>
+              </a:solidFill>
+              <a:latin typeface="Roboto" panose="02000000000000000000" pitchFamily="2" charset="0"/>
+            </a:endParaRPr>
+          </a:p>
+        </p:txBody>
+      </p:sp>
+    </p:spTree>
+    <p:extLst>
+      <p:ext uri="{BB962C8B-B14F-4D97-AF65-F5344CB8AC3E}">
+        <p14:creationId xmlns:p14="http://schemas.microsoft.com/office/powerpoint/2010/main" val="3387418304"/>
       </p:ext>
     </p:extLst>
   </p:cSld>

--- a/teaching/CS472/Timetable/LLM.pptx
+++ b/teaching/CS472/Timetable/LLM.pptx
@@ -11970,6 +11970,76 @@
           </a:prstGeom>
         </p:spPr>
       </p:pic>
+      <p:pic>
+        <p:nvPicPr>
+          <p:cNvPr id="8" name="Picture 7" descr="A pie chart with numbers and text&#10;&#10;Description automatically generated">
+            <a:extLst>
+              <a:ext uri="{FF2B5EF4-FFF2-40B4-BE49-F238E27FC236}">
+                <a16:creationId xmlns:a16="http://schemas.microsoft.com/office/drawing/2014/main" id="{6D8B38FA-628E-9D84-6678-5B2CD63613BB}"/>
+              </a:ext>
+            </a:extLst>
+          </p:cNvPr>
+          <p:cNvPicPr>
+            <a:picLocks noChangeAspect="1"/>
+          </p:cNvPicPr>
+          <p:nvPr/>
+        </p:nvPicPr>
+        <p:blipFill>
+          <a:blip r:embed="rId3"/>
+          <a:stretch>
+            <a:fillRect/>
+          </a:stretch>
+        </p:blipFill>
+        <p:spPr>
+          <a:xfrm>
+            <a:off x="3761205" y="4955520"/>
+            <a:ext cx="3225800" cy="1739900"/>
+          </a:xfrm>
+          <a:prstGeom prst="rect">
+            <a:avLst/>
+          </a:prstGeom>
+        </p:spPr>
+      </p:pic>
+      <p:sp>
+        <p:nvSpPr>
+          <p:cNvPr id="10" name="TextBox 9">
+            <a:extLst>
+              <a:ext uri="{FF2B5EF4-FFF2-40B4-BE49-F238E27FC236}">
+                <a16:creationId xmlns:a16="http://schemas.microsoft.com/office/drawing/2014/main" id="{D72EF896-CE14-B0B3-6B5A-8EA4C00B2FB7}"/>
+              </a:ext>
+            </a:extLst>
+          </p:cNvPr>
+          <p:cNvSpPr txBox="1"/>
+          <p:nvPr/>
+        </p:nvSpPr>
+        <p:spPr>
+          <a:xfrm>
+            <a:off x="3559007" y="4955520"/>
+            <a:ext cx="3630195" cy="307777"/>
+          </a:xfrm>
+          <a:prstGeom prst="rect">
+            <a:avLst/>
+          </a:prstGeom>
+          <a:noFill/>
+        </p:spPr>
+        <p:txBody>
+          <a:bodyPr wrap="square">
+            <a:spAutoFit/>
+          </a:bodyPr>
+          <a:lstStyle/>
+          <a:p>
+            <a:r>
+              <a:rPr lang="en-US" sz="1400" dirty="0"/>
+              <a:t>Career Preparation with Mr. James </a:t>
+            </a:r>
+            <a:r>
+              <a:rPr lang="en-US" sz="1400" dirty="0" err="1"/>
+              <a:t>Benaventa</a:t>
+            </a:r>
+            <a:endParaRPr lang="en-US" sz="1400" dirty="0"/>
+          </a:p>
+        </p:txBody>
+      </p:sp>
     </p:spTree>
     <p:extLst>
       <p:ext uri="{BB962C8B-B14F-4D97-AF65-F5344CB8AC3E}">
